--- a/out_data/21T7-008.pptx
+++ b/out_data/21T7-008.pptx
@@ -5,7 +5,7 @@
     <p:sldMasterId id="2147483648" r:id="rId1"/>
   </p:sldMasterIdLst>
   <p:notesMasterIdLst>
-    <p:notesMasterId r:id="rId23"/>
+    <p:notesMasterId r:id="rId24"/>
   </p:notesMasterIdLst>
   <p:sldIdLst>
     <p:sldId id="256" r:id="rId2"/>
@@ -29,6 +29,7 @@
     <p:sldId id="282" r:id="rId20"/>
     <p:sldId id="283" r:id="rId21"/>
     <p:sldId id="284" r:id="rId22"/>
+    <p:sldId id="306" r:id="rId23"/>
   </p:sldIdLst>
   <p:sldSz cx="12192000" cy="6858000"/>
   <p:notesSz cx="6858000" cy="9144000"/>
@@ -1466,6 +1467,114 @@
     <p:extLst>
       <p:ext uri="{BB962C8B-B14F-4D97-AF65-F5344CB8AC3E}">
         <p14:creationId xmlns:p14="http://schemas.microsoft.com/office/powerpoint/2010/main" val="1651786580"/>
+      </p:ext>
+    </p:extLst>
+  </p:cSld>
+  <p:clrMapOvr>
+    <a:masterClrMapping/>
+  </p:clrMapOvr>
+</p:notes>
+</file>
+
+<file path=ppt/notesSlides/notesSlide18.xml><?xml version="1.0" encoding="utf-8"?>
+<p:notes xmlns:a="http://schemas.openxmlformats.org/drawingml/2006/main" xmlns:r="http://schemas.openxmlformats.org/officeDocument/2006/relationships" xmlns:p="http://schemas.openxmlformats.org/presentationml/2006/main">
+  <p:cSld>
+    <p:spTree>
+      <p:nvGrpSpPr>
+        <p:cNvPr id="1" name="">
+          <a:extLst>
+            <a:ext uri="{FF2B5EF4-FFF2-40B4-BE49-F238E27FC236}">
+              <a16:creationId xmlns:a16="http://schemas.microsoft.com/office/drawing/2014/main" id="{F63A46B4-EEC0-7BCC-FB10-C36997B90F2D}"/>
+            </a:ext>
+          </a:extLst>
+        </p:cNvPr>
+        <p:cNvGrpSpPr/>
+        <p:nvPr/>
+      </p:nvGrpSpPr>
+      <p:grpSpPr>
+        <a:xfrm>
+          <a:off x="0" y="0"/>
+          <a:ext cx="0" cy="0"/>
+          <a:chOff x="0" y="0"/>
+          <a:chExt cx="0" cy="0"/>
+        </a:xfrm>
+      </p:grpSpPr>
+      <p:sp>
+        <p:nvSpPr>
+          <p:cNvPr id="2" name="スライド イメージ プレースホルダー 1">
+            <a:extLst>
+              <a:ext uri="{FF2B5EF4-FFF2-40B4-BE49-F238E27FC236}">
+                <a16:creationId xmlns:a16="http://schemas.microsoft.com/office/drawing/2014/main" id="{EBBC1C26-1E8F-E19C-3B8E-5D6E7B85222A}"/>
+              </a:ext>
+            </a:extLst>
+          </p:cNvPr>
+          <p:cNvSpPr>
+            <a:spLocks noGrp="1" noRot="1" noChangeAspect="1"/>
+          </p:cNvSpPr>
+          <p:nvPr>
+            <p:ph type="sldImg"/>
+          </p:nvPr>
+        </p:nvSpPr>
+        <p:spPr/>
+      </p:sp>
+      <p:sp>
+        <p:nvSpPr>
+          <p:cNvPr id="3" name="ノート プレースホルダー 2">
+            <a:extLst>
+              <a:ext uri="{FF2B5EF4-FFF2-40B4-BE49-F238E27FC236}">
+                <a16:creationId xmlns:a16="http://schemas.microsoft.com/office/drawing/2014/main" id="{794F1A82-0E35-DDC7-736A-89DE5E8BAA54}"/>
+              </a:ext>
+            </a:extLst>
+          </p:cNvPr>
+          <p:cNvSpPr>
+            <a:spLocks noGrp="1"/>
+          </p:cNvSpPr>
+          <p:nvPr>
+            <p:ph type="body" idx="1"/>
+          </p:nvPr>
+        </p:nvSpPr>
+        <p:spPr/>
+        <p:txBody>
+          <a:bodyPr/>
+          <a:lstStyle/>
+          <a:p>
+            <a:endParaRPr kumimoji="1" lang="ja-JP" altLang="en-US" dirty="0"/>
+          </a:p>
+        </p:txBody>
+      </p:sp>
+      <p:sp>
+        <p:nvSpPr>
+          <p:cNvPr id="4" name="スライド番号プレースホルダー 3">
+            <a:extLst>
+              <a:ext uri="{FF2B5EF4-FFF2-40B4-BE49-F238E27FC236}">
+                <a16:creationId xmlns:a16="http://schemas.microsoft.com/office/drawing/2014/main" id="{A22D1201-39F1-DC31-8EDE-867F5C65048F}"/>
+              </a:ext>
+            </a:extLst>
+          </p:cNvPr>
+          <p:cNvSpPr>
+            <a:spLocks noGrp="1"/>
+          </p:cNvSpPr>
+          <p:nvPr>
+            <p:ph type="sldNum" sz="quarter" idx="5"/>
+          </p:nvPr>
+        </p:nvSpPr>
+        <p:spPr/>
+        <p:txBody>
+          <a:bodyPr/>
+          <a:lstStyle/>
+          <a:p>
+            <a:fld id="{9F795AEA-2D13-45C4-B2DE-A01A8CE404EA}" type="slidenum">
+              <a:rPr kumimoji="1" lang="ja-JP" altLang="en-US" smtClean="0"/>
+              <a:t>22</a:t>
+            </a:fld>
+            <a:endParaRPr kumimoji="1" lang="ja-JP" altLang="en-US"/>
+          </a:p>
+        </p:txBody>
+      </p:sp>
+    </p:spTree>
+    <p:extLst>
+      <p:ext uri="{BB962C8B-B14F-4D97-AF65-F5344CB8AC3E}">
+        <p14:creationId xmlns:p14="http://schemas.microsoft.com/office/powerpoint/2010/main" val="2751429244"/>
       </p:ext>
     </p:extLst>
   </p:cSld>
@@ -5948,18 +6057,6 @@
               </a:rPr>
               <a:t>を用いた</a:t>
             </a:r>
-            <a:r>
-              <a:rPr kumimoji="1" lang="en-US" altLang="ja-JP" sz="3600" dirty="0">
-                <a:solidFill>
-                  <a:schemeClr val="bg1">
-                    <a:lumMod val="85000"/>
-                  </a:schemeClr>
-                </a:solidFill>
-                <a:latin typeface="メイリオ" panose="020B0604030504040204" pitchFamily="50" charset="-128"/>
-                <a:ea typeface="メイリオ" panose="020B0604030504040204" pitchFamily="50" charset="-128"/>
-              </a:rPr>
-              <a:t/>
-            </a:r>
             <a:br>
               <a:rPr kumimoji="1" lang="en-US" altLang="ja-JP" sz="3600" dirty="0">
                 <a:solidFill>
@@ -6126,13 +6223,6 @@
   <p:clrMapOvr>
     <a:masterClrMapping/>
   </p:clrMapOvr>
-  <p:timing>
-    <p:tnLst>
-      <p:par>
-        <p:cTn id="1" dur="indefinite" restart="never" nodeType="tmRoot"/>
-      </p:par>
-    </p:tnLst>
-  </p:timing>
 </p:sld>
 </file>
 
@@ -6383,7 +6473,7 @@
           <a:p>
             <a:pPr algn="ctr"/>
             <a:r>
-              <a:rPr lang="ja-JP" altLang="en-US" sz="2400" dirty="0" smtClean="0">
+              <a:rPr lang="ja-JP" altLang="en-US" sz="2400" dirty="0">
                 <a:solidFill>
                   <a:schemeClr val="tx1"/>
                 </a:solidFill>
@@ -6392,13 +6482,6 @@
               </a:rPr>
               <a:t>全データ学習</a:t>
             </a:r>
-            <a:endParaRPr lang="ja-JP" altLang="en-US" sz="2400" dirty="0">
-              <a:solidFill>
-                <a:schemeClr val="tx1"/>
-              </a:solidFill>
-              <a:latin typeface="メイリオ" panose="020B0604030504040204" pitchFamily="50" charset="-128"/>
-              <a:ea typeface="メイリオ" panose="020B0604030504040204" pitchFamily="50" charset="-128"/>
-            </a:endParaRPr>
           </a:p>
         </p:txBody>
       </p:sp>
@@ -6454,7 +6537,7 @@
           <a:p>
             <a:pPr algn="ctr"/>
             <a:r>
-              <a:rPr lang="ja-JP" altLang="en-US" sz="2400" dirty="0" smtClean="0">
+              <a:rPr lang="ja-JP" altLang="en-US" sz="2400" dirty="0">
                 <a:solidFill>
                   <a:schemeClr val="tx1"/>
                 </a:solidFill>
@@ -6463,18 +6546,8 @@
               </a:rPr>
               <a:t>特徴量</a:t>
             </a:r>
-            <a:r>
-              <a:rPr lang="en-US" altLang="ja-JP" sz="2400" dirty="0" smtClean="0">
-                <a:solidFill>
-                  <a:schemeClr val="tx1"/>
-                </a:solidFill>
-                <a:latin typeface="メイリオ" panose="020B0604030504040204" pitchFamily="50" charset="-128"/>
-                <a:ea typeface="メイリオ" panose="020B0604030504040204" pitchFamily="50" charset="-128"/>
-              </a:rPr>
-              <a:t/>
-            </a:r>
             <a:br>
-              <a:rPr lang="en-US" altLang="ja-JP" sz="2400" dirty="0" smtClean="0">
+              <a:rPr lang="en-US" altLang="ja-JP" sz="2400" dirty="0">
                 <a:solidFill>
                   <a:schemeClr val="tx1"/>
                 </a:solidFill>
@@ -6483,7 +6556,7 @@
               </a:rPr>
             </a:br>
             <a:r>
-              <a:rPr lang="ja-JP" altLang="en-US" sz="2400" dirty="0" smtClean="0">
+              <a:rPr lang="ja-JP" altLang="en-US" sz="2400" dirty="0">
                 <a:solidFill>
                   <a:schemeClr val="tx1"/>
                 </a:solidFill>
@@ -6492,13 +6565,6 @@
               </a:rPr>
               <a:t>需要度算出</a:t>
             </a:r>
-            <a:endParaRPr lang="ja-JP" altLang="en-US" sz="2400" dirty="0">
-              <a:solidFill>
-                <a:schemeClr val="tx1"/>
-              </a:solidFill>
-              <a:latin typeface="メイリオ" panose="020B0604030504040204" pitchFamily="50" charset="-128"/>
-              <a:ea typeface="メイリオ" panose="020B0604030504040204" pitchFamily="50" charset="-128"/>
-            </a:endParaRPr>
           </a:p>
         </p:txBody>
       </p:sp>
@@ -6554,7 +6620,7 @@
           <a:p>
             <a:pPr algn="ctr"/>
             <a:r>
-              <a:rPr lang="ja-JP" altLang="en-US" sz="2400" dirty="0" smtClean="0">
+              <a:rPr lang="ja-JP" altLang="en-US" sz="2400" dirty="0">
                 <a:solidFill>
                   <a:schemeClr val="tx1"/>
                 </a:solidFill>
@@ -6563,13 +6629,6 @@
               </a:rPr>
               <a:t>特徴量の選定</a:t>
             </a:r>
-            <a:endParaRPr lang="ja-JP" altLang="en-US" sz="2400" dirty="0">
-              <a:solidFill>
-                <a:schemeClr val="tx1"/>
-              </a:solidFill>
-              <a:latin typeface="メイリオ" panose="020B0604030504040204" pitchFamily="50" charset="-128"/>
-              <a:ea typeface="メイリオ" panose="020B0604030504040204" pitchFamily="50" charset="-128"/>
-            </a:endParaRPr>
           </a:p>
         </p:txBody>
       </p:sp>
@@ -6637,13 +6696,13 @@
               </a:lnSpc>
             </a:pPr>
             <a:r>
-              <a:rPr lang="ja-JP" altLang="en-US" sz="2400" dirty="0" smtClean="0">
+              <a:rPr lang="ja-JP" altLang="en-US" sz="2400" dirty="0">
                 <a:latin typeface="メイリオ" panose="020B0604030504040204" pitchFamily="50" charset="-128"/>
                 <a:ea typeface="メイリオ" panose="020B0604030504040204" pitchFamily="50" charset="-128"/>
               </a:rPr>
               <a:t>特徴量選定</a:t>
             </a:r>
-            <a:endParaRPr lang="en-US" altLang="ja-JP" sz="2400" dirty="0" smtClean="0">
+            <a:endParaRPr lang="en-US" altLang="ja-JP" sz="2400" dirty="0">
               <a:latin typeface="メイリオ" panose="020B0604030504040204" pitchFamily="50" charset="-128"/>
               <a:ea typeface="メイリオ" panose="020B0604030504040204" pitchFamily="50" charset="-128"/>
             </a:endParaRPr>
@@ -6862,7 +6921,7 @@
           <a:p>
             <a:pPr algn="ctr"/>
             <a:r>
-              <a:rPr lang="ja-JP" altLang="en-US" sz="2400" dirty="0" smtClean="0">
+              <a:rPr lang="ja-JP" altLang="en-US" sz="2400" dirty="0">
                 <a:solidFill>
                   <a:schemeClr val="tx1"/>
                 </a:solidFill>
@@ -6871,13 +6930,6 @@
               </a:rPr>
               <a:t>学習</a:t>
             </a:r>
-            <a:endParaRPr lang="ja-JP" altLang="en-US" sz="2400" dirty="0">
-              <a:solidFill>
-                <a:schemeClr val="tx1"/>
-              </a:solidFill>
-              <a:latin typeface="メイリオ" panose="020B0604030504040204" pitchFamily="50" charset="-128"/>
-              <a:ea typeface="メイリオ" panose="020B0604030504040204" pitchFamily="50" charset="-128"/>
-            </a:endParaRPr>
           </a:p>
         </p:txBody>
       </p:sp>
@@ -6973,7 +7025,7 @@
           <a:p>
             <a:pPr algn="ctr"/>
             <a:r>
-              <a:rPr lang="ja-JP" altLang="en-US" sz="2400" dirty="0" smtClean="0">
+              <a:rPr lang="ja-JP" altLang="en-US" sz="2400" dirty="0">
                 <a:solidFill>
                   <a:schemeClr val="tx1"/>
                 </a:solidFill>
@@ -6982,13 +7034,6 @@
               </a:rPr>
               <a:t>評価</a:t>
             </a:r>
-            <a:endParaRPr lang="ja-JP" altLang="en-US" sz="2400" dirty="0">
-              <a:solidFill>
-                <a:schemeClr val="tx1"/>
-              </a:solidFill>
-              <a:latin typeface="メイリオ" panose="020B0604030504040204" pitchFamily="50" charset="-128"/>
-              <a:ea typeface="メイリオ" panose="020B0604030504040204" pitchFamily="50" charset="-128"/>
-            </a:endParaRPr>
           </a:p>
         </p:txBody>
       </p:sp>
@@ -7050,7 +7095,7 @@
               </a:lnSpc>
             </a:pPr>
             <a:r>
-              <a:rPr lang="ja-JP" altLang="en-US" sz="2400" dirty="0" smtClean="0">
+              <a:rPr lang="ja-JP" altLang="en-US" sz="2400" dirty="0">
                 <a:latin typeface="メイリオ" panose="020B0604030504040204" pitchFamily="50" charset="-128"/>
                 <a:ea typeface="メイリオ" panose="020B0604030504040204" pitchFamily="50" charset="-128"/>
               </a:rPr>
@@ -7090,7 +7135,7 @@
               </a:lnSpc>
             </a:pPr>
             <a:r>
-              <a:rPr lang="ja-JP" altLang="en-US" sz="2400" dirty="0" smtClean="0">
+              <a:rPr lang="ja-JP" altLang="en-US" sz="2400" dirty="0">
                 <a:latin typeface="メイリオ" panose="020B0604030504040204" pitchFamily="50" charset="-128"/>
                 <a:ea typeface="メイリオ" panose="020B0604030504040204" pitchFamily="50" charset="-128"/>
               </a:rPr>
@@ -7183,7 +7228,7 @@
               </a:lnSpc>
             </a:pPr>
             <a:r>
-              <a:rPr lang="ja-JP" altLang="en-US" sz="2400" dirty="0" smtClean="0">
+              <a:rPr lang="ja-JP" altLang="en-US" sz="2400" dirty="0">
                 <a:latin typeface="メイリオ" panose="020B0604030504040204" pitchFamily="50" charset="-128"/>
                 <a:ea typeface="メイリオ" panose="020B0604030504040204" pitchFamily="50" charset="-128"/>
               </a:rPr>
@@ -7230,7 +7275,7 @@
               </a:lnSpc>
             </a:pPr>
             <a:r>
-              <a:rPr lang="ja-JP" altLang="en-US" sz="2400" dirty="0" smtClean="0">
+              <a:rPr lang="ja-JP" altLang="en-US" sz="2400" dirty="0">
                 <a:latin typeface="メイリオ" panose="020B0604030504040204" pitchFamily="50" charset="-128"/>
                 <a:ea typeface="メイリオ" panose="020B0604030504040204" pitchFamily="50" charset="-128"/>
               </a:rPr>
@@ -7378,18 +7423,18 @@
           <a:p>
             <a:pPr algn="ctr"/>
             <a:r>
-              <a:rPr kumimoji="1" lang="ja-JP" altLang="en-US" sz="2400" b="1" dirty="0" smtClean="0"/>
+              <a:rPr kumimoji="1" lang="ja-JP" altLang="en-US" sz="2400" b="1" dirty="0"/>
               <a:t>上位</a:t>
             </a:r>
             <a:r>
-              <a:rPr lang="en-US" altLang="ja-JP" sz="2400" b="1" dirty="0" smtClean="0"/>
+              <a:rPr lang="en-US" altLang="ja-JP" sz="2400" b="1" dirty="0"/>
               <a:t>10</a:t>
             </a:r>
             <a:r>
-              <a:rPr lang="ja-JP" altLang="en-US" sz="2400" b="1" dirty="0" smtClean="0"/>
+              <a:rPr lang="ja-JP" altLang="en-US" sz="2400" b="1" dirty="0"/>
               <a:t>個</a:t>
             </a:r>
-            <a:endParaRPr kumimoji="1" lang="en-US" altLang="ja-JP" sz="2400" b="1" dirty="0" smtClean="0"/>
+            <a:endParaRPr kumimoji="1" lang="en-US" altLang="ja-JP" sz="2400" b="1" dirty="0"/>
           </a:p>
         </p:txBody>
       </p:sp>
@@ -7436,22 +7481,18 @@
           <a:p>
             <a:pPr algn="ctr"/>
             <a:r>
-              <a:rPr kumimoji="1" lang="ja-JP" altLang="en-US" sz="2400" b="1" dirty="0" smtClean="0"/>
+              <a:rPr kumimoji="1" lang="ja-JP" altLang="en-US" sz="2400" b="1" dirty="0"/>
               <a:t>上位</a:t>
             </a:r>
             <a:r>
               <a:rPr lang="en-US" altLang="ja-JP" sz="2400" b="1" dirty="0"/>
-              <a:t>2</a:t>
+              <a:t>20</a:t>
             </a:r>
             <a:r>
-              <a:rPr lang="en-US" altLang="ja-JP" sz="2400" b="1" dirty="0" smtClean="0"/>
-              <a:t>0</a:t>
-            </a:r>
-            <a:r>
-              <a:rPr lang="ja-JP" altLang="en-US" sz="2400" b="1" dirty="0" smtClean="0"/>
+              <a:rPr lang="ja-JP" altLang="en-US" sz="2400" b="1" dirty="0"/>
               <a:t>個</a:t>
             </a:r>
-            <a:endParaRPr kumimoji="1" lang="en-US" altLang="ja-JP" sz="2400" b="1" dirty="0" smtClean="0"/>
+            <a:endParaRPr kumimoji="1" lang="en-US" altLang="ja-JP" sz="2400" b="1" dirty="0"/>
           </a:p>
         </p:txBody>
       </p:sp>
@@ -7498,18 +7539,18 @@
           <a:p>
             <a:pPr algn="ctr"/>
             <a:r>
-              <a:rPr kumimoji="1" lang="ja-JP" altLang="en-US" sz="2400" b="1" dirty="0" smtClean="0"/>
+              <a:rPr kumimoji="1" lang="ja-JP" altLang="en-US" sz="2400" b="1" dirty="0"/>
               <a:t>上位</a:t>
             </a:r>
             <a:r>
-              <a:rPr lang="en-US" altLang="ja-JP" sz="2400" b="1" dirty="0" smtClean="0"/>
+              <a:rPr lang="en-US" altLang="ja-JP" sz="2400" b="1" dirty="0"/>
               <a:t>30</a:t>
             </a:r>
             <a:r>
-              <a:rPr lang="ja-JP" altLang="en-US" sz="2400" b="1" dirty="0" smtClean="0"/>
+              <a:rPr lang="ja-JP" altLang="en-US" sz="2400" b="1" dirty="0"/>
               <a:t>個</a:t>
             </a:r>
-            <a:endParaRPr kumimoji="1" lang="en-US" altLang="ja-JP" sz="2400" b="1" dirty="0" smtClean="0"/>
+            <a:endParaRPr kumimoji="1" lang="en-US" altLang="ja-JP" sz="2400" b="1" dirty="0"/>
           </a:p>
         </p:txBody>
       </p:sp>
@@ -7560,22 +7601,18 @@
               <a:t>高低</a:t>
             </a:r>
             <a:r>
-              <a:rPr kumimoji="1" lang="ja-JP" altLang="en-US" sz="2400" b="1" dirty="0" smtClean="0"/>
+              <a:rPr kumimoji="1" lang="ja-JP" altLang="en-US" sz="2400" b="1" dirty="0"/>
               <a:t>上位</a:t>
             </a:r>
             <a:r>
               <a:rPr lang="en-US" altLang="ja-JP" sz="2400" b="1" dirty="0"/>
-              <a:t>2</a:t>
+              <a:t>20</a:t>
             </a:r>
             <a:r>
-              <a:rPr lang="en-US" altLang="ja-JP" sz="2400" b="1" dirty="0" smtClean="0"/>
-              <a:t>0</a:t>
-            </a:r>
-            <a:r>
-              <a:rPr lang="ja-JP" altLang="en-US" sz="2400" b="1" dirty="0" smtClean="0"/>
+              <a:rPr lang="ja-JP" altLang="en-US" sz="2400" b="1" dirty="0"/>
               <a:t>個</a:t>
             </a:r>
-            <a:endParaRPr kumimoji="1" lang="en-US" altLang="ja-JP" sz="2400" b="1" dirty="0" smtClean="0"/>
+            <a:endParaRPr kumimoji="1" lang="en-US" altLang="ja-JP" sz="2400" b="1" dirty="0"/>
           </a:p>
         </p:txBody>
       </p:sp>
@@ -7626,22 +7663,18 @@
               <a:t>高低</a:t>
             </a:r>
             <a:r>
-              <a:rPr kumimoji="1" lang="ja-JP" altLang="en-US" sz="2400" b="1" dirty="0" smtClean="0"/>
+              <a:rPr kumimoji="1" lang="ja-JP" altLang="en-US" sz="2400" b="1" dirty="0"/>
               <a:t>上位</a:t>
             </a:r>
             <a:r>
               <a:rPr lang="en-US" altLang="ja-JP" sz="2400" b="1" dirty="0"/>
-              <a:t>2</a:t>
+              <a:t>20</a:t>
             </a:r>
             <a:r>
-              <a:rPr lang="en-US" altLang="ja-JP" sz="2400" b="1" dirty="0" smtClean="0"/>
-              <a:t>0</a:t>
-            </a:r>
-            <a:r>
-              <a:rPr lang="ja-JP" altLang="en-US" sz="2400" b="1" dirty="0" smtClean="0"/>
+              <a:rPr lang="ja-JP" altLang="en-US" sz="2400" b="1" dirty="0"/>
               <a:t>個</a:t>
             </a:r>
-            <a:endParaRPr kumimoji="1" lang="en-US" altLang="ja-JP" sz="2400" b="1" dirty="0" smtClean="0"/>
+            <a:endParaRPr kumimoji="1" lang="en-US" altLang="ja-JP" sz="2400" b="1" dirty="0"/>
           </a:p>
         </p:txBody>
       </p:sp>
@@ -7796,18 +7829,13 @@
                     <a:p>
                       <a:pPr algn="ctr"/>
                       <a:r>
-                        <a:rPr kumimoji="1" lang="ja-JP" altLang="en-US" sz="2400" b="1" dirty="0" smtClean="0">
+                        <a:rPr kumimoji="1" lang="ja-JP" altLang="en-US" sz="2400" b="1" dirty="0">
                           <a:solidFill>
                             <a:srgbClr val="FF0000"/>
                           </a:solidFill>
                         </a:rPr>
                         <a:t>ベンチマーク</a:t>
                       </a:r>
-                      <a:endParaRPr kumimoji="1" lang="ja-JP" altLang="en-US" sz="2400" b="1" dirty="0">
-                        <a:solidFill>
-                          <a:srgbClr val="FF0000"/>
-                        </a:solidFill>
-                      </a:endParaRPr>
                     </a:p>
                   </a:txBody>
                   <a:tcPr anchor="ctr">
@@ -8192,13 +8220,6 @@
   <p:clrMapOvr>
     <a:masterClrMapping/>
   </p:clrMapOvr>
-  <p:timing>
-    <p:tnLst>
-      <p:par>
-        <p:cTn id="1" dur="indefinite" restart="never" nodeType="tmRoot"/>
-      </p:par>
-    </p:tnLst>
-  </p:timing>
 </p:sld>
 </file>
 
@@ -8355,21 +8376,7 @@
                 <a:latin typeface="メイリオ" panose="020B0604030504040204" pitchFamily="50" charset="-128"/>
                 <a:ea typeface="メイリオ" panose="020B0604030504040204" pitchFamily="50" charset="-128"/>
               </a:rPr>
-              <a:t>時間値</a:t>
-            </a:r>
-            <a:r>
-              <a:rPr lang="ja-JP" altLang="en-US" sz="2400" dirty="0" smtClean="0">
-                <a:latin typeface="メイリオ" panose="020B0604030504040204" pitchFamily="50" charset="-128"/>
-                <a:ea typeface="メイリオ" panose="020B0604030504040204" pitchFamily="50" charset="-128"/>
-              </a:rPr>
-              <a:t>評価及び</a:t>
-            </a:r>
-            <a:r>
-              <a:rPr lang="ja-JP" altLang="en-US" sz="2400" dirty="0">
-                <a:latin typeface="メイリオ" panose="020B0604030504040204" pitchFamily="50" charset="-128"/>
-                <a:ea typeface="メイリオ" panose="020B0604030504040204" pitchFamily="50" charset="-128"/>
-              </a:rPr>
-              <a:t>日別評価</a:t>
+              <a:t>時間値評価及び日別評価</a:t>
             </a:r>
             <a:endParaRPr kumimoji="1" lang="en-US" altLang="ja-JP" sz="2400" dirty="0">
               <a:latin typeface="メイリオ" panose="020B0604030504040204" pitchFamily="50" charset="-128"/>
@@ -10291,7 +10298,7 @@
                     <a:p>
                       <a:pPr algn="ctr" fontAlgn="ctr"/>
                       <a:r>
-                        <a:rPr lang="en-US" sz="2400" b="1" u="none" strike="noStrike" dirty="0" smtClean="0">
+                        <a:rPr lang="en-US" sz="2400" b="1" u="none" strike="noStrike" dirty="0">
                           <a:effectLst/>
                           <a:latin typeface="メイリオ" panose="020B0604030504040204" pitchFamily="50" charset="-128"/>
                           <a:ea typeface="メイリオ" panose="020B0604030504040204" pitchFamily="50" charset="-128"/>
@@ -10299,7 +10306,7 @@
                         <a:t>1</a:t>
                       </a:r>
                       <a:r>
-                        <a:rPr lang="ja-JP" altLang="en-US" sz="2400" b="1" u="none" strike="noStrike" dirty="0" smtClean="0">
+                        <a:rPr lang="ja-JP" altLang="en-US" sz="2400" b="1" u="none" strike="noStrike" dirty="0">
                           <a:effectLst/>
                           <a:latin typeface="メイリオ" panose="020B0604030504040204" pitchFamily="50" charset="-128"/>
                           <a:ea typeface="メイリオ" panose="020B0604030504040204" pitchFamily="50" charset="-128"/>
@@ -10325,7 +10332,7 @@
                     <a:p>
                       <a:pPr algn="ctr" fontAlgn="ctr"/>
                       <a:r>
-                        <a:rPr lang="en-US" altLang="ja-JP" sz="2400" b="1" u="none" strike="noStrike" dirty="0" smtClean="0">
+                        <a:rPr lang="en-US" altLang="ja-JP" sz="2400" b="1" u="none" strike="noStrike" dirty="0">
                           <a:effectLst/>
                           <a:latin typeface="メイリオ" panose="020B0604030504040204" pitchFamily="50" charset="-128"/>
                           <a:ea typeface="メイリオ" panose="020B0604030504040204" pitchFamily="50" charset="-128"/>
@@ -10333,7 +10340,7 @@
                         <a:t>2</a:t>
                       </a:r>
                       <a:r>
-                        <a:rPr lang="ja-JP" altLang="en-US" sz="2400" b="1" u="none" strike="noStrike" dirty="0" smtClean="0">
+                        <a:rPr lang="ja-JP" altLang="en-US" sz="2400" b="1" u="none" strike="noStrike" dirty="0">
                           <a:effectLst/>
                           <a:latin typeface="メイリオ" panose="020B0604030504040204" pitchFamily="50" charset="-128"/>
                           <a:ea typeface="メイリオ" panose="020B0604030504040204" pitchFamily="50" charset="-128"/>
@@ -10359,7 +10366,7 @@
                     <a:p>
                       <a:pPr algn="ctr" fontAlgn="ctr"/>
                       <a:r>
-                        <a:rPr lang="en-US" altLang="ja-JP" sz="2400" b="1" u="none" strike="noStrike" dirty="0" smtClean="0">
+                        <a:rPr lang="en-US" altLang="ja-JP" sz="2400" b="1" u="none" strike="noStrike" dirty="0">
                           <a:effectLst/>
                           <a:latin typeface="メイリオ" panose="020B0604030504040204" pitchFamily="50" charset="-128"/>
                           <a:ea typeface="メイリオ" panose="020B0604030504040204" pitchFamily="50" charset="-128"/>
@@ -10367,7 +10374,7 @@
                         <a:t>3</a:t>
                       </a:r>
                       <a:r>
-                        <a:rPr lang="ja-JP" altLang="en-US" sz="2400" b="1" u="none" strike="noStrike" dirty="0" smtClean="0">
+                        <a:rPr lang="ja-JP" altLang="en-US" sz="2400" b="1" u="none" strike="noStrike" dirty="0">
                           <a:effectLst/>
                           <a:latin typeface="メイリオ" panose="020B0604030504040204" pitchFamily="50" charset="-128"/>
                           <a:ea typeface="メイリオ" panose="020B0604030504040204" pitchFamily="50" charset="-128"/>
@@ -12129,33 +12136,26 @@
               </a:lnSpc>
             </a:pPr>
             <a:r>
-              <a:rPr lang="ja-JP" altLang="en-US" sz="2400" dirty="0" smtClean="0">
+              <a:rPr lang="ja-JP" altLang="en-US" sz="2400" dirty="0">
                 <a:latin typeface="メイリオ" panose="020B0604030504040204" pitchFamily="50" charset="-128"/>
                 <a:ea typeface="メイリオ" panose="020B0604030504040204" pitchFamily="50" charset="-128"/>
               </a:rPr>
               <a:t>・　地域ごとの規則性は</a:t>
             </a:r>
-            <a:r>
-              <a:rPr lang="en-US" altLang="ja-JP" sz="2400" dirty="0" smtClean="0">
-                <a:latin typeface="メイリオ" panose="020B0604030504040204" pitchFamily="50" charset="-128"/>
-                <a:ea typeface="メイリオ" panose="020B0604030504040204" pitchFamily="50" charset="-128"/>
-              </a:rPr>
-              <a:t/>
-            </a:r>
             <a:br>
-              <a:rPr lang="en-US" altLang="ja-JP" sz="2400" dirty="0" smtClean="0">
+              <a:rPr lang="en-US" altLang="ja-JP" sz="2400" dirty="0">
                 <a:latin typeface="メイリオ" panose="020B0604030504040204" pitchFamily="50" charset="-128"/>
                 <a:ea typeface="メイリオ" panose="020B0604030504040204" pitchFamily="50" charset="-128"/>
               </a:rPr>
             </a:br>
             <a:r>
-              <a:rPr lang="ja-JP" altLang="en-US" sz="2400" dirty="0" smtClean="0">
+              <a:rPr lang="ja-JP" altLang="en-US" sz="2400" dirty="0">
                 <a:latin typeface="メイリオ" panose="020B0604030504040204" pitchFamily="50" charset="-128"/>
                 <a:ea typeface="メイリオ" panose="020B0604030504040204" pitchFamily="50" charset="-128"/>
               </a:rPr>
               <a:t>見受けられなかった</a:t>
             </a:r>
-            <a:endParaRPr lang="en-US" altLang="ja-JP" sz="2400" dirty="0" smtClean="0">
+            <a:endParaRPr lang="en-US" altLang="ja-JP" sz="2400" dirty="0">
               <a:latin typeface="メイリオ" panose="020B0604030504040204" pitchFamily="50" charset="-128"/>
               <a:ea typeface="メイリオ" panose="020B0604030504040204" pitchFamily="50" charset="-128"/>
             </a:endParaRPr>
@@ -12196,53 +12196,39 @@
               </a:lnSpc>
             </a:pPr>
             <a:r>
-              <a:rPr lang="ja-JP" altLang="en-US" sz="2400" dirty="0" smtClean="0">
+              <a:rPr lang="ja-JP" altLang="en-US" sz="2400" dirty="0">
                 <a:latin typeface="メイリオ" panose="020B0604030504040204" pitchFamily="50" charset="-128"/>
                 <a:ea typeface="メイリオ" panose="020B0604030504040204" pitchFamily="50" charset="-128"/>
               </a:rPr>
               <a:t>・　時間がたつにつれて</a:t>
             </a:r>
-            <a:r>
-              <a:rPr lang="en-US" altLang="ja-JP" sz="2400" dirty="0" smtClean="0">
-                <a:latin typeface="メイリオ" panose="020B0604030504040204" pitchFamily="50" charset="-128"/>
-                <a:ea typeface="メイリオ" panose="020B0604030504040204" pitchFamily="50" charset="-128"/>
-              </a:rPr>
-              <a:t/>
-            </a:r>
             <a:br>
-              <a:rPr lang="en-US" altLang="ja-JP" sz="2400" dirty="0" smtClean="0">
+              <a:rPr lang="en-US" altLang="ja-JP" sz="2400" dirty="0">
                 <a:latin typeface="メイリオ" panose="020B0604030504040204" pitchFamily="50" charset="-128"/>
                 <a:ea typeface="メイリオ" panose="020B0604030504040204" pitchFamily="50" charset="-128"/>
               </a:rPr>
             </a:br>
             <a:r>
-              <a:rPr lang="ja-JP" altLang="en-US" sz="2400" dirty="0" smtClean="0">
+              <a:rPr lang="ja-JP" altLang="en-US" sz="2400" dirty="0">
                 <a:latin typeface="メイリオ" panose="020B0604030504040204" pitchFamily="50" charset="-128"/>
                 <a:ea typeface="メイリオ" panose="020B0604030504040204" pitchFamily="50" charset="-128"/>
               </a:rPr>
               <a:t>必要な特徴量が増えていく</a:t>
             </a:r>
-            <a:r>
-              <a:rPr lang="en-US" altLang="ja-JP" sz="2400" dirty="0" smtClean="0">
-                <a:latin typeface="メイリオ" panose="020B0604030504040204" pitchFamily="50" charset="-128"/>
-                <a:ea typeface="メイリオ" panose="020B0604030504040204" pitchFamily="50" charset="-128"/>
-              </a:rPr>
-              <a:t/>
-            </a:r>
             <a:br>
-              <a:rPr lang="en-US" altLang="ja-JP" sz="2400" dirty="0" smtClean="0">
+              <a:rPr lang="en-US" altLang="ja-JP" sz="2400" dirty="0">
                 <a:latin typeface="メイリオ" panose="020B0604030504040204" pitchFamily="50" charset="-128"/>
                 <a:ea typeface="メイリオ" panose="020B0604030504040204" pitchFamily="50" charset="-128"/>
               </a:rPr>
             </a:br>
             <a:r>
-              <a:rPr lang="ja-JP" altLang="en-US" sz="2400" dirty="0" smtClean="0">
+              <a:rPr lang="ja-JP" altLang="en-US" sz="2400" dirty="0">
                 <a:latin typeface="メイリオ" panose="020B0604030504040204" pitchFamily="50" charset="-128"/>
                 <a:ea typeface="メイリオ" panose="020B0604030504040204" pitchFamily="50" charset="-128"/>
               </a:rPr>
               <a:t>傾向が見受けられた</a:t>
             </a:r>
-            <a:endParaRPr lang="en-US" altLang="ja-JP" sz="2400" dirty="0" smtClean="0">
+            <a:endParaRPr lang="en-US" altLang="ja-JP" sz="2400" dirty="0">
               <a:latin typeface="メイリオ" panose="020B0604030504040204" pitchFamily="50" charset="-128"/>
               <a:ea typeface="メイリオ" panose="020B0604030504040204" pitchFamily="50" charset="-128"/>
             </a:endParaRPr>
@@ -12259,13 +12245,6 @@
   <p:clrMapOvr>
     <a:masterClrMapping/>
   </p:clrMapOvr>
-  <p:timing>
-    <p:tnLst>
-      <p:par>
-        <p:cTn id="1" dur="indefinite" restart="never" nodeType="tmRoot"/>
-      </p:par>
-    </p:tnLst>
-  </p:timing>
 </p:sld>
 </file>
 
@@ -12605,7 +12584,7 @@
                     <a:p>
                       <a:pPr marL="0" algn="ctr" rtl="0" eaLnBrk="1" fontAlgn="ctr" latinLnBrk="0" hangingPunct="1"/>
                       <a:r>
-                        <a:rPr kumimoji="1" lang="en-US" altLang="ja-JP" sz="2400" b="0" i="0" u="none" strike="noStrike" kern="1200" dirty="0" smtClean="0">
+                        <a:rPr kumimoji="1" lang="en-US" altLang="ja-JP" sz="2400" b="0" i="0" u="none" strike="noStrike" kern="1200" dirty="0">
                           <a:solidFill>
                             <a:srgbClr val="000000"/>
                           </a:solidFill>
@@ -12615,7 +12594,7 @@
                         <a:t>1</a:t>
                       </a:r>
                       <a:r>
-                        <a:rPr kumimoji="1" lang="ja-JP" altLang="en-US" sz="2400" b="0" i="0" u="none" strike="noStrike" kern="1200" dirty="0" smtClean="0">
+                        <a:rPr kumimoji="1" lang="ja-JP" altLang="en-US" sz="2400" b="0" i="0" u="none" strike="noStrike" kern="1200" dirty="0">
                           <a:solidFill>
                             <a:srgbClr val="000000"/>
                           </a:solidFill>
@@ -12743,7 +12722,7 @@
                     <a:p>
                       <a:pPr marL="0" algn="ctr" rtl="0" eaLnBrk="1" fontAlgn="ctr" latinLnBrk="0" hangingPunct="1"/>
                       <a:r>
-                        <a:rPr kumimoji="1" lang="ja-JP" altLang="en-US" sz="2400" b="0" i="0" u="none" strike="noStrike" kern="1200" dirty="0" smtClean="0">
+                        <a:rPr kumimoji="1" lang="ja-JP" altLang="en-US" sz="2400" b="0" i="0" u="none" strike="noStrike" kern="1200" dirty="0">
                           <a:solidFill>
                             <a:srgbClr val="000000"/>
                           </a:solidFill>
@@ -12753,7 +12732,7 @@
                         <a:t>湿度</a:t>
                       </a:r>
                       <a:r>
-                        <a:rPr kumimoji="1" lang="en-US" sz="2400" b="0" i="0" u="none" strike="noStrike" kern="1200" dirty="0" smtClean="0">
+                        <a:rPr kumimoji="1" lang="en-US" sz="2400" b="0" i="0" u="none" strike="noStrike" kern="1200" dirty="0">
                           <a:solidFill>
                             <a:srgbClr val="000000"/>
                           </a:solidFill>
@@ -12817,7 +12796,7 @@
                     <a:p>
                       <a:pPr marL="0" algn="ctr" rtl="0" eaLnBrk="1" fontAlgn="ctr" latinLnBrk="0" hangingPunct="1"/>
                       <a:r>
-                        <a:rPr kumimoji="1" lang="ja-JP" altLang="en-US" sz="2400" b="0" i="0" u="none" strike="noStrike" kern="1200" dirty="0" smtClean="0">
+                        <a:rPr kumimoji="1" lang="ja-JP" altLang="en-US" sz="2400" b="0" i="0" u="none" strike="noStrike" kern="1200" dirty="0">
                           <a:solidFill>
                             <a:srgbClr val="000000"/>
                           </a:solidFill>
@@ -12825,16 +12804,6 @@
                           <a:latin typeface="游ゴシック" panose="020B0400000000000000" pitchFamily="50" charset="-128"/>
                         </a:rPr>
                         <a:t>気温</a:t>
-                      </a:r>
-                      <a:r>
-                        <a:rPr kumimoji="1" lang="en-US" sz="2400" b="0" i="0" u="none" strike="noStrike" kern="1200" dirty="0" smtClean="0">
-                          <a:solidFill>
-                            <a:srgbClr val="000000"/>
-                          </a:solidFill>
-                          <a:effectLst/>
-                          <a:latin typeface="游ゴシック" panose="020B0400000000000000" pitchFamily="50" charset="-128"/>
-                        </a:rPr>
-                        <a:t>_</a:t>
                       </a:r>
                       <a:r>
                         <a:rPr kumimoji="1" lang="en-US" sz="2400" b="0" i="0" u="none" strike="noStrike" kern="1200" dirty="0">
@@ -12844,7 +12813,7 @@
                           <a:effectLst/>
                           <a:latin typeface="游ゴシック" panose="020B0400000000000000" pitchFamily="50" charset="-128"/>
                         </a:rPr>
-                        <a:t>01</a:t>
+                        <a:t>_01</a:t>
                       </a:r>
                       <a:endParaRPr lang="en-US" altLang="ja-JP" sz="1800" b="0" i="0" u="none" strike="noStrike" dirty="0">
                         <a:effectLst/>
@@ -12908,7 +12877,7 @@
                     <a:p>
                       <a:pPr marL="0" algn="ctr" rtl="0" eaLnBrk="1" fontAlgn="ctr" latinLnBrk="0" hangingPunct="1"/>
                       <a:r>
-                        <a:rPr kumimoji="1" lang="en-US" altLang="ja-JP" sz="2400" b="0" i="0" u="none" strike="noStrike" kern="1200" dirty="0" smtClean="0">
+                        <a:rPr kumimoji="1" lang="en-US" altLang="ja-JP" sz="2400" b="0" i="0" u="none" strike="noStrike" kern="1200" dirty="0">
                           <a:solidFill>
                             <a:srgbClr val="000000"/>
                           </a:solidFill>
@@ -12918,7 +12887,7 @@
                         <a:t>2</a:t>
                       </a:r>
                       <a:r>
-                        <a:rPr kumimoji="1" lang="ja-JP" altLang="en-US" sz="2400" b="0" i="0" u="none" strike="noStrike" kern="1200" dirty="0" smtClean="0">
+                        <a:rPr kumimoji="1" lang="ja-JP" altLang="en-US" sz="2400" b="0" i="0" u="none" strike="noStrike" kern="1200" dirty="0">
                           <a:solidFill>
                             <a:srgbClr val="000000"/>
                           </a:solidFill>
@@ -13046,7 +13015,7 @@
                     <a:p>
                       <a:pPr marL="0" algn="ctr" rtl="0" eaLnBrk="1" fontAlgn="ctr" latinLnBrk="0" hangingPunct="1"/>
                       <a:r>
-                        <a:rPr kumimoji="1" lang="ja-JP" altLang="en-US" sz="2400" b="0" i="0" u="none" strike="noStrike" kern="1200" dirty="0" smtClean="0">
+                        <a:rPr kumimoji="1" lang="ja-JP" altLang="en-US" sz="2400" b="0" i="0" u="none" strike="noStrike" kern="1200" dirty="0">
                           <a:solidFill>
                             <a:srgbClr val="000000"/>
                           </a:solidFill>
@@ -13054,16 +13023,6 @@
                           <a:latin typeface="游ゴシック" panose="020B0400000000000000" pitchFamily="50" charset="-128"/>
                         </a:rPr>
                         <a:t>湿度</a:t>
-                      </a:r>
-                      <a:r>
-                        <a:rPr kumimoji="1" lang="en-US" sz="2400" b="0" i="0" u="none" strike="noStrike" kern="1200" dirty="0" smtClean="0">
-                          <a:solidFill>
-                            <a:srgbClr val="000000"/>
-                          </a:solidFill>
-                          <a:effectLst/>
-                          <a:latin typeface="游ゴシック" panose="020B0400000000000000" pitchFamily="50" charset="-128"/>
-                        </a:rPr>
-                        <a:t>_</a:t>
                       </a:r>
                       <a:r>
                         <a:rPr kumimoji="1" lang="en-US" sz="2400" b="0" i="0" u="none" strike="noStrike" kern="1200" dirty="0">
@@ -13073,7 +13032,7 @@
                           <a:effectLst/>
                           <a:latin typeface="游ゴシック" panose="020B0400000000000000" pitchFamily="50" charset="-128"/>
                         </a:rPr>
-                        <a:t>01</a:t>
+                        <a:t>_01</a:t>
                       </a:r>
                       <a:endParaRPr lang="en-US" altLang="ja-JP" sz="1800" b="0" i="0" u="none" strike="noStrike" dirty="0">
                         <a:effectLst/>
@@ -13130,7 +13089,7 @@
                     <a:p>
                       <a:pPr marL="0" algn="ctr" rtl="0" eaLnBrk="1" fontAlgn="ctr" latinLnBrk="0" hangingPunct="1"/>
                       <a:r>
-                        <a:rPr kumimoji="1" lang="ja-JP" altLang="en-US" sz="2400" b="0" i="0" u="none" strike="noStrike" kern="1200" dirty="0" smtClean="0">
+                        <a:rPr kumimoji="1" lang="ja-JP" altLang="en-US" sz="2400" b="0" i="0" u="none" strike="noStrike" kern="1200" dirty="0">
                           <a:solidFill>
                             <a:srgbClr val="000000"/>
                           </a:solidFill>
@@ -13138,16 +13097,6 @@
                           <a:latin typeface="游ゴシック" panose="020B0400000000000000" pitchFamily="50" charset="-128"/>
                         </a:rPr>
                         <a:t>気温</a:t>
-                      </a:r>
-                      <a:r>
-                        <a:rPr kumimoji="1" lang="en-US" sz="2400" b="0" i="0" u="none" strike="noStrike" kern="1200" dirty="0" smtClean="0">
-                          <a:solidFill>
-                            <a:srgbClr val="000000"/>
-                          </a:solidFill>
-                          <a:effectLst/>
-                          <a:latin typeface="游ゴシック" panose="020B0400000000000000" pitchFamily="50" charset="-128"/>
-                        </a:rPr>
-                        <a:t>_</a:t>
                       </a:r>
                       <a:r>
                         <a:rPr kumimoji="1" lang="en-US" sz="2400" b="0" i="0" u="none" strike="noStrike" kern="1200" dirty="0">
@@ -13157,7 +13106,7 @@
                           <a:effectLst/>
                           <a:latin typeface="游ゴシック" panose="020B0400000000000000" pitchFamily="50" charset="-128"/>
                         </a:rPr>
-                        <a:t>01</a:t>
+                        <a:t>_01</a:t>
                       </a:r>
                       <a:endParaRPr lang="en-US" altLang="ja-JP" sz="1800" b="0" i="0" u="none" strike="noStrike" dirty="0">
                         <a:effectLst/>
@@ -13221,7 +13170,7 @@
                     <a:p>
                       <a:pPr marL="0" algn="ctr" rtl="0" eaLnBrk="1" fontAlgn="ctr" latinLnBrk="0" hangingPunct="1"/>
                       <a:r>
-                        <a:rPr kumimoji="1" lang="en-US" altLang="ja-JP" sz="2400" b="0" i="0" u="none" strike="noStrike" kern="1200" dirty="0" smtClean="0">
+                        <a:rPr kumimoji="1" lang="en-US" altLang="ja-JP" sz="2400" b="0" i="0" u="none" strike="noStrike" kern="1200" dirty="0">
                           <a:solidFill>
                             <a:srgbClr val="000000"/>
                           </a:solidFill>
@@ -13231,7 +13180,7 @@
                         <a:t>3</a:t>
                       </a:r>
                       <a:r>
-                        <a:rPr kumimoji="1" lang="ja-JP" altLang="en-US" sz="2400" b="0" i="0" u="none" strike="noStrike" kern="1200" dirty="0" smtClean="0">
+                        <a:rPr kumimoji="1" lang="ja-JP" altLang="en-US" sz="2400" b="0" i="0" u="none" strike="noStrike" kern="1200" dirty="0">
                           <a:solidFill>
                             <a:srgbClr val="000000"/>
                           </a:solidFill>
@@ -13359,7 +13308,7 @@
                     <a:p>
                       <a:pPr marL="0" algn="ctr" rtl="0" eaLnBrk="1" fontAlgn="ctr" latinLnBrk="0" hangingPunct="1"/>
                       <a:r>
-                        <a:rPr kumimoji="1" lang="ja-JP" altLang="en-US" sz="2400" b="0" i="0" u="none" strike="noStrike" kern="1200" dirty="0" smtClean="0">
+                        <a:rPr kumimoji="1" lang="ja-JP" altLang="en-US" sz="2400" b="0" i="0" u="none" strike="noStrike" kern="1200" dirty="0">
                           <a:solidFill>
                             <a:srgbClr val="000000"/>
                           </a:solidFill>
@@ -13367,16 +13316,6 @@
                           <a:latin typeface="游ゴシック" panose="020B0400000000000000" pitchFamily="50" charset="-128"/>
                         </a:rPr>
                         <a:t>湿度</a:t>
-                      </a:r>
-                      <a:r>
-                        <a:rPr kumimoji="1" lang="en-US" sz="2400" b="0" i="0" u="none" strike="noStrike" kern="1200" dirty="0" smtClean="0">
-                          <a:solidFill>
-                            <a:srgbClr val="000000"/>
-                          </a:solidFill>
-                          <a:effectLst/>
-                          <a:latin typeface="游ゴシック" panose="020B0400000000000000" pitchFamily="50" charset="-128"/>
-                        </a:rPr>
-                        <a:t>_</a:t>
                       </a:r>
                       <a:r>
                         <a:rPr kumimoji="1" lang="en-US" sz="2400" b="0" i="0" u="none" strike="noStrike" kern="1200" dirty="0">
@@ -13386,7 +13325,7 @@
                           <a:effectLst/>
                           <a:latin typeface="游ゴシック" panose="020B0400000000000000" pitchFamily="50" charset="-128"/>
                         </a:rPr>
-                        <a:t>01</a:t>
+                        <a:t>_01</a:t>
                       </a:r>
                       <a:endParaRPr lang="en-US" altLang="ja-JP" sz="1800" b="0" i="0" u="none" strike="noStrike" dirty="0">
                         <a:effectLst/>
@@ -13443,7 +13382,7 @@
                     <a:p>
                       <a:pPr marL="0" algn="ctr" rtl="0" eaLnBrk="1" fontAlgn="ctr" latinLnBrk="0" hangingPunct="1"/>
                       <a:r>
-                        <a:rPr kumimoji="1" lang="ja-JP" altLang="en-US" sz="2400" b="0" i="0" u="none" strike="noStrike" kern="1200" dirty="0" smtClean="0">
+                        <a:rPr kumimoji="1" lang="ja-JP" altLang="en-US" sz="2400" b="0" i="0" u="none" strike="noStrike" kern="1200" dirty="0">
                           <a:solidFill>
                             <a:srgbClr val="000000"/>
                           </a:solidFill>
@@ -13451,16 +13390,6 @@
                           <a:latin typeface="游ゴシック" panose="020B0400000000000000" pitchFamily="50" charset="-128"/>
                         </a:rPr>
                         <a:t>気温</a:t>
-                      </a:r>
-                      <a:r>
-                        <a:rPr kumimoji="1" lang="en-US" sz="2400" b="0" i="0" u="none" strike="noStrike" kern="1200" dirty="0" smtClean="0">
-                          <a:solidFill>
-                            <a:srgbClr val="000000"/>
-                          </a:solidFill>
-                          <a:effectLst/>
-                          <a:latin typeface="游ゴシック" panose="020B0400000000000000" pitchFamily="50" charset="-128"/>
-                        </a:rPr>
-                        <a:t>_</a:t>
                       </a:r>
                       <a:r>
                         <a:rPr kumimoji="1" lang="en-US" sz="2400" b="0" i="0" u="none" strike="noStrike" kern="1200" dirty="0">
@@ -13470,7 +13399,7 @@
                           <a:effectLst/>
                           <a:latin typeface="游ゴシック" panose="020B0400000000000000" pitchFamily="50" charset="-128"/>
                         </a:rPr>
-                        <a:t>01</a:t>
+                        <a:t>_01</a:t>
                       </a:r>
                       <a:endParaRPr lang="en-US" altLang="ja-JP" sz="1800" b="0" i="0" u="none" strike="noStrike" dirty="0">
                         <a:effectLst/>
@@ -13534,7 +13463,7 @@
                     <a:p>
                       <a:pPr marL="0" algn="ctr" rtl="0" eaLnBrk="1" fontAlgn="ctr" latinLnBrk="0" hangingPunct="1"/>
                       <a:r>
-                        <a:rPr kumimoji="1" lang="ja-JP" altLang="en-US" sz="2400" b="0" i="0" u="none" strike="noStrike" kern="1200" dirty="0" smtClean="0">
+                        <a:rPr kumimoji="1" lang="ja-JP" altLang="en-US" sz="2400" b="0" i="0" u="none" strike="noStrike" kern="1200" dirty="0">
                           <a:solidFill>
                             <a:srgbClr val="000000"/>
                           </a:solidFill>
@@ -13662,7 +13591,7 @@
                     <a:p>
                       <a:pPr marL="0" algn="ctr" rtl="0" eaLnBrk="1" fontAlgn="ctr" latinLnBrk="0" hangingPunct="1"/>
                       <a:r>
-                        <a:rPr kumimoji="1" lang="ja-JP" altLang="en-US" sz="2400" b="0" i="0" u="none" strike="noStrike" kern="1200" dirty="0" smtClean="0">
+                        <a:rPr kumimoji="1" lang="ja-JP" altLang="en-US" sz="2400" b="0" i="0" u="none" strike="noStrike" kern="1200" dirty="0">
                           <a:solidFill>
                             <a:srgbClr val="000000"/>
                           </a:solidFill>
@@ -13670,16 +13599,6 @@
                           <a:latin typeface="游ゴシック" panose="020B0400000000000000" pitchFamily="50" charset="-128"/>
                         </a:rPr>
                         <a:t>湿度</a:t>
-                      </a:r>
-                      <a:r>
-                        <a:rPr kumimoji="1" lang="en-US" sz="2400" b="0" i="0" u="none" strike="noStrike" kern="1200" dirty="0" smtClean="0">
-                          <a:solidFill>
-                            <a:srgbClr val="000000"/>
-                          </a:solidFill>
-                          <a:effectLst/>
-                          <a:latin typeface="游ゴシック" panose="020B0400000000000000" pitchFamily="50" charset="-128"/>
-                        </a:rPr>
-                        <a:t>_</a:t>
                       </a:r>
                       <a:r>
                         <a:rPr kumimoji="1" lang="en-US" sz="2400" b="0" i="0" u="none" strike="noStrike" kern="1200" dirty="0">
@@ -13689,7 +13608,7 @@
                           <a:effectLst/>
                           <a:latin typeface="游ゴシック" panose="020B0400000000000000" pitchFamily="50" charset="-128"/>
                         </a:rPr>
-                        <a:t>01</a:t>
+                        <a:t>_01</a:t>
                       </a:r>
                       <a:endParaRPr lang="en-US" altLang="ja-JP" sz="1800" b="0" i="0" u="none" strike="noStrike" dirty="0">
                         <a:effectLst/>
@@ -13746,7 +13665,7 @@
                     <a:p>
                       <a:pPr marL="0" algn="ctr" rtl="0" eaLnBrk="1" fontAlgn="ctr" latinLnBrk="0" hangingPunct="1"/>
                       <a:r>
-                        <a:rPr kumimoji="1" lang="ja-JP" altLang="en-US" sz="2400" b="0" i="0" u="none" strike="noStrike" kern="1200" dirty="0" smtClean="0">
+                        <a:rPr kumimoji="1" lang="ja-JP" altLang="en-US" sz="2400" b="0" i="0" u="none" strike="noStrike" kern="1200" dirty="0">
                           <a:solidFill>
                             <a:srgbClr val="000000"/>
                           </a:solidFill>
@@ -13754,16 +13673,6 @@
                           <a:latin typeface="游ゴシック" panose="020B0400000000000000" pitchFamily="50" charset="-128"/>
                         </a:rPr>
                         <a:t>気温</a:t>
-                      </a:r>
-                      <a:r>
-                        <a:rPr kumimoji="1" lang="en-US" sz="2400" b="0" i="0" u="none" strike="noStrike" kern="1200" dirty="0" smtClean="0">
-                          <a:solidFill>
-                            <a:srgbClr val="000000"/>
-                          </a:solidFill>
-                          <a:effectLst/>
-                          <a:latin typeface="游ゴシック" panose="020B0400000000000000" pitchFamily="50" charset="-128"/>
-                        </a:rPr>
-                        <a:t>_</a:t>
                       </a:r>
                       <a:r>
                         <a:rPr kumimoji="1" lang="en-US" sz="2400" b="0" i="0" u="none" strike="noStrike" kern="1200" dirty="0">
@@ -13773,7 +13682,7 @@
                           <a:effectLst/>
                           <a:latin typeface="游ゴシック" panose="020B0400000000000000" pitchFamily="50" charset="-128"/>
                         </a:rPr>
-                        <a:t>01</a:t>
+                        <a:t>_01</a:t>
                       </a:r>
                       <a:endParaRPr lang="en-US" altLang="ja-JP" sz="1800" b="0" i="0" u="none" strike="noStrike" dirty="0">
                         <a:effectLst/>
@@ -14210,7 +14119,7 @@
         <p:spPr>
           <a:xfrm>
             <a:off x="384661" y="1980821"/>
-            <a:ext cx="11278603" cy="2862322"/>
+            <a:ext cx="11278603" cy="2262158"/>
           </a:xfrm>
           <a:prstGeom prst="rect">
             <a:avLst/>
@@ -14251,21 +14160,7 @@
                 <a:latin typeface="メイリオ" panose="020B0604030504040204" pitchFamily="50" charset="-128"/>
                 <a:ea typeface="メイリオ" panose="020B0604030504040204" pitchFamily="50" charset="-128"/>
               </a:rPr>
-              <a:t>・　</a:t>
-            </a:r>
-            <a:r>
-              <a:rPr lang="ja-JP" altLang="en-US" sz="2400" dirty="0" smtClean="0">
-                <a:latin typeface="メイリオ" panose="020B0604030504040204" pitchFamily="50" charset="-128"/>
-                <a:ea typeface="メイリオ" panose="020B0604030504040204" pitchFamily="50" charset="-128"/>
-              </a:rPr>
-              <a:t>地点ごと、時間ごとに特徴量の規則性は見受けられなかった</a:t>
-            </a:r>
-            <a:r>
-              <a:rPr lang="ja-JP" altLang="en-US" sz="2400" dirty="0" smtClean="0">
-                <a:latin typeface="メイリオ" panose="020B0604030504040204" pitchFamily="50" charset="-128"/>
-                <a:ea typeface="メイリオ" panose="020B0604030504040204" pitchFamily="50" charset="-128"/>
-              </a:rPr>
-              <a:t>。</a:t>
+              <a:t>・　地点ごと、時間ごとに特徴量の規則性は見受けられなかった。</a:t>
             </a:r>
             <a:endParaRPr lang="en-US" altLang="ja-JP" sz="2400" dirty="0">
               <a:latin typeface="メイリオ" panose="020B0604030504040204" pitchFamily="50" charset="-128"/>
@@ -14285,13 +14180,6 @@
               </a:rPr>
               <a:t>・　必須の特徴量は、</a:t>
             </a:r>
-            <a:r>
-              <a:rPr lang="en-US" altLang="ja-JP" sz="2400" dirty="0">
-                <a:latin typeface="メイリオ" panose="020B0604030504040204" pitchFamily="50" charset="-128"/>
-                <a:ea typeface="メイリオ" panose="020B0604030504040204" pitchFamily="50" charset="-128"/>
-              </a:rPr>
-              <a:t/>
-            </a:r>
             <a:br>
               <a:rPr lang="en-US" altLang="ja-JP" sz="2400" dirty="0">
                 <a:latin typeface="メイリオ" panose="020B0604030504040204" pitchFamily="50" charset="-128"/>
@@ -14303,34 +14191,9 @@
                 <a:latin typeface="メイリオ" panose="020B0604030504040204" pitchFamily="50" charset="-128"/>
                 <a:ea typeface="メイリオ" panose="020B0604030504040204" pitchFamily="50" charset="-128"/>
               </a:rPr>
-              <a:t>1時間前のOx、1時間前の湿度、1時間前の気温である可能性が示唆</a:t>
-            </a:r>
-            <a:r>
-              <a:rPr lang="ja-JP" altLang="en-US" sz="2400" dirty="0" smtClean="0">
-                <a:latin typeface="メイリオ" panose="020B0604030504040204" pitchFamily="50" charset="-128"/>
-                <a:ea typeface="メイリオ" panose="020B0604030504040204" pitchFamily="50" charset="-128"/>
-              </a:rPr>
-              <a:t>された</a:t>
+              <a:t>1時間前のOx、1時間前の湿度、1時間前の気温である可能性が示唆された</a:t>
             </a:r>
             <a:endParaRPr lang="en-US" altLang="ja-JP" sz="2400" dirty="0">
-              <a:latin typeface="メイリオ" panose="020B0604030504040204" pitchFamily="50" charset="-128"/>
-              <a:ea typeface="メイリオ" panose="020B0604030504040204" pitchFamily="50" charset="-128"/>
-            </a:endParaRPr>
-          </a:p>
-          <a:p>
-            <a:pPr marL="361950" indent="-361950">
-              <a:lnSpc>
-                <a:spcPct val="150000"/>
-              </a:lnSpc>
-            </a:pPr>
-            <a:r>
-              <a:rPr lang="ja-JP" altLang="en-US" sz="2400" dirty="0" smtClean="0">
-                <a:latin typeface="メイリオ" panose="020B0604030504040204" pitchFamily="50" charset="-128"/>
-                <a:ea typeface="メイリオ" panose="020B0604030504040204" pitchFamily="50" charset="-128"/>
-              </a:rPr>
-              <a:t>・</a:t>
-            </a:r>
-            <a:endParaRPr lang="ja-JP" altLang="en-US" sz="2400" dirty="0">
               <a:latin typeface="メイリオ" panose="020B0604030504040204" pitchFamily="50" charset="-128"/>
               <a:ea typeface="メイリオ" panose="020B0604030504040204" pitchFamily="50" charset="-128"/>
             </a:endParaRPr>
@@ -14347,13 +14210,6 @@
   <p:clrMapOvr>
     <a:masterClrMapping/>
   </p:clrMapOvr>
-  <p:timing>
-    <p:tnLst>
-      <p:par>
-        <p:cTn id="1" dur="indefinite" restart="never" nodeType="tmRoot"/>
-      </p:par>
-    </p:tnLst>
-  </p:timing>
 </p:sld>
 </file>
 
@@ -14777,13 +14633,6 @@
   <p:clrMapOvr>
     <a:masterClrMapping/>
   </p:clrMapOvr>
-  <p:timing>
-    <p:tnLst>
-      <p:par>
-        <p:cTn id="1" dur="indefinite" restart="never" nodeType="tmRoot"/>
-      </p:par>
-    </p:tnLst>
-  </p:timing>
 </p:sld>
 </file>
 
@@ -15065,7 +14914,7 @@
                         </a:spcAft>
                       </a:pPr>
                       <a:r>
-                        <a:rPr lang="ja-JP" sz="2400" kern="0" dirty="0" smtClean="0">
+                        <a:rPr lang="ja-JP" sz="2400" kern="0" dirty="0">
                           <a:effectLst/>
                         </a:rPr>
                         <a:t>ベンチマーク</a:t>
@@ -15203,7 +15052,7 @@
                         </a:spcAft>
                       </a:pPr>
                       <a:r>
-                        <a:rPr lang="ja-JP" sz="2400" kern="0" dirty="0" smtClean="0">
+                        <a:rPr lang="ja-JP" sz="2400" kern="0" dirty="0">
                           <a:effectLst/>
                         </a:rPr>
                         <a:t>全データ</a:t>
@@ -15353,7 +15202,7 @@
                         <a:t>10</a:t>
                       </a:r>
                       <a:r>
-                        <a:rPr lang="ja-JP" sz="2400" kern="0" dirty="0" smtClean="0">
+                        <a:rPr lang="ja-JP" sz="2400" kern="0" dirty="0">
                           <a:effectLst/>
                         </a:rPr>
                         <a:t>個</a:t>
@@ -15503,7 +15352,7 @@
                         <a:t>20</a:t>
                       </a:r>
                       <a:r>
-                        <a:rPr lang="ja-JP" sz="2400" kern="0" dirty="0" smtClean="0">
+                        <a:rPr lang="ja-JP" sz="2400" kern="0" dirty="0">
                           <a:effectLst/>
                         </a:rPr>
                         <a:t>個</a:t>
@@ -15653,7 +15502,7 @@
                         <a:t>30</a:t>
                       </a:r>
                       <a:r>
-                        <a:rPr lang="ja-JP" sz="2400" kern="0" dirty="0" smtClean="0">
+                        <a:rPr lang="ja-JP" sz="2400" kern="0" dirty="0">
                           <a:effectLst/>
                         </a:rPr>
                         <a:t>個</a:t>
@@ -15803,7 +15652,7 @@
                         <a:t>20</a:t>
                       </a:r>
                       <a:r>
-                        <a:rPr lang="ja-JP" sz="2400" kern="0" dirty="0" smtClean="0">
+                        <a:rPr lang="ja-JP" sz="2400" kern="0" dirty="0">
                           <a:effectLst/>
                         </a:rPr>
                         <a:t>個</a:t>
@@ -16279,7 +16128,7 @@
                         </a:spcAft>
                       </a:pPr>
                       <a:r>
-                        <a:rPr lang="ja-JP" sz="2400" kern="0" dirty="0" smtClean="0">
+                        <a:rPr lang="ja-JP" sz="2400" kern="0" dirty="0">
                           <a:effectLst/>
                         </a:rPr>
                         <a:t>ベンチマーク</a:t>
@@ -16375,7 +16224,7 @@
                         </a:spcAft>
                       </a:pPr>
                       <a:r>
-                        <a:rPr lang="ja-JP" sz="2400" kern="0" dirty="0" smtClean="0">
+                        <a:rPr lang="ja-JP" sz="2400" kern="0" dirty="0">
                           <a:effectLst/>
                         </a:rPr>
                         <a:t>全データ</a:t>
@@ -16483,7 +16332,7 @@
                         <a:t>10</a:t>
                       </a:r>
                       <a:r>
-                        <a:rPr lang="ja-JP" sz="2400" kern="0" dirty="0" smtClean="0">
+                        <a:rPr lang="ja-JP" sz="2400" kern="0" dirty="0">
                           <a:effectLst/>
                         </a:rPr>
                         <a:t>個</a:t>
@@ -16591,7 +16440,7 @@
                         <a:t>20</a:t>
                       </a:r>
                       <a:r>
-                        <a:rPr lang="ja-JP" sz="2400" kern="0" dirty="0" smtClean="0">
+                        <a:rPr lang="ja-JP" sz="2400" kern="0" dirty="0">
                           <a:effectLst/>
                         </a:rPr>
                         <a:t>個</a:t>
@@ -16699,7 +16548,7 @@
                         <a:t>30</a:t>
                       </a:r>
                       <a:r>
-                        <a:rPr lang="ja-JP" sz="2400" kern="0" dirty="0" smtClean="0">
+                        <a:rPr lang="ja-JP" sz="2400" kern="0" dirty="0">
                           <a:effectLst/>
                         </a:rPr>
                         <a:t>個</a:t>
@@ -16807,7 +16656,7 @@
                         <a:t>20</a:t>
                       </a:r>
                       <a:r>
-                        <a:rPr lang="ja-JP" sz="2400" kern="0" dirty="0" smtClean="0">
+                        <a:rPr lang="ja-JP" sz="2400" kern="0" dirty="0">
                           <a:effectLst/>
                         </a:rPr>
                         <a:t>個</a:t>
@@ -16929,7 +16778,7 @@
               </a:lnSpc>
             </a:pPr>
             <a:r>
-              <a:rPr lang="ja-JP" altLang="en-US" sz="2400" dirty="0" smtClean="0">
+              <a:rPr lang="ja-JP" altLang="en-US" sz="2400" dirty="0">
                 <a:latin typeface="メイリオ" panose="020B0604030504040204" pitchFamily="50" charset="-128"/>
                 <a:ea typeface="メイリオ" panose="020B0604030504040204" pitchFamily="50" charset="-128"/>
               </a:rPr>
@@ -16976,7 +16825,7 @@
               </a:lnSpc>
             </a:pPr>
             <a:r>
-              <a:rPr lang="ja-JP" altLang="en-US" sz="2400" dirty="0" smtClean="0">
+              <a:rPr lang="ja-JP" altLang="en-US" sz="2400" dirty="0">
                 <a:latin typeface="メイリオ" panose="020B0604030504040204" pitchFamily="50" charset="-128"/>
                 <a:ea typeface="メイリオ" panose="020B0604030504040204" pitchFamily="50" charset="-128"/>
               </a:rPr>
@@ -16999,13 +16848,6 @@
   <p:clrMapOvr>
     <a:masterClrMapping/>
   </p:clrMapOvr>
-  <p:timing>
-    <p:tnLst>
-      <p:par>
-        <p:cTn id="1" dur="indefinite" restart="never" nodeType="tmRoot"/>
-      </p:par>
-    </p:tnLst>
-  </p:timing>
 </p:sld>
 </file>
 
@@ -17287,7 +17129,7 @@
                         </a:spcAft>
                       </a:pPr>
                       <a:r>
-                        <a:rPr lang="ja-JP" sz="2400" kern="0" dirty="0" smtClean="0">
+                        <a:rPr lang="ja-JP" sz="2400" kern="0" dirty="0">
                           <a:effectLst/>
                         </a:rPr>
                         <a:t>ベンチマーク</a:t>
@@ -17425,7 +17267,7 @@
                         </a:spcAft>
                       </a:pPr>
                       <a:r>
-                        <a:rPr lang="ja-JP" sz="2400" kern="0" dirty="0" smtClean="0">
+                        <a:rPr lang="ja-JP" sz="2400" kern="0" dirty="0">
                           <a:effectLst/>
                         </a:rPr>
                         <a:t>全データ</a:t>
@@ -17575,7 +17417,7 @@
                         <a:t>10</a:t>
                       </a:r>
                       <a:r>
-                        <a:rPr lang="ja-JP" sz="2400" kern="0" dirty="0" smtClean="0">
+                        <a:rPr lang="ja-JP" sz="2400" kern="0" dirty="0">
                           <a:effectLst/>
                         </a:rPr>
                         <a:t>個</a:t>
@@ -17785,7 +17627,7 @@
                         <a:t>20</a:t>
                       </a:r>
                       <a:r>
-                        <a:rPr lang="ja-JP" sz="2400" kern="0" dirty="0" smtClean="0">
+                        <a:rPr lang="ja-JP" sz="2400" kern="0" dirty="0">
                           <a:effectLst/>
                         </a:rPr>
                         <a:t>個</a:t>
@@ -18067,7 +17909,7 @@
                         <a:t>30</a:t>
                       </a:r>
                       <a:r>
-                        <a:rPr lang="ja-JP" sz="2400" kern="0" dirty="0" smtClean="0">
+                        <a:rPr lang="ja-JP" sz="2400" kern="0" dirty="0">
                           <a:effectLst/>
                         </a:rPr>
                         <a:t>個</a:t>
@@ -18277,7 +18119,7 @@
                         <a:t>20</a:t>
                       </a:r>
                       <a:r>
-                        <a:rPr lang="ja-JP" sz="2400" kern="0" dirty="0" smtClean="0">
+                        <a:rPr lang="ja-JP" sz="2400" kern="0" dirty="0">
                           <a:effectLst/>
                         </a:rPr>
                         <a:t>個</a:t>
@@ -18547,21 +18389,7 @@
                 <a:latin typeface="メイリオ" panose="020B0604030504040204" pitchFamily="50" charset="-128"/>
                 <a:ea typeface="メイリオ" panose="020B0604030504040204" pitchFamily="50" charset="-128"/>
               </a:rPr>
-              <a:t>鴻巣における時間別及び</a:t>
-            </a:r>
-            <a:r>
-              <a:rPr lang="ja-JP" altLang="en-US" sz="2400" dirty="0" smtClean="0">
-                <a:latin typeface="メイリオ" panose="020B0604030504040204" pitchFamily="50" charset="-128"/>
-                <a:ea typeface="メイリオ" panose="020B0604030504040204" pitchFamily="50" charset="-128"/>
-              </a:rPr>
-              <a:t>日別評価</a:t>
-            </a:r>
-            <a:r>
-              <a:rPr lang="ja-JP" altLang="en-US" sz="2400" dirty="0">
-                <a:latin typeface="メイリオ" panose="020B0604030504040204" pitchFamily="50" charset="-128"/>
-                <a:ea typeface="メイリオ" panose="020B0604030504040204" pitchFamily="50" charset="-128"/>
-              </a:rPr>
-              <a:t>（</a:t>
+              <a:t>鴻巣における時間別及び日別評価（</a:t>
             </a:r>
             <a:r>
               <a:rPr lang="en-US" altLang="ja-JP" sz="2400" dirty="0">
@@ -18767,7 +18595,7 @@
                         </a:spcAft>
                       </a:pPr>
                       <a:r>
-                        <a:rPr lang="ja-JP" sz="2400" kern="0" dirty="0" smtClean="0">
+                        <a:rPr lang="ja-JP" sz="2400" kern="0" dirty="0">
                           <a:effectLst/>
                         </a:rPr>
                         <a:t>ベンチマーク</a:t>
@@ -18863,7 +18691,7 @@
                         </a:spcAft>
                       </a:pPr>
                       <a:r>
-                        <a:rPr lang="ja-JP" sz="2400" kern="0" dirty="0" smtClean="0">
+                        <a:rPr lang="ja-JP" sz="2400" kern="0" dirty="0">
                           <a:effectLst/>
                         </a:rPr>
                         <a:t>全データ</a:t>
@@ -18971,7 +18799,7 @@
                         <a:t>10</a:t>
                       </a:r>
                       <a:r>
-                        <a:rPr lang="ja-JP" sz="2400" kern="0" dirty="0" smtClean="0">
+                        <a:rPr lang="ja-JP" sz="2400" kern="0" dirty="0">
                           <a:effectLst/>
                         </a:rPr>
                         <a:t>個</a:t>
@@ -19119,7 +18947,7 @@
                         <a:t>20</a:t>
                       </a:r>
                       <a:r>
-                        <a:rPr lang="ja-JP" sz="2400" kern="0" dirty="0" smtClean="0">
+                        <a:rPr lang="ja-JP" sz="2400" kern="0" dirty="0">
                           <a:effectLst/>
                         </a:rPr>
                         <a:t>個</a:t>
@@ -19321,7 +19149,7 @@
                         <a:t>30</a:t>
                       </a:r>
                       <a:r>
-                        <a:rPr lang="ja-JP" sz="2400" kern="0" dirty="0" smtClean="0">
+                        <a:rPr lang="ja-JP" sz="2400" kern="0" dirty="0">
                           <a:effectLst/>
                         </a:rPr>
                         <a:t>個</a:t>
@@ -19469,7 +19297,7 @@
                         <a:t>20</a:t>
                       </a:r>
                       <a:r>
-                        <a:rPr lang="ja-JP" sz="2400" kern="0" dirty="0" smtClean="0">
+                        <a:rPr lang="ja-JP" sz="2400" kern="0" dirty="0">
                           <a:effectLst/>
                         </a:rPr>
                         <a:t>個</a:t>
@@ -19591,18 +19419,11 @@
               </a:lnSpc>
             </a:pPr>
             <a:r>
-              <a:rPr lang="ja-JP" altLang="en-US" sz="2400" dirty="0" smtClean="0">
+              <a:rPr lang="ja-JP" altLang="en-US" sz="2400" dirty="0">
                 <a:latin typeface="メイリオ" panose="020B0604030504040204" pitchFamily="50" charset="-128"/>
                 <a:ea typeface="メイリオ" panose="020B0604030504040204" pitchFamily="50" charset="-128"/>
               </a:rPr>
-              <a:t>・　</a:t>
-            </a:r>
-            <a:r>
-              <a:rPr lang="ja-JP" altLang="en-US" sz="2400" dirty="0" smtClean="0">
-                <a:latin typeface="メイリオ" panose="020B0604030504040204" pitchFamily="50" charset="-128"/>
-                <a:ea typeface="メイリオ" panose="020B0604030504040204" pitchFamily="50" charset="-128"/>
-              </a:rPr>
-              <a:t>日別評価</a:t>
+              <a:t>・　日別評価</a:t>
             </a:r>
             <a:endParaRPr lang="en-US" altLang="ja-JP" sz="2400" dirty="0">
               <a:latin typeface="メイリオ" panose="020B0604030504040204" pitchFamily="50" charset="-128"/>
@@ -19645,7 +19466,7 @@
               </a:lnSpc>
             </a:pPr>
             <a:r>
-              <a:rPr lang="ja-JP" altLang="en-US" sz="2400" dirty="0" smtClean="0">
+              <a:rPr lang="ja-JP" altLang="en-US" sz="2400" dirty="0">
                 <a:latin typeface="メイリオ" panose="020B0604030504040204" pitchFamily="50" charset="-128"/>
                 <a:ea typeface="メイリオ" panose="020B0604030504040204" pitchFamily="50" charset="-128"/>
               </a:rPr>
@@ -19668,13 +19489,6 @@
   <p:clrMapOvr>
     <a:masterClrMapping/>
   </p:clrMapOvr>
-  <p:timing>
-    <p:tnLst>
-      <p:par>
-        <p:cTn id="1" dur="indefinite" restart="never" nodeType="tmRoot"/>
-      </p:par>
-    </p:tnLst>
-  </p:timing>
 </p:sld>
 </file>
 
@@ -20016,7 +19830,7 @@
                         </a:spcAft>
                       </a:pPr>
                       <a:r>
-                        <a:rPr lang="ja-JP" sz="2400" kern="0" dirty="0" smtClean="0">
+                        <a:rPr lang="ja-JP" sz="2400" kern="0" dirty="0">
                           <a:effectLst/>
                         </a:rPr>
                         <a:t>ベンチマーク</a:t>
@@ -20286,7 +20100,7 @@
                         </a:spcAft>
                       </a:pPr>
                       <a:r>
-                        <a:rPr lang="ja-JP" sz="2400" kern="0" dirty="0" smtClean="0">
+                        <a:rPr lang="ja-JP" sz="2400" kern="0" dirty="0">
                           <a:effectLst/>
                         </a:rPr>
                         <a:t>全データ</a:t>
@@ -20496,7 +20310,7 @@
                         <a:t>10</a:t>
                       </a:r>
                       <a:r>
-                        <a:rPr lang="ja-JP" sz="2400" kern="0" dirty="0" smtClean="0">
+                        <a:rPr lang="ja-JP" sz="2400" kern="0" dirty="0">
                           <a:effectLst/>
                         </a:rPr>
                         <a:t>個</a:t>
@@ -20706,7 +20520,7 @@
                         <a:t>20</a:t>
                       </a:r>
                       <a:r>
-                        <a:rPr lang="ja-JP" sz="2400" kern="0" dirty="0" smtClean="0">
+                        <a:rPr lang="ja-JP" sz="2400" kern="0" dirty="0">
                           <a:effectLst/>
                         </a:rPr>
                         <a:t>個</a:t>
@@ -20988,7 +20802,7 @@
                         <a:t>30</a:t>
                       </a:r>
                       <a:r>
-                        <a:rPr lang="ja-JP" sz="2400" kern="0" dirty="0" smtClean="0">
+                        <a:rPr lang="ja-JP" sz="2400" kern="0" dirty="0">
                           <a:effectLst/>
                         </a:rPr>
                         <a:t>個</a:t>
@@ -21198,7 +21012,7 @@
                         <a:t>20</a:t>
                       </a:r>
                       <a:r>
-                        <a:rPr lang="ja-JP" sz="2400" kern="0" dirty="0" smtClean="0">
+                        <a:rPr lang="ja-JP" sz="2400" kern="0" dirty="0">
                           <a:effectLst/>
                         </a:rPr>
                         <a:t>個</a:t>
@@ -21468,21 +21282,7 @@
                 <a:latin typeface="メイリオ" panose="020B0604030504040204" pitchFamily="50" charset="-128"/>
                 <a:ea typeface="メイリオ" panose="020B0604030504040204" pitchFamily="50" charset="-128"/>
               </a:rPr>
-              <a:t>鴻巣における時間別及び</a:t>
-            </a:r>
-            <a:r>
-              <a:rPr lang="ja-JP" altLang="en-US" sz="2400" dirty="0" smtClean="0">
-                <a:latin typeface="メイリオ" panose="020B0604030504040204" pitchFamily="50" charset="-128"/>
-                <a:ea typeface="メイリオ" panose="020B0604030504040204" pitchFamily="50" charset="-128"/>
-              </a:rPr>
-              <a:t>日別評価</a:t>
-            </a:r>
-            <a:r>
-              <a:rPr lang="ja-JP" altLang="en-US" sz="2400" dirty="0">
-                <a:latin typeface="メイリオ" panose="020B0604030504040204" pitchFamily="50" charset="-128"/>
-                <a:ea typeface="メイリオ" panose="020B0604030504040204" pitchFamily="50" charset="-128"/>
-              </a:rPr>
-              <a:t>（</a:t>
+              <a:t>鴻巣における時間別及び日別評価（</a:t>
             </a:r>
             <a:r>
               <a:rPr lang="en-US" altLang="ja-JP" sz="2400" dirty="0">
@@ -21728,7 +21528,7 @@
                         </a:spcAft>
                       </a:pPr>
                       <a:r>
-                        <a:rPr lang="ja-JP" sz="2400" kern="0" dirty="0" smtClean="0">
+                        <a:rPr lang="ja-JP" sz="2400" kern="0" dirty="0">
                           <a:effectLst/>
                         </a:rPr>
                         <a:t>ベンチマーク</a:t>
@@ -21918,7 +21718,7 @@
                         </a:spcAft>
                       </a:pPr>
                       <a:r>
-                        <a:rPr lang="ja-JP" sz="2400" kern="0" dirty="0" smtClean="0">
+                        <a:rPr lang="ja-JP" sz="2400" kern="0" dirty="0">
                           <a:effectLst/>
                         </a:rPr>
                         <a:t>全データ</a:t>
@@ -22066,7 +21866,7 @@
                         <a:t>10</a:t>
                       </a:r>
                       <a:r>
-                        <a:rPr lang="ja-JP" sz="2400" kern="0" dirty="0" smtClean="0">
+                        <a:rPr lang="ja-JP" sz="2400" kern="0" dirty="0">
                           <a:effectLst/>
                         </a:rPr>
                         <a:t>個</a:t>
@@ -22214,7 +22014,7 @@
                         <a:t>20</a:t>
                       </a:r>
                       <a:r>
-                        <a:rPr lang="ja-JP" sz="2400" kern="0" dirty="0" smtClean="0">
+                        <a:rPr lang="ja-JP" sz="2400" kern="0" dirty="0">
                           <a:effectLst/>
                         </a:rPr>
                         <a:t>個</a:t>
@@ -22416,7 +22216,7 @@
                         <a:t>30</a:t>
                       </a:r>
                       <a:r>
-                        <a:rPr lang="ja-JP" sz="2400" kern="0" dirty="0" smtClean="0">
+                        <a:rPr lang="ja-JP" sz="2400" kern="0" dirty="0">
                           <a:effectLst/>
                         </a:rPr>
                         <a:t>個</a:t>
@@ -22564,7 +22364,7 @@
                         <a:t>20</a:t>
                       </a:r>
                       <a:r>
-                        <a:rPr lang="ja-JP" sz="2400" kern="0" dirty="0" smtClean="0">
+                        <a:rPr lang="ja-JP" sz="2400" kern="0" dirty="0">
                           <a:effectLst/>
                         </a:rPr>
                         <a:t>個</a:t>
@@ -22686,18 +22486,11 @@
               </a:lnSpc>
             </a:pPr>
             <a:r>
-              <a:rPr lang="ja-JP" altLang="en-US" sz="2400" dirty="0" smtClean="0">
+              <a:rPr lang="ja-JP" altLang="en-US" sz="2400" dirty="0">
                 <a:latin typeface="メイリオ" panose="020B0604030504040204" pitchFamily="50" charset="-128"/>
                 <a:ea typeface="メイリオ" panose="020B0604030504040204" pitchFamily="50" charset="-128"/>
               </a:rPr>
-              <a:t>・　</a:t>
-            </a:r>
-            <a:r>
-              <a:rPr lang="ja-JP" altLang="en-US" sz="2400" dirty="0" smtClean="0">
-                <a:latin typeface="メイリオ" panose="020B0604030504040204" pitchFamily="50" charset="-128"/>
-                <a:ea typeface="メイリオ" panose="020B0604030504040204" pitchFamily="50" charset="-128"/>
-              </a:rPr>
-              <a:t>日別評価</a:t>
+              <a:t>・　日別評価</a:t>
             </a:r>
             <a:endParaRPr lang="en-US" altLang="ja-JP" sz="2400" dirty="0">
               <a:latin typeface="メイリオ" panose="020B0604030504040204" pitchFamily="50" charset="-128"/>
@@ -22740,7 +22533,7 @@
               </a:lnSpc>
             </a:pPr>
             <a:r>
-              <a:rPr lang="ja-JP" altLang="en-US" sz="2400" dirty="0" smtClean="0">
+              <a:rPr lang="ja-JP" altLang="en-US" sz="2400" dirty="0">
                 <a:latin typeface="メイリオ" panose="020B0604030504040204" pitchFamily="50" charset="-128"/>
                 <a:ea typeface="メイリオ" panose="020B0604030504040204" pitchFamily="50" charset="-128"/>
               </a:rPr>
@@ -22763,13 +22556,6 @@
   <p:clrMapOvr>
     <a:masterClrMapping/>
   </p:clrMapOvr>
-  <p:timing>
-    <p:tnLst>
-      <p:par>
-        <p:cTn id="1" dur="indefinite" restart="never" nodeType="tmRoot"/>
-      </p:par>
-    </p:tnLst>
-  </p:timing>
 </p:sld>
 </file>
 
@@ -29197,6 +28983,1710 @@
 </p:sld>
 </file>
 
+<file path=ppt/slides/slide22.xml><?xml version="1.0" encoding="utf-8"?>
+<p:sld xmlns:a="http://schemas.openxmlformats.org/drawingml/2006/main" xmlns:r="http://schemas.openxmlformats.org/officeDocument/2006/relationships" xmlns:p="http://schemas.openxmlformats.org/presentationml/2006/main">
+  <p:cSld>
+    <p:spTree>
+      <p:nvGrpSpPr>
+        <p:cNvPr id="1" name="">
+          <a:extLst>
+            <a:ext uri="{FF2B5EF4-FFF2-40B4-BE49-F238E27FC236}">
+              <a16:creationId xmlns:a16="http://schemas.microsoft.com/office/drawing/2014/main" id="{938E1227-8C5A-C217-C281-A94DBD078A0A}"/>
+            </a:ext>
+          </a:extLst>
+        </p:cNvPr>
+        <p:cNvGrpSpPr/>
+        <p:nvPr/>
+      </p:nvGrpSpPr>
+      <p:grpSpPr>
+        <a:xfrm>
+          <a:off x="0" y="0"/>
+          <a:ext cx="0" cy="0"/>
+          <a:chOff x="0" y="0"/>
+          <a:chExt cx="0" cy="0"/>
+        </a:xfrm>
+      </p:grpSpPr>
+      <p:sp>
+        <p:nvSpPr>
+          <p:cNvPr id="2" name="矢印: 山形 1">
+            <a:extLst>
+              <a:ext uri="{FF2B5EF4-FFF2-40B4-BE49-F238E27FC236}">
+                <a16:creationId xmlns:a16="http://schemas.microsoft.com/office/drawing/2014/main" id="{80805559-021F-A658-181D-71DB9246DF45}"/>
+              </a:ext>
+            </a:extLst>
+          </p:cNvPr>
+          <p:cNvSpPr/>
+          <p:nvPr/>
+        </p:nvSpPr>
+        <p:spPr>
+          <a:xfrm rot="10800000">
+            <a:off x="-495225" y="5440"/>
+            <a:ext cx="3053329" cy="821072"/>
+          </a:xfrm>
+          <a:prstGeom prst="chevron">
+            <a:avLst>
+              <a:gd name="adj" fmla="val 46429"/>
+            </a:avLst>
+          </a:prstGeom>
+          <a:solidFill>
+            <a:schemeClr val="accent3">
+              <a:lumMod val="40000"/>
+              <a:lumOff val="60000"/>
+            </a:schemeClr>
+          </a:solidFill>
+        </p:spPr>
+        <p:style>
+          <a:lnRef idx="2">
+            <a:schemeClr val="accent1">
+              <a:shade val="15000"/>
+            </a:schemeClr>
+          </a:lnRef>
+          <a:fillRef idx="1">
+            <a:schemeClr val="accent1"/>
+          </a:fillRef>
+          <a:effectRef idx="0">
+            <a:schemeClr val="accent1"/>
+          </a:effectRef>
+          <a:fontRef idx="minor">
+            <a:schemeClr val="lt1"/>
+          </a:fontRef>
+        </p:style>
+        <p:txBody>
+          <a:bodyPr rtlCol="0" anchor="ctr"/>
+          <a:lstStyle/>
+          <a:p>
+            <a:pPr algn="ctr"/>
+            <a:endParaRPr kumimoji="1" lang="ja-JP" altLang="en-US" dirty="0">
+              <a:solidFill>
+                <a:schemeClr val="tx1"/>
+              </a:solidFill>
+              <a:latin typeface="メイリオ" panose="020B0604030504040204" pitchFamily="50" charset="-128"/>
+              <a:ea typeface="メイリオ" panose="020B0604030504040204" pitchFamily="50" charset="-128"/>
+            </a:endParaRPr>
+          </a:p>
+        </p:txBody>
+      </p:sp>
+      <p:sp>
+        <p:nvSpPr>
+          <p:cNvPr id="3" name="テキスト ボックス 2">
+            <a:extLst>
+              <a:ext uri="{FF2B5EF4-FFF2-40B4-BE49-F238E27FC236}">
+                <a16:creationId xmlns:a16="http://schemas.microsoft.com/office/drawing/2014/main" id="{19942425-F023-07EA-7B13-F883759C87D8}"/>
+              </a:ext>
+            </a:extLst>
+          </p:cNvPr>
+          <p:cNvSpPr txBox="1"/>
+          <p:nvPr/>
+        </p:nvSpPr>
+        <p:spPr>
+          <a:xfrm>
+            <a:off x="25629" y="175008"/>
+            <a:ext cx="2263365" cy="553998"/>
+          </a:xfrm>
+          <a:prstGeom prst="rect">
+            <a:avLst/>
+          </a:prstGeom>
+          <a:noFill/>
+        </p:spPr>
+        <p:txBody>
+          <a:bodyPr wrap="square" rtlCol="0">
+            <a:spAutoFit/>
+          </a:bodyPr>
+          <a:lstStyle/>
+          <a:p>
+            <a:r>
+              <a:rPr lang="ja-JP" altLang="en-US" sz="3000" b="1" dirty="0">
+                <a:latin typeface="メイリオ" panose="020B0604030504040204" pitchFamily="50" charset="-128"/>
+                <a:ea typeface="メイリオ" panose="020B0604030504040204" pitchFamily="50" charset="-128"/>
+              </a:rPr>
+              <a:t>解析結果</a:t>
+            </a:r>
+            <a:endParaRPr lang="en-US" altLang="ja-JP" sz="3000" b="1" dirty="0">
+              <a:latin typeface="メイリオ" panose="020B0604030504040204" pitchFamily="50" charset="-128"/>
+              <a:ea typeface="メイリオ" panose="020B0604030504040204" pitchFamily="50" charset="-128"/>
+            </a:endParaRPr>
+          </a:p>
+        </p:txBody>
+      </p:sp>
+      <p:graphicFrame>
+        <p:nvGraphicFramePr>
+          <p:cNvPr id="5" name="表 4">
+            <a:extLst>
+              <a:ext uri="{FF2B5EF4-FFF2-40B4-BE49-F238E27FC236}">
+                <a16:creationId xmlns:a16="http://schemas.microsoft.com/office/drawing/2014/main" id="{A03078EA-A97A-BCF3-6562-D1FD8BCC4350}"/>
+              </a:ext>
+            </a:extLst>
+          </p:cNvPr>
+          <p:cNvGraphicFramePr>
+            <a:graphicFrameLocks noGrp="1"/>
+          </p:cNvGraphicFramePr>
+          <p:nvPr>
+            <p:extLst>
+              <p:ext uri="{D42A27DB-BD31-4B8C-83A1-F6EECF244321}">
+                <p14:modId xmlns:p14="http://schemas.microsoft.com/office/powerpoint/2010/main" val="2473312237"/>
+              </p:ext>
+            </p:extLst>
+          </p:nvPr>
+        </p:nvGraphicFramePr>
+        <p:xfrm>
+          <a:off x="25628" y="2362200"/>
+          <a:ext cx="10375672" cy="2362200"/>
+        </p:xfrm>
+        <a:graphic>
+          <a:graphicData uri="http://schemas.openxmlformats.org/drawingml/2006/table">
+            <a:tbl>
+              <a:tblPr firstRow="1" firstCol="1">
+                <a:tableStyleId>{93296810-A885-4BE3-A3E7-6D5BEEA58F35}</a:tableStyleId>
+              </a:tblPr>
+              <a:tblGrid>
+                <a:gridCol w="1510075">
+                  <a:extLst>
+                    <a:ext uri="{9D8B030D-6E8A-4147-A177-3AD203B41FA5}">
+                      <a16:colId xmlns:a16="http://schemas.microsoft.com/office/drawing/2014/main" val="4042185515"/>
+                    </a:ext>
+                  </a:extLst>
+                </a:gridCol>
+                <a:gridCol w="1290868">
+                  <a:extLst>
+                    <a:ext uri="{9D8B030D-6E8A-4147-A177-3AD203B41FA5}">
+                      <a16:colId xmlns:a16="http://schemas.microsoft.com/office/drawing/2014/main" val="2189969280"/>
+                    </a:ext>
+                  </a:extLst>
+                </a:gridCol>
+                <a:gridCol w="1851062">
+                  <a:extLst>
+                    <a:ext uri="{9D8B030D-6E8A-4147-A177-3AD203B41FA5}">
+                      <a16:colId xmlns:a16="http://schemas.microsoft.com/office/drawing/2014/main" val="2219487544"/>
+                    </a:ext>
+                  </a:extLst>
+                </a:gridCol>
+                <a:gridCol w="1244273">
+                  <a:extLst>
+                    <a:ext uri="{9D8B030D-6E8A-4147-A177-3AD203B41FA5}">
+                      <a16:colId xmlns:a16="http://schemas.microsoft.com/office/drawing/2014/main" val="3837268334"/>
+                    </a:ext>
+                  </a:extLst>
+                </a:gridCol>
+                <a:gridCol w="1450557">
+                  <a:extLst>
+                    <a:ext uri="{9D8B030D-6E8A-4147-A177-3AD203B41FA5}">
+                      <a16:colId xmlns:a16="http://schemas.microsoft.com/office/drawing/2014/main" val="2657704445"/>
+                    </a:ext>
+                  </a:extLst>
+                </a:gridCol>
+                <a:gridCol w="1737969">
+                  <a:extLst>
+                    <a:ext uri="{9D8B030D-6E8A-4147-A177-3AD203B41FA5}">
+                      <a16:colId xmlns:a16="http://schemas.microsoft.com/office/drawing/2014/main" val="2574338753"/>
+                    </a:ext>
+                  </a:extLst>
+                </a:gridCol>
+                <a:gridCol w="1290868">
+                  <a:extLst>
+                    <a:ext uri="{9D8B030D-6E8A-4147-A177-3AD203B41FA5}">
+                      <a16:colId xmlns:a16="http://schemas.microsoft.com/office/drawing/2014/main" val="1243045073"/>
+                    </a:ext>
+                  </a:extLst>
+                </a:gridCol>
+              </a:tblGrid>
+              <a:tr h="472440">
+                <a:tc>
+                  <a:txBody>
+                    <a:bodyPr/>
+                    <a:lstStyle/>
+                    <a:p>
+                      <a:pPr algn="ctr" fontAlgn="ctr"/>
+                      <a:endParaRPr lang="ja-JP" altLang="en-US" sz="2400" b="0" i="0" u="none" strike="noStrike" dirty="0">
+                        <a:solidFill>
+                          <a:srgbClr val="000000"/>
+                        </a:solidFill>
+                        <a:effectLst/>
+                        <a:latin typeface="游ゴシック" panose="020B0400000000000000" pitchFamily="50" charset="-128"/>
+                        <a:ea typeface="游ゴシック" panose="020B0400000000000000" pitchFamily="50" charset="-128"/>
+                      </a:endParaRPr>
+                    </a:p>
+                  </a:txBody>
+                  <a:tcPr marL="7620" marR="7620" marT="7620" marB="0" anchor="ctr"/>
+                </a:tc>
+                <a:tc gridSpan="6">
+                  <a:txBody>
+                    <a:bodyPr/>
+                    <a:lstStyle/>
+                    <a:p>
+                      <a:pPr algn="ctr" fontAlgn="ctr"/>
+                      <a:r>
+                        <a:rPr lang="ja-JP" altLang="en-US" sz="2400" u="none" strike="noStrike" dirty="0">
+                          <a:effectLst/>
+                        </a:rPr>
+                        <a:t>特徴量</a:t>
+                      </a:r>
+                      <a:endParaRPr lang="ja-JP" altLang="en-US" sz="2400" b="0" i="0" u="none" strike="noStrike" dirty="0">
+                        <a:solidFill>
+                          <a:srgbClr val="000000"/>
+                        </a:solidFill>
+                        <a:effectLst/>
+                        <a:latin typeface="游ゴシック" panose="020B0400000000000000" pitchFamily="50" charset="-128"/>
+                        <a:ea typeface="游ゴシック" panose="020B0400000000000000" pitchFamily="50" charset="-128"/>
+                      </a:endParaRPr>
+                    </a:p>
+                  </a:txBody>
+                  <a:tcPr marL="7620" marR="7620" marT="7620" marB="0" anchor="ctr"/>
+                </a:tc>
+                <a:tc hMerge="1">
+                  <a:txBody>
+                    <a:bodyPr/>
+                    <a:lstStyle/>
+                    <a:p>
+                      <a:pPr algn="l" fontAlgn="ctr"/>
+                      <a:endParaRPr lang="ja-JP" altLang="en-US" sz="1100" b="0" i="0" u="none" strike="noStrike">
+                        <a:solidFill>
+                          <a:srgbClr val="000000"/>
+                        </a:solidFill>
+                        <a:effectLst/>
+                        <a:latin typeface="游ゴシック" panose="020B0400000000000000" pitchFamily="50" charset="-128"/>
+                        <a:ea typeface="游ゴシック" panose="020B0400000000000000" pitchFamily="50" charset="-128"/>
+                      </a:endParaRPr>
+                    </a:p>
+                  </a:txBody>
+                  <a:tcPr marL="7620" marR="7620" marT="7620" marB="0" anchor="ctr"/>
+                </a:tc>
+                <a:tc hMerge="1">
+                  <a:txBody>
+                    <a:bodyPr/>
+                    <a:lstStyle/>
+                    <a:p>
+                      <a:pPr algn="l" fontAlgn="ctr"/>
+                      <a:endParaRPr lang="ja-JP" altLang="en-US" sz="1100" b="0" i="0" u="none" strike="noStrike">
+                        <a:solidFill>
+                          <a:srgbClr val="000000"/>
+                        </a:solidFill>
+                        <a:effectLst/>
+                        <a:latin typeface="游ゴシック" panose="020B0400000000000000" pitchFamily="50" charset="-128"/>
+                        <a:ea typeface="游ゴシック" panose="020B0400000000000000" pitchFamily="50" charset="-128"/>
+                      </a:endParaRPr>
+                    </a:p>
+                  </a:txBody>
+                  <a:tcPr marL="7620" marR="7620" marT="7620" marB="0" anchor="ctr"/>
+                </a:tc>
+                <a:tc hMerge="1">
+                  <a:txBody>
+                    <a:bodyPr/>
+                    <a:lstStyle/>
+                    <a:p>
+                      <a:pPr algn="l" fontAlgn="ctr"/>
+                      <a:endParaRPr lang="ja-JP" altLang="en-US" sz="1100" b="0" i="0" u="none" strike="noStrike">
+                        <a:solidFill>
+                          <a:srgbClr val="000000"/>
+                        </a:solidFill>
+                        <a:effectLst/>
+                        <a:latin typeface="游ゴシック" panose="020B0400000000000000" pitchFamily="50" charset="-128"/>
+                        <a:ea typeface="游ゴシック" panose="020B0400000000000000" pitchFamily="50" charset="-128"/>
+                      </a:endParaRPr>
+                    </a:p>
+                  </a:txBody>
+                  <a:tcPr marL="7620" marR="7620" marT="7620" marB="0" anchor="ctr"/>
+                </a:tc>
+                <a:tc hMerge="1">
+                  <a:txBody>
+                    <a:bodyPr/>
+                    <a:lstStyle/>
+                    <a:p>
+                      <a:pPr algn="l" fontAlgn="ctr"/>
+                      <a:endParaRPr lang="ja-JP" altLang="en-US" sz="1100" b="0" i="0" u="none" strike="noStrike">
+                        <a:solidFill>
+                          <a:srgbClr val="000000"/>
+                        </a:solidFill>
+                        <a:effectLst/>
+                        <a:latin typeface="游ゴシック" panose="020B0400000000000000" pitchFamily="50" charset="-128"/>
+                        <a:ea typeface="游ゴシック" panose="020B0400000000000000" pitchFamily="50" charset="-128"/>
+                      </a:endParaRPr>
+                    </a:p>
+                  </a:txBody>
+                  <a:tcPr marL="7620" marR="7620" marT="7620" marB="0" anchor="ctr"/>
+                </a:tc>
+                <a:tc hMerge="1">
+                  <a:txBody>
+                    <a:bodyPr/>
+                    <a:lstStyle/>
+                    <a:p>
+                      <a:pPr algn="l" fontAlgn="ctr"/>
+                      <a:endParaRPr lang="ja-JP" altLang="en-US" sz="1100" b="0" i="0" u="none" strike="noStrike" dirty="0">
+                        <a:solidFill>
+                          <a:srgbClr val="000000"/>
+                        </a:solidFill>
+                        <a:effectLst/>
+                        <a:latin typeface="游ゴシック" panose="020B0400000000000000" pitchFamily="50" charset="-128"/>
+                        <a:ea typeface="游ゴシック" panose="020B0400000000000000" pitchFamily="50" charset="-128"/>
+                      </a:endParaRPr>
+                    </a:p>
+                  </a:txBody>
+                  <a:tcPr marL="7620" marR="7620" marT="7620" marB="0" anchor="ctr"/>
+                </a:tc>
+                <a:extLst>
+                  <a:ext uri="{0D108BD9-81ED-4DB2-BD59-A6C34878D82A}">
+                    <a16:rowId xmlns:a16="http://schemas.microsoft.com/office/drawing/2014/main" val="2635549864"/>
+                  </a:ext>
+                </a:extLst>
+              </a:tr>
+              <a:tr h="472440">
+                <a:tc>
+                  <a:txBody>
+                    <a:bodyPr/>
+                    <a:lstStyle/>
+                    <a:p>
+                      <a:pPr algn="ctr" fontAlgn="ctr"/>
+                      <a:r>
+                        <a:rPr lang="en-US" sz="2400" u="none" strike="noStrike" dirty="0">
+                          <a:effectLst/>
+                        </a:rPr>
+                        <a:t>lag=1</a:t>
+                      </a:r>
+                      <a:endParaRPr lang="en-US" sz="2400" b="0" i="0" u="none" strike="noStrike" dirty="0">
+                        <a:solidFill>
+                          <a:srgbClr val="000000"/>
+                        </a:solidFill>
+                        <a:effectLst/>
+                        <a:latin typeface="游ゴシック" panose="020B0400000000000000" pitchFamily="50" charset="-128"/>
+                        <a:ea typeface="游ゴシック" panose="020B0400000000000000" pitchFamily="50" charset="-128"/>
+                      </a:endParaRPr>
+                    </a:p>
+                  </a:txBody>
+                  <a:tcPr marL="7620" marR="7620" marT="7620" marB="0" anchor="ctr">
+                    <a:lnB w="38100" cap="flat" cmpd="sng" algn="ctr">
+                      <a:solidFill>
+                        <a:schemeClr val="tx1"/>
+                      </a:solidFill>
+                      <a:prstDash val="sysDot"/>
+                      <a:round/>
+                      <a:headEnd type="none" w="med" len="med"/>
+                      <a:tailEnd type="none" w="med" len="med"/>
+                    </a:lnB>
+                  </a:tcPr>
+                </a:tc>
+                <a:tc>
+                  <a:txBody>
+                    <a:bodyPr/>
+                    <a:lstStyle/>
+                    <a:p>
+                      <a:pPr algn="ctr" fontAlgn="ctr"/>
+                      <a:r>
+                        <a:rPr lang="en-US" sz="2400" u="none" strike="noStrike" dirty="0">
+                          <a:effectLst/>
+                        </a:rPr>
+                        <a:t>Ox_01</a:t>
+                      </a:r>
+                      <a:endParaRPr lang="en-US" sz="2400" b="0" i="0" u="none" strike="noStrike" dirty="0">
+                        <a:solidFill>
+                          <a:srgbClr val="000000"/>
+                        </a:solidFill>
+                        <a:effectLst/>
+                        <a:latin typeface="游ゴシック" panose="020B0400000000000000" pitchFamily="50" charset="-128"/>
+                        <a:ea typeface="游ゴシック" panose="020B0400000000000000" pitchFamily="50" charset="-128"/>
+                      </a:endParaRPr>
+                    </a:p>
+                  </a:txBody>
+                  <a:tcPr marL="7620" marR="7620" marT="7620" marB="0" anchor="ctr">
+                    <a:lnB w="38100" cap="flat" cmpd="sng" algn="ctr">
+                      <a:solidFill>
+                        <a:schemeClr val="tx1"/>
+                      </a:solidFill>
+                      <a:prstDash val="sysDot"/>
+                      <a:round/>
+                      <a:headEnd type="none" w="med" len="med"/>
+                      <a:tailEnd type="none" w="med" len="med"/>
+                    </a:lnB>
+                  </a:tcPr>
+                </a:tc>
+                <a:tc>
+                  <a:txBody>
+                    <a:bodyPr/>
+                    <a:lstStyle/>
+                    <a:p>
+                      <a:pPr algn="ctr" fontAlgn="ctr"/>
+                      <a:r>
+                        <a:rPr lang="en-US" sz="2400" u="none" strike="noStrike" dirty="0">
+                          <a:effectLst/>
+                        </a:rPr>
+                        <a:t>TEMP_01</a:t>
+                      </a:r>
+                      <a:endParaRPr lang="en-US" sz="2400" b="0" i="0" u="none" strike="noStrike" dirty="0">
+                        <a:solidFill>
+                          <a:srgbClr val="000000"/>
+                        </a:solidFill>
+                        <a:effectLst/>
+                        <a:latin typeface="游ゴシック" panose="020B0400000000000000" pitchFamily="50" charset="-128"/>
+                        <a:ea typeface="游ゴシック" panose="020B0400000000000000" pitchFamily="50" charset="-128"/>
+                      </a:endParaRPr>
+                    </a:p>
+                  </a:txBody>
+                  <a:tcPr marL="7620" marR="7620" marT="7620" marB="0" anchor="ctr">
+                    <a:lnB w="38100" cap="flat" cmpd="sng" algn="ctr">
+                      <a:solidFill>
+                        <a:schemeClr val="tx1"/>
+                      </a:solidFill>
+                      <a:prstDash val="sysDot"/>
+                      <a:round/>
+                      <a:headEnd type="none" w="med" len="med"/>
+                      <a:tailEnd type="none" w="med" len="med"/>
+                    </a:lnB>
+                  </a:tcPr>
+                </a:tc>
+                <a:tc>
+                  <a:txBody>
+                    <a:bodyPr/>
+                    <a:lstStyle/>
+                    <a:p>
+                      <a:pPr algn="ctr" fontAlgn="ctr"/>
+                      <a:r>
+                        <a:rPr lang="en-US" sz="2400" u="none" strike="noStrike" dirty="0">
+                          <a:effectLst/>
+                        </a:rPr>
+                        <a:t>HUM_01</a:t>
+                      </a:r>
+                      <a:endParaRPr lang="en-US" sz="2400" b="0" i="0" u="none" strike="noStrike" dirty="0">
+                        <a:solidFill>
+                          <a:srgbClr val="000000"/>
+                        </a:solidFill>
+                        <a:effectLst/>
+                        <a:latin typeface="游ゴシック" panose="020B0400000000000000" pitchFamily="50" charset="-128"/>
+                        <a:ea typeface="游ゴシック" panose="020B0400000000000000" pitchFamily="50" charset="-128"/>
+                      </a:endParaRPr>
+                    </a:p>
+                  </a:txBody>
+                  <a:tcPr marL="7620" marR="7620" marT="7620" marB="0" anchor="ctr">
+                    <a:lnB w="38100" cap="flat" cmpd="sng" algn="ctr">
+                      <a:solidFill>
+                        <a:schemeClr val="tx1"/>
+                      </a:solidFill>
+                      <a:prstDash val="sysDot"/>
+                      <a:round/>
+                      <a:headEnd type="none" w="med" len="med"/>
+                      <a:tailEnd type="none" w="med" len="med"/>
+                    </a:lnB>
+                  </a:tcPr>
+                </a:tc>
+                <a:tc>
+                  <a:txBody>
+                    <a:bodyPr/>
+                    <a:lstStyle/>
+                    <a:p>
+                      <a:pPr algn="ctr" fontAlgn="ctr"/>
+                      <a:r>
+                        <a:rPr lang="en-US" sz="2400" u="none" strike="noStrike" dirty="0">
+                          <a:effectLst/>
+                        </a:rPr>
+                        <a:t>TEMP_03</a:t>
+                      </a:r>
+                      <a:endParaRPr lang="en-US" sz="2400" b="0" i="0" u="none" strike="noStrike" dirty="0">
+                        <a:solidFill>
+                          <a:srgbClr val="000000"/>
+                        </a:solidFill>
+                        <a:effectLst/>
+                        <a:latin typeface="游ゴシック" panose="020B0400000000000000" pitchFamily="50" charset="-128"/>
+                        <a:ea typeface="游ゴシック" panose="020B0400000000000000" pitchFamily="50" charset="-128"/>
+                      </a:endParaRPr>
+                    </a:p>
+                  </a:txBody>
+                  <a:tcPr marL="7620" marR="7620" marT="7620" marB="0" anchor="ctr">
+                    <a:lnB w="38100" cap="flat" cmpd="sng" algn="ctr">
+                      <a:solidFill>
+                        <a:schemeClr val="tx1"/>
+                      </a:solidFill>
+                      <a:prstDash val="sysDot"/>
+                      <a:round/>
+                      <a:headEnd type="none" w="med" len="med"/>
+                      <a:tailEnd type="none" w="med" len="med"/>
+                    </a:lnB>
+                  </a:tcPr>
+                </a:tc>
+                <a:tc>
+                  <a:txBody>
+                    <a:bodyPr/>
+                    <a:lstStyle/>
+                    <a:p>
+                      <a:pPr algn="ctr" fontAlgn="ctr"/>
+                      <a:r>
+                        <a:rPr lang="en-US" sz="2400" u="none" strike="noStrike" dirty="0">
+                          <a:effectLst/>
+                        </a:rPr>
+                        <a:t>TEMP_02</a:t>
+                      </a:r>
+                      <a:endParaRPr lang="en-US" sz="2400" b="0" i="0" u="none" strike="noStrike" dirty="0">
+                        <a:solidFill>
+                          <a:srgbClr val="000000"/>
+                        </a:solidFill>
+                        <a:effectLst/>
+                        <a:latin typeface="游ゴシック" panose="020B0400000000000000" pitchFamily="50" charset="-128"/>
+                        <a:ea typeface="游ゴシック" panose="020B0400000000000000" pitchFamily="50" charset="-128"/>
+                      </a:endParaRPr>
+                    </a:p>
+                  </a:txBody>
+                  <a:tcPr marL="7620" marR="7620" marT="7620" marB="0" anchor="ctr">
+                    <a:lnB w="38100" cap="flat" cmpd="sng" algn="ctr">
+                      <a:solidFill>
+                        <a:schemeClr val="tx1"/>
+                      </a:solidFill>
+                      <a:prstDash val="sysDot"/>
+                      <a:round/>
+                      <a:headEnd type="none" w="med" len="med"/>
+                      <a:tailEnd type="none" w="med" len="med"/>
+                    </a:lnB>
+                  </a:tcPr>
+                </a:tc>
+                <a:tc>
+                  <a:txBody>
+                    <a:bodyPr/>
+                    <a:lstStyle/>
+                    <a:p>
+                      <a:pPr algn="ctr" fontAlgn="ctr"/>
+                      <a:r>
+                        <a:rPr lang="en-US" sz="2400" u="none" strike="noStrike" dirty="0">
+                          <a:effectLst/>
+                        </a:rPr>
+                        <a:t>Ox_23</a:t>
+                      </a:r>
+                      <a:endParaRPr lang="en-US" sz="2400" b="0" i="0" u="none" strike="noStrike" dirty="0">
+                        <a:solidFill>
+                          <a:srgbClr val="000000"/>
+                        </a:solidFill>
+                        <a:effectLst/>
+                        <a:latin typeface="游ゴシック" panose="020B0400000000000000" pitchFamily="50" charset="-128"/>
+                        <a:ea typeface="游ゴシック" panose="020B0400000000000000" pitchFamily="50" charset="-128"/>
+                      </a:endParaRPr>
+                    </a:p>
+                  </a:txBody>
+                  <a:tcPr marL="7620" marR="7620" marT="7620" marB="0" anchor="ctr">
+                    <a:lnB w="38100" cap="flat" cmpd="sng" algn="ctr">
+                      <a:solidFill>
+                        <a:schemeClr val="tx1"/>
+                      </a:solidFill>
+                      <a:prstDash val="sysDot"/>
+                      <a:round/>
+                      <a:headEnd type="none" w="med" len="med"/>
+                      <a:tailEnd type="none" w="med" len="med"/>
+                    </a:lnB>
+                  </a:tcPr>
+                </a:tc>
+                <a:extLst>
+                  <a:ext uri="{0D108BD9-81ED-4DB2-BD59-A6C34878D82A}">
+                    <a16:rowId xmlns:a16="http://schemas.microsoft.com/office/drawing/2014/main" val="2617725014"/>
+                  </a:ext>
+                </a:extLst>
+              </a:tr>
+              <a:tr h="472440">
+                <a:tc>
+                  <a:txBody>
+                    <a:bodyPr/>
+                    <a:lstStyle/>
+                    <a:p>
+                      <a:pPr algn="ctr" fontAlgn="ctr"/>
+                      <a:r>
+                        <a:rPr lang="en-US" sz="2400" u="none" strike="noStrike" dirty="0">
+                          <a:effectLst/>
+                        </a:rPr>
+                        <a:t>lag=2</a:t>
+                      </a:r>
+                      <a:endParaRPr lang="en-US" sz="2400" b="0" i="0" u="none" strike="noStrike" dirty="0">
+                        <a:solidFill>
+                          <a:srgbClr val="000000"/>
+                        </a:solidFill>
+                        <a:effectLst/>
+                        <a:latin typeface="游ゴシック" panose="020B0400000000000000" pitchFamily="50" charset="-128"/>
+                        <a:ea typeface="游ゴシック" panose="020B0400000000000000" pitchFamily="50" charset="-128"/>
+                      </a:endParaRPr>
+                    </a:p>
+                  </a:txBody>
+                  <a:tcPr marL="7620" marR="7620" marT="7620" marB="0" anchor="ctr">
+                    <a:lnT w="38100" cap="flat" cmpd="sng" algn="ctr">
+                      <a:solidFill>
+                        <a:schemeClr val="tx1"/>
+                      </a:solidFill>
+                      <a:prstDash val="sysDot"/>
+                      <a:round/>
+                      <a:headEnd type="none" w="med" len="med"/>
+                      <a:tailEnd type="none" w="med" len="med"/>
+                    </a:lnT>
+                    <a:lnB w="38100" cap="flat" cmpd="sng" algn="ctr">
+                      <a:solidFill>
+                        <a:schemeClr val="tx1"/>
+                      </a:solidFill>
+                      <a:prstDash val="sysDot"/>
+                      <a:round/>
+                      <a:headEnd type="none" w="med" len="med"/>
+                      <a:tailEnd type="none" w="med" len="med"/>
+                    </a:lnB>
+                  </a:tcPr>
+                </a:tc>
+                <a:tc>
+                  <a:txBody>
+                    <a:bodyPr/>
+                    <a:lstStyle/>
+                    <a:p>
+                      <a:pPr algn="ctr" fontAlgn="ctr"/>
+                      <a:r>
+                        <a:rPr lang="en-US" sz="2400" u="none" strike="noStrike" dirty="0">
+                          <a:effectLst/>
+                        </a:rPr>
+                        <a:t>Ox_01</a:t>
+                      </a:r>
+                      <a:endParaRPr lang="en-US" sz="2400" b="0" i="0" u="none" strike="noStrike" dirty="0">
+                        <a:solidFill>
+                          <a:srgbClr val="000000"/>
+                        </a:solidFill>
+                        <a:effectLst/>
+                        <a:latin typeface="游ゴシック" panose="020B0400000000000000" pitchFamily="50" charset="-128"/>
+                        <a:ea typeface="游ゴシック" panose="020B0400000000000000" pitchFamily="50" charset="-128"/>
+                      </a:endParaRPr>
+                    </a:p>
+                  </a:txBody>
+                  <a:tcPr marL="7620" marR="7620" marT="7620" marB="0" anchor="ctr">
+                    <a:lnT w="38100" cap="flat" cmpd="sng" algn="ctr">
+                      <a:solidFill>
+                        <a:schemeClr val="tx1"/>
+                      </a:solidFill>
+                      <a:prstDash val="sysDot"/>
+                      <a:round/>
+                      <a:headEnd type="none" w="med" len="med"/>
+                      <a:tailEnd type="none" w="med" len="med"/>
+                    </a:lnT>
+                    <a:lnB w="38100" cap="flat" cmpd="sng" algn="ctr">
+                      <a:solidFill>
+                        <a:schemeClr val="tx1"/>
+                      </a:solidFill>
+                      <a:prstDash val="sysDot"/>
+                      <a:round/>
+                      <a:headEnd type="none" w="med" len="med"/>
+                      <a:tailEnd type="none" w="med" len="med"/>
+                    </a:lnB>
+                  </a:tcPr>
+                </a:tc>
+                <a:tc>
+                  <a:txBody>
+                    <a:bodyPr/>
+                    <a:lstStyle/>
+                    <a:p>
+                      <a:pPr algn="ctr" fontAlgn="ctr"/>
+                      <a:r>
+                        <a:rPr lang="en-US" sz="2400" u="none" strike="noStrike" dirty="0">
+                          <a:effectLst/>
+                        </a:rPr>
+                        <a:t>TEMP_01</a:t>
+                      </a:r>
+                      <a:endParaRPr lang="en-US" sz="2400" b="0" i="0" u="none" strike="noStrike" dirty="0">
+                        <a:solidFill>
+                          <a:srgbClr val="000000"/>
+                        </a:solidFill>
+                        <a:effectLst/>
+                        <a:latin typeface="游ゴシック" panose="020B0400000000000000" pitchFamily="50" charset="-128"/>
+                        <a:ea typeface="游ゴシック" panose="020B0400000000000000" pitchFamily="50" charset="-128"/>
+                      </a:endParaRPr>
+                    </a:p>
+                  </a:txBody>
+                  <a:tcPr marL="7620" marR="7620" marT="7620" marB="0" anchor="ctr">
+                    <a:lnT w="38100" cap="flat" cmpd="sng" algn="ctr">
+                      <a:solidFill>
+                        <a:schemeClr val="tx1"/>
+                      </a:solidFill>
+                      <a:prstDash val="sysDot"/>
+                      <a:round/>
+                      <a:headEnd type="none" w="med" len="med"/>
+                      <a:tailEnd type="none" w="med" len="med"/>
+                    </a:lnT>
+                    <a:lnB w="38100" cap="flat" cmpd="sng" algn="ctr">
+                      <a:solidFill>
+                        <a:schemeClr val="tx1"/>
+                      </a:solidFill>
+                      <a:prstDash val="sysDot"/>
+                      <a:round/>
+                      <a:headEnd type="none" w="med" len="med"/>
+                      <a:tailEnd type="none" w="med" len="med"/>
+                    </a:lnB>
+                  </a:tcPr>
+                </a:tc>
+                <a:tc>
+                  <a:txBody>
+                    <a:bodyPr/>
+                    <a:lstStyle/>
+                    <a:p>
+                      <a:pPr algn="ctr" fontAlgn="ctr"/>
+                      <a:r>
+                        <a:rPr lang="en-US" sz="2400" u="none" strike="noStrike" dirty="0">
+                          <a:effectLst/>
+                        </a:rPr>
+                        <a:t>HUM_01</a:t>
+                      </a:r>
+                      <a:endParaRPr lang="en-US" sz="2400" b="0" i="0" u="none" strike="noStrike" dirty="0">
+                        <a:solidFill>
+                          <a:srgbClr val="000000"/>
+                        </a:solidFill>
+                        <a:effectLst/>
+                        <a:latin typeface="游ゴシック" panose="020B0400000000000000" pitchFamily="50" charset="-128"/>
+                        <a:ea typeface="游ゴシック" panose="020B0400000000000000" pitchFamily="50" charset="-128"/>
+                      </a:endParaRPr>
+                    </a:p>
+                  </a:txBody>
+                  <a:tcPr marL="7620" marR="7620" marT="7620" marB="0" anchor="ctr">
+                    <a:lnT w="38100" cap="flat" cmpd="sng" algn="ctr">
+                      <a:solidFill>
+                        <a:schemeClr val="tx1"/>
+                      </a:solidFill>
+                      <a:prstDash val="sysDot"/>
+                      <a:round/>
+                      <a:headEnd type="none" w="med" len="med"/>
+                      <a:tailEnd type="none" w="med" len="med"/>
+                    </a:lnT>
+                    <a:lnB w="38100" cap="flat" cmpd="sng" algn="ctr">
+                      <a:solidFill>
+                        <a:schemeClr val="tx1"/>
+                      </a:solidFill>
+                      <a:prstDash val="sysDot"/>
+                      <a:round/>
+                      <a:headEnd type="none" w="med" len="med"/>
+                      <a:tailEnd type="none" w="med" len="med"/>
+                    </a:lnB>
+                  </a:tcPr>
+                </a:tc>
+                <a:tc>
+                  <a:txBody>
+                    <a:bodyPr/>
+                    <a:lstStyle/>
+                    <a:p>
+                      <a:pPr algn="ctr" fontAlgn="ctr"/>
+                      <a:r>
+                        <a:rPr lang="en-US" sz="2400" u="none" strike="noStrike" dirty="0">
+                          <a:effectLst/>
+                        </a:rPr>
+                        <a:t>Ox_22</a:t>
+                      </a:r>
+                      <a:endParaRPr lang="en-US" sz="2400" b="0" i="0" u="none" strike="noStrike" dirty="0">
+                        <a:solidFill>
+                          <a:srgbClr val="000000"/>
+                        </a:solidFill>
+                        <a:effectLst/>
+                        <a:latin typeface="游ゴシック" panose="020B0400000000000000" pitchFamily="50" charset="-128"/>
+                        <a:ea typeface="游ゴシック" panose="020B0400000000000000" pitchFamily="50" charset="-128"/>
+                      </a:endParaRPr>
+                    </a:p>
+                  </a:txBody>
+                  <a:tcPr marL="7620" marR="7620" marT="7620" marB="0" anchor="ctr">
+                    <a:lnT w="38100" cap="flat" cmpd="sng" algn="ctr">
+                      <a:solidFill>
+                        <a:schemeClr val="tx1"/>
+                      </a:solidFill>
+                      <a:prstDash val="sysDot"/>
+                      <a:round/>
+                      <a:headEnd type="none" w="med" len="med"/>
+                      <a:tailEnd type="none" w="med" len="med"/>
+                    </a:lnT>
+                    <a:lnB w="38100" cap="flat" cmpd="sng" algn="ctr">
+                      <a:solidFill>
+                        <a:schemeClr val="tx1"/>
+                      </a:solidFill>
+                      <a:prstDash val="sysDot"/>
+                      <a:round/>
+                      <a:headEnd type="none" w="med" len="med"/>
+                      <a:tailEnd type="none" w="med" len="med"/>
+                    </a:lnB>
+                  </a:tcPr>
+                </a:tc>
+                <a:tc>
+                  <a:txBody>
+                    <a:bodyPr/>
+                    <a:lstStyle/>
+                    <a:p>
+                      <a:pPr algn="ctr" fontAlgn="ctr"/>
+                      <a:endParaRPr lang="ja-JP" altLang="en-US" sz="2400" b="0" i="0" u="none" strike="noStrike" dirty="0">
+                        <a:solidFill>
+                          <a:srgbClr val="000000"/>
+                        </a:solidFill>
+                        <a:effectLst/>
+                        <a:latin typeface="游ゴシック" panose="020B0400000000000000" pitchFamily="50" charset="-128"/>
+                        <a:ea typeface="游ゴシック" panose="020B0400000000000000" pitchFamily="50" charset="-128"/>
+                      </a:endParaRPr>
+                    </a:p>
+                  </a:txBody>
+                  <a:tcPr marL="7620" marR="7620" marT="7620" marB="0" anchor="ctr">
+                    <a:lnT w="38100" cap="flat" cmpd="sng" algn="ctr">
+                      <a:solidFill>
+                        <a:schemeClr val="tx1"/>
+                      </a:solidFill>
+                      <a:prstDash val="sysDot"/>
+                      <a:round/>
+                      <a:headEnd type="none" w="med" len="med"/>
+                      <a:tailEnd type="none" w="med" len="med"/>
+                    </a:lnT>
+                    <a:lnB w="38100" cap="flat" cmpd="sng" algn="ctr">
+                      <a:solidFill>
+                        <a:schemeClr val="tx1"/>
+                      </a:solidFill>
+                      <a:prstDash val="sysDot"/>
+                      <a:round/>
+                      <a:headEnd type="none" w="med" len="med"/>
+                      <a:tailEnd type="none" w="med" len="med"/>
+                    </a:lnB>
+                  </a:tcPr>
+                </a:tc>
+                <a:tc>
+                  <a:txBody>
+                    <a:bodyPr/>
+                    <a:lstStyle/>
+                    <a:p>
+                      <a:pPr algn="ctr" fontAlgn="ctr"/>
+                      <a:endParaRPr lang="ja-JP" altLang="en-US" sz="2400" b="0" i="0" u="none" strike="noStrike" dirty="0">
+                        <a:solidFill>
+                          <a:srgbClr val="000000"/>
+                        </a:solidFill>
+                        <a:effectLst/>
+                        <a:latin typeface="游ゴシック" panose="020B0400000000000000" pitchFamily="50" charset="-128"/>
+                        <a:ea typeface="游ゴシック" panose="020B0400000000000000" pitchFamily="50" charset="-128"/>
+                      </a:endParaRPr>
+                    </a:p>
+                  </a:txBody>
+                  <a:tcPr marL="7620" marR="7620" marT="7620" marB="0" anchor="ctr">
+                    <a:lnT w="38100" cap="flat" cmpd="sng" algn="ctr">
+                      <a:solidFill>
+                        <a:schemeClr val="tx1"/>
+                      </a:solidFill>
+                      <a:prstDash val="sysDot"/>
+                      <a:round/>
+                      <a:headEnd type="none" w="med" len="med"/>
+                      <a:tailEnd type="none" w="med" len="med"/>
+                    </a:lnT>
+                    <a:lnB w="38100" cap="flat" cmpd="sng" algn="ctr">
+                      <a:solidFill>
+                        <a:schemeClr val="tx1"/>
+                      </a:solidFill>
+                      <a:prstDash val="sysDot"/>
+                      <a:round/>
+                      <a:headEnd type="none" w="med" len="med"/>
+                      <a:tailEnd type="none" w="med" len="med"/>
+                    </a:lnB>
+                  </a:tcPr>
+                </a:tc>
+                <a:extLst>
+                  <a:ext uri="{0D108BD9-81ED-4DB2-BD59-A6C34878D82A}">
+                    <a16:rowId xmlns:a16="http://schemas.microsoft.com/office/drawing/2014/main" val="2885408828"/>
+                  </a:ext>
+                </a:extLst>
+              </a:tr>
+              <a:tr h="472440">
+                <a:tc>
+                  <a:txBody>
+                    <a:bodyPr/>
+                    <a:lstStyle/>
+                    <a:p>
+                      <a:pPr algn="ctr" fontAlgn="ctr"/>
+                      <a:r>
+                        <a:rPr lang="en-US" sz="2400" u="none" strike="noStrike" dirty="0">
+                          <a:effectLst/>
+                        </a:rPr>
+                        <a:t>lag=3</a:t>
+                      </a:r>
+                      <a:endParaRPr lang="en-US" sz="2400" b="0" i="0" u="none" strike="noStrike" dirty="0">
+                        <a:solidFill>
+                          <a:srgbClr val="000000"/>
+                        </a:solidFill>
+                        <a:effectLst/>
+                        <a:latin typeface="游ゴシック" panose="020B0400000000000000" pitchFamily="50" charset="-128"/>
+                        <a:ea typeface="游ゴシック" panose="020B0400000000000000" pitchFamily="50" charset="-128"/>
+                      </a:endParaRPr>
+                    </a:p>
+                  </a:txBody>
+                  <a:tcPr marL="7620" marR="7620" marT="7620" marB="0" anchor="ctr">
+                    <a:lnT w="38100" cap="flat" cmpd="sng" algn="ctr">
+                      <a:solidFill>
+                        <a:schemeClr val="tx1"/>
+                      </a:solidFill>
+                      <a:prstDash val="sysDot"/>
+                      <a:round/>
+                      <a:headEnd type="none" w="med" len="med"/>
+                      <a:tailEnd type="none" w="med" len="med"/>
+                    </a:lnT>
+                    <a:lnB w="38100" cap="flat" cmpd="sng" algn="ctr">
+                      <a:solidFill>
+                        <a:schemeClr val="tx1"/>
+                      </a:solidFill>
+                      <a:prstDash val="sysDot"/>
+                      <a:round/>
+                      <a:headEnd type="none" w="med" len="med"/>
+                      <a:tailEnd type="none" w="med" len="med"/>
+                    </a:lnB>
+                  </a:tcPr>
+                </a:tc>
+                <a:tc>
+                  <a:txBody>
+                    <a:bodyPr/>
+                    <a:lstStyle/>
+                    <a:p>
+                      <a:pPr algn="ctr" fontAlgn="ctr"/>
+                      <a:r>
+                        <a:rPr lang="en-US" sz="2400" u="none" strike="noStrike" dirty="0">
+                          <a:effectLst/>
+                        </a:rPr>
+                        <a:t>Ox_01</a:t>
+                      </a:r>
+                      <a:endParaRPr lang="en-US" sz="2400" b="0" i="0" u="none" strike="noStrike" dirty="0">
+                        <a:solidFill>
+                          <a:srgbClr val="000000"/>
+                        </a:solidFill>
+                        <a:effectLst/>
+                        <a:latin typeface="游ゴシック" panose="020B0400000000000000" pitchFamily="50" charset="-128"/>
+                        <a:ea typeface="游ゴシック" panose="020B0400000000000000" pitchFamily="50" charset="-128"/>
+                      </a:endParaRPr>
+                    </a:p>
+                  </a:txBody>
+                  <a:tcPr marL="7620" marR="7620" marT="7620" marB="0" anchor="ctr">
+                    <a:lnT w="38100" cap="flat" cmpd="sng" algn="ctr">
+                      <a:solidFill>
+                        <a:schemeClr val="tx1"/>
+                      </a:solidFill>
+                      <a:prstDash val="sysDot"/>
+                      <a:round/>
+                      <a:headEnd type="none" w="med" len="med"/>
+                      <a:tailEnd type="none" w="med" len="med"/>
+                    </a:lnT>
+                    <a:lnB w="38100" cap="flat" cmpd="sng" algn="ctr">
+                      <a:solidFill>
+                        <a:schemeClr val="tx1"/>
+                      </a:solidFill>
+                      <a:prstDash val="sysDot"/>
+                      <a:round/>
+                      <a:headEnd type="none" w="med" len="med"/>
+                      <a:tailEnd type="none" w="med" len="med"/>
+                    </a:lnB>
+                  </a:tcPr>
+                </a:tc>
+                <a:tc>
+                  <a:txBody>
+                    <a:bodyPr/>
+                    <a:lstStyle/>
+                    <a:p>
+                      <a:pPr algn="ctr" fontAlgn="ctr"/>
+                      <a:r>
+                        <a:rPr lang="en-US" sz="2400" u="none" strike="noStrike" dirty="0">
+                          <a:effectLst/>
+                        </a:rPr>
+                        <a:t>TEMP_01</a:t>
+                      </a:r>
+                      <a:endParaRPr lang="en-US" sz="2400" b="0" i="0" u="none" strike="noStrike" dirty="0">
+                        <a:solidFill>
+                          <a:srgbClr val="000000"/>
+                        </a:solidFill>
+                        <a:effectLst/>
+                        <a:latin typeface="游ゴシック" panose="020B0400000000000000" pitchFamily="50" charset="-128"/>
+                        <a:ea typeface="游ゴシック" panose="020B0400000000000000" pitchFamily="50" charset="-128"/>
+                      </a:endParaRPr>
+                    </a:p>
+                  </a:txBody>
+                  <a:tcPr marL="7620" marR="7620" marT="7620" marB="0" anchor="ctr">
+                    <a:lnT w="38100" cap="flat" cmpd="sng" algn="ctr">
+                      <a:solidFill>
+                        <a:schemeClr val="tx1"/>
+                      </a:solidFill>
+                      <a:prstDash val="sysDot"/>
+                      <a:round/>
+                      <a:headEnd type="none" w="med" len="med"/>
+                      <a:tailEnd type="none" w="med" len="med"/>
+                    </a:lnT>
+                    <a:lnB w="38100" cap="flat" cmpd="sng" algn="ctr">
+                      <a:solidFill>
+                        <a:schemeClr val="tx1"/>
+                      </a:solidFill>
+                      <a:prstDash val="sysDot"/>
+                      <a:round/>
+                      <a:headEnd type="none" w="med" len="med"/>
+                      <a:tailEnd type="none" w="med" len="med"/>
+                    </a:lnB>
+                  </a:tcPr>
+                </a:tc>
+                <a:tc>
+                  <a:txBody>
+                    <a:bodyPr/>
+                    <a:lstStyle/>
+                    <a:p>
+                      <a:pPr algn="ctr" fontAlgn="ctr"/>
+                      <a:r>
+                        <a:rPr lang="en-US" sz="2400" u="none" strike="noStrike" dirty="0">
+                          <a:effectLst/>
+                        </a:rPr>
+                        <a:t>HUM_01</a:t>
+                      </a:r>
+                      <a:endParaRPr lang="en-US" sz="2400" b="0" i="0" u="none" strike="noStrike" dirty="0">
+                        <a:solidFill>
+                          <a:srgbClr val="000000"/>
+                        </a:solidFill>
+                        <a:effectLst/>
+                        <a:latin typeface="游ゴシック" panose="020B0400000000000000" pitchFamily="50" charset="-128"/>
+                        <a:ea typeface="游ゴシック" panose="020B0400000000000000" pitchFamily="50" charset="-128"/>
+                      </a:endParaRPr>
+                    </a:p>
+                  </a:txBody>
+                  <a:tcPr marL="7620" marR="7620" marT="7620" marB="0" anchor="ctr">
+                    <a:lnT w="38100" cap="flat" cmpd="sng" algn="ctr">
+                      <a:solidFill>
+                        <a:schemeClr val="tx1"/>
+                      </a:solidFill>
+                      <a:prstDash val="sysDot"/>
+                      <a:round/>
+                      <a:headEnd type="none" w="med" len="med"/>
+                      <a:tailEnd type="none" w="med" len="med"/>
+                    </a:lnT>
+                    <a:lnB w="38100" cap="flat" cmpd="sng" algn="ctr">
+                      <a:solidFill>
+                        <a:schemeClr val="tx1"/>
+                      </a:solidFill>
+                      <a:prstDash val="sysDot"/>
+                      <a:round/>
+                      <a:headEnd type="none" w="med" len="med"/>
+                      <a:tailEnd type="none" w="med" len="med"/>
+                    </a:lnB>
+                  </a:tcPr>
+                </a:tc>
+                <a:tc>
+                  <a:txBody>
+                    <a:bodyPr/>
+                    <a:lstStyle/>
+                    <a:p>
+                      <a:pPr algn="ctr" fontAlgn="ctr"/>
+                      <a:endParaRPr lang="ja-JP" altLang="en-US" sz="2400" b="0" i="0" u="none" strike="noStrike" dirty="0">
+                        <a:solidFill>
+                          <a:srgbClr val="000000"/>
+                        </a:solidFill>
+                        <a:effectLst/>
+                        <a:latin typeface="游ゴシック" panose="020B0400000000000000" pitchFamily="50" charset="-128"/>
+                        <a:ea typeface="游ゴシック" panose="020B0400000000000000" pitchFamily="50" charset="-128"/>
+                      </a:endParaRPr>
+                    </a:p>
+                  </a:txBody>
+                  <a:tcPr marL="7620" marR="7620" marT="7620" marB="0" anchor="ctr">
+                    <a:lnT w="38100" cap="flat" cmpd="sng" algn="ctr">
+                      <a:solidFill>
+                        <a:schemeClr val="tx1"/>
+                      </a:solidFill>
+                      <a:prstDash val="sysDot"/>
+                      <a:round/>
+                      <a:headEnd type="none" w="med" len="med"/>
+                      <a:tailEnd type="none" w="med" len="med"/>
+                    </a:lnT>
+                    <a:lnB w="38100" cap="flat" cmpd="sng" algn="ctr">
+                      <a:solidFill>
+                        <a:schemeClr val="tx1"/>
+                      </a:solidFill>
+                      <a:prstDash val="sysDot"/>
+                      <a:round/>
+                      <a:headEnd type="none" w="med" len="med"/>
+                      <a:tailEnd type="none" w="med" len="med"/>
+                    </a:lnB>
+                  </a:tcPr>
+                </a:tc>
+                <a:tc>
+                  <a:txBody>
+                    <a:bodyPr/>
+                    <a:lstStyle/>
+                    <a:p>
+                      <a:pPr algn="ctr" fontAlgn="ctr"/>
+                      <a:endParaRPr lang="ja-JP" altLang="en-US" sz="2400" b="0" i="0" u="none" strike="noStrike" dirty="0">
+                        <a:solidFill>
+                          <a:srgbClr val="000000"/>
+                        </a:solidFill>
+                        <a:effectLst/>
+                        <a:latin typeface="游ゴシック" panose="020B0400000000000000" pitchFamily="50" charset="-128"/>
+                        <a:ea typeface="游ゴシック" panose="020B0400000000000000" pitchFamily="50" charset="-128"/>
+                      </a:endParaRPr>
+                    </a:p>
+                  </a:txBody>
+                  <a:tcPr marL="7620" marR="7620" marT="7620" marB="0" anchor="ctr">
+                    <a:lnT w="38100" cap="flat" cmpd="sng" algn="ctr">
+                      <a:solidFill>
+                        <a:schemeClr val="tx1"/>
+                      </a:solidFill>
+                      <a:prstDash val="sysDot"/>
+                      <a:round/>
+                      <a:headEnd type="none" w="med" len="med"/>
+                      <a:tailEnd type="none" w="med" len="med"/>
+                    </a:lnT>
+                    <a:lnB w="38100" cap="flat" cmpd="sng" algn="ctr">
+                      <a:solidFill>
+                        <a:schemeClr val="tx1"/>
+                      </a:solidFill>
+                      <a:prstDash val="sysDot"/>
+                      <a:round/>
+                      <a:headEnd type="none" w="med" len="med"/>
+                      <a:tailEnd type="none" w="med" len="med"/>
+                    </a:lnB>
+                  </a:tcPr>
+                </a:tc>
+                <a:tc>
+                  <a:txBody>
+                    <a:bodyPr/>
+                    <a:lstStyle/>
+                    <a:p>
+                      <a:pPr algn="ctr" fontAlgn="ctr"/>
+                      <a:endParaRPr lang="ja-JP" altLang="en-US" sz="2400" b="0" i="0" u="none" strike="noStrike" dirty="0">
+                        <a:solidFill>
+                          <a:srgbClr val="000000"/>
+                        </a:solidFill>
+                        <a:effectLst/>
+                        <a:latin typeface="游ゴシック" panose="020B0400000000000000" pitchFamily="50" charset="-128"/>
+                        <a:ea typeface="游ゴシック" panose="020B0400000000000000" pitchFamily="50" charset="-128"/>
+                      </a:endParaRPr>
+                    </a:p>
+                  </a:txBody>
+                  <a:tcPr marL="7620" marR="7620" marT="7620" marB="0" anchor="ctr">
+                    <a:lnT w="38100" cap="flat" cmpd="sng" algn="ctr">
+                      <a:solidFill>
+                        <a:schemeClr val="tx1"/>
+                      </a:solidFill>
+                      <a:prstDash val="sysDot"/>
+                      <a:round/>
+                      <a:headEnd type="none" w="med" len="med"/>
+                      <a:tailEnd type="none" w="med" len="med"/>
+                    </a:lnT>
+                    <a:lnB w="38100" cap="flat" cmpd="sng" algn="ctr">
+                      <a:solidFill>
+                        <a:schemeClr val="tx1"/>
+                      </a:solidFill>
+                      <a:prstDash val="sysDot"/>
+                      <a:round/>
+                      <a:headEnd type="none" w="med" len="med"/>
+                      <a:tailEnd type="none" w="med" len="med"/>
+                    </a:lnB>
+                  </a:tcPr>
+                </a:tc>
+                <a:extLst>
+                  <a:ext uri="{0D108BD9-81ED-4DB2-BD59-A6C34878D82A}">
+                    <a16:rowId xmlns:a16="http://schemas.microsoft.com/office/drawing/2014/main" val="3816399206"/>
+                  </a:ext>
+                </a:extLst>
+              </a:tr>
+              <a:tr h="472440">
+                <a:tc>
+                  <a:txBody>
+                    <a:bodyPr/>
+                    <a:lstStyle/>
+                    <a:p>
+                      <a:pPr algn="ctr" fontAlgn="ctr"/>
+                      <a:r>
+                        <a:rPr lang="en-US" sz="2400" u="none" strike="noStrike" dirty="0">
+                          <a:effectLst/>
+                        </a:rPr>
+                        <a:t>all</a:t>
+                      </a:r>
+                      <a:endParaRPr lang="en-US" sz="2400" b="0" i="0" u="none" strike="noStrike" dirty="0">
+                        <a:solidFill>
+                          <a:srgbClr val="000000"/>
+                        </a:solidFill>
+                        <a:effectLst/>
+                        <a:latin typeface="游ゴシック" panose="020B0400000000000000" pitchFamily="50" charset="-128"/>
+                        <a:ea typeface="游ゴシック" panose="020B0400000000000000" pitchFamily="50" charset="-128"/>
+                      </a:endParaRPr>
+                    </a:p>
+                  </a:txBody>
+                  <a:tcPr marL="7620" marR="7620" marT="7620" marB="0" anchor="ctr">
+                    <a:lnT w="38100" cap="flat" cmpd="sng" algn="ctr">
+                      <a:solidFill>
+                        <a:schemeClr val="tx1"/>
+                      </a:solidFill>
+                      <a:prstDash val="sysDot"/>
+                      <a:round/>
+                      <a:headEnd type="none" w="med" len="med"/>
+                      <a:tailEnd type="none" w="med" len="med"/>
+                    </a:lnT>
+                  </a:tcPr>
+                </a:tc>
+                <a:tc>
+                  <a:txBody>
+                    <a:bodyPr/>
+                    <a:lstStyle/>
+                    <a:p>
+                      <a:pPr algn="ctr" fontAlgn="ctr"/>
+                      <a:r>
+                        <a:rPr lang="en-US" sz="2400" u="none" strike="noStrike" dirty="0">
+                          <a:effectLst/>
+                        </a:rPr>
+                        <a:t>Ox_01</a:t>
+                      </a:r>
+                      <a:endParaRPr lang="en-US" sz="2400" b="0" i="0" u="none" strike="noStrike" dirty="0">
+                        <a:solidFill>
+                          <a:srgbClr val="000000"/>
+                        </a:solidFill>
+                        <a:effectLst/>
+                        <a:latin typeface="游ゴシック" panose="020B0400000000000000" pitchFamily="50" charset="-128"/>
+                        <a:ea typeface="游ゴシック" panose="020B0400000000000000" pitchFamily="50" charset="-128"/>
+                      </a:endParaRPr>
+                    </a:p>
+                  </a:txBody>
+                  <a:tcPr marL="7620" marR="7620" marT="7620" marB="0" anchor="ctr">
+                    <a:lnT w="38100" cap="flat" cmpd="sng" algn="ctr">
+                      <a:solidFill>
+                        <a:schemeClr val="tx1"/>
+                      </a:solidFill>
+                      <a:prstDash val="sysDot"/>
+                      <a:round/>
+                      <a:headEnd type="none" w="med" len="med"/>
+                      <a:tailEnd type="none" w="med" len="med"/>
+                    </a:lnT>
+                  </a:tcPr>
+                </a:tc>
+                <a:tc>
+                  <a:txBody>
+                    <a:bodyPr/>
+                    <a:lstStyle/>
+                    <a:p>
+                      <a:pPr algn="ctr" fontAlgn="ctr"/>
+                      <a:r>
+                        <a:rPr lang="en-US" sz="2400" u="none" strike="noStrike">
+                          <a:effectLst/>
+                        </a:rPr>
+                        <a:t>TEMP_01</a:t>
+                      </a:r>
+                      <a:endParaRPr lang="en-US" sz="2400" b="0" i="0" u="none" strike="noStrike">
+                        <a:solidFill>
+                          <a:srgbClr val="000000"/>
+                        </a:solidFill>
+                        <a:effectLst/>
+                        <a:latin typeface="游ゴシック" panose="020B0400000000000000" pitchFamily="50" charset="-128"/>
+                        <a:ea typeface="游ゴシック" panose="020B0400000000000000" pitchFamily="50" charset="-128"/>
+                      </a:endParaRPr>
+                    </a:p>
+                  </a:txBody>
+                  <a:tcPr marL="7620" marR="7620" marT="7620" marB="0" anchor="ctr">
+                    <a:lnT w="38100" cap="flat" cmpd="sng" algn="ctr">
+                      <a:solidFill>
+                        <a:schemeClr val="tx1"/>
+                      </a:solidFill>
+                      <a:prstDash val="sysDot"/>
+                      <a:round/>
+                      <a:headEnd type="none" w="med" len="med"/>
+                      <a:tailEnd type="none" w="med" len="med"/>
+                    </a:lnT>
+                  </a:tcPr>
+                </a:tc>
+                <a:tc>
+                  <a:txBody>
+                    <a:bodyPr/>
+                    <a:lstStyle/>
+                    <a:p>
+                      <a:pPr algn="ctr" fontAlgn="ctr"/>
+                      <a:r>
+                        <a:rPr lang="en-US" sz="2400" u="none" strike="noStrike" dirty="0">
+                          <a:effectLst/>
+                        </a:rPr>
+                        <a:t>HUM_01</a:t>
+                      </a:r>
+                      <a:endParaRPr lang="en-US" sz="2400" b="0" i="0" u="none" strike="noStrike" dirty="0">
+                        <a:solidFill>
+                          <a:srgbClr val="000000"/>
+                        </a:solidFill>
+                        <a:effectLst/>
+                        <a:latin typeface="游ゴシック" panose="020B0400000000000000" pitchFamily="50" charset="-128"/>
+                        <a:ea typeface="游ゴシック" panose="020B0400000000000000" pitchFamily="50" charset="-128"/>
+                      </a:endParaRPr>
+                    </a:p>
+                  </a:txBody>
+                  <a:tcPr marL="7620" marR="7620" marT="7620" marB="0" anchor="ctr">
+                    <a:lnT w="38100" cap="flat" cmpd="sng" algn="ctr">
+                      <a:solidFill>
+                        <a:schemeClr val="tx1"/>
+                      </a:solidFill>
+                      <a:prstDash val="sysDot"/>
+                      <a:round/>
+                      <a:headEnd type="none" w="med" len="med"/>
+                      <a:tailEnd type="none" w="med" len="med"/>
+                    </a:lnT>
+                  </a:tcPr>
+                </a:tc>
+                <a:tc>
+                  <a:txBody>
+                    <a:bodyPr/>
+                    <a:lstStyle/>
+                    <a:p>
+                      <a:pPr algn="ctr" fontAlgn="ctr"/>
+                      <a:endParaRPr lang="ja-JP" altLang="en-US" sz="2400" b="0" i="0" u="none" strike="noStrike" dirty="0">
+                        <a:solidFill>
+                          <a:srgbClr val="000000"/>
+                        </a:solidFill>
+                        <a:effectLst/>
+                        <a:latin typeface="游ゴシック" panose="020B0400000000000000" pitchFamily="50" charset="-128"/>
+                        <a:ea typeface="游ゴシック" panose="020B0400000000000000" pitchFamily="50" charset="-128"/>
+                      </a:endParaRPr>
+                    </a:p>
+                  </a:txBody>
+                  <a:tcPr marL="7620" marR="7620" marT="7620" marB="0" anchor="ctr">
+                    <a:lnT w="38100" cap="flat" cmpd="sng" algn="ctr">
+                      <a:solidFill>
+                        <a:schemeClr val="tx1"/>
+                      </a:solidFill>
+                      <a:prstDash val="sysDot"/>
+                      <a:round/>
+                      <a:headEnd type="none" w="med" len="med"/>
+                      <a:tailEnd type="none" w="med" len="med"/>
+                    </a:lnT>
+                  </a:tcPr>
+                </a:tc>
+                <a:tc>
+                  <a:txBody>
+                    <a:bodyPr/>
+                    <a:lstStyle/>
+                    <a:p>
+                      <a:pPr algn="ctr" fontAlgn="ctr"/>
+                      <a:endParaRPr lang="ja-JP" altLang="en-US" sz="2400" b="0" i="0" u="none" strike="noStrike" dirty="0">
+                        <a:solidFill>
+                          <a:srgbClr val="000000"/>
+                        </a:solidFill>
+                        <a:effectLst/>
+                        <a:latin typeface="游ゴシック" panose="020B0400000000000000" pitchFamily="50" charset="-128"/>
+                        <a:ea typeface="游ゴシック" panose="020B0400000000000000" pitchFamily="50" charset="-128"/>
+                      </a:endParaRPr>
+                    </a:p>
+                  </a:txBody>
+                  <a:tcPr marL="7620" marR="7620" marT="7620" marB="0" anchor="ctr">
+                    <a:lnT w="38100" cap="flat" cmpd="sng" algn="ctr">
+                      <a:solidFill>
+                        <a:schemeClr val="tx1"/>
+                      </a:solidFill>
+                      <a:prstDash val="sysDot"/>
+                      <a:round/>
+                      <a:headEnd type="none" w="med" len="med"/>
+                      <a:tailEnd type="none" w="med" len="med"/>
+                    </a:lnT>
+                  </a:tcPr>
+                </a:tc>
+                <a:tc>
+                  <a:txBody>
+                    <a:bodyPr/>
+                    <a:lstStyle/>
+                    <a:p>
+                      <a:pPr algn="ctr" fontAlgn="ctr"/>
+                      <a:endParaRPr lang="ja-JP" altLang="en-US" sz="2400" b="0" i="0" u="none" strike="noStrike" dirty="0">
+                        <a:solidFill>
+                          <a:srgbClr val="000000"/>
+                        </a:solidFill>
+                        <a:effectLst/>
+                        <a:latin typeface="游ゴシック" panose="020B0400000000000000" pitchFamily="50" charset="-128"/>
+                        <a:ea typeface="游ゴシック" panose="020B0400000000000000" pitchFamily="50" charset="-128"/>
+                      </a:endParaRPr>
+                    </a:p>
+                  </a:txBody>
+                  <a:tcPr marL="7620" marR="7620" marT="7620" marB="0" anchor="ctr">
+                    <a:lnT w="38100" cap="flat" cmpd="sng" algn="ctr">
+                      <a:solidFill>
+                        <a:schemeClr val="tx1"/>
+                      </a:solidFill>
+                      <a:prstDash val="sysDot"/>
+                      <a:round/>
+                      <a:headEnd type="none" w="med" len="med"/>
+                      <a:tailEnd type="none" w="med" len="med"/>
+                    </a:lnT>
+                  </a:tcPr>
+                </a:tc>
+                <a:extLst>
+                  <a:ext uri="{0D108BD9-81ED-4DB2-BD59-A6C34878D82A}">
+                    <a16:rowId xmlns:a16="http://schemas.microsoft.com/office/drawing/2014/main" val="547102939"/>
+                  </a:ext>
+                </a:extLst>
+              </a:tr>
+            </a:tbl>
+          </a:graphicData>
+        </a:graphic>
+      </p:graphicFrame>
+      <p:sp>
+        <p:nvSpPr>
+          <p:cNvPr id="4" name="テキスト ボックス 3">
+            <a:extLst>
+              <a:ext uri="{FF2B5EF4-FFF2-40B4-BE49-F238E27FC236}">
+                <a16:creationId xmlns:a16="http://schemas.microsoft.com/office/drawing/2014/main" id="{15D97EE1-C577-8BDD-4B16-D0E29FC15B21}"/>
+              </a:ext>
+            </a:extLst>
+          </p:cNvPr>
+          <p:cNvSpPr txBox="1"/>
+          <p:nvPr/>
+        </p:nvSpPr>
+        <p:spPr>
+          <a:xfrm>
+            <a:off x="2558104" y="92126"/>
+            <a:ext cx="7081196" cy="1708160"/>
+          </a:xfrm>
+          <a:prstGeom prst="rect">
+            <a:avLst/>
+          </a:prstGeom>
+          <a:noFill/>
+        </p:spPr>
+        <p:txBody>
+          <a:bodyPr wrap="square" rtlCol="0">
+            <a:spAutoFit/>
+          </a:bodyPr>
+          <a:lstStyle/>
+          <a:p>
+            <a:pPr algn="ctr">
+              <a:lnSpc>
+                <a:spcPct val="150000"/>
+              </a:lnSpc>
+            </a:pPr>
+            <a:r>
+              <a:rPr lang="ja-JP" altLang="en-US" sz="2400" dirty="0">
+                <a:latin typeface="メイリオ" panose="020B0604030504040204" pitchFamily="50" charset="-128"/>
+                <a:ea typeface="メイリオ" panose="020B0604030504040204" pitchFamily="50" charset="-128"/>
+              </a:rPr>
+              <a:t>群馬</a:t>
+            </a:r>
+            <a:endParaRPr lang="en-US" altLang="ja-JP" sz="2400" dirty="0">
+              <a:latin typeface="メイリオ" panose="020B0604030504040204" pitchFamily="50" charset="-128"/>
+              <a:ea typeface="メイリオ" panose="020B0604030504040204" pitchFamily="50" charset="-128"/>
+            </a:endParaRPr>
+          </a:p>
+          <a:p>
+            <a:pPr algn="ctr">
+              <a:lnSpc>
+                <a:spcPct val="150000"/>
+              </a:lnSpc>
+            </a:pPr>
+            <a:r>
+              <a:rPr lang="ja-JP" altLang="en-US" sz="2400" dirty="0">
+                <a:latin typeface="メイリオ" panose="020B0604030504040204" pitchFamily="50" charset="-128"/>
+                <a:ea typeface="メイリオ" panose="020B0604030504040204" pitchFamily="50" charset="-128"/>
+              </a:rPr>
+              <a:t>（東秩父、鴻巣、幸手）</a:t>
+            </a:r>
+            <a:endParaRPr lang="en-US" altLang="ja-JP" sz="2400" dirty="0">
+              <a:latin typeface="メイリオ" panose="020B0604030504040204" pitchFamily="50" charset="-128"/>
+              <a:ea typeface="メイリオ" panose="020B0604030504040204" pitchFamily="50" charset="-128"/>
+            </a:endParaRPr>
+          </a:p>
+          <a:p>
+            <a:pPr algn="ctr">
+              <a:lnSpc>
+                <a:spcPct val="150000"/>
+              </a:lnSpc>
+            </a:pPr>
+            <a:r>
+              <a:rPr lang="ja-JP" altLang="en-US" sz="2400" dirty="0">
+                <a:latin typeface="メイリオ" panose="020B0604030504040204" pitchFamily="50" charset="-128"/>
+                <a:ea typeface="メイリオ" panose="020B0604030504040204" pitchFamily="50" charset="-128"/>
+              </a:rPr>
+              <a:t>における重複した最適な特徴量</a:t>
+            </a:r>
+            <a:endParaRPr lang="en-US" altLang="ja-JP" sz="2400" dirty="0">
+              <a:latin typeface="メイリオ" panose="020B0604030504040204" pitchFamily="50" charset="-128"/>
+              <a:ea typeface="メイリオ" panose="020B0604030504040204" pitchFamily="50" charset="-128"/>
+            </a:endParaRPr>
+          </a:p>
+        </p:txBody>
+      </p:sp>
+      <p:grpSp>
+        <p:nvGrpSpPr>
+          <p:cNvPr id="8" name="グループ化 7">
+            <a:extLst>
+              <a:ext uri="{FF2B5EF4-FFF2-40B4-BE49-F238E27FC236}">
+                <a16:creationId xmlns:a16="http://schemas.microsoft.com/office/drawing/2014/main" id="{317F3ADC-8329-55B4-86E4-9D091644EE53}"/>
+              </a:ext>
+            </a:extLst>
+          </p:cNvPr>
+          <p:cNvGrpSpPr/>
+          <p:nvPr/>
+        </p:nvGrpSpPr>
+        <p:grpSpPr>
+          <a:xfrm>
+            <a:off x="10629558" y="2809875"/>
+            <a:ext cx="1432039" cy="1447800"/>
+            <a:chOff x="10629558" y="2809875"/>
+            <a:chExt cx="1432039" cy="1638300"/>
+          </a:xfrm>
+        </p:grpSpPr>
+        <p:sp>
+          <p:nvSpPr>
+            <p:cNvPr id="6" name="矢印: 下 5">
+              <a:extLst>
+                <a:ext uri="{FF2B5EF4-FFF2-40B4-BE49-F238E27FC236}">
+                  <a16:creationId xmlns:a16="http://schemas.microsoft.com/office/drawing/2014/main" id="{4FE76283-EFBC-A0B3-4149-39C85BC49B31}"/>
+                </a:ext>
+              </a:extLst>
+            </p:cNvPr>
+            <p:cNvSpPr/>
+            <p:nvPr/>
+          </p:nvSpPr>
+          <p:spPr>
+            <a:xfrm>
+              <a:off x="10629558" y="2809875"/>
+              <a:ext cx="542925" cy="1638300"/>
+            </a:xfrm>
+            <a:prstGeom prst="downArrow">
+              <a:avLst/>
+            </a:prstGeom>
+            <a:solidFill>
+              <a:srgbClr val="FF0000"/>
+            </a:solidFill>
+          </p:spPr>
+          <p:style>
+            <a:lnRef idx="2">
+              <a:schemeClr val="accent6">
+                <a:shade val="15000"/>
+              </a:schemeClr>
+            </a:lnRef>
+            <a:fillRef idx="1">
+              <a:schemeClr val="accent6"/>
+            </a:fillRef>
+            <a:effectRef idx="0">
+              <a:schemeClr val="accent6"/>
+            </a:effectRef>
+            <a:fontRef idx="minor">
+              <a:schemeClr val="lt1"/>
+            </a:fontRef>
+          </p:style>
+          <p:txBody>
+            <a:bodyPr rtlCol="0" anchor="ctr"/>
+            <a:lstStyle/>
+            <a:p>
+              <a:pPr algn="ctr"/>
+              <a:endParaRPr kumimoji="1" lang="ja-JP" altLang="en-US"/>
+            </a:p>
+          </p:txBody>
+        </p:sp>
+        <p:sp>
+          <p:nvSpPr>
+            <p:cNvPr id="7" name="テキスト ボックス 6">
+              <a:extLst>
+                <a:ext uri="{FF2B5EF4-FFF2-40B4-BE49-F238E27FC236}">
+                  <a16:creationId xmlns:a16="http://schemas.microsoft.com/office/drawing/2014/main" id="{7E26EA4A-1B68-696A-A03F-0206A26A50FF}"/>
+                </a:ext>
+              </a:extLst>
+            </p:cNvPr>
+            <p:cNvSpPr txBox="1"/>
+            <p:nvPr/>
+          </p:nvSpPr>
+          <p:spPr>
+            <a:xfrm>
+              <a:off x="11185297" y="3328943"/>
+              <a:ext cx="876300" cy="600164"/>
+            </a:xfrm>
+            <a:prstGeom prst="rect">
+              <a:avLst/>
+            </a:prstGeom>
+            <a:noFill/>
+            <a:ln>
+              <a:noFill/>
+            </a:ln>
+          </p:spPr>
+          <p:txBody>
+            <a:bodyPr wrap="square" rtlCol="0">
+              <a:spAutoFit/>
+            </a:bodyPr>
+            <a:lstStyle/>
+            <a:p>
+              <a:pPr algn="ctr">
+                <a:lnSpc>
+                  <a:spcPct val="150000"/>
+                </a:lnSpc>
+              </a:pPr>
+              <a:r>
+                <a:rPr lang="ja-JP" altLang="en-US" sz="2400" dirty="0">
+                  <a:solidFill>
+                    <a:srgbClr val="FF0000"/>
+                  </a:solidFill>
+                  <a:latin typeface="メイリオ" panose="020B0604030504040204" pitchFamily="50" charset="-128"/>
+                  <a:ea typeface="メイリオ" panose="020B0604030504040204" pitchFamily="50" charset="-128"/>
+                </a:rPr>
+                <a:t>減少</a:t>
+              </a:r>
+              <a:endParaRPr lang="en-US" altLang="ja-JP" sz="2400" dirty="0">
+                <a:solidFill>
+                  <a:srgbClr val="FF0000"/>
+                </a:solidFill>
+                <a:latin typeface="メイリオ" panose="020B0604030504040204" pitchFamily="50" charset="-128"/>
+                <a:ea typeface="メイリオ" panose="020B0604030504040204" pitchFamily="50" charset="-128"/>
+              </a:endParaRPr>
+            </a:p>
+          </p:txBody>
+        </p:sp>
+      </p:grpSp>
+    </p:spTree>
+    <p:extLst>
+      <p:ext uri="{BB962C8B-B14F-4D97-AF65-F5344CB8AC3E}">
+        <p14:creationId xmlns:p14="http://schemas.microsoft.com/office/powerpoint/2010/main" val="3735726384"/>
+      </p:ext>
+    </p:extLst>
+  </p:cSld>
+  <p:clrMapOvr>
+    <a:masterClrMapping/>
+  </p:clrMapOvr>
+  <p:timing>
+    <p:tnLst>
+      <p:par>
+        <p:cTn id="1" dur="indefinite" restart="never" nodeType="tmRoot">
+          <p:childTnLst>
+            <p:seq concurrent="1" nextAc="seek">
+              <p:cTn id="2" dur="indefinite" nodeType="mainSeq">
+                <p:childTnLst>
+                  <p:par>
+                    <p:cTn id="3" fill="hold">
+                      <p:stCondLst>
+                        <p:cond delay="indefinite"/>
+                      </p:stCondLst>
+                      <p:childTnLst>
+                        <p:par>
+                          <p:cTn id="4" fill="hold">
+                            <p:stCondLst>
+                              <p:cond delay="0"/>
+                            </p:stCondLst>
+                            <p:childTnLst>
+                              <p:par>
+                                <p:cTn id="5" presetID="1" presetClass="entr" presetSubtype="0" fill="hold" nodeType="clickEffect">
+                                  <p:stCondLst>
+                                    <p:cond delay="0"/>
+                                  </p:stCondLst>
+                                  <p:childTnLst>
+                                    <p:set>
+                                      <p:cBhvr>
+                                        <p:cTn id="6" dur="1" fill="hold">
+                                          <p:stCondLst>
+                                            <p:cond delay="0"/>
+                                          </p:stCondLst>
+                                        </p:cTn>
+                                        <p:tgtEl>
+                                          <p:spTgt spid="8"/>
+                                        </p:tgtEl>
+                                        <p:attrNameLst>
+                                          <p:attrName>style.visibility</p:attrName>
+                                        </p:attrNameLst>
+                                      </p:cBhvr>
+                                      <p:to>
+                                        <p:strVal val="visible"/>
+                                      </p:to>
+                                    </p:set>
+                                  </p:childTnLst>
+                                </p:cTn>
+                              </p:par>
+                            </p:childTnLst>
+                          </p:cTn>
+                        </p:par>
+                      </p:childTnLst>
+                    </p:cTn>
+                  </p:par>
+                </p:childTnLst>
+              </p:cTn>
+              <p:prevCondLst>
+                <p:cond evt="onPrev" delay="0">
+                  <p:tgtEl>
+                    <p:sldTgt/>
+                  </p:tgtEl>
+                </p:cond>
+              </p:prevCondLst>
+              <p:nextCondLst>
+                <p:cond evt="onNext" delay="0">
+                  <p:tgtEl>
+                    <p:sldTgt/>
+                  </p:tgtEl>
+                </p:cond>
+              </p:nextCondLst>
+            </p:seq>
+          </p:childTnLst>
+        </p:cTn>
+      </p:par>
+    </p:tnLst>
+  </p:timing>
+</p:sld>
+</file>
+
 <file path=ppt/slides/slide3.xml><?xml version="1.0" encoding="utf-8"?>
 <p:sld xmlns:a="http://schemas.openxmlformats.org/drawingml/2006/main" xmlns:r="http://schemas.openxmlformats.org/officeDocument/2006/relationships" xmlns:p="http://schemas.openxmlformats.org/presentationml/2006/main">
   <p:cSld>
@@ -29440,16 +30930,12 @@
                 <a:t>、</a:t>
               </a:r>
               <a:r>
-                <a:rPr lang="en-US" altLang="ja-JP" sz="2400" u="sng" dirty="0" smtClean="0">
+                <a:rPr lang="en-US" altLang="ja-JP" sz="2400" u="sng" dirty="0">
                   <a:latin typeface="メイリオ" panose="020B0604030504040204" pitchFamily="50" charset="-128"/>
                   <a:ea typeface="メイリオ" panose="020B0604030504040204" pitchFamily="50" charset="-128"/>
                 </a:rPr>
                 <a:t>TEMP</a:t>
               </a:r>
-              <a:endParaRPr lang="en-US" altLang="ja-JP" sz="2400" u="sng" dirty="0">
-                <a:latin typeface="メイリオ" panose="020B0604030504040204" pitchFamily="50" charset="-128"/>
-                <a:ea typeface="メイリオ" panose="020B0604030504040204" pitchFamily="50" charset="-128"/>
-              </a:endParaRPr>
             </a:p>
           </p:txBody>
         </p:sp>
@@ -32557,13 +34043,6 @@
   <p:clrMapOvr>
     <a:masterClrMapping/>
   </p:clrMapOvr>
-  <p:timing>
-    <p:tnLst>
-      <p:par>
-        <p:cTn id="1" dur="indefinite" restart="never" nodeType="tmRoot"/>
-      </p:par>
-    </p:tnLst>
-  </p:timing>
 </p:sld>
 </file>
 
@@ -32590,30 +34069,6 @@
           <a:chExt cx="0" cy="0"/>
         </a:xfrm>
       </p:grpSpPr>
-      <p:pic>
-        <p:nvPicPr>
-          <p:cNvPr id="7" name="図 6"/>
-          <p:cNvPicPr>
-            <a:picLocks noChangeAspect="1"/>
-          </p:cNvPicPr>
-          <p:nvPr/>
-        </p:nvPicPr>
-        <p:blipFill>
-          <a:blip r:embed="rId3"/>
-          <a:stretch>
-            <a:fillRect/>
-          </a:stretch>
-        </p:blipFill>
-        <p:spPr>
-          <a:xfrm>
-            <a:off x="4309307" y="3010934"/>
-            <a:ext cx="7069015" cy="3757528"/>
-          </a:xfrm>
-          <a:prstGeom prst="rect">
-            <a:avLst/>
-          </a:prstGeom>
-        </p:spPr>
-      </p:pic>
       <p:sp>
         <p:nvSpPr>
           <p:cNvPr id="2" name="矢印: 山形 1">
@@ -32750,18 +34205,11 @@
               </a:lnSpc>
             </a:pPr>
             <a:r>
-              <a:rPr lang="ja-JP" altLang="en-US" sz="2800" dirty="0" smtClean="0">
-                <a:latin typeface="メイリオ" panose="020B0604030504040204" pitchFamily="50" charset="-128"/>
-                <a:ea typeface="メイリオ" panose="020B0604030504040204" pitchFamily="50" charset="-128"/>
-              </a:rPr>
-              <a:t>高濃度域</a:t>
-            </a:r>
-            <a:r>
               <a:rPr lang="ja-JP" altLang="en-US" sz="2800" dirty="0">
                 <a:latin typeface="メイリオ" panose="020B0604030504040204" pitchFamily="50" charset="-128"/>
                 <a:ea typeface="メイリオ" panose="020B0604030504040204" pitchFamily="50" charset="-128"/>
               </a:rPr>
-              <a:t>の予測で</a:t>
+              <a:t>高濃度域の予測で</a:t>
             </a:r>
             <a:endParaRPr lang="en-US" altLang="ja-JP" sz="2800" dirty="0">
               <a:latin typeface="メイリオ" panose="020B0604030504040204" pitchFamily="50" charset="-128"/>
@@ -32789,60 +34237,29 @@
                 <a:latin typeface="メイリオ" panose="020B0604030504040204" pitchFamily="50" charset="-128"/>
                 <a:ea typeface="メイリオ" panose="020B0604030504040204" pitchFamily="50" charset="-128"/>
               </a:rPr>
-              <a:t>高い</a:t>
-            </a:r>
-            <a:r>
-              <a:rPr lang="ja-JP" altLang="en-US" sz="2800" dirty="0" smtClean="0">
-                <a:solidFill>
-                  <a:srgbClr val="FF0000"/>
-                </a:solidFill>
-                <a:latin typeface="メイリオ" panose="020B0604030504040204" pitchFamily="50" charset="-128"/>
-                <a:ea typeface="メイリオ" panose="020B0604030504040204" pitchFamily="50" charset="-128"/>
-              </a:rPr>
-              <a:t>もののみ</a:t>
-            </a:r>
-            <a:r>
-              <a:rPr lang="ja-JP" altLang="en-US" sz="2800" dirty="0" smtClean="0">
-                <a:latin typeface="メイリオ" panose="020B0604030504040204" pitchFamily="50" charset="-128"/>
-                <a:ea typeface="メイリオ" panose="020B0604030504040204" pitchFamily="50" charset="-128"/>
-              </a:rPr>
-              <a:t>を採用することで</a:t>
-            </a:r>
-            <a:r>
-              <a:rPr lang="en-US" altLang="ja-JP" sz="2800" dirty="0" smtClean="0">
-                <a:latin typeface="メイリオ" panose="020B0604030504040204" pitchFamily="50" charset="-128"/>
-                <a:ea typeface="メイリオ" panose="020B0604030504040204" pitchFamily="50" charset="-128"/>
-              </a:rPr>
-              <a:t/>
-            </a:r>
-            <a:br>
-              <a:rPr lang="en-US" altLang="ja-JP" sz="2800" dirty="0" smtClean="0">
-                <a:latin typeface="メイリオ" panose="020B0604030504040204" pitchFamily="50" charset="-128"/>
-                <a:ea typeface="メイリオ" panose="020B0604030504040204" pitchFamily="50" charset="-128"/>
-              </a:rPr>
-            </a:br>
-            <a:r>
-              <a:rPr lang="ja-JP" altLang="en-US" sz="2800" dirty="0" smtClean="0">
-                <a:latin typeface="メイリオ" panose="020B0604030504040204" pitchFamily="50" charset="-128"/>
-                <a:ea typeface="メイリオ" panose="020B0604030504040204" pitchFamily="50" charset="-128"/>
-              </a:rPr>
-              <a:t>最適</a:t>
+              <a:t>高いもののみ</a:t>
             </a:r>
             <a:r>
               <a:rPr lang="ja-JP" altLang="en-US" sz="2800" dirty="0">
                 <a:latin typeface="メイリオ" panose="020B0604030504040204" pitchFamily="50" charset="-128"/>
                 <a:ea typeface="メイリオ" panose="020B0604030504040204" pitchFamily="50" charset="-128"/>
               </a:rPr>
-              <a:t>な特徴量に</a:t>
+              <a:t>を採用することで</a:t>
             </a:r>
-            <a:r>
-              <a:rPr lang="ja-JP" altLang="en-US" sz="2800" dirty="0" smtClean="0">
+            <a:br>
+              <a:rPr lang="en-US" altLang="ja-JP" sz="2800" dirty="0">
                 <a:latin typeface="メイリオ" panose="020B0604030504040204" pitchFamily="50" charset="-128"/>
                 <a:ea typeface="メイリオ" panose="020B0604030504040204" pitchFamily="50" charset="-128"/>
               </a:rPr>
-              <a:t>なる</a:t>
+            </a:br>
+            <a:r>
+              <a:rPr lang="ja-JP" altLang="en-US" sz="2800" dirty="0">
+                <a:latin typeface="メイリオ" panose="020B0604030504040204" pitchFamily="50" charset="-128"/>
+                <a:ea typeface="メイリオ" panose="020B0604030504040204" pitchFamily="50" charset="-128"/>
+              </a:rPr>
+              <a:t>最適な特徴量になる</a:t>
             </a:r>
-            <a:endParaRPr lang="en-US" altLang="ja-JP" sz="2800" dirty="0" smtClean="0">
+            <a:endParaRPr lang="en-US" altLang="ja-JP" sz="2800" dirty="0">
               <a:latin typeface="メイリオ" panose="020B0604030504040204" pitchFamily="50" charset="-128"/>
               <a:ea typeface="メイリオ" panose="020B0604030504040204" pitchFamily="50" charset="-128"/>
             </a:endParaRPr>
@@ -32957,7 +34374,7 @@
         </p:nvGrpSpPr>
         <p:grpSpPr>
           <a:xfrm>
-            <a:off x="264893" y="4594512"/>
+            <a:off x="289606" y="3484453"/>
             <a:ext cx="3147060" cy="1854735"/>
             <a:chOff x="90463" y="1058995"/>
             <a:chExt cx="3133725" cy="1781572"/>
@@ -33150,7 +34567,7 @@
         </p:nvSpPr>
         <p:spPr>
           <a:xfrm>
-            <a:off x="6906149" y="3244199"/>
+            <a:off x="6741392" y="2486430"/>
             <a:ext cx="2580334" cy="646331"/>
           </a:xfrm>
           <a:prstGeom prst="rect">
@@ -33170,14 +34587,14 @@
               </a:lnSpc>
             </a:pPr>
             <a:r>
-              <a:rPr lang="en-US" altLang="ja-JP" sz="2400" dirty="0" smtClean="0">
+              <a:rPr lang="en-US" altLang="ja-JP" sz="2400" dirty="0">
                 <a:latin typeface="メイリオ" panose="020B0604030504040204" pitchFamily="50" charset="-128"/>
                 <a:ea typeface="メイリオ" panose="020B0604030504040204" pitchFamily="50" charset="-128"/>
               </a:rPr>
               <a:t>SHAP</a:t>
             </a:r>
             <a:r>
-              <a:rPr lang="ja-JP" altLang="en-US" sz="2400" dirty="0" smtClean="0">
+              <a:rPr lang="ja-JP" altLang="en-US" sz="2400" dirty="0">
                 <a:latin typeface="メイリオ" panose="020B0604030504040204" pitchFamily="50" charset="-128"/>
                 <a:ea typeface="メイリオ" panose="020B0604030504040204" pitchFamily="50" charset="-128"/>
               </a:rPr>
@@ -33409,33 +34826,6 @@
                                   </p:childTnLst>
                                 </p:cTn>
                               </p:par>
-                              <p:par>
-                                <p:cTn id="21" presetID="1" presetClass="entr" presetSubtype="0" fill="hold" nodeType="withEffect">
-                                  <p:stCondLst>
-                                    <p:cond delay="0"/>
-                                  </p:stCondLst>
-                                  <p:childTnLst>
-                                    <p:set>
-                                      <p:cBhvr>
-                                        <p:cTn id="22" dur="1" fill="hold">
-                                          <p:stCondLst>
-                                            <p:cond delay="0"/>
-                                          </p:stCondLst>
-                                        </p:cTn>
-                                        <p:tgtEl>
-                                          <p:spTgt spid="7"/>
-                                        </p:tgtEl>
-                                        <p:attrNameLst>
-                                          <p:attrName>style.visibility</p:attrName>
-                                        </p:attrNameLst>
-                                      </p:cBhvr>
-                                      <p:to>
-                                        <p:strVal val="visible"/>
-                                      </p:to>
-                                    </p:set>
-                                  </p:childTnLst>
-                                </p:cTn>
-                              </p:par>
                             </p:childTnLst>
                           </p:cTn>
                         </p:par>
@@ -33650,7 +35040,7 @@
           <a:p>
             <a:pPr algn="ctr"/>
             <a:r>
-              <a:rPr lang="ja-JP" altLang="en-US" sz="2400" dirty="0" smtClean="0">
+              <a:rPr lang="ja-JP" altLang="en-US" sz="2400" dirty="0">
                 <a:solidFill>
                   <a:schemeClr val="tx1"/>
                 </a:solidFill>
@@ -33659,13 +35049,6 @@
               </a:rPr>
               <a:t>全データ学習</a:t>
             </a:r>
-            <a:endParaRPr lang="ja-JP" altLang="en-US" sz="2400" dirty="0">
-              <a:solidFill>
-                <a:schemeClr val="tx1"/>
-              </a:solidFill>
-              <a:latin typeface="メイリオ" panose="020B0604030504040204" pitchFamily="50" charset="-128"/>
-              <a:ea typeface="メイリオ" panose="020B0604030504040204" pitchFamily="50" charset="-128"/>
-            </a:endParaRPr>
           </a:p>
         </p:txBody>
       </p:sp>
@@ -33721,7 +35104,7 @@
           <a:p>
             <a:pPr algn="ctr"/>
             <a:r>
-              <a:rPr lang="ja-JP" altLang="en-US" sz="2400" dirty="0" smtClean="0">
+              <a:rPr lang="ja-JP" altLang="en-US" sz="2400" dirty="0">
                 <a:solidFill>
                   <a:schemeClr val="tx1"/>
                 </a:solidFill>
@@ -33730,18 +35113,8 @@
               </a:rPr>
               <a:t>特徴量</a:t>
             </a:r>
-            <a:r>
-              <a:rPr lang="en-US" altLang="ja-JP" sz="2400" dirty="0" smtClean="0">
-                <a:solidFill>
-                  <a:schemeClr val="tx1"/>
-                </a:solidFill>
-                <a:latin typeface="メイリオ" panose="020B0604030504040204" pitchFamily="50" charset="-128"/>
-                <a:ea typeface="メイリオ" panose="020B0604030504040204" pitchFamily="50" charset="-128"/>
-              </a:rPr>
-              <a:t/>
-            </a:r>
             <a:br>
-              <a:rPr lang="en-US" altLang="ja-JP" sz="2400" dirty="0" smtClean="0">
+              <a:rPr lang="en-US" altLang="ja-JP" sz="2400" dirty="0">
                 <a:solidFill>
                   <a:schemeClr val="tx1"/>
                 </a:solidFill>
@@ -33750,7 +35123,7 @@
               </a:rPr>
             </a:br>
             <a:r>
-              <a:rPr lang="ja-JP" altLang="en-US" sz="2400" dirty="0" smtClean="0">
+              <a:rPr lang="ja-JP" altLang="en-US" sz="2400" dirty="0">
                 <a:solidFill>
                   <a:schemeClr val="tx1"/>
                 </a:solidFill>
@@ -33759,13 +35132,6 @@
               </a:rPr>
               <a:t>需要度算出</a:t>
             </a:r>
-            <a:endParaRPr lang="ja-JP" altLang="en-US" sz="2400" dirty="0">
-              <a:solidFill>
-                <a:schemeClr val="tx1"/>
-              </a:solidFill>
-              <a:latin typeface="メイリオ" panose="020B0604030504040204" pitchFamily="50" charset="-128"/>
-              <a:ea typeface="メイリオ" panose="020B0604030504040204" pitchFamily="50" charset="-128"/>
-            </a:endParaRPr>
           </a:p>
         </p:txBody>
       </p:sp>
@@ -33821,7 +35187,7 @@
           <a:p>
             <a:pPr algn="ctr"/>
             <a:r>
-              <a:rPr lang="ja-JP" altLang="en-US" sz="2400" dirty="0" smtClean="0">
+              <a:rPr lang="ja-JP" altLang="en-US" sz="2400" dirty="0">
                 <a:solidFill>
                   <a:schemeClr val="tx1"/>
                 </a:solidFill>
@@ -33830,13 +35196,6 @@
               </a:rPr>
               <a:t>特徴量の選定</a:t>
             </a:r>
-            <a:endParaRPr lang="ja-JP" altLang="en-US" sz="2400" dirty="0">
-              <a:solidFill>
-                <a:schemeClr val="tx1"/>
-              </a:solidFill>
-              <a:latin typeface="メイリオ" panose="020B0604030504040204" pitchFamily="50" charset="-128"/>
-              <a:ea typeface="メイリオ" panose="020B0604030504040204" pitchFamily="50" charset="-128"/>
-            </a:endParaRPr>
           </a:p>
         </p:txBody>
       </p:sp>
@@ -33904,13 +35263,13 @@
               </a:lnSpc>
             </a:pPr>
             <a:r>
-              <a:rPr lang="ja-JP" altLang="en-US" sz="2400" dirty="0" smtClean="0">
+              <a:rPr lang="ja-JP" altLang="en-US" sz="2400" dirty="0">
                 <a:latin typeface="メイリオ" panose="020B0604030504040204" pitchFamily="50" charset="-128"/>
                 <a:ea typeface="メイリオ" panose="020B0604030504040204" pitchFamily="50" charset="-128"/>
               </a:rPr>
               <a:t>特徴量選定</a:t>
             </a:r>
-            <a:endParaRPr lang="en-US" altLang="ja-JP" sz="2400" dirty="0" smtClean="0">
+            <a:endParaRPr lang="en-US" altLang="ja-JP" sz="2400" dirty="0">
               <a:latin typeface="メイリオ" panose="020B0604030504040204" pitchFamily="50" charset="-128"/>
               <a:ea typeface="メイリオ" panose="020B0604030504040204" pitchFamily="50" charset="-128"/>
             </a:endParaRPr>
@@ -34051,7 +35410,7 @@
         </p:nvSpPr>
         <p:spPr>
           <a:xfrm>
-            <a:off x="25629" y="2573185"/>
+            <a:off x="-139128" y="2497680"/>
             <a:ext cx="1723399" cy="646331"/>
           </a:xfrm>
           <a:prstGeom prst="rect">
@@ -34071,7 +35430,7 @@
               </a:lnSpc>
             </a:pPr>
             <a:r>
-              <a:rPr lang="ja-JP" altLang="en-US" sz="2400" dirty="0" smtClean="0">
+              <a:rPr lang="ja-JP" altLang="en-US" sz="2400" dirty="0">
                 <a:latin typeface="メイリオ" panose="020B0604030504040204" pitchFamily="50" charset="-128"/>
                 <a:ea typeface="メイリオ" panose="020B0604030504040204" pitchFamily="50" charset="-128"/>
               </a:rPr>
@@ -34176,7 +35535,7 @@
           <a:p>
             <a:pPr algn="ctr"/>
             <a:r>
-              <a:rPr lang="ja-JP" altLang="en-US" sz="2400" dirty="0" smtClean="0">
+              <a:rPr lang="ja-JP" altLang="en-US" sz="2400" dirty="0">
                 <a:solidFill>
                   <a:schemeClr val="tx1"/>
                 </a:solidFill>
@@ -34185,13 +35544,6 @@
               </a:rPr>
               <a:t>学習</a:t>
             </a:r>
-            <a:endParaRPr lang="ja-JP" altLang="en-US" sz="2400" dirty="0">
-              <a:solidFill>
-                <a:schemeClr val="tx1"/>
-              </a:solidFill>
-              <a:latin typeface="メイリオ" panose="020B0604030504040204" pitchFamily="50" charset="-128"/>
-              <a:ea typeface="メイリオ" panose="020B0604030504040204" pitchFamily="50" charset="-128"/>
-            </a:endParaRPr>
           </a:p>
         </p:txBody>
       </p:sp>
@@ -34287,7 +35639,7 @@
           <a:p>
             <a:pPr algn="ctr"/>
             <a:r>
-              <a:rPr lang="ja-JP" altLang="en-US" sz="2400" dirty="0" smtClean="0">
+              <a:rPr lang="ja-JP" altLang="en-US" sz="2400" dirty="0">
                 <a:solidFill>
                   <a:schemeClr val="tx1"/>
                 </a:solidFill>
@@ -34296,16 +35648,3820 @@
               </a:rPr>
               <a:t>評価</a:t>
             </a:r>
-            <a:endParaRPr lang="ja-JP" altLang="en-US" sz="2400" dirty="0">
-              <a:solidFill>
-                <a:schemeClr val="tx1"/>
-              </a:solidFill>
-              <a:latin typeface="メイリオ" panose="020B0604030504040204" pitchFamily="50" charset="-128"/>
-              <a:ea typeface="メイリオ" panose="020B0604030504040204" pitchFamily="50" charset="-128"/>
-            </a:endParaRPr>
           </a:p>
         </p:txBody>
       </p:sp>
+      <p:graphicFrame>
+        <p:nvGraphicFramePr>
+          <p:cNvPr id="4" name="表 3">
+            <a:extLst>
+              <a:ext uri="{FF2B5EF4-FFF2-40B4-BE49-F238E27FC236}">
+                <a16:creationId xmlns:a16="http://schemas.microsoft.com/office/drawing/2014/main" id="{8E28D9A6-0355-B919-BBAA-8F4EF6E5D2B3}"/>
+              </a:ext>
+            </a:extLst>
+          </p:cNvPr>
+          <p:cNvGraphicFramePr>
+            <a:graphicFrameLocks noGrp="1"/>
+          </p:cNvGraphicFramePr>
+          <p:nvPr>
+            <p:extLst>
+              <p:ext uri="{D42A27DB-BD31-4B8C-83A1-F6EECF244321}">
+                <p14:modId xmlns:p14="http://schemas.microsoft.com/office/powerpoint/2010/main" val="4142418944"/>
+              </p:ext>
+            </p:extLst>
+          </p:nvPr>
+        </p:nvGraphicFramePr>
+        <p:xfrm>
+          <a:off x="276227" y="3076659"/>
+          <a:ext cx="11588289" cy="3652500"/>
+        </p:xfrm>
+        <a:graphic>
+          <a:graphicData uri="http://schemas.openxmlformats.org/drawingml/2006/table">
+            <a:tbl>
+              <a:tblPr firstRow="1" firstCol="1">
+                <a:tableStyleId>{93296810-A885-4BE3-A3E7-6D5BEEA58F35}</a:tableStyleId>
+              </a:tblPr>
+              <a:tblGrid>
+                <a:gridCol w="1556107">
+                  <a:extLst>
+                    <a:ext uri="{9D8B030D-6E8A-4147-A177-3AD203B41FA5}">
+                      <a16:colId xmlns:a16="http://schemas.microsoft.com/office/drawing/2014/main" val="3502148143"/>
+                    </a:ext>
+                  </a:extLst>
+                </a:gridCol>
+                <a:gridCol w="683742">
+                  <a:extLst>
+                    <a:ext uri="{9D8B030D-6E8A-4147-A177-3AD203B41FA5}">
+                      <a16:colId xmlns:a16="http://schemas.microsoft.com/office/drawing/2014/main" val="2668389214"/>
+                    </a:ext>
+                  </a:extLst>
+                </a:gridCol>
+                <a:gridCol w="589434">
+                  <a:extLst>
+                    <a:ext uri="{9D8B030D-6E8A-4147-A177-3AD203B41FA5}">
+                      <a16:colId xmlns:a16="http://schemas.microsoft.com/office/drawing/2014/main" val="371191938"/>
+                    </a:ext>
+                  </a:extLst>
+                </a:gridCol>
+                <a:gridCol w="848787">
+                  <a:extLst>
+                    <a:ext uri="{9D8B030D-6E8A-4147-A177-3AD203B41FA5}">
+                      <a16:colId xmlns:a16="http://schemas.microsoft.com/office/drawing/2014/main" val="1299753605"/>
+                    </a:ext>
+                  </a:extLst>
+                </a:gridCol>
+                <a:gridCol w="613011">
+                  <a:extLst>
+                    <a:ext uri="{9D8B030D-6E8A-4147-A177-3AD203B41FA5}">
+                      <a16:colId xmlns:a16="http://schemas.microsoft.com/office/drawing/2014/main" val="2269410294"/>
+                    </a:ext>
+                  </a:extLst>
+                </a:gridCol>
+                <a:gridCol w="689639">
+                  <a:extLst>
+                    <a:ext uri="{9D8B030D-6E8A-4147-A177-3AD203B41FA5}">
+                      <a16:colId xmlns:a16="http://schemas.microsoft.com/office/drawing/2014/main" val="301352071"/>
+                    </a:ext>
+                  </a:extLst>
+                </a:gridCol>
+                <a:gridCol w="730897">
+                  <a:extLst>
+                    <a:ext uri="{9D8B030D-6E8A-4147-A177-3AD203B41FA5}">
+                      <a16:colId xmlns:a16="http://schemas.microsoft.com/office/drawing/2014/main" val="1696969399"/>
+                    </a:ext>
+                  </a:extLst>
+                </a:gridCol>
+                <a:gridCol w="542282">
+                  <a:extLst>
+                    <a:ext uri="{9D8B030D-6E8A-4147-A177-3AD203B41FA5}">
+                      <a16:colId xmlns:a16="http://schemas.microsoft.com/office/drawing/2014/main" val="1377922084"/>
+                    </a:ext>
+                  </a:extLst>
+                </a:gridCol>
+                <a:gridCol w="895941">
+                  <a:extLst>
+                    <a:ext uri="{9D8B030D-6E8A-4147-A177-3AD203B41FA5}">
+                      <a16:colId xmlns:a16="http://schemas.microsoft.com/office/drawing/2014/main" val="2292304899"/>
+                    </a:ext>
+                  </a:extLst>
+                </a:gridCol>
+                <a:gridCol w="636590">
+                  <a:extLst>
+                    <a:ext uri="{9D8B030D-6E8A-4147-A177-3AD203B41FA5}">
+                      <a16:colId xmlns:a16="http://schemas.microsoft.com/office/drawing/2014/main" val="4003023858"/>
+                    </a:ext>
+                  </a:extLst>
+                </a:gridCol>
+                <a:gridCol w="801632">
+                  <a:extLst>
+                    <a:ext uri="{9D8B030D-6E8A-4147-A177-3AD203B41FA5}">
+                      <a16:colId xmlns:a16="http://schemas.microsoft.com/office/drawing/2014/main" val="679135821"/>
+                    </a:ext>
+                  </a:extLst>
+                </a:gridCol>
+                <a:gridCol w="966673">
+                  <a:extLst>
+                    <a:ext uri="{9D8B030D-6E8A-4147-A177-3AD203B41FA5}">
+                      <a16:colId xmlns:a16="http://schemas.microsoft.com/office/drawing/2014/main" val="4044745412"/>
+                    </a:ext>
+                  </a:extLst>
+                </a:gridCol>
+                <a:gridCol w="754478">
+                  <a:extLst>
+                    <a:ext uri="{9D8B030D-6E8A-4147-A177-3AD203B41FA5}">
+                      <a16:colId xmlns:a16="http://schemas.microsoft.com/office/drawing/2014/main" val="3059528205"/>
+                    </a:ext>
+                  </a:extLst>
+                </a:gridCol>
+                <a:gridCol w="660167">
+                  <a:extLst>
+                    <a:ext uri="{9D8B030D-6E8A-4147-A177-3AD203B41FA5}">
+                      <a16:colId xmlns:a16="http://schemas.microsoft.com/office/drawing/2014/main" val="2399494137"/>
+                    </a:ext>
+                  </a:extLst>
+                </a:gridCol>
+                <a:gridCol w="618909">
+                  <a:extLst>
+                    <a:ext uri="{9D8B030D-6E8A-4147-A177-3AD203B41FA5}">
+                      <a16:colId xmlns:a16="http://schemas.microsoft.com/office/drawing/2014/main" val="619465146"/>
+                    </a:ext>
+                  </a:extLst>
+                </a:gridCol>
+              </a:tblGrid>
+              <a:tr h="365250">
+                <a:tc>
+                  <a:txBody>
+                    <a:bodyPr/>
+                    <a:lstStyle/>
+                    <a:p>
+                      <a:pPr algn="ctr" fontAlgn="ctr"/>
+                      <a:endParaRPr lang="ja-JP" altLang="en-US" sz="2000" b="0" i="0" u="none" strike="noStrike" dirty="0">
+                        <a:solidFill>
+                          <a:srgbClr val="000000"/>
+                        </a:solidFill>
+                        <a:effectLst/>
+                        <a:latin typeface="游ゴシック" panose="020B0400000000000000" pitchFamily="50" charset="-128"/>
+                        <a:ea typeface="游ゴシック" panose="020B0400000000000000" pitchFamily="50" charset="-128"/>
+                      </a:endParaRPr>
+                    </a:p>
+                  </a:txBody>
+                  <a:tcPr marL="9525" marR="9525" marT="9525" marB="0" anchor="ctr"/>
+                </a:tc>
+                <a:tc>
+                  <a:txBody>
+                    <a:bodyPr/>
+                    <a:lstStyle/>
+                    <a:p>
+                      <a:pPr algn="ctr" fontAlgn="ctr"/>
+                      <a:r>
+                        <a:rPr lang="en-US" sz="2000" u="none" strike="noStrike">
+                          <a:effectLst/>
+                        </a:rPr>
+                        <a:t>CH₄</a:t>
+                      </a:r>
+                      <a:endParaRPr lang="en-US" sz="2000" b="0" i="0" u="none" strike="noStrike">
+                        <a:solidFill>
+                          <a:srgbClr val="000000"/>
+                        </a:solidFill>
+                        <a:effectLst/>
+                        <a:latin typeface="游ゴシック" panose="020B0400000000000000" pitchFamily="50" charset="-128"/>
+                        <a:ea typeface="游ゴシック" panose="020B0400000000000000" pitchFamily="50" charset="-128"/>
+                      </a:endParaRPr>
+                    </a:p>
+                  </a:txBody>
+                  <a:tcPr marL="9525" marR="9525" marT="9525" marB="0" anchor="ctr"/>
+                </a:tc>
+                <a:tc>
+                  <a:txBody>
+                    <a:bodyPr/>
+                    <a:lstStyle/>
+                    <a:p>
+                      <a:pPr algn="ctr" fontAlgn="ctr"/>
+                      <a:r>
+                        <a:rPr lang="en-US" sz="2000" u="none" strike="noStrike">
+                          <a:effectLst/>
+                        </a:rPr>
+                        <a:t>CO</a:t>
+                      </a:r>
+                      <a:endParaRPr lang="en-US" sz="2000" b="0" i="0" u="none" strike="noStrike">
+                        <a:solidFill>
+                          <a:srgbClr val="000000"/>
+                        </a:solidFill>
+                        <a:effectLst/>
+                        <a:latin typeface="游ゴシック" panose="020B0400000000000000" pitchFamily="50" charset="-128"/>
+                        <a:ea typeface="游ゴシック" panose="020B0400000000000000" pitchFamily="50" charset="-128"/>
+                      </a:endParaRPr>
+                    </a:p>
+                  </a:txBody>
+                  <a:tcPr marL="9525" marR="9525" marT="9525" marB="0" anchor="ctr"/>
+                </a:tc>
+                <a:tc>
+                  <a:txBody>
+                    <a:bodyPr/>
+                    <a:lstStyle/>
+                    <a:p>
+                      <a:pPr algn="ctr" fontAlgn="ctr"/>
+                      <a:r>
+                        <a:rPr lang="en-US" sz="2000" u="none" strike="noStrike">
+                          <a:effectLst/>
+                        </a:rPr>
+                        <a:t>HUM</a:t>
+                      </a:r>
+                      <a:endParaRPr lang="en-US" sz="2000" b="0" i="0" u="none" strike="noStrike">
+                        <a:solidFill>
+                          <a:srgbClr val="000000"/>
+                        </a:solidFill>
+                        <a:effectLst/>
+                        <a:latin typeface="游ゴシック" panose="020B0400000000000000" pitchFamily="50" charset="-128"/>
+                        <a:ea typeface="游ゴシック" panose="020B0400000000000000" pitchFamily="50" charset="-128"/>
+                      </a:endParaRPr>
+                    </a:p>
+                  </a:txBody>
+                  <a:tcPr marL="9525" marR="9525" marT="9525" marB="0" anchor="ctr"/>
+                </a:tc>
+                <a:tc>
+                  <a:txBody>
+                    <a:bodyPr/>
+                    <a:lstStyle/>
+                    <a:p>
+                      <a:pPr algn="ctr" fontAlgn="ctr"/>
+                      <a:r>
+                        <a:rPr lang="en-US" sz="2000" u="none" strike="noStrike">
+                          <a:effectLst/>
+                        </a:rPr>
+                        <a:t>NO</a:t>
+                      </a:r>
+                      <a:endParaRPr lang="en-US" sz="2000" b="0" i="0" u="none" strike="noStrike">
+                        <a:solidFill>
+                          <a:srgbClr val="000000"/>
+                        </a:solidFill>
+                        <a:effectLst/>
+                        <a:latin typeface="游ゴシック" panose="020B0400000000000000" pitchFamily="50" charset="-128"/>
+                        <a:ea typeface="游ゴシック" panose="020B0400000000000000" pitchFamily="50" charset="-128"/>
+                      </a:endParaRPr>
+                    </a:p>
+                  </a:txBody>
+                  <a:tcPr marL="9525" marR="9525" marT="9525" marB="0" anchor="ctr"/>
+                </a:tc>
+                <a:tc>
+                  <a:txBody>
+                    <a:bodyPr/>
+                    <a:lstStyle/>
+                    <a:p>
+                      <a:pPr algn="ctr" fontAlgn="ctr"/>
+                      <a:r>
+                        <a:rPr lang="en-US" sz="2000" u="none" strike="noStrike">
+                          <a:effectLst/>
+                        </a:rPr>
+                        <a:t>NO₂</a:t>
+                      </a:r>
+                      <a:endParaRPr lang="en-US" sz="2000" b="0" i="0" u="none" strike="noStrike">
+                        <a:solidFill>
+                          <a:srgbClr val="000000"/>
+                        </a:solidFill>
+                        <a:effectLst/>
+                        <a:latin typeface="游ゴシック" panose="020B0400000000000000" pitchFamily="50" charset="-128"/>
+                        <a:ea typeface="游ゴシック" panose="020B0400000000000000" pitchFamily="50" charset="-128"/>
+                      </a:endParaRPr>
+                    </a:p>
+                  </a:txBody>
+                  <a:tcPr marL="9525" marR="9525" marT="9525" marB="0" anchor="ctr"/>
+                </a:tc>
+                <a:tc>
+                  <a:txBody>
+                    <a:bodyPr/>
+                    <a:lstStyle/>
+                    <a:p>
+                      <a:pPr algn="ctr" fontAlgn="ctr"/>
+                      <a:r>
+                        <a:rPr lang="en-US" sz="2000" u="none" strike="noStrike">
+                          <a:effectLst/>
+                        </a:rPr>
+                        <a:t>NOx</a:t>
+                      </a:r>
+                      <a:endParaRPr lang="en-US" sz="2000" b="0" i="0" u="none" strike="noStrike">
+                        <a:solidFill>
+                          <a:srgbClr val="000000"/>
+                        </a:solidFill>
+                        <a:effectLst/>
+                        <a:latin typeface="游ゴシック" panose="020B0400000000000000" pitchFamily="50" charset="-128"/>
+                        <a:ea typeface="游ゴシック" panose="020B0400000000000000" pitchFamily="50" charset="-128"/>
+                      </a:endParaRPr>
+                    </a:p>
+                  </a:txBody>
+                  <a:tcPr marL="9525" marR="9525" marT="9525" marB="0" anchor="ctr"/>
+                </a:tc>
+                <a:tc>
+                  <a:txBody>
+                    <a:bodyPr/>
+                    <a:lstStyle/>
+                    <a:p>
+                      <a:pPr algn="ctr" fontAlgn="ctr"/>
+                      <a:r>
+                        <a:rPr lang="en-US" sz="2000" u="none" strike="noStrike">
+                          <a:effectLst/>
+                        </a:rPr>
+                        <a:t>Ox</a:t>
+                      </a:r>
+                      <a:endParaRPr lang="en-US" sz="2000" b="0" i="0" u="none" strike="noStrike">
+                        <a:solidFill>
+                          <a:srgbClr val="000000"/>
+                        </a:solidFill>
+                        <a:effectLst/>
+                        <a:latin typeface="游ゴシック" panose="020B0400000000000000" pitchFamily="50" charset="-128"/>
+                        <a:ea typeface="游ゴシック" panose="020B0400000000000000" pitchFamily="50" charset="-128"/>
+                      </a:endParaRPr>
+                    </a:p>
+                  </a:txBody>
+                  <a:tcPr marL="9525" marR="9525" marT="9525" marB="0" anchor="ctr"/>
+                </a:tc>
+                <a:tc>
+                  <a:txBody>
+                    <a:bodyPr/>
+                    <a:lstStyle/>
+                    <a:p>
+                      <a:pPr algn="ctr" fontAlgn="ctr"/>
+                      <a:r>
+                        <a:rPr lang="en-US" sz="2000" u="none" strike="noStrike" dirty="0">
+                          <a:effectLst/>
+                        </a:rPr>
+                        <a:t>PM₂.₅</a:t>
+                      </a:r>
+                      <a:endParaRPr lang="en-US" sz="2000" b="0" i="0" u="none" strike="noStrike" dirty="0">
+                        <a:solidFill>
+                          <a:srgbClr val="000000"/>
+                        </a:solidFill>
+                        <a:effectLst/>
+                        <a:latin typeface="游ゴシック" panose="020B0400000000000000" pitchFamily="50" charset="-128"/>
+                        <a:ea typeface="游ゴシック" panose="020B0400000000000000" pitchFamily="50" charset="-128"/>
+                      </a:endParaRPr>
+                    </a:p>
+                  </a:txBody>
+                  <a:tcPr marL="9525" marR="9525" marT="9525" marB="0" anchor="ctr"/>
+                </a:tc>
+                <a:tc>
+                  <a:txBody>
+                    <a:bodyPr/>
+                    <a:lstStyle/>
+                    <a:p>
+                      <a:pPr algn="ctr" fontAlgn="ctr"/>
+                      <a:r>
+                        <a:rPr lang="en-US" sz="2000" u="none" strike="noStrike">
+                          <a:effectLst/>
+                        </a:rPr>
+                        <a:t>SO</a:t>
+                      </a:r>
+                      <a:r>
+                        <a:rPr lang="en-US" sz="2000" u="none" strike="noStrike" baseline="-25000">
+                          <a:effectLst/>
+                        </a:rPr>
+                        <a:t>2</a:t>
+                      </a:r>
+                      <a:endParaRPr lang="en-US" sz="2000" b="0" i="0" u="none" strike="noStrike">
+                        <a:solidFill>
+                          <a:srgbClr val="000000"/>
+                        </a:solidFill>
+                        <a:effectLst/>
+                        <a:latin typeface="游ゴシック" panose="020B0400000000000000" pitchFamily="50" charset="-128"/>
+                        <a:ea typeface="游ゴシック" panose="020B0400000000000000" pitchFamily="50" charset="-128"/>
+                      </a:endParaRPr>
+                    </a:p>
+                  </a:txBody>
+                  <a:tcPr marL="9525" marR="9525" marT="9525" marB="0" anchor="ctr"/>
+                </a:tc>
+                <a:tc>
+                  <a:txBody>
+                    <a:bodyPr/>
+                    <a:lstStyle/>
+                    <a:p>
+                      <a:pPr algn="ctr" fontAlgn="ctr"/>
+                      <a:r>
+                        <a:rPr lang="en-US" sz="2000" u="none" strike="noStrike">
+                          <a:effectLst/>
+                        </a:rPr>
+                        <a:t>SPM</a:t>
+                      </a:r>
+                      <a:endParaRPr lang="en-US" sz="2000" b="0" i="0" u="none" strike="noStrike">
+                        <a:solidFill>
+                          <a:srgbClr val="000000"/>
+                        </a:solidFill>
+                        <a:effectLst/>
+                        <a:latin typeface="游ゴシック" panose="020B0400000000000000" pitchFamily="50" charset="-128"/>
+                        <a:ea typeface="游ゴシック" panose="020B0400000000000000" pitchFamily="50" charset="-128"/>
+                      </a:endParaRPr>
+                    </a:p>
+                  </a:txBody>
+                  <a:tcPr marL="9525" marR="9525" marT="9525" marB="0" anchor="ctr"/>
+                </a:tc>
+                <a:tc>
+                  <a:txBody>
+                    <a:bodyPr/>
+                    <a:lstStyle/>
+                    <a:p>
+                      <a:pPr algn="ctr" fontAlgn="ctr"/>
+                      <a:r>
+                        <a:rPr lang="en-US" sz="2000" u="none" strike="noStrike">
+                          <a:effectLst/>
+                        </a:rPr>
+                        <a:t>TEMP</a:t>
+                      </a:r>
+                      <a:endParaRPr lang="en-US" sz="2000" b="0" i="0" u="none" strike="noStrike">
+                        <a:solidFill>
+                          <a:srgbClr val="000000"/>
+                        </a:solidFill>
+                        <a:effectLst/>
+                        <a:latin typeface="游ゴシック" panose="020B0400000000000000" pitchFamily="50" charset="-128"/>
+                        <a:ea typeface="游ゴシック" panose="020B0400000000000000" pitchFamily="50" charset="-128"/>
+                      </a:endParaRPr>
+                    </a:p>
+                  </a:txBody>
+                  <a:tcPr marL="9525" marR="9525" marT="9525" marB="0" anchor="ctr"/>
+                </a:tc>
+                <a:tc>
+                  <a:txBody>
+                    <a:bodyPr/>
+                    <a:lstStyle/>
+                    <a:p>
+                      <a:pPr algn="ctr" fontAlgn="ctr"/>
+                      <a:r>
+                        <a:rPr lang="en-US" sz="2000" u="none" strike="noStrike">
+                          <a:effectLst/>
+                        </a:rPr>
+                        <a:t>THC</a:t>
+                      </a:r>
+                      <a:endParaRPr lang="en-US" sz="2000" b="0" i="0" u="none" strike="noStrike">
+                        <a:solidFill>
+                          <a:srgbClr val="000000"/>
+                        </a:solidFill>
+                        <a:effectLst/>
+                        <a:latin typeface="游ゴシック" panose="020B0400000000000000" pitchFamily="50" charset="-128"/>
+                        <a:ea typeface="游ゴシック" panose="020B0400000000000000" pitchFamily="50" charset="-128"/>
+                      </a:endParaRPr>
+                    </a:p>
+                  </a:txBody>
+                  <a:tcPr marL="9525" marR="9525" marT="9525" marB="0" anchor="ctr"/>
+                </a:tc>
+                <a:tc>
+                  <a:txBody>
+                    <a:bodyPr/>
+                    <a:lstStyle/>
+                    <a:p>
+                      <a:pPr algn="ctr" fontAlgn="ctr"/>
+                      <a:r>
+                        <a:rPr lang="en-US" sz="2000" u="none" strike="noStrike">
+                          <a:effectLst/>
+                        </a:rPr>
+                        <a:t>WD</a:t>
+                      </a:r>
+                      <a:endParaRPr lang="en-US" sz="2000" b="0" i="0" u="none" strike="noStrike">
+                        <a:solidFill>
+                          <a:srgbClr val="000000"/>
+                        </a:solidFill>
+                        <a:effectLst/>
+                        <a:latin typeface="游ゴシック" panose="020B0400000000000000" pitchFamily="50" charset="-128"/>
+                        <a:ea typeface="游ゴシック" panose="020B0400000000000000" pitchFamily="50" charset="-128"/>
+                      </a:endParaRPr>
+                    </a:p>
+                  </a:txBody>
+                  <a:tcPr marL="9525" marR="9525" marT="9525" marB="0" anchor="ctr"/>
+                </a:tc>
+                <a:tc>
+                  <a:txBody>
+                    <a:bodyPr/>
+                    <a:lstStyle/>
+                    <a:p>
+                      <a:pPr algn="ctr" fontAlgn="ctr"/>
+                      <a:r>
+                        <a:rPr lang="en-US" sz="2000" u="none" strike="noStrike">
+                          <a:effectLst/>
+                        </a:rPr>
+                        <a:t>WS</a:t>
+                      </a:r>
+                      <a:endParaRPr lang="en-US" sz="2000" b="0" i="0" u="none" strike="noStrike">
+                        <a:solidFill>
+                          <a:srgbClr val="000000"/>
+                        </a:solidFill>
+                        <a:effectLst/>
+                        <a:latin typeface="游ゴシック" panose="020B0400000000000000" pitchFamily="50" charset="-128"/>
+                        <a:ea typeface="游ゴシック" panose="020B0400000000000000" pitchFamily="50" charset="-128"/>
+                      </a:endParaRPr>
+                    </a:p>
+                  </a:txBody>
+                  <a:tcPr marL="9525" marR="9525" marT="9525" marB="0" anchor="ctr"/>
+                </a:tc>
+                <a:extLst>
+                  <a:ext uri="{0D108BD9-81ED-4DB2-BD59-A6C34878D82A}">
+                    <a16:rowId xmlns:a16="http://schemas.microsoft.com/office/drawing/2014/main" val="2857597830"/>
+                  </a:ext>
+                </a:extLst>
+              </a:tr>
+              <a:tr h="365250">
+                <a:tc>
+                  <a:txBody>
+                    <a:bodyPr/>
+                    <a:lstStyle/>
+                    <a:p>
+                      <a:pPr algn="ctr" fontAlgn="ctr"/>
+                      <a:r>
+                        <a:rPr lang="ja-JP" altLang="en-US" sz="2000" u="none" strike="noStrike">
+                          <a:effectLst/>
+                        </a:rPr>
+                        <a:t>東秩父</a:t>
+                      </a:r>
+                      <a:endParaRPr lang="ja-JP" altLang="en-US" sz="2000" b="0" i="0" u="none" strike="noStrike">
+                        <a:solidFill>
+                          <a:srgbClr val="000000"/>
+                        </a:solidFill>
+                        <a:effectLst/>
+                        <a:latin typeface="游ゴシック" panose="020B0400000000000000" pitchFamily="50" charset="-128"/>
+                        <a:ea typeface="游ゴシック" panose="020B0400000000000000" pitchFamily="50" charset="-128"/>
+                      </a:endParaRPr>
+                    </a:p>
+                  </a:txBody>
+                  <a:tcPr marL="9525" marR="9525" marT="9525" marB="0" anchor="ctr"/>
+                </a:tc>
+                <a:tc>
+                  <a:txBody>
+                    <a:bodyPr/>
+                    <a:lstStyle/>
+                    <a:p>
+                      <a:pPr algn="ctr" fontAlgn="ctr"/>
+                      <a:r>
+                        <a:rPr lang="ja-JP" altLang="en-US" sz="2000" u="none" strike="noStrike" dirty="0">
+                          <a:effectLst/>
+                        </a:rPr>
+                        <a:t>〇</a:t>
+                      </a:r>
+                      <a:endParaRPr lang="ja-JP" altLang="en-US" sz="2000" b="0" i="0" u="none" strike="noStrike" dirty="0">
+                        <a:solidFill>
+                          <a:srgbClr val="000000"/>
+                        </a:solidFill>
+                        <a:effectLst/>
+                        <a:latin typeface="游ゴシック" panose="020B0400000000000000" pitchFamily="50" charset="-128"/>
+                        <a:ea typeface="游ゴシック" panose="020B0400000000000000" pitchFamily="50" charset="-128"/>
+                      </a:endParaRPr>
+                    </a:p>
+                  </a:txBody>
+                  <a:tcPr marL="9525" marR="9525" marT="9525" marB="0" anchor="ctr"/>
+                </a:tc>
+                <a:tc>
+                  <a:txBody>
+                    <a:bodyPr/>
+                    <a:lstStyle/>
+                    <a:p>
+                      <a:pPr algn="ctr" fontAlgn="ctr"/>
+                      <a:r>
+                        <a:rPr lang="ja-JP" altLang="en-US" sz="2000" u="none" strike="noStrike">
+                          <a:effectLst/>
+                        </a:rPr>
+                        <a:t>〇</a:t>
+                      </a:r>
+                      <a:endParaRPr lang="ja-JP" altLang="en-US" sz="2000" b="0" i="0" u="none" strike="noStrike">
+                        <a:solidFill>
+                          <a:srgbClr val="000000"/>
+                        </a:solidFill>
+                        <a:effectLst/>
+                        <a:latin typeface="游ゴシック" panose="020B0400000000000000" pitchFamily="50" charset="-128"/>
+                        <a:ea typeface="游ゴシック" panose="020B0400000000000000" pitchFamily="50" charset="-128"/>
+                      </a:endParaRPr>
+                    </a:p>
+                  </a:txBody>
+                  <a:tcPr marL="9525" marR="9525" marT="9525" marB="0" anchor="ctr"/>
+                </a:tc>
+                <a:tc>
+                  <a:txBody>
+                    <a:bodyPr/>
+                    <a:lstStyle/>
+                    <a:p>
+                      <a:pPr algn="ctr" fontAlgn="ctr"/>
+                      <a:r>
+                        <a:rPr lang="ja-JP" altLang="en-US" sz="2000" u="none" strike="noStrike" dirty="0">
+                          <a:effectLst/>
+                        </a:rPr>
+                        <a:t>〇</a:t>
+                      </a:r>
+                      <a:endParaRPr lang="ja-JP" altLang="en-US" sz="2000" b="0" i="0" u="none" strike="noStrike" dirty="0">
+                        <a:solidFill>
+                          <a:srgbClr val="000000"/>
+                        </a:solidFill>
+                        <a:effectLst/>
+                        <a:latin typeface="游ゴシック" panose="020B0400000000000000" pitchFamily="50" charset="-128"/>
+                        <a:ea typeface="游ゴシック" panose="020B0400000000000000" pitchFamily="50" charset="-128"/>
+                      </a:endParaRPr>
+                    </a:p>
+                  </a:txBody>
+                  <a:tcPr marL="9525" marR="9525" marT="9525" marB="0" anchor="ctr"/>
+                </a:tc>
+                <a:tc>
+                  <a:txBody>
+                    <a:bodyPr/>
+                    <a:lstStyle/>
+                    <a:p>
+                      <a:pPr algn="ctr" fontAlgn="ctr"/>
+                      <a:r>
+                        <a:rPr lang="ja-JP" altLang="en-US" sz="2000" u="none" strike="noStrike">
+                          <a:effectLst/>
+                        </a:rPr>
+                        <a:t>〇</a:t>
+                      </a:r>
+                      <a:endParaRPr lang="ja-JP" altLang="en-US" sz="2000" b="0" i="0" u="none" strike="noStrike">
+                        <a:solidFill>
+                          <a:srgbClr val="000000"/>
+                        </a:solidFill>
+                        <a:effectLst/>
+                        <a:latin typeface="游ゴシック" panose="020B0400000000000000" pitchFamily="50" charset="-128"/>
+                        <a:ea typeface="游ゴシック" panose="020B0400000000000000" pitchFamily="50" charset="-128"/>
+                      </a:endParaRPr>
+                    </a:p>
+                  </a:txBody>
+                  <a:tcPr marL="9525" marR="9525" marT="9525" marB="0" anchor="ctr"/>
+                </a:tc>
+                <a:tc>
+                  <a:txBody>
+                    <a:bodyPr/>
+                    <a:lstStyle/>
+                    <a:p>
+                      <a:pPr algn="ctr" fontAlgn="ctr"/>
+                      <a:r>
+                        <a:rPr lang="ja-JP" altLang="en-US" sz="2000" u="none" strike="noStrike">
+                          <a:effectLst/>
+                        </a:rPr>
+                        <a:t>〇</a:t>
+                      </a:r>
+                      <a:endParaRPr lang="ja-JP" altLang="en-US" sz="2000" b="0" i="0" u="none" strike="noStrike">
+                        <a:solidFill>
+                          <a:srgbClr val="000000"/>
+                        </a:solidFill>
+                        <a:effectLst/>
+                        <a:latin typeface="游ゴシック" panose="020B0400000000000000" pitchFamily="50" charset="-128"/>
+                        <a:ea typeface="游ゴシック" panose="020B0400000000000000" pitchFamily="50" charset="-128"/>
+                      </a:endParaRPr>
+                    </a:p>
+                  </a:txBody>
+                  <a:tcPr marL="9525" marR="9525" marT="9525" marB="0" anchor="ctr"/>
+                </a:tc>
+                <a:tc>
+                  <a:txBody>
+                    <a:bodyPr/>
+                    <a:lstStyle/>
+                    <a:p>
+                      <a:pPr algn="ctr" fontAlgn="ctr"/>
+                      <a:r>
+                        <a:rPr lang="ja-JP" altLang="en-US" sz="2000" u="none" strike="noStrike">
+                          <a:effectLst/>
+                        </a:rPr>
+                        <a:t>〇</a:t>
+                      </a:r>
+                      <a:endParaRPr lang="ja-JP" altLang="en-US" sz="2000" b="0" i="0" u="none" strike="noStrike">
+                        <a:solidFill>
+                          <a:srgbClr val="000000"/>
+                        </a:solidFill>
+                        <a:effectLst/>
+                        <a:latin typeface="游ゴシック" panose="020B0400000000000000" pitchFamily="50" charset="-128"/>
+                        <a:ea typeface="游ゴシック" panose="020B0400000000000000" pitchFamily="50" charset="-128"/>
+                      </a:endParaRPr>
+                    </a:p>
+                  </a:txBody>
+                  <a:tcPr marL="9525" marR="9525" marT="9525" marB="0" anchor="ctr"/>
+                </a:tc>
+                <a:tc>
+                  <a:txBody>
+                    <a:bodyPr/>
+                    <a:lstStyle/>
+                    <a:p>
+                      <a:pPr algn="ctr" fontAlgn="ctr"/>
+                      <a:r>
+                        <a:rPr lang="ja-JP" altLang="en-US" sz="2000" u="none" strike="noStrike">
+                          <a:effectLst/>
+                        </a:rPr>
+                        <a:t>〇</a:t>
+                      </a:r>
+                      <a:endParaRPr lang="ja-JP" altLang="en-US" sz="2000" b="0" i="0" u="none" strike="noStrike">
+                        <a:solidFill>
+                          <a:srgbClr val="000000"/>
+                        </a:solidFill>
+                        <a:effectLst/>
+                        <a:latin typeface="游ゴシック" panose="020B0400000000000000" pitchFamily="50" charset="-128"/>
+                        <a:ea typeface="游ゴシック" panose="020B0400000000000000" pitchFamily="50" charset="-128"/>
+                      </a:endParaRPr>
+                    </a:p>
+                  </a:txBody>
+                  <a:tcPr marL="9525" marR="9525" marT="9525" marB="0" anchor="ctr"/>
+                </a:tc>
+                <a:tc>
+                  <a:txBody>
+                    <a:bodyPr/>
+                    <a:lstStyle/>
+                    <a:p>
+                      <a:pPr algn="ctr" fontAlgn="ctr"/>
+                      <a:r>
+                        <a:rPr lang="ja-JP" altLang="en-US" sz="2000" u="none" strike="noStrike">
+                          <a:effectLst/>
+                        </a:rPr>
+                        <a:t>〇</a:t>
+                      </a:r>
+                      <a:endParaRPr lang="ja-JP" altLang="en-US" sz="2000" b="0" i="0" u="none" strike="noStrike">
+                        <a:solidFill>
+                          <a:srgbClr val="000000"/>
+                        </a:solidFill>
+                        <a:effectLst/>
+                        <a:latin typeface="游ゴシック" panose="020B0400000000000000" pitchFamily="50" charset="-128"/>
+                        <a:ea typeface="游ゴシック" panose="020B0400000000000000" pitchFamily="50" charset="-128"/>
+                      </a:endParaRPr>
+                    </a:p>
+                  </a:txBody>
+                  <a:tcPr marL="9525" marR="9525" marT="9525" marB="0" anchor="ctr"/>
+                </a:tc>
+                <a:tc>
+                  <a:txBody>
+                    <a:bodyPr/>
+                    <a:lstStyle/>
+                    <a:p>
+                      <a:pPr algn="ctr" fontAlgn="ctr"/>
+                      <a:r>
+                        <a:rPr lang="ja-JP" altLang="en-US" sz="2000" u="none" strike="noStrike">
+                          <a:effectLst/>
+                        </a:rPr>
+                        <a:t>〇</a:t>
+                      </a:r>
+                      <a:endParaRPr lang="ja-JP" altLang="en-US" sz="2000" b="0" i="0" u="none" strike="noStrike">
+                        <a:solidFill>
+                          <a:srgbClr val="000000"/>
+                        </a:solidFill>
+                        <a:effectLst/>
+                        <a:latin typeface="游ゴシック" panose="020B0400000000000000" pitchFamily="50" charset="-128"/>
+                        <a:ea typeface="游ゴシック" panose="020B0400000000000000" pitchFamily="50" charset="-128"/>
+                      </a:endParaRPr>
+                    </a:p>
+                  </a:txBody>
+                  <a:tcPr marL="9525" marR="9525" marT="9525" marB="0" anchor="ctr"/>
+                </a:tc>
+                <a:tc>
+                  <a:txBody>
+                    <a:bodyPr/>
+                    <a:lstStyle/>
+                    <a:p>
+                      <a:pPr algn="ctr" fontAlgn="ctr"/>
+                      <a:r>
+                        <a:rPr lang="ja-JP" altLang="en-US" sz="2000" u="none" strike="noStrike">
+                          <a:effectLst/>
+                        </a:rPr>
+                        <a:t>〇</a:t>
+                      </a:r>
+                      <a:endParaRPr lang="ja-JP" altLang="en-US" sz="2000" b="0" i="0" u="none" strike="noStrike">
+                        <a:solidFill>
+                          <a:srgbClr val="000000"/>
+                        </a:solidFill>
+                        <a:effectLst/>
+                        <a:latin typeface="游ゴシック" panose="020B0400000000000000" pitchFamily="50" charset="-128"/>
+                        <a:ea typeface="游ゴシック" panose="020B0400000000000000" pitchFamily="50" charset="-128"/>
+                      </a:endParaRPr>
+                    </a:p>
+                  </a:txBody>
+                  <a:tcPr marL="9525" marR="9525" marT="9525" marB="0" anchor="ctr"/>
+                </a:tc>
+                <a:tc>
+                  <a:txBody>
+                    <a:bodyPr/>
+                    <a:lstStyle/>
+                    <a:p>
+                      <a:pPr algn="ctr" fontAlgn="ctr"/>
+                      <a:r>
+                        <a:rPr lang="ja-JP" altLang="en-US" sz="2000" u="none" strike="noStrike">
+                          <a:effectLst/>
+                        </a:rPr>
+                        <a:t>〇</a:t>
+                      </a:r>
+                      <a:endParaRPr lang="ja-JP" altLang="en-US" sz="2000" b="0" i="0" u="none" strike="noStrike">
+                        <a:solidFill>
+                          <a:srgbClr val="000000"/>
+                        </a:solidFill>
+                        <a:effectLst/>
+                        <a:latin typeface="游ゴシック" panose="020B0400000000000000" pitchFamily="50" charset="-128"/>
+                        <a:ea typeface="游ゴシック" panose="020B0400000000000000" pitchFamily="50" charset="-128"/>
+                      </a:endParaRPr>
+                    </a:p>
+                  </a:txBody>
+                  <a:tcPr marL="9525" marR="9525" marT="9525" marB="0" anchor="ctr"/>
+                </a:tc>
+                <a:tc>
+                  <a:txBody>
+                    <a:bodyPr/>
+                    <a:lstStyle/>
+                    <a:p>
+                      <a:pPr algn="ctr" fontAlgn="ctr"/>
+                      <a:r>
+                        <a:rPr lang="ja-JP" altLang="en-US" sz="2000" u="none" strike="noStrike">
+                          <a:effectLst/>
+                        </a:rPr>
+                        <a:t>〇</a:t>
+                      </a:r>
+                      <a:endParaRPr lang="ja-JP" altLang="en-US" sz="2000" b="0" i="0" u="none" strike="noStrike">
+                        <a:solidFill>
+                          <a:srgbClr val="000000"/>
+                        </a:solidFill>
+                        <a:effectLst/>
+                        <a:latin typeface="游ゴシック" panose="020B0400000000000000" pitchFamily="50" charset="-128"/>
+                        <a:ea typeface="游ゴシック" panose="020B0400000000000000" pitchFamily="50" charset="-128"/>
+                      </a:endParaRPr>
+                    </a:p>
+                  </a:txBody>
+                  <a:tcPr marL="9525" marR="9525" marT="9525" marB="0" anchor="ctr"/>
+                </a:tc>
+                <a:tc>
+                  <a:txBody>
+                    <a:bodyPr/>
+                    <a:lstStyle/>
+                    <a:p>
+                      <a:pPr algn="ctr" fontAlgn="ctr"/>
+                      <a:r>
+                        <a:rPr lang="ja-JP" altLang="en-US" sz="2000" u="none" strike="noStrike">
+                          <a:effectLst/>
+                        </a:rPr>
+                        <a:t>〇</a:t>
+                      </a:r>
+                      <a:endParaRPr lang="ja-JP" altLang="en-US" sz="2000" b="0" i="0" u="none" strike="noStrike">
+                        <a:solidFill>
+                          <a:srgbClr val="000000"/>
+                        </a:solidFill>
+                        <a:effectLst/>
+                        <a:latin typeface="游ゴシック" panose="020B0400000000000000" pitchFamily="50" charset="-128"/>
+                        <a:ea typeface="游ゴシック" panose="020B0400000000000000" pitchFamily="50" charset="-128"/>
+                      </a:endParaRPr>
+                    </a:p>
+                  </a:txBody>
+                  <a:tcPr marL="9525" marR="9525" marT="9525" marB="0" anchor="ctr"/>
+                </a:tc>
+                <a:tc>
+                  <a:txBody>
+                    <a:bodyPr/>
+                    <a:lstStyle/>
+                    <a:p>
+                      <a:pPr algn="ctr" fontAlgn="ctr"/>
+                      <a:r>
+                        <a:rPr lang="ja-JP" altLang="en-US" sz="2000" u="none" strike="noStrike">
+                          <a:effectLst/>
+                        </a:rPr>
+                        <a:t>〇</a:t>
+                      </a:r>
+                      <a:endParaRPr lang="ja-JP" altLang="en-US" sz="2000" b="0" i="0" u="none" strike="noStrike">
+                        <a:solidFill>
+                          <a:srgbClr val="000000"/>
+                        </a:solidFill>
+                        <a:effectLst/>
+                        <a:latin typeface="游ゴシック" panose="020B0400000000000000" pitchFamily="50" charset="-128"/>
+                        <a:ea typeface="游ゴシック" panose="020B0400000000000000" pitchFamily="50" charset="-128"/>
+                      </a:endParaRPr>
+                    </a:p>
+                  </a:txBody>
+                  <a:tcPr marL="9525" marR="9525" marT="9525" marB="0" anchor="ctr"/>
+                </a:tc>
+                <a:extLst>
+                  <a:ext uri="{0D108BD9-81ED-4DB2-BD59-A6C34878D82A}">
+                    <a16:rowId xmlns:a16="http://schemas.microsoft.com/office/drawing/2014/main" val="2955745005"/>
+                  </a:ext>
+                </a:extLst>
+              </a:tr>
+              <a:tr h="365250">
+                <a:tc>
+                  <a:txBody>
+                    <a:bodyPr/>
+                    <a:lstStyle/>
+                    <a:p>
+                      <a:pPr algn="ctr" fontAlgn="ctr"/>
+                      <a:r>
+                        <a:rPr lang="ja-JP" altLang="en-US" sz="2000" u="none" strike="noStrike">
+                          <a:effectLst/>
+                        </a:rPr>
+                        <a:t>鴻巣</a:t>
+                      </a:r>
+                      <a:endParaRPr lang="ja-JP" altLang="en-US" sz="2000" b="0" i="0" u="none" strike="noStrike">
+                        <a:solidFill>
+                          <a:srgbClr val="000000"/>
+                        </a:solidFill>
+                        <a:effectLst/>
+                        <a:latin typeface="游ゴシック" panose="020B0400000000000000" pitchFamily="50" charset="-128"/>
+                        <a:ea typeface="游ゴシック" panose="020B0400000000000000" pitchFamily="50" charset="-128"/>
+                      </a:endParaRPr>
+                    </a:p>
+                  </a:txBody>
+                  <a:tcPr marL="9525" marR="9525" marT="9525" marB="0" anchor="ctr"/>
+                </a:tc>
+                <a:tc>
+                  <a:txBody>
+                    <a:bodyPr/>
+                    <a:lstStyle/>
+                    <a:p>
+                      <a:pPr algn="ctr" fontAlgn="ctr"/>
+                      <a:r>
+                        <a:rPr lang="ja-JP" altLang="en-US" sz="2000" u="none" strike="noStrike">
+                          <a:effectLst/>
+                        </a:rPr>
+                        <a:t>〇</a:t>
+                      </a:r>
+                      <a:endParaRPr lang="ja-JP" altLang="en-US" sz="2000" b="0" i="0" u="none" strike="noStrike">
+                        <a:solidFill>
+                          <a:srgbClr val="000000"/>
+                        </a:solidFill>
+                        <a:effectLst/>
+                        <a:latin typeface="游ゴシック" panose="020B0400000000000000" pitchFamily="50" charset="-128"/>
+                        <a:ea typeface="游ゴシック" panose="020B0400000000000000" pitchFamily="50" charset="-128"/>
+                      </a:endParaRPr>
+                    </a:p>
+                  </a:txBody>
+                  <a:tcPr marL="9525" marR="9525" marT="9525" marB="0" anchor="ctr"/>
+                </a:tc>
+                <a:tc>
+                  <a:txBody>
+                    <a:bodyPr/>
+                    <a:lstStyle/>
+                    <a:p>
+                      <a:pPr algn="ctr" fontAlgn="ctr"/>
+                      <a:r>
+                        <a:rPr lang="ja-JP" altLang="en-US" sz="2000" u="none" strike="noStrike">
+                          <a:effectLst/>
+                        </a:rPr>
+                        <a:t>☓</a:t>
+                      </a:r>
+                      <a:endParaRPr lang="ja-JP" altLang="en-US" sz="2000" b="0" i="0" u="none" strike="noStrike">
+                        <a:solidFill>
+                          <a:srgbClr val="000000"/>
+                        </a:solidFill>
+                        <a:effectLst/>
+                        <a:latin typeface="游ゴシック" panose="020B0400000000000000" pitchFamily="50" charset="-128"/>
+                        <a:ea typeface="游ゴシック" panose="020B0400000000000000" pitchFamily="50" charset="-128"/>
+                      </a:endParaRPr>
+                    </a:p>
+                  </a:txBody>
+                  <a:tcPr marL="9525" marR="9525" marT="9525" marB="0" anchor="ctr"/>
+                </a:tc>
+                <a:tc>
+                  <a:txBody>
+                    <a:bodyPr/>
+                    <a:lstStyle/>
+                    <a:p>
+                      <a:pPr algn="ctr" fontAlgn="ctr"/>
+                      <a:r>
+                        <a:rPr lang="ja-JP" altLang="en-US" sz="2000" u="none" strike="noStrike">
+                          <a:effectLst/>
+                        </a:rPr>
+                        <a:t>〇</a:t>
+                      </a:r>
+                      <a:endParaRPr lang="ja-JP" altLang="en-US" sz="2000" b="0" i="0" u="none" strike="noStrike">
+                        <a:solidFill>
+                          <a:srgbClr val="000000"/>
+                        </a:solidFill>
+                        <a:effectLst/>
+                        <a:latin typeface="游ゴシック" panose="020B0400000000000000" pitchFamily="50" charset="-128"/>
+                        <a:ea typeface="游ゴシック" panose="020B0400000000000000" pitchFamily="50" charset="-128"/>
+                      </a:endParaRPr>
+                    </a:p>
+                  </a:txBody>
+                  <a:tcPr marL="9525" marR="9525" marT="9525" marB="0" anchor="ctr"/>
+                </a:tc>
+                <a:tc>
+                  <a:txBody>
+                    <a:bodyPr/>
+                    <a:lstStyle/>
+                    <a:p>
+                      <a:pPr algn="ctr" fontAlgn="ctr"/>
+                      <a:r>
+                        <a:rPr lang="ja-JP" altLang="en-US" sz="2000" u="none" strike="noStrike">
+                          <a:effectLst/>
+                        </a:rPr>
+                        <a:t>〇</a:t>
+                      </a:r>
+                      <a:endParaRPr lang="ja-JP" altLang="en-US" sz="2000" b="0" i="0" u="none" strike="noStrike">
+                        <a:solidFill>
+                          <a:srgbClr val="000000"/>
+                        </a:solidFill>
+                        <a:effectLst/>
+                        <a:latin typeface="游ゴシック" panose="020B0400000000000000" pitchFamily="50" charset="-128"/>
+                        <a:ea typeface="游ゴシック" panose="020B0400000000000000" pitchFamily="50" charset="-128"/>
+                      </a:endParaRPr>
+                    </a:p>
+                  </a:txBody>
+                  <a:tcPr marL="9525" marR="9525" marT="9525" marB="0" anchor="ctr"/>
+                </a:tc>
+                <a:tc>
+                  <a:txBody>
+                    <a:bodyPr/>
+                    <a:lstStyle/>
+                    <a:p>
+                      <a:pPr algn="ctr" fontAlgn="ctr"/>
+                      <a:r>
+                        <a:rPr lang="ja-JP" altLang="en-US" sz="2000" u="none" strike="noStrike">
+                          <a:effectLst/>
+                        </a:rPr>
+                        <a:t>〇</a:t>
+                      </a:r>
+                      <a:endParaRPr lang="ja-JP" altLang="en-US" sz="2000" b="0" i="0" u="none" strike="noStrike">
+                        <a:solidFill>
+                          <a:srgbClr val="000000"/>
+                        </a:solidFill>
+                        <a:effectLst/>
+                        <a:latin typeface="游ゴシック" panose="020B0400000000000000" pitchFamily="50" charset="-128"/>
+                        <a:ea typeface="游ゴシック" panose="020B0400000000000000" pitchFamily="50" charset="-128"/>
+                      </a:endParaRPr>
+                    </a:p>
+                  </a:txBody>
+                  <a:tcPr marL="9525" marR="9525" marT="9525" marB="0" anchor="ctr"/>
+                </a:tc>
+                <a:tc>
+                  <a:txBody>
+                    <a:bodyPr/>
+                    <a:lstStyle/>
+                    <a:p>
+                      <a:pPr algn="ctr" fontAlgn="ctr"/>
+                      <a:r>
+                        <a:rPr lang="ja-JP" altLang="en-US" sz="2000" u="none" strike="noStrike" dirty="0">
+                          <a:effectLst/>
+                        </a:rPr>
+                        <a:t>〇</a:t>
+                      </a:r>
+                      <a:endParaRPr lang="ja-JP" altLang="en-US" sz="2000" b="0" i="0" u="none" strike="noStrike" dirty="0">
+                        <a:solidFill>
+                          <a:srgbClr val="000000"/>
+                        </a:solidFill>
+                        <a:effectLst/>
+                        <a:latin typeface="游ゴシック" panose="020B0400000000000000" pitchFamily="50" charset="-128"/>
+                        <a:ea typeface="游ゴシック" panose="020B0400000000000000" pitchFamily="50" charset="-128"/>
+                      </a:endParaRPr>
+                    </a:p>
+                  </a:txBody>
+                  <a:tcPr marL="9525" marR="9525" marT="9525" marB="0" anchor="ctr"/>
+                </a:tc>
+                <a:tc>
+                  <a:txBody>
+                    <a:bodyPr/>
+                    <a:lstStyle/>
+                    <a:p>
+                      <a:pPr algn="ctr" fontAlgn="ctr"/>
+                      <a:r>
+                        <a:rPr lang="ja-JP" altLang="en-US" sz="2000" u="none" strike="noStrike">
+                          <a:effectLst/>
+                        </a:rPr>
+                        <a:t>〇</a:t>
+                      </a:r>
+                      <a:endParaRPr lang="ja-JP" altLang="en-US" sz="2000" b="0" i="0" u="none" strike="noStrike">
+                        <a:solidFill>
+                          <a:srgbClr val="000000"/>
+                        </a:solidFill>
+                        <a:effectLst/>
+                        <a:latin typeface="游ゴシック" panose="020B0400000000000000" pitchFamily="50" charset="-128"/>
+                        <a:ea typeface="游ゴシック" panose="020B0400000000000000" pitchFamily="50" charset="-128"/>
+                      </a:endParaRPr>
+                    </a:p>
+                  </a:txBody>
+                  <a:tcPr marL="9525" marR="9525" marT="9525" marB="0" anchor="ctr"/>
+                </a:tc>
+                <a:tc>
+                  <a:txBody>
+                    <a:bodyPr/>
+                    <a:lstStyle/>
+                    <a:p>
+                      <a:pPr algn="ctr" fontAlgn="ctr"/>
+                      <a:r>
+                        <a:rPr lang="ja-JP" altLang="en-US" sz="2000" u="none" strike="noStrike">
+                          <a:effectLst/>
+                        </a:rPr>
+                        <a:t>〇</a:t>
+                      </a:r>
+                      <a:endParaRPr lang="ja-JP" altLang="en-US" sz="2000" b="0" i="0" u="none" strike="noStrike">
+                        <a:solidFill>
+                          <a:srgbClr val="000000"/>
+                        </a:solidFill>
+                        <a:effectLst/>
+                        <a:latin typeface="游ゴシック" panose="020B0400000000000000" pitchFamily="50" charset="-128"/>
+                        <a:ea typeface="游ゴシック" panose="020B0400000000000000" pitchFamily="50" charset="-128"/>
+                      </a:endParaRPr>
+                    </a:p>
+                  </a:txBody>
+                  <a:tcPr marL="9525" marR="9525" marT="9525" marB="0" anchor="ctr"/>
+                </a:tc>
+                <a:tc>
+                  <a:txBody>
+                    <a:bodyPr/>
+                    <a:lstStyle/>
+                    <a:p>
+                      <a:pPr algn="ctr" fontAlgn="ctr"/>
+                      <a:r>
+                        <a:rPr lang="ja-JP" altLang="en-US" sz="2000" u="none" strike="noStrike">
+                          <a:effectLst/>
+                        </a:rPr>
+                        <a:t>〇</a:t>
+                      </a:r>
+                      <a:endParaRPr lang="ja-JP" altLang="en-US" sz="2000" b="0" i="0" u="none" strike="noStrike">
+                        <a:solidFill>
+                          <a:srgbClr val="000000"/>
+                        </a:solidFill>
+                        <a:effectLst/>
+                        <a:latin typeface="游ゴシック" panose="020B0400000000000000" pitchFamily="50" charset="-128"/>
+                        <a:ea typeface="游ゴシック" panose="020B0400000000000000" pitchFamily="50" charset="-128"/>
+                      </a:endParaRPr>
+                    </a:p>
+                  </a:txBody>
+                  <a:tcPr marL="9525" marR="9525" marT="9525" marB="0" anchor="ctr"/>
+                </a:tc>
+                <a:tc>
+                  <a:txBody>
+                    <a:bodyPr/>
+                    <a:lstStyle/>
+                    <a:p>
+                      <a:pPr algn="ctr" fontAlgn="ctr"/>
+                      <a:r>
+                        <a:rPr lang="ja-JP" altLang="en-US" sz="2000" u="none" strike="noStrike">
+                          <a:effectLst/>
+                        </a:rPr>
+                        <a:t>〇</a:t>
+                      </a:r>
+                      <a:endParaRPr lang="ja-JP" altLang="en-US" sz="2000" b="0" i="0" u="none" strike="noStrike">
+                        <a:solidFill>
+                          <a:srgbClr val="000000"/>
+                        </a:solidFill>
+                        <a:effectLst/>
+                        <a:latin typeface="游ゴシック" panose="020B0400000000000000" pitchFamily="50" charset="-128"/>
+                        <a:ea typeface="游ゴシック" panose="020B0400000000000000" pitchFamily="50" charset="-128"/>
+                      </a:endParaRPr>
+                    </a:p>
+                  </a:txBody>
+                  <a:tcPr marL="9525" marR="9525" marT="9525" marB="0" anchor="ctr"/>
+                </a:tc>
+                <a:tc>
+                  <a:txBody>
+                    <a:bodyPr/>
+                    <a:lstStyle/>
+                    <a:p>
+                      <a:pPr algn="ctr" fontAlgn="ctr"/>
+                      <a:r>
+                        <a:rPr lang="ja-JP" altLang="en-US" sz="2000" u="none" strike="noStrike">
+                          <a:effectLst/>
+                        </a:rPr>
+                        <a:t>〇</a:t>
+                      </a:r>
+                      <a:endParaRPr lang="ja-JP" altLang="en-US" sz="2000" b="0" i="0" u="none" strike="noStrike">
+                        <a:solidFill>
+                          <a:srgbClr val="000000"/>
+                        </a:solidFill>
+                        <a:effectLst/>
+                        <a:latin typeface="游ゴシック" panose="020B0400000000000000" pitchFamily="50" charset="-128"/>
+                        <a:ea typeface="游ゴシック" panose="020B0400000000000000" pitchFamily="50" charset="-128"/>
+                      </a:endParaRPr>
+                    </a:p>
+                  </a:txBody>
+                  <a:tcPr marL="9525" marR="9525" marT="9525" marB="0" anchor="ctr"/>
+                </a:tc>
+                <a:tc>
+                  <a:txBody>
+                    <a:bodyPr/>
+                    <a:lstStyle/>
+                    <a:p>
+                      <a:pPr algn="ctr" fontAlgn="ctr"/>
+                      <a:r>
+                        <a:rPr lang="ja-JP" altLang="en-US" sz="2000" u="none" strike="noStrike">
+                          <a:effectLst/>
+                        </a:rPr>
+                        <a:t>〇</a:t>
+                      </a:r>
+                      <a:endParaRPr lang="ja-JP" altLang="en-US" sz="2000" b="0" i="0" u="none" strike="noStrike">
+                        <a:solidFill>
+                          <a:srgbClr val="000000"/>
+                        </a:solidFill>
+                        <a:effectLst/>
+                        <a:latin typeface="游ゴシック" panose="020B0400000000000000" pitchFamily="50" charset="-128"/>
+                        <a:ea typeface="游ゴシック" panose="020B0400000000000000" pitchFamily="50" charset="-128"/>
+                      </a:endParaRPr>
+                    </a:p>
+                  </a:txBody>
+                  <a:tcPr marL="9525" marR="9525" marT="9525" marB="0" anchor="ctr"/>
+                </a:tc>
+                <a:tc>
+                  <a:txBody>
+                    <a:bodyPr/>
+                    <a:lstStyle/>
+                    <a:p>
+                      <a:pPr algn="ctr" fontAlgn="ctr"/>
+                      <a:r>
+                        <a:rPr lang="ja-JP" altLang="en-US" sz="2000" u="none" strike="noStrike">
+                          <a:effectLst/>
+                        </a:rPr>
+                        <a:t>〇</a:t>
+                      </a:r>
+                      <a:endParaRPr lang="ja-JP" altLang="en-US" sz="2000" b="0" i="0" u="none" strike="noStrike">
+                        <a:solidFill>
+                          <a:srgbClr val="000000"/>
+                        </a:solidFill>
+                        <a:effectLst/>
+                        <a:latin typeface="游ゴシック" panose="020B0400000000000000" pitchFamily="50" charset="-128"/>
+                        <a:ea typeface="游ゴシック" panose="020B0400000000000000" pitchFamily="50" charset="-128"/>
+                      </a:endParaRPr>
+                    </a:p>
+                  </a:txBody>
+                  <a:tcPr marL="9525" marR="9525" marT="9525" marB="0" anchor="ctr"/>
+                </a:tc>
+                <a:tc>
+                  <a:txBody>
+                    <a:bodyPr/>
+                    <a:lstStyle/>
+                    <a:p>
+                      <a:pPr algn="ctr" fontAlgn="ctr"/>
+                      <a:r>
+                        <a:rPr lang="ja-JP" altLang="en-US" sz="2000" u="none" strike="noStrike">
+                          <a:effectLst/>
+                        </a:rPr>
+                        <a:t>〇</a:t>
+                      </a:r>
+                      <a:endParaRPr lang="ja-JP" altLang="en-US" sz="2000" b="0" i="0" u="none" strike="noStrike">
+                        <a:solidFill>
+                          <a:srgbClr val="000000"/>
+                        </a:solidFill>
+                        <a:effectLst/>
+                        <a:latin typeface="游ゴシック" panose="020B0400000000000000" pitchFamily="50" charset="-128"/>
+                        <a:ea typeface="游ゴシック" panose="020B0400000000000000" pitchFamily="50" charset="-128"/>
+                      </a:endParaRPr>
+                    </a:p>
+                  </a:txBody>
+                  <a:tcPr marL="9525" marR="9525" marT="9525" marB="0" anchor="ctr"/>
+                </a:tc>
+                <a:extLst>
+                  <a:ext uri="{0D108BD9-81ED-4DB2-BD59-A6C34878D82A}">
+                    <a16:rowId xmlns:a16="http://schemas.microsoft.com/office/drawing/2014/main" val="1964077751"/>
+                  </a:ext>
+                </a:extLst>
+              </a:tr>
+              <a:tr h="365250">
+                <a:tc>
+                  <a:txBody>
+                    <a:bodyPr/>
+                    <a:lstStyle/>
+                    <a:p>
+                      <a:pPr algn="ctr" fontAlgn="ctr"/>
+                      <a:r>
+                        <a:rPr lang="ja-JP" altLang="en-US" sz="2000" u="none" strike="noStrike">
+                          <a:effectLst/>
+                        </a:rPr>
+                        <a:t>幸手</a:t>
+                      </a:r>
+                      <a:endParaRPr lang="ja-JP" altLang="en-US" sz="2000" b="0" i="0" u="none" strike="noStrike">
+                        <a:solidFill>
+                          <a:srgbClr val="000000"/>
+                        </a:solidFill>
+                        <a:effectLst/>
+                        <a:latin typeface="游ゴシック" panose="020B0400000000000000" pitchFamily="50" charset="-128"/>
+                        <a:ea typeface="游ゴシック" panose="020B0400000000000000" pitchFamily="50" charset="-128"/>
+                      </a:endParaRPr>
+                    </a:p>
+                  </a:txBody>
+                  <a:tcPr marL="9525" marR="9525" marT="9525" marB="0" anchor="ctr"/>
+                </a:tc>
+                <a:tc>
+                  <a:txBody>
+                    <a:bodyPr/>
+                    <a:lstStyle/>
+                    <a:p>
+                      <a:pPr algn="ctr" fontAlgn="ctr"/>
+                      <a:r>
+                        <a:rPr lang="ja-JP" altLang="en-US" sz="2000" u="none" strike="noStrike">
+                          <a:effectLst/>
+                        </a:rPr>
+                        <a:t>〇</a:t>
+                      </a:r>
+                      <a:endParaRPr lang="ja-JP" altLang="en-US" sz="2000" b="0" i="0" u="none" strike="noStrike">
+                        <a:solidFill>
+                          <a:srgbClr val="000000"/>
+                        </a:solidFill>
+                        <a:effectLst/>
+                        <a:latin typeface="游ゴシック" panose="020B0400000000000000" pitchFamily="50" charset="-128"/>
+                        <a:ea typeface="游ゴシック" panose="020B0400000000000000" pitchFamily="50" charset="-128"/>
+                      </a:endParaRPr>
+                    </a:p>
+                  </a:txBody>
+                  <a:tcPr marL="9525" marR="9525" marT="9525" marB="0" anchor="ctr"/>
+                </a:tc>
+                <a:tc>
+                  <a:txBody>
+                    <a:bodyPr/>
+                    <a:lstStyle/>
+                    <a:p>
+                      <a:pPr algn="ctr" fontAlgn="ctr"/>
+                      <a:r>
+                        <a:rPr lang="ja-JP" altLang="en-US" sz="2000" u="none" strike="noStrike">
+                          <a:effectLst/>
+                        </a:rPr>
+                        <a:t>☓</a:t>
+                      </a:r>
+                      <a:endParaRPr lang="ja-JP" altLang="en-US" sz="2000" b="0" i="0" u="none" strike="noStrike">
+                        <a:solidFill>
+                          <a:srgbClr val="000000"/>
+                        </a:solidFill>
+                        <a:effectLst/>
+                        <a:latin typeface="游ゴシック" panose="020B0400000000000000" pitchFamily="50" charset="-128"/>
+                        <a:ea typeface="游ゴシック" panose="020B0400000000000000" pitchFamily="50" charset="-128"/>
+                      </a:endParaRPr>
+                    </a:p>
+                  </a:txBody>
+                  <a:tcPr marL="9525" marR="9525" marT="9525" marB="0" anchor="ctr"/>
+                </a:tc>
+                <a:tc>
+                  <a:txBody>
+                    <a:bodyPr/>
+                    <a:lstStyle/>
+                    <a:p>
+                      <a:pPr algn="ctr" fontAlgn="ctr"/>
+                      <a:r>
+                        <a:rPr lang="ja-JP" altLang="en-US" sz="2000" u="none" strike="noStrike">
+                          <a:effectLst/>
+                        </a:rPr>
+                        <a:t>〇</a:t>
+                      </a:r>
+                      <a:endParaRPr lang="ja-JP" altLang="en-US" sz="2000" b="0" i="0" u="none" strike="noStrike">
+                        <a:solidFill>
+                          <a:srgbClr val="000000"/>
+                        </a:solidFill>
+                        <a:effectLst/>
+                        <a:latin typeface="游ゴシック" panose="020B0400000000000000" pitchFamily="50" charset="-128"/>
+                        <a:ea typeface="游ゴシック" panose="020B0400000000000000" pitchFamily="50" charset="-128"/>
+                      </a:endParaRPr>
+                    </a:p>
+                  </a:txBody>
+                  <a:tcPr marL="9525" marR="9525" marT="9525" marB="0" anchor="ctr"/>
+                </a:tc>
+                <a:tc>
+                  <a:txBody>
+                    <a:bodyPr/>
+                    <a:lstStyle/>
+                    <a:p>
+                      <a:pPr algn="ctr" fontAlgn="ctr"/>
+                      <a:r>
+                        <a:rPr lang="ja-JP" altLang="en-US" sz="2000" u="none" strike="noStrike">
+                          <a:effectLst/>
+                        </a:rPr>
+                        <a:t>〇</a:t>
+                      </a:r>
+                      <a:endParaRPr lang="ja-JP" altLang="en-US" sz="2000" b="0" i="0" u="none" strike="noStrike">
+                        <a:solidFill>
+                          <a:srgbClr val="000000"/>
+                        </a:solidFill>
+                        <a:effectLst/>
+                        <a:latin typeface="游ゴシック" panose="020B0400000000000000" pitchFamily="50" charset="-128"/>
+                        <a:ea typeface="游ゴシック" panose="020B0400000000000000" pitchFamily="50" charset="-128"/>
+                      </a:endParaRPr>
+                    </a:p>
+                  </a:txBody>
+                  <a:tcPr marL="9525" marR="9525" marT="9525" marB="0" anchor="ctr"/>
+                </a:tc>
+                <a:tc>
+                  <a:txBody>
+                    <a:bodyPr/>
+                    <a:lstStyle/>
+                    <a:p>
+                      <a:pPr algn="ctr" fontAlgn="ctr"/>
+                      <a:r>
+                        <a:rPr lang="ja-JP" altLang="en-US" sz="2000" u="none" strike="noStrike">
+                          <a:effectLst/>
+                        </a:rPr>
+                        <a:t>〇</a:t>
+                      </a:r>
+                      <a:endParaRPr lang="ja-JP" altLang="en-US" sz="2000" b="0" i="0" u="none" strike="noStrike">
+                        <a:solidFill>
+                          <a:srgbClr val="000000"/>
+                        </a:solidFill>
+                        <a:effectLst/>
+                        <a:latin typeface="游ゴシック" panose="020B0400000000000000" pitchFamily="50" charset="-128"/>
+                        <a:ea typeface="游ゴシック" panose="020B0400000000000000" pitchFamily="50" charset="-128"/>
+                      </a:endParaRPr>
+                    </a:p>
+                  </a:txBody>
+                  <a:tcPr marL="9525" marR="9525" marT="9525" marB="0" anchor="ctr"/>
+                </a:tc>
+                <a:tc>
+                  <a:txBody>
+                    <a:bodyPr/>
+                    <a:lstStyle/>
+                    <a:p>
+                      <a:pPr algn="ctr" fontAlgn="ctr"/>
+                      <a:r>
+                        <a:rPr lang="ja-JP" altLang="en-US" sz="2000" u="none" strike="noStrike">
+                          <a:effectLst/>
+                        </a:rPr>
+                        <a:t>〇</a:t>
+                      </a:r>
+                      <a:endParaRPr lang="ja-JP" altLang="en-US" sz="2000" b="0" i="0" u="none" strike="noStrike">
+                        <a:solidFill>
+                          <a:srgbClr val="000000"/>
+                        </a:solidFill>
+                        <a:effectLst/>
+                        <a:latin typeface="游ゴシック" panose="020B0400000000000000" pitchFamily="50" charset="-128"/>
+                        <a:ea typeface="游ゴシック" panose="020B0400000000000000" pitchFamily="50" charset="-128"/>
+                      </a:endParaRPr>
+                    </a:p>
+                  </a:txBody>
+                  <a:tcPr marL="9525" marR="9525" marT="9525" marB="0" anchor="ctr"/>
+                </a:tc>
+                <a:tc>
+                  <a:txBody>
+                    <a:bodyPr/>
+                    <a:lstStyle/>
+                    <a:p>
+                      <a:pPr algn="ctr" fontAlgn="ctr"/>
+                      <a:r>
+                        <a:rPr lang="ja-JP" altLang="en-US" sz="2000" u="none" strike="noStrike">
+                          <a:effectLst/>
+                        </a:rPr>
+                        <a:t>〇</a:t>
+                      </a:r>
+                      <a:endParaRPr lang="ja-JP" altLang="en-US" sz="2000" b="0" i="0" u="none" strike="noStrike">
+                        <a:solidFill>
+                          <a:srgbClr val="000000"/>
+                        </a:solidFill>
+                        <a:effectLst/>
+                        <a:latin typeface="游ゴシック" panose="020B0400000000000000" pitchFamily="50" charset="-128"/>
+                        <a:ea typeface="游ゴシック" panose="020B0400000000000000" pitchFamily="50" charset="-128"/>
+                      </a:endParaRPr>
+                    </a:p>
+                  </a:txBody>
+                  <a:tcPr marL="9525" marR="9525" marT="9525" marB="0" anchor="ctr"/>
+                </a:tc>
+                <a:tc>
+                  <a:txBody>
+                    <a:bodyPr/>
+                    <a:lstStyle/>
+                    <a:p>
+                      <a:pPr algn="ctr" fontAlgn="ctr"/>
+                      <a:r>
+                        <a:rPr lang="ja-JP" altLang="en-US" sz="2000" u="none" strike="noStrike" dirty="0">
+                          <a:effectLst/>
+                        </a:rPr>
+                        <a:t>〇</a:t>
+                      </a:r>
+                      <a:endParaRPr lang="ja-JP" altLang="en-US" sz="2000" b="0" i="0" u="none" strike="noStrike" dirty="0">
+                        <a:solidFill>
+                          <a:srgbClr val="000000"/>
+                        </a:solidFill>
+                        <a:effectLst/>
+                        <a:latin typeface="游ゴシック" panose="020B0400000000000000" pitchFamily="50" charset="-128"/>
+                        <a:ea typeface="游ゴシック" panose="020B0400000000000000" pitchFamily="50" charset="-128"/>
+                      </a:endParaRPr>
+                    </a:p>
+                  </a:txBody>
+                  <a:tcPr marL="9525" marR="9525" marT="9525" marB="0" anchor="ctr"/>
+                </a:tc>
+                <a:tc>
+                  <a:txBody>
+                    <a:bodyPr/>
+                    <a:lstStyle/>
+                    <a:p>
+                      <a:pPr algn="ctr" fontAlgn="ctr"/>
+                      <a:r>
+                        <a:rPr lang="ja-JP" altLang="en-US" sz="2000" u="none" strike="noStrike">
+                          <a:effectLst/>
+                        </a:rPr>
+                        <a:t>〇</a:t>
+                      </a:r>
+                      <a:endParaRPr lang="ja-JP" altLang="en-US" sz="2000" b="0" i="0" u="none" strike="noStrike">
+                        <a:solidFill>
+                          <a:srgbClr val="000000"/>
+                        </a:solidFill>
+                        <a:effectLst/>
+                        <a:latin typeface="游ゴシック" panose="020B0400000000000000" pitchFamily="50" charset="-128"/>
+                        <a:ea typeface="游ゴシック" panose="020B0400000000000000" pitchFamily="50" charset="-128"/>
+                      </a:endParaRPr>
+                    </a:p>
+                  </a:txBody>
+                  <a:tcPr marL="9525" marR="9525" marT="9525" marB="0" anchor="ctr"/>
+                </a:tc>
+                <a:tc>
+                  <a:txBody>
+                    <a:bodyPr/>
+                    <a:lstStyle/>
+                    <a:p>
+                      <a:pPr algn="ctr" fontAlgn="ctr"/>
+                      <a:r>
+                        <a:rPr lang="ja-JP" altLang="en-US" sz="2000" u="none" strike="noStrike">
+                          <a:effectLst/>
+                        </a:rPr>
+                        <a:t>〇</a:t>
+                      </a:r>
+                      <a:endParaRPr lang="ja-JP" altLang="en-US" sz="2000" b="0" i="0" u="none" strike="noStrike">
+                        <a:solidFill>
+                          <a:srgbClr val="000000"/>
+                        </a:solidFill>
+                        <a:effectLst/>
+                        <a:latin typeface="游ゴシック" panose="020B0400000000000000" pitchFamily="50" charset="-128"/>
+                        <a:ea typeface="游ゴシック" panose="020B0400000000000000" pitchFamily="50" charset="-128"/>
+                      </a:endParaRPr>
+                    </a:p>
+                  </a:txBody>
+                  <a:tcPr marL="9525" marR="9525" marT="9525" marB="0" anchor="ctr"/>
+                </a:tc>
+                <a:tc>
+                  <a:txBody>
+                    <a:bodyPr/>
+                    <a:lstStyle/>
+                    <a:p>
+                      <a:pPr algn="ctr" fontAlgn="ctr"/>
+                      <a:r>
+                        <a:rPr lang="ja-JP" altLang="en-US" sz="2000" u="none" strike="noStrike">
+                          <a:effectLst/>
+                        </a:rPr>
+                        <a:t>〇</a:t>
+                      </a:r>
+                      <a:endParaRPr lang="ja-JP" altLang="en-US" sz="2000" b="0" i="0" u="none" strike="noStrike">
+                        <a:solidFill>
+                          <a:srgbClr val="000000"/>
+                        </a:solidFill>
+                        <a:effectLst/>
+                        <a:latin typeface="游ゴシック" panose="020B0400000000000000" pitchFamily="50" charset="-128"/>
+                        <a:ea typeface="游ゴシック" panose="020B0400000000000000" pitchFamily="50" charset="-128"/>
+                      </a:endParaRPr>
+                    </a:p>
+                  </a:txBody>
+                  <a:tcPr marL="9525" marR="9525" marT="9525" marB="0" anchor="ctr"/>
+                </a:tc>
+                <a:tc>
+                  <a:txBody>
+                    <a:bodyPr/>
+                    <a:lstStyle/>
+                    <a:p>
+                      <a:pPr algn="ctr" fontAlgn="ctr"/>
+                      <a:r>
+                        <a:rPr lang="ja-JP" altLang="en-US" sz="2000" u="none" strike="noStrike">
+                          <a:effectLst/>
+                        </a:rPr>
+                        <a:t>〇</a:t>
+                      </a:r>
+                      <a:endParaRPr lang="ja-JP" altLang="en-US" sz="2000" b="0" i="0" u="none" strike="noStrike">
+                        <a:solidFill>
+                          <a:srgbClr val="000000"/>
+                        </a:solidFill>
+                        <a:effectLst/>
+                        <a:latin typeface="游ゴシック" panose="020B0400000000000000" pitchFamily="50" charset="-128"/>
+                        <a:ea typeface="游ゴシック" panose="020B0400000000000000" pitchFamily="50" charset="-128"/>
+                      </a:endParaRPr>
+                    </a:p>
+                  </a:txBody>
+                  <a:tcPr marL="9525" marR="9525" marT="9525" marB="0" anchor="ctr"/>
+                </a:tc>
+                <a:tc>
+                  <a:txBody>
+                    <a:bodyPr/>
+                    <a:lstStyle/>
+                    <a:p>
+                      <a:pPr algn="ctr" fontAlgn="ctr"/>
+                      <a:r>
+                        <a:rPr lang="ja-JP" altLang="en-US" sz="2000" u="none" strike="noStrike">
+                          <a:effectLst/>
+                        </a:rPr>
+                        <a:t>〇</a:t>
+                      </a:r>
+                      <a:endParaRPr lang="ja-JP" altLang="en-US" sz="2000" b="0" i="0" u="none" strike="noStrike">
+                        <a:solidFill>
+                          <a:srgbClr val="000000"/>
+                        </a:solidFill>
+                        <a:effectLst/>
+                        <a:latin typeface="游ゴシック" panose="020B0400000000000000" pitchFamily="50" charset="-128"/>
+                        <a:ea typeface="游ゴシック" panose="020B0400000000000000" pitchFamily="50" charset="-128"/>
+                      </a:endParaRPr>
+                    </a:p>
+                  </a:txBody>
+                  <a:tcPr marL="9525" marR="9525" marT="9525" marB="0" anchor="ctr"/>
+                </a:tc>
+                <a:tc>
+                  <a:txBody>
+                    <a:bodyPr/>
+                    <a:lstStyle/>
+                    <a:p>
+                      <a:pPr algn="ctr" fontAlgn="ctr"/>
+                      <a:r>
+                        <a:rPr lang="ja-JP" altLang="en-US" sz="2000" u="none" strike="noStrike">
+                          <a:effectLst/>
+                        </a:rPr>
+                        <a:t>〇</a:t>
+                      </a:r>
+                      <a:endParaRPr lang="ja-JP" altLang="en-US" sz="2000" b="0" i="0" u="none" strike="noStrike">
+                        <a:solidFill>
+                          <a:srgbClr val="000000"/>
+                        </a:solidFill>
+                        <a:effectLst/>
+                        <a:latin typeface="游ゴシック" panose="020B0400000000000000" pitchFamily="50" charset="-128"/>
+                        <a:ea typeface="游ゴシック" panose="020B0400000000000000" pitchFamily="50" charset="-128"/>
+                      </a:endParaRPr>
+                    </a:p>
+                  </a:txBody>
+                  <a:tcPr marL="9525" marR="9525" marT="9525" marB="0" anchor="ctr"/>
+                </a:tc>
+                <a:extLst>
+                  <a:ext uri="{0D108BD9-81ED-4DB2-BD59-A6C34878D82A}">
+                    <a16:rowId xmlns:a16="http://schemas.microsoft.com/office/drawing/2014/main" val="389375840"/>
+                  </a:ext>
+                </a:extLst>
+              </a:tr>
+              <a:tr h="365250">
+                <a:tc>
+                  <a:txBody>
+                    <a:bodyPr/>
+                    <a:lstStyle/>
+                    <a:p>
+                      <a:pPr algn="ctr" fontAlgn="ctr"/>
+                      <a:r>
+                        <a:rPr lang="ja-JP" altLang="en-US" sz="2000" u="none" strike="noStrike">
+                          <a:effectLst/>
+                        </a:rPr>
+                        <a:t>東青梅</a:t>
+                      </a:r>
+                      <a:endParaRPr lang="ja-JP" altLang="en-US" sz="2000" b="0" i="0" u="none" strike="noStrike">
+                        <a:solidFill>
+                          <a:srgbClr val="000000"/>
+                        </a:solidFill>
+                        <a:effectLst/>
+                        <a:latin typeface="游ゴシック" panose="020B0400000000000000" pitchFamily="50" charset="-128"/>
+                        <a:ea typeface="游ゴシック" panose="020B0400000000000000" pitchFamily="50" charset="-128"/>
+                      </a:endParaRPr>
+                    </a:p>
+                  </a:txBody>
+                  <a:tcPr marL="9525" marR="9525" marT="9525" marB="0" anchor="ctr"/>
+                </a:tc>
+                <a:tc>
+                  <a:txBody>
+                    <a:bodyPr/>
+                    <a:lstStyle/>
+                    <a:p>
+                      <a:pPr algn="ctr" fontAlgn="ctr"/>
+                      <a:r>
+                        <a:rPr lang="ja-JP" altLang="en-US" sz="2000" u="none" strike="noStrike">
+                          <a:effectLst/>
+                        </a:rPr>
+                        <a:t>〇</a:t>
+                      </a:r>
+                      <a:endParaRPr lang="ja-JP" altLang="en-US" sz="2000" b="0" i="0" u="none" strike="noStrike">
+                        <a:solidFill>
+                          <a:srgbClr val="000000"/>
+                        </a:solidFill>
+                        <a:effectLst/>
+                        <a:latin typeface="游ゴシック" panose="020B0400000000000000" pitchFamily="50" charset="-128"/>
+                        <a:ea typeface="游ゴシック" panose="020B0400000000000000" pitchFamily="50" charset="-128"/>
+                      </a:endParaRPr>
+                    </a:p>
+                  </a:txBody>
+                  <a:tcPr marL="9525" marR="9525" marT="9525" marB="0" anchor="ctr"/>
+                </a:tc>
+                <a:tc>
+                  <a:txBody>
+                    <a:bodyPr/>
+                    <a:lstStyle/>
+                    <a:p>
+                      <a:pPr algn="ctr" fontAlgn="ctr"/>
+                      <a:r>
+                        <a:rPr lang="ja-JP" altLang="en-US" sz="2000" u="none" strike="noStrike">
+                          <a:effectLst/>
+                        </a:rPr>
+                        <a:t>〇</a:t>
+                      </a:r>
+                      <a:endParaRPr lang="ja-JP" altLang="en-US" sz="2000" b="0" i="0" u="none" strike="noStrike">
+                        <a:solidFill>
+                          <a:srgbClr val="000000"/>
+                        </a:solidFill>
+                        <a:effectLst/>
+                        <a:latin typeface="游ゴシック" panose="020B0400000000000000" pitchFamily="50" charset="-128"/>
+                        <a:ea typeface="游ゴシック" panose="020B0400000000000000" pitchFamily="50" charset="-128"/>
+                      </a:endParaRPr>
+                    </a:p>
+                  </a:txBody>
+                  <a:tcPr marL="9525" marR="9525" marT="9525" marB="0" anchor="ctr"/>
+                </a:tc>
+                <a:tc>
+                  <a:txBody>
+                    <a:bodyPr/>
+                    <a:lstStyle/>
+                    <a:p>
+                      <a:pPr algn="ctr" fontAlgn="ctr"/>
+                      <a:r>
+                        <a:rPr lang="ja-JP" altLang="en-US" sz="2000" u="none" strike="noStrike">
+                          <a:effectLst/>
+                        </a:rPr>
+                        <a:t>〇</a:t>
+                      </a:r>
+                      <a:endParaRPr lang="ja-JP" altLang="en-US" sz="2000" b="0" i="0" u="none" strike="noStrike">
+                        <a:solidFill>
+                          <a:srgbClr val="000000"/>
+                        </a:solidFill>
+                        <a:effectLst/>
+                        <a:latin typeface="游ゴシック" panose="020B0400000000000000" pitchFamily="50" charset="-128"/>
+                        <a:ea typeface="游ゴシック" panose="020B0400000000000000" pitchFamily="50" charset="-128"/>
+                      </a:endParaRPr>
+                    </a:p>
+                  </a:txBody>
+                  <a:tcPr marL="9525" marR="9525" marT="9525" marB="0" anchor="ctr"/>
+                </a:tc>
+                <a:tc>
+                  <a:txBody>
+                    <a:bodyPr/>
+                    <a:lstStyle/>
+                    <a:p>
+                      <a:pPr algn="ctr" fontAlgn="ctr"/>
+                      <a:r>
+                        <a:rPr lang="ja-JP" altLang="en-US" sz="2000" u="none" strike="noStrike">
+                          <a:effectLst/>
+                        </a:rPr>
+                        <a:t>〇</a:t>
+                      </a:r>
+                      <a:endParaRPr lang="ja-JP" altLang="en-US" sz="2000" b="0" i="0" u="none" strike="noStrike">
+                        <a:solidFill>
+                          <a:srgbClr val="000000"/>
+                        </a:solidFill>
+                        <a:effectLst/>
+                        <a:latin typeface="游ゴシック" panose="020B0400000000000000" pitchFamily="50" charset="-128"/>
+                        <a:ea typeface="游ゴシック" panose="020B0400000000000000" pitchFamily="50" charset="-128"/>
+                      </a:endParaRPr>
+                    </a:p>
+                  </a:txBody>
+                  <a:tcPr marL="9525" marR="9525" marT="9525" marB="0" anchor="ctr"/>
+                </a:tc>
+                <a:tc>
+                  <a:txBody>
+                    <a:bodyPr/>
+                    <a:lstStyle/>
+                    <a:p>
+                      <a:pPr algn="ctr" fontAlgn="ctr"/>
+                      <a:r>
+                        <a:rPr lang="ja-JP" altLang="en-US" sz="2000" u="none" strike="noStrike">
+                          <a:effectLst/>
+                        </a:rPr>
+                        <a:t>〇</a:t>
+                      </a:r>
+                      <a:endParaRPr lang="ja-JP" altLang="en-US" sz="2000" b="0" i="0" u="none" strike="noStrike">
+                        <a:solidFill>
+                          <a:srgbClr val="000000"/>
+                        </a:solidFill>
+                        <a:effectLst/>
+                        <a:latin typeface="游ゴシック" panose="020B0400000000000000" pitchFamily="50" charset="-128"/>
+                        <a:ea typeface="游ゴシック" panose="020B0400000000000000" pitchFamily="50" charset="-128"/>
+                      </a:endParaRPr>
+                    </a:p>
+                  </a:txBody>
+                  <a:tcPr marL="9525" marR="9525" marT="9525" marB="0" anchor="ctr"/>
+                </a:tc>
+                <a:tc>
+                  <a:txBody>
+                    <a:bodyPr/>
+                    <a:lstStyle/>
+                    <a:p>
+                      <a:pPr algn="ctr" fontAlgn="ctr"/>
+                      <a:r>
+                        <a:rPr lang="ja-JP" altLang="en-US" sz="2000" u="none" strike="noStrike">
+                          <a:effectLst/>
+                        </a:rPr>
+                        <a:t>〇</a:t>
+                      </a:r>
+                      <a:endParaRPr lang="ja-JP" altLang="en-US" sz="2000" b="0" i="0" u="none" strike="noStrike">
+                        <a:solidFill>
+                          <a:srgbClr val="000000"/>
+                        </a:solidFill>
+                        <a:effectLst/>
+                        <a:latin typeface="游ゴシック" panose="020B0400000000000000" pitchFamily="50" charset="-128"/>
+                        <a:ea typeface="游ゴシック" panose="020B0400000000000000" pitchFamily="50" charset="-128"/>
+                      </a:endParaRPr>
+                    </a:p>
+                  </a:txBody>
+                  <a:tcPr marL="9525" marR="9525" marT="9525" marB="0" anchor="ctr"/>
+                </a:tc>
+                <a:tc>
+                  <a:txBody>
+                    <a:bodyPr/>
+                    <a:lstStyle/>
+                    <a:p>
+                      <a:pPr algn="ctr" fontAlgn="ctr"/>
+                      <a:r>
+                        <a:rPr lang="ja-JP" altLang="en-US" sz="2000" u="none" strike="noStrike">
+                          <a:effectLst/>
+                        </a:rPr>
+                        <a:t>〇</a:t>
+                      </a:r>
+                      <a:endParaRPr lang="ja-JP" altLang="en-US" sz="2000" b="0" i="0" u="none" strike="noStrike">
+                        <a:solidFill>
+                          <a:srgbClr val="000000"/>
+                        </a:solidFill>
+                        <a:effectLst/>
+                        <a:latin typeface="游ゴシック" panose="020B0400000000000000" pitchFamily="50" charset="-128"/>
+                        <a:ea typeface="游ゴシック" panose="020B0400000000000000" pitchFamily="50" charset="-128"/>
+                      </a:endParaRPr>
+                    </a:p>
+                  </a:txBody>
+                  <a:tcPr marL="9525" marR="9525" marT="9525" marB="0" anchor="ctr"/>
+                </a:tc>
+                <a:tc>
+                  <a:txBody>
+                    <a:bodyPr/>
+                    <a:lstStyle/>
+                    <a:p>
+                      <a:pPr algn="ctr" fontAlgn="ctr"/>
+                      <a:r>
+                        <a:rPr lang="ja-JP" altLang="en-US" sz="2000" u="none" strike="noStrike">
+                          <a:effectLst/>
+                        </a:rPr>
+                        <a:t>〇</a:t>
+                      </a:r>
+                      <a:endParaRPr lang="ja-JP" altLang="en-US" sz="2000" b="0" i="0" u="none" strike="noStrike">
+                        <a:solidFill>
+                          <a:srgbClr val="000000"/>
+                        </a:solidFill>
+                        <a:effectLst/>
+                        <a:latin typeface="游ゴシック" panose="020B0400000000000000" pitchFamily="50" charset="-128"/>
+                        <a:ea typeface="游ゴシック" panose="020B0400000000000000" pitchFamily="50" charset="-128"/>
+                      </a:endParaRPr>
+                    </a:p>
+                  </a:txBody>
+                  <a:tcPr marL="9525" marR="9525" marT="9525" marB="0" anchor="ctr"/>
+                </a:tc>
+                <a:tc>
+                  <a:txBody>
+                    <a:bodyPr/>
+                    <a:lstStyle/>
+                    <a:p>
+                      <a:pPr algn="ctr" fontAlgn="ctr"/>
+                      <a:r>
+                        <a:rPr lang="ja-JP" altLang="en-US" sz="2000" u="none" strike="noStrike" dirty="0">
+                          <a:effectLst/>
+                        </a:rPr>
+                        <a:t>〇</a:t>
+                      </a:r>
+                      <a:endParaRPr lang="ja-JP" altLang="en-US" sz="2000" b="0" i="0" u="none" strike="noStrike" dirty="0">
+                        <a:solidFill>
+                          <a:srgbClr val="000000"/>
+                        </a:solidFill>
+                        <a:effectLst/>
+                        <a:latin typeface="游ゴシック" panose="020B0400000000000000" pitchFamily="50" charset="-128"/>
+                        <a:ea typeface="游ゴシック" panose="020B0400000000000000" pitchFamily="50" charset="-128"/>
+                      </a:endParaRPr>
+                    </a:p>
+                  </a:txBody>
+                  <a:tcPr marL="9525" marR="9525" marT="9525" marB="0" anchor="ctr"/>
+                </a:tc>
+                <a:tc>
+                  <a:txBody>
+                    <a:bodyPr/>
+                    <a:lstStyle/>
+                    <a:p>
+                      <a:pPr algn="ctr" fontAlgn="ctr"/>
+                      <a:r>
+                        <a:rPr lang="ja-JP" altLang="en-US" sz="2000" u="none" strike="noStrike" dirty="0">
+                          <a:effectLst/>
+                        </a:rPr>
+                        <a:t>〇</a:t>
+                      </a:r>
+                      <a:endParaRPr lang="ja-JP" altLang="en-US" sz="2000" b="0" i="0" u="none" strike="noStrike" dirty="0">
+                        <a:solidFill>
+                          <a:srgbClr val="000000"/>
+                        </a:solidFill>
+                        <a:effectLst/>
+                        <a:latin typeface="游ゴシック" panose="020B0400000000000000" pitchFamily="50" charset="-128"/>
+                        <a:ea typeface="游ゴシック" panose="020B0400000000000000" pitchFamily="50" charset="-128"/>
+                      </a:endParaRPr>
+                    </a:p>
+                  </a:txBody>
+                  <a:tcPr marL="9525" marR="9525" marT="9525" marB="0" anchor="ctr"/>
+                </a:tc>
+                <a:tc>
+                  <a:txBody>
+                    <a:bodyPr/>
+                    <a:lstStyle/>
+                    <a:p>
+                      <a:pPr algn="ctr" fontAlgn="ctr"/>
+                      <a:r>
+                        <a:rPr lang="ja-JP" altLang="en-US" sz="2000" u="none" strike="noStrike">
+                          <a:effectLst/>
+                        </a:rPr>
+                        <a:t>〇</a:t>
+                      </a:r>
+                      <a:endParaRPr lang="ja-JP" altLang="en-US" sz="2000" b="0" i="0" u="none" strike="noStrike">
+                        <a:solidFill>
+                          <a:srgbClr val="000000"/>
+                        </a:solidFill>
+                        <a:effectLst/>
+                        <a:latin typeface="游ゴシック" panose="020B0400000000000000" pitchFamily="50" charset="-128"/>
+                        <a:ea typeface="游ゴシック" panose="020B0400000000000000" pitchFamily="50" charset="-128"/>
+                      </a:endParaRPr>
+                    </a:p>
+                  </a:txBody>
+                  <a:tcPr marL="9525" marR="9525" marT="9525" marB="0" anchor="ctr"/>
+                </a:tc>
+                <a:tc>
+                  <a:txBody>
+                    <a:bodyPr/>
+                    <a:lstStyle/>
+                    <a:p>
+                      <a:pPr algn="ctr" fontAlgn="ctr"/>
+                      <a:r>
+                        <a:rPr lang="ja-JP" altLang="en-US" sz="2000" u="none" strike="noStrike">
+                          <a:effectLst/>
+                        </a:rPr>
+                        <a:t>〇</a:t>
+                      </a:r>
+                      <a:endParaRPr lang="ja-JP" altLang="en-US" sz="2000" b="0" i="0" u="none" strike="noStrike">
+                        <a:solidFill>
+                          <a:srgbClr val="000000"/>
+                        </a:solidFill>
+                        <a:effectLst/>
+                        <a:latin typeface="游ゴシック" panose="020B0400000000000000" pitchFamily="50" charset="-128"/>
+                        <a:ea typeface="游ゴシック" panose="020B0400000000000000" pitchFamily="50" charset="-128"/>
+                      </a:endParaRPr>
+                    </a:p>
+                  </a:txBody>
+                  <a:tcPr marL="9525" marR="9525" marT="9525" marB="0" anchor="ctr"/>
+                </a:tc>
+                <a:tc>
+                  <a:txBody>
+                    <a:bodyPr/>
+                    <a:lstStyle/>
+                    <a:p>
+                      <a:pPr algn="ctr" fontAlgn="ctr"/>
+                      <a:r>
+                        <a:rPr lang="ja-JP" altLang="en-US" sz="2000" u="none" strike="noStrike">
+                          <a:effectLst/>
+                        </a:rPr>
+                        <a:t>〇</a:t>
+                      </a:r>
+                      <a:endParaRPr lang="ja-JP" altLang="en-US" sz="2000" b="0" i="0" u="none" strike="noStrike">
+                        <a:solidFill>
+                          <a:srgbClr val="000000"/>
+                        </a:solidFill>
+                        <a:effectLst/>
+                        <a:latin typeface="游ゴシック" panose="020B0400000000000000" pitchFamily="50" charset="-128"/>
+                        <a:ea typeface="游ゴシック" panose="020B0400000000000000" pitchFamily="50" charset="-128"/>
+                      </a:endParaRPr>
+                    </a:p>
+                  </a:txBody>
+                  <a:tcPr marL="9525" marR="9525" marT="9525" marB="0" anchor="ctr"/>
+                </a:tc>
+                <a:tc>
+                  <a:txBody>
+                    <a:bodyPr/>
+                    <a:lstStyle/>
+                    <a:p>
+                      <a:pPr algn="ctr" fontAlgn="ctr"/>
+                      <a:r>
+                        <a:rPr lang="ja-JP" altLang="en-US" sz="2000" u="none" strike="noStrike" dirty="0">
+                          <a:effectLst/>
+                        </a:rPr>
+                        <a:t>〇</a:t>
+                      </a:r>
+                      <a:endParaRPr lang="ja-JP" altLang="en-US" sz="2000" b="0" i="0" u="none" strike="noStrike" dirty="0">
+                        <a:solidFill>
+                          <a:srgbClr val="000000"/>
+                        </a:solidFill>
+                        <a:effectLst/>
+                        <a:latin typeface="游ゴシック" panose="020B0400000000000000" pitchFamily="50" charset="-128"/>
+                        <a:ea typeface="游ゴシック" panose="020B0400000000000000" pitchFamily="50" charset="-128"/>
+                      </a:endParaRPr>
+                    </a:p>
+                  </a:txBody>
+                  <a:tcPr marL="9525" marR="9525" marT="9525" marB="0" anchor="ctr"/>
+                </a:tc>
+                <a:extLst>
+                  <a:ext uri="{0D108BD9-81ED-4DB2-BD59-A6C34878D82A}">
+                    <a16:rowId xmlns:a16="http://schemas.microsoft.com/office/drawing/2014/main" val="1676235741"/>
+                  </a:ext>
+                </a:extLst>
+              </a:tr>
+              <a:tr h="365250">
+                <a:tc>
+                  <a:txBody>
+                    <a:bodyPr/>
+                    <a:lstStyle/>
+                    <a:p>
+                      <a:pPr algn="ctr" fontAlgn="ctr"/>
+                      <a:r>
+                        <a:rPr lang="ja-JP" altLang="en-US" sz="2000" u="none" strike="noStrike">
+                          <a:effectLst/>
+                        </a:rPr>
+                        <a:t>所沢</a:t>
+                      </a:r>
+                      <a:endParaRPr lang="ja-JP" altLang="en-US" sz="2000" b="0" i="0" u="none" strike="noStrike">
+                        <a:solidFill>
+                          <a:srgbClr val="000000"/>
+                        </a:solidFill>
+                        <a:effectLst/>
+                        <a:latin typeface="游ゴシック" panose="020B0400000000000000" pitchFamily="50" charset="-128"/>
+                        <a:ea typeface="游ゴシック" panose="020B0400000000000000" pitchFamily="50" charset="-128"/>
+                      </a:endParaRPr>
+                    </a:p>
+                  </a:txBody>
+                  <a:tcPr marL="9525" marR="9525" marT="9525" marB="0" anchor="ctr"/>
+                </a:tc>
+                <a:tc>
+                  <a:txBody>
+                    <a:bodyPr/>
+                    <a:lstStyle/>
+                    <a:p>
+                      <a:pPr algn="ctr" fontAlgn="ctr"/>
+                      <a:r>
+                        <a:rPr lang="ja-JP" altLang="en-US" sz="2000" u="none" strike="noStrike">
+                          <a:effectLst/>
+                        </a:rPr>
+                        <a:t>〇</a:t>
+                      </a:r>
+                      <a:endParaRPr lang="ja-JP" altLang="en-US" sz="2000" b="0" i="0" u="none" strike="noStrike">
+                        <a:solidFill>
+                          <a:srgbClr val="000000"/>
+                        </a:solidFill>
+                        <a:effectLst/>
+                        <a:latin typeface="游ゴシック" panose="020B0400000000000000" pitchFamily="50" charset="-128"/>
+                        <a:ea typeface="游ゴシック" panose="020B0400000000000000" pitchFamily="50" charset="-128"/>
+                      </a:endParaRPr>
+                    </a:p>
+                  </a:txBody>
+                  <a:tcPr marL="9525" marR="9525" marT="9525" marB="0" anchor="ctr"/>
+                </a:tc>
+                <a:tc>
+                  <a:txBody>
+                    <a:bodyPr/>
+                    <a:lstStyle/>
+                    <a:p>
+                      <a:pPr algn="ctr" fontAlgn="ctr"/>
+                      <a:r>
+                        <a:rPr lang="ja-JP" altLang="en-US" sz="2000" u="none" strike="noStrike">
+                          <a:effectLst/>
+                        </a:rPr>
+                        <a:t>☓</a:t>
+                      </a:r>
+                      <a:endParaRPr lang="ja-JP" altLang="en-US" sz="2000" b="0" i="0" u="none" strike="noStrike">
+                        <a:solidFill>
+                          <a:srgbClr val="000000"/>
+                        </a:solidFill>
+                        <a:effectLst/>
+                        <a:latin typeface="游ゴシック" panose="020B0400000000000000" pitchFamily="50" charset="-128"/>
+                        <a:ea typeface="游ゴシック" panose="020B0400000000000000" pitchFamily="50" charset="-128"/>
+                      </a:endParaRPr>
+                    </a:p>
+                  </a:txBody>
+                  <a:tcPr marL="9525" marR="9525" marT="9525" marB="0" anchor="ctr"/>
+                </a:tc>
+                <a:tc>
+                  <a:txBody>
+                    <a:bodyPr/>
+                    <a:lstStyle/>
+                    <a:p>
+                      <a:pPr algn="ctr" fontAlgn="ctr"/>
+                      <a:r>
+                        <a:rPr lang="ja-JP" altLang="en-US" sz="2000" u="none" strike="noStrike">
+                          <a:effectLst/>
+                        </a:rPr>
+                        <a:t>〇</a:t>
+                      </a:r>
+                      <a:endParaRPr lang="ja-JP" altLang="en-US" sz="2000" b="0" i="0" u="none" strike="noStrike">
+                        <a:solidFill>
+                          <a:srgbClr val="000000"/>
+                        </a:solidFill>
+                        <a:effectLst/>
+                        <a:latin typeface="游ゴシック" panose="020B0400000000000000" pitchFamily="50" charset="-128"/>
+                        <a:ea typeface="游ゴシック" panose="020B0400000000000000" pitchFamily="50" charset="-128"/>
+                      </a:endParaRPr>
+                    </a:p>
+                  </a:txBody>
+                  <a:tcPr marL="9525" marR="9525" marT="9525" marB="0" anchor="ctr"/>
+                </a:tc>
+                <a:tc>
+                  <a:txBody>
+                    <a:bodyPr/>
+                    <a:lstStyle/>
+                    <a:p>
+                      <a:pPr algn="ctr" fontAlgn="ctr"/>
+                      <a:r>
+                        <a:rPr lang="ja-JP" altLang="en-US" sz="2000" u="none" strike="noStrike">
+                          <a:effectLst/>
+                        </a:rPr>
+                        <a:t>〇</a:t>
+                      </a:r>
+                      <a:endParaRPr lang="ja-JP" altLang="en-US" sz="2000" b="0" i="0" u="none" strike="noStrike">
+                        <a:solidFill>
+                          <a:srgbClr val="000000"/>
+                        </a:solidFill>
+                        <a:effectLst/>
+                        <a:latin typeface="游ゴシック" panose="020B0400000000000000" pitchFamily="50" charset="-128"/>
+                        <a:ea typeface="游ゴシック" panose="020B0400000000000000" pitchFamily="50" charset="-128"/>
+                      </a:endParaRPr>
+                    </a:p>
+                  </a:txBody>
+                  <a:tcPr marL="9525" marR="9525" marT="9525" marB="0" anchor="ctr"/>
+                </a:tc>
+                <a:tc>
+                  <a:txBody>
+                    <a:bodyPr/>
+                    <a:lstStyle/>
+                    <a:p>
+                      <a:pPr algn="ctr" fontAlgn="ctr"/>
+                      <a:r>
+                        <a:rPr lang="ja-JP" altLang="en-US" sz="2000" u="none" strike="noStrike">
+                          <a:effectLst/>
+                        </a:rPr>
+                        <a:t>〇</a:t>
+                      </a:r>
+                      <a:endParaRPr lang="ja-JP" altLang="en-US" sz="2000" b="0" i="0" u="none" strike="noStrike">
+                        <a:solidFill>
+                          <a:srgbClr val="000000"/>
+                        </a:solidFill>
+                        <a:effectLst/>
+                        <a:latin typeface="游ゴシック" panose="020B0400000000000000" pitchFamily="50" charset="-128"/>
+                        <a:ea typeface="游ゴシック" panose="020B0400000000000000" pitchFamily="50" charset="-128"/>
+                      </a:endParaRPr>
+                    </a:p>
+                  </a:txBody>
+                  <a:tcPr marL="9525" marR="9525" marT="9525" marB="0" anchor="ctr"/>
+                </a:tc>
+                <a:tc>
+                  <a:txBody>
+                    <a:bodyPr/>
+                    <a:lstStyle/>
+                    <a:p>
+                      <a:pPr algn="ctr" fontAlgn="ctr"/>
+                      <a:r>
+                        <a:rPr lang="ja-JP" altLang="en-US" sz="2000" u="none" strike="noStrike">
+                          <a:effectLst/>
+                        </a:rPr>
+                        <a:t>〇</a:t>
+                      </a:r>
+                      <a:endParaRPr lang="ja-JP" altLang="en-US" sz="2000" b="0" i="0" u="none" strike="noStrike">
+                        <a:solidFill>
+                          <a:srgbClr val="000000"/>
+                        </a:solidFill>
+                        <a:effectLst/>
+                        <a:latin typeface="游ゴシック" panose="020B0400000000000000" pitchFamily="50" charset="-128"/>
+                        <a:ea typeface="游ゴシック" panose="020B0400000000000000" pitchFamily="50" charset="-128"/>
+                      </a:endParaRPr>
+                    </a:p>
+                  </a:txBody>
+                  <a:tcPr marL="9525" marR="9525" marT="9525" marB="0" anchor="ctr"/>
+                </a:tc>
+                <a:tc>
+                  <a:txBody>
+                    <a:bodyPr/>
+                    <a:lstStyle/>
+                    <a:p>
+                      <a:pPr algn="ctr" fontAlgn="ctr"/>
+                      <a:r>
+                        <a:rPr lang="ja-JP" altLang="en-US" sz="2000" u="none" strike="noStrike">
+                          <a:effectLst/>
+                        </a:rPr>
+                        <a:t>〇</a:t>
+                      </a:r>
+                      <a:endParaRPr lang="ja-JP" altLang="en-US" sz="2000" b="0" i="0" u="none" strike="noStrike">
+                        <a:solidFill>
+                          <a:srgbClr val="000000"/>
+                        </a:solidFill>
+                        <a:effectLst/>
+                        <a:latin typeface="游ゴシック" panose="020B0400000000000000" pitchFamily="50" charset="-128"/>
+                        <a:ea typeface="游ゴシック" panose="020B0400000000000000" pitchFamily="50" charset="-128"/>
+                      </a:endParaRPr>
+                    </a:p>
+                  </a:txBody>
+                  <a:tcPr marL="9525" marR="9525" marT="9525" marB="0" anchor="ctr"/>
+                </a:tc>
+                <a:tc>
+                  <a:txBody>
+                    <a:bodyPr/>
+                    <a:lstStyle/>
+                    <a:p>
+                      <a:pPr algn="ctr" fontAlgn="ctr"/>
+                      <a:r>
+                        <a:rPr lang="ja-JP" altLang="en-US" sz="2000" u="none" strike="noStrike">
+                          <a:effectLst/>
+                        </a:rPr>
+                        <a:t>〇</a:t>
+                      </a:r>
+                      <a:endParaRPr lang="ja-JP" altLang="en-US" sz="2000" b="0" i="0" u="none" strike="noStrike">
+                        <a:solidFill>
+                          <a:srgbClr val="000000"/>
+                        </a:solidFill>
+                        <a:effectLst/>
+                        <a:latin typeface="游ゴシック" panose="020B0400000000000000" pitchFamily="50" charset="-128"/>
+                        <a:ea typeface="游ゴシック" panose="020B0400000000000000" pitchFamily="50" charset="-128"/>
+                      </a:endParaRPr>
+                    </a:p>
+                  </a:txBody>
+                  <a:tcPr marL="9525" marR="9525" marT="9525" marB="0" anchor="ctr"/>
+                </a:tc>
+                <a:tc>
+                  <a:txBody>
+                    <a:bodyPr/>
+                    <a:lstStyle/>
+                    <a:p>
+                      <a:pPr algn="ctr" fontAlgn="ctr"/>
+                      <a:r>
+                        <a:rPr lang="ja-JP" altLang="en-US" sz="2000" u="none" strike="noStrike">
+                          <a:effectLst/>
+                        </a:rPr>
+                        <a:t>〇</a:t>
+                      </a:r>
+                      <a:endParaRPr lang="ja-JP" altLang="en-US" sz="2000" b="0" i="0" u="none" strike="noStrike">
+                        <a:solidFill>
+                          <a:srgbClr val="000000"/>
+                        </a:solidFill>
+                        <a:effectLst/>
+                        <a:latin typeface="游ゴシック" panose="020B0400000000000000" pitchFamily="50" charset="-128"/>
+                        <a:ea typeface="游ゴシック" panose="020B0400000000000000" pitchFamily="50" charset="-128"/>
+                      </a:endParaRPr>
+                    </a:p>
+                  </a:txBody>
+                  <a:tcPr marL="9525" marR="9525" marT="9525" marB="0" anchor="ctr"/>
+                </a:tc>
+                <a:tc>
+                  <a:txBody>
+                    <a:bodyPr/>
+                    <a:lstStyle/>
+                    <a:p>
+                      <a:pPr algn="ctr" fontAlgn="ctr"/>
+                      <a:r>
+                        <a:rPr lang="ja-JP" altLang="en-US" sz="2000" u="none" strike="noStrike" dirty="0">
+                          <a:effectLst/>
+                        </a:rPr>
+                        <a:t>〇</a:t>
+                      </a:r>
+                      <a:endParaRPr lang="ja-JP" altLang="en-US" sz="2000" b="0" i="0" u="none" strike="noStrike" dirty="0">
+                        <a:solidFill>
+                          <a:srgbClr val="000000"/>
+                        </a:solidFill>
+                        <a:effectLst/>
+                        <a:latin typeface="游ゴシック" panose="020B0400000000000000" pitchFamily="50" charset="-128"/>
+                        <a:ea typeface="游ゴシック" panose="020B0400000000000000" pitchFamily="50" charset="-128"/>
+                      </a:endParaRPr>
+                    </a:p>
+                  </a:txBody>
+                  <a:tcPr marL="9525" marR="9525" marT="9525" marB="0" anchor="ctr"/>
+                </a:tc>
+                <a:tc>
+                  <a:txBody>
+                    <a:bodyPr/>
+                    <a:lstStyle/>
+                    <a:p>
+                      <a:pPr algn="ctr" fontAlgn="ctr"/>
+                      <a:r>
+                        <a:rPr lang="ja-JP" altLang="en-US" sz="2000" u="none" strike="noStrike" dirty="0">
+                          <a:effectLst/>
+                        </a:rPr>
+                        <a:t>〇</a:t>
+                      </a:r>
+                      <a:endParaRPr lang="ja-JP" altLang="en-US" sz="2000" b="0" i="0" u="none" strike="noStrike" dirty="0">
+                        <a:solidFill>
+                          <a:srgbClr val="000000"/>
+                        </a:solidFill>
+                        <a:effectLst/>
+                        <a:latin typeface="游ゴシック" panose="020B0400000000000000" pitchFamily="50" charset="-128"/>
+                        <a:ea typeface="游ゴシック" panose="020B0400000000000000" pitchFamily="50" charset="-128"/>
+                      </a:endParaRPr>
+                    </a:p>
+                  </a:txBody>
+                  <a:tcPr marL="9525" marR="9525" marT="9525" marB="0" anchor="ctr"/>
+                </a:tc>
+                <a:tc>
+                  <a:txBody>
+                    <a:bodyPr/>
+                    <a:lstStyle/>
+                    <a:p>
+                      <a:pPr algn="ctr" fontAlgn="ctr"/>
+                      <a:r>
+                        <a:rPr lang="ja-JP" altLang="en-US" sz="2000" u="none" strike="noStrike">
+                          <a:effectLst/>
+                        </a:rPr>
+                        <a:t>〇</a:t>
+                      </a:r>
+                      <a:endParaRPr lang="ja-JP" altLang="en-US" sz="2000" b="0" i="0" u="none" strike="noStrike">
+                        <a:solidFill>
+                          <a:srgbClr val="000000"/>
+                        </a:solidFill>
+                        <a:effectLst/>
+                        <a:latin typeface="游ゴシック" panose="020B0400000000000000" pitchFamily="50" charset="-128"/>
+                        <a:ea typeface="游ゴシック" panose="020B0400000000000000" pitchFamily="50" charset="-128"/>
+                      </a:endParaRPr>
+                    </a:p>
+                  </a:txBody>
+                  <a:tcPr marL="9525" marR="9525" marT="9525" marB="0" anchor="ctr"/>
+                </a:tc>
+                <a:tc>
+                  <a:txBody>
+                    <a:bodyPr/>
+                    <a:lstStyle/>
+                    <a:p>
+                      <a:pPr algn="ctr" fontAlgn="ctr"/>
+                      <a:r>
+                        <a:rPr lang="ja-JP" altLang="en-US" sz="2000" u="none" strike="noStrike">
+                          <a:effectLst/>
+                        </a:rPr>
+                        <a:t>〇</a:t>
+                      </a:r>
+                      <a:endParaRPr lang="ja-JP" altLang="en-US" sz="2000" b="0" i="0" u="none" strike="noStrike">
+                        <a:solidFill>
+                          <a:srgbClr val="000000"/>
+                        </a:solidFill>
+                        <a:effectLst/>
+                        <a:latin typeface="游ゴシック" panose="020B0400000000000000" pitchFamily="50" charset="-128"/>
+                        <a:ea typeface="游ゴシック" panose="020B0400000000000000" pitchFamily="50" charset="-128"/>
+                      </a:endParaRPr>
+                    </a:p>
+                  </a:txBody>
+                  <a:tcPr marL="9525" marR="9525" marT="9525" marB="0" anchor="ctr"/>
+                </a:tc>
+                <a:tc>
+                  <a:txBody>
+                    <a:bodyPr/>
+                    <a:lstStyle/>
+                    <a:p>
+                      <a:pPr algn="ctr" fontAlgn="ctr"/>
+                      <a:r>
+                        <a:rPr lang="ja-JP" altLang="en-US" sz="2000" u="none" strike="noStrike">
+                          <a:effectLst/>
+                        </a:rPr>
+                        <a:t>〇</a:t>
+                      </a:r>
+                      <a:endParaRPr lang="ja-JP" altLang="en-US" sz="2000" b="0" i="0" u="none" strike="noStrike">
+                        <a:solidFill>
+                          <a:srgbClr val="000000"/>
+                        </a:solidFill>
+                        <a:effectLst/>
+                        <a:latin typeface="游ゴシック" panose="020B0400000000000000" pitchFamily="50" charset="-128"/>
+                        <a:ea typeface="游ゴシック" panose="020B0400000000000000" pitchFamily="50" charset="-128"/>
+                      </a:endParaRPr>
+                    </a:p>
+                  </a:txBody>
+                  <a:tcPr marL="9525" marR="9525" marT="9525" marB="0" anchor="ctr"/>
+                </a:tc>
+                <a:extLst>
+                  <a:ext uri="{0D108BD9-81ED-4DB2-BD59-A6C34878D82A}">
+                    <a16:rowId xmlns:a16="http://schemas.microsoft.com/office/drawing/2014/main" val="2941119049"/>
+                  </a:ext>
+                </a:extLst>
+              </a:tr>
+              <a:tr h="365250">
+                <a:tc>
+                  <a:txBody>
+                    <a:bodyPr/>
+                    <a:lstStyle/>
+                    <a:p>
+                      <a:pPr algn="ctr" fontAlgn="ctr"/>
+                      <a:r>
+                        <a:rPr lang="ja-JP" altLang="en-US" sz="2000" u="none" strike="noStrike">
+                          <a:effectLst/>
+                        </a:rPr>
+                        <a:t>草加</a:t>
+                      </a:r>
+                      <a:endParaRPr lang="ja-JP" altLang="en-US" sz="2000" b="0" i="0" u="none" strike="noStrike">
+                        <a:solidFill>
+                          <a:srgbClr val="000000"/>
+                        </a:solidFill>
+                        <a:effectLst/>
+                        <a:latin typeface="游ゴシック" panose="020B0400000000000000" pitchFamily="50" charset="-128"/>
+                        <a:ea typeface="游ゴシック" panose="020B0400000000000000" pitchFamily="50" charset="-128"/>
+                      </a:endParaRPr>
+                    </a:p>
+                  </a:txBody>
+                  <a:tcPr marL="9525" marR="9525" marT="9525" marB="0" anchor="ctr"/>
+                </a:tc>
+                <a:tc>
+                  <a:txBody>
+                    <a:bodyPr/>
+                    <a:lstStyle/>
+                    <a:p>
+                      <a:pPr algn="ctr" fontAlgn="ctr"/>
+                      <a:r>
+                        <a:rPr lang="ja-JP" altLang="en-US" sz="2000" u="none" strike="noStrike">
+                          <a:effectLst/>
+                        </a:rPr>
+                        <a:t>〇</a:t>
+                      </a:r>
+                      <a:endParaRPr lang="ja-JP" altLang="en-US" sz="2000" b="0" i="0" u="none" strike="noStrike">
+                        <a:solidFill>
+                          <a:srgbClr val="000000"/>
+                        </a:solidFill>
+                        <a:effectLst/>
+                        <a:latin typeface="游ゴシック" panose="020B0400000000000000" pitchFamily="50" charset="-128"/>
+                        <a:ea typeface="游ゴシック" panose="020B0400000000000000" pitchFamily="50" charset="-128"/>
+                      </a:endParaRPr>
+                    </a:p>
+                  </a:txBody>
+                  <a:tcPr marL="9525" marR="9525" marT="9525" marB="0" anchor="ctr"/>
+                </a:tc>
+                <a:tc>
+                  <a:txBody>
+                    <a:bodyPr/>
+                    <a:lstStyle/>
+                    <a:p>
+                      <a:pPr algn="ctr" fontAlgn="ctr"/>
+                      <a:r>
+                        <a:rPr lang="ja-JP" altLang="en-US" sz="2000" u="none" strike="noStrike">
+                          <a:effectLst/>
+                        </a:rPr>
+                        <a:t>〇</a:t>
+                      </a:r>
+                      <a:endParaRPr lang="ja-JP" altLang="en-US" sz="2000" b="0" i="0" u="none" strike="noStrike">
+                        <a:solidFill>
+                          <a:srgbClr val="000000"/>
+                        </a:solidFill>
+                        <a:effectLst/>
+                        <a:latin typeface="游ゴシック" panose="020B0400000000000000" pitchFamily="50" charset="-128"/>
+                        <a:ea typeface="游ゴシック" panose="020B0400000000000000" pitchFamily="50" charset="-128"/>
+                      </a:endParaRPr>
+                    </a:p>
+                  </a:txBody>
+                  <a:tcPr marL="9525" marR="9525" marT="9525" marB="0" anchor="ctr"/>
+                </a:tc>
+                <a:tc>
+                  <a:txBody>
+                    <a:bodyPr/>
+                    <a:lstStyle/>
+                    <a:p>
+                      <a:pPr algn="ctr" fontAlgn="ctr"/>
+                      <a:r>
+                        <a:rPr lang="ja-JP" altLang="en-US" sz="2000" u="none" strike="noStrike">
+                          <a:effectLst/>
+                        </a:rPr>
+                        <a:t>〇</a:t>
+                      </a:r>
+                      <a:endParaRPr lang="ja-JP" altLang="en-US" sz="2000" b="0" i="0" u="none" strike="noStrike">
+                        <a:solidFill>
+                          <a:srgbClr val="000000"/>
+                        </a:solidFill>
+                        <a:effectLst/>
+                        <a:latin typeface="游ゴシック" panose="020B0400000000000000" pitchFamily="50" charset="-128"/>
+                        <a:ea typeface="游ゴシック" panose="020B0400000000000000" pitchFamily="50" charset="-128"/>
+                      </a:endParaRPr>
+                    </a:p>
+                  </a:txBody>
+                  <a:tcPr marL="9525" marR="9525" marT="9525" marB="0" anchor="ctr"/>
+                </a:tc>
+                <a:tc>
+                  <a:txBody>
+                    <a:bodyPr/>
+                    <a:lstStyle/>
+                    <a:p>
+                      <a:pPr algn="ctr" fontAlgn="ctr"/>
+                      <a:r>
+                        <a:rPr lang="ja-JP" altLang="en-US" sz="2000" u="none" strike="noStrike">
+                          <a:effectLst/>
+                        </a:rPr>
+                        <a:t>〇</a:t>
+                      </a:r>
+                      <a:endParaRPr lang="ja-JP" altLang="en-US" sz="2000" b="0" i="0" u="none" strike="noStrike">
+                        <a:solidFill>
+                          <a:srgbClr val="000000"/>
+                        </a:solidFill>
+                        <a:effectLst/>
+                        <a:latin typeface="游ゴシック" panose="020B0400000000000000" pitchFamily="50" charset="-128"/>
+                        <a:ea typeface="游ゴシック" panose="020B0400000000000000" pitchFamily="50" charset="-128"/>
+                      </a:endParaRPr>
+                    </a:p>
+                  </a:txBody>
+                  <a:tcPr marL="9525" marR="9525" marT="9525" marB="0" anchor="ctr"/>
+                </a:tc>
+                <a:tc>
+                  <a:txBody>
+                    <a:bodyPr/>
+                    <a:lstStyle/>
+                    <a:p>
+                      <a:pPr algn="ctr" fontAlgn="ctr"/>
+                      <a:r>
+                        <a:rPr lang="ja-JP" altLang="en-US" sz="2000" u="none" strike="noStrike">
+                          <a:effectLst/>
+                        </a:rPr>
+                        <a:t>〇</a:t>
+                      </a:r>
+                      <a:endParaRPr lang="ja-JP" altLang="en-US" sz="2000" b="0" i="0" u="none" strike="noStrike">
+                        <a:solidFill>
+                          <a:srgbClr val="000000"/>
+                        </a:solidFill>
+                        <a:effectLst/>
+                        <a:latin typeface="游ゴシック" panose="020B0400000000000000" pitchFamily="50" charset="-128"/>
+                        <a:ea typeface="游ゴシック" panose="020B0400000000000000" pitchFamily="50" charset="-128"/>
+                      </a:endParaRPr>
+                    </a:p>
+                  </a:txBody>
+                  <a:tcPr marL="9525" marR="9525" marT="9525" marB="0" anchor="ctr"/>
+                </a:tc>
+                <a:tc>
+                  <a:txBody>
+                    <a:bodyPr/>
+                    <a:lstStyle/>
+                    <a:p>
+                      <a:pPr algn="ctr" fontAlgn="ctr"/>
+                      <a:r>
+                        <a:rPr lang="ja-JP" altLang="en-US" sz="2000" u="none" strike="noStrike">
+                          <a:effectLst/>
+                        </a:rPr>
+                        <a:t>〇</a:t>
+                      </a:r>
+                      <a:endParaRPr lang="ja-JP" altLang="en-US" sz="2000" b="0" i="0" u="none" strike="noStrike">
+                        <a:solidFill>
+                          <a:srgbClr val="000000"/>
+                        </a:solidFill>
+                        <a:effectLst/>
+                        <a:latin typeface="游ゴシック" panose="020B0400000000000000" pitchFamily="50" charset="-128"/>
+                        <a:ea typeface="游ゴシック" panose="020B0400000000000000" pitchFamily="50" charset="-128"/>
+                      </a:endParaRPr>
+                    </a:p>
+                  </a:txBody>
+                  <a:tcPr marL="9525" marR="9525" marT="9525" marB="0" anchor="ctr"/>
+                </a:tc>
+                <a:tc>
+                  <a:txBody>
+                    <a:bodyPr/>
+                    <a:lstStyle/>
+                    <a:p>
+                      <a:pPr algn="ctr" fontAlgn="ctr"/>
+                      <a:r>
+                        <a:rPr lang="ja-JP" altLang="en-US" sz="2000" u="none" strike="noStrike">
+                          <a:effectLst/>
+                        </a:rPr>
+                        <a:t>〇</a:t>
+                      </a:r>
+                      <a:endParaRPr lang="ja-JP" altLang="en-US" sz="2000" b="0" i="0" u="none" strike="noStrike">
+                        <a:solidFill>
+                          <a:srgbClr val="000000"/>
+                        </a:solidFill>
+                        <a:effectLst/>
+                        <a:latin typeface="游ゴシック" panose="020B0400000000000000" pitchFamily="50" charset="-128"/>
+                        <a:ea typeface="游ゴシック" panose="020B0400000000000000" pitchFamily="50" charset="-128"/>
+                      </a:endParaRPr>
+                    </a:p>
+                  </a:txBody>
+                  <a:tcPr marL="9525" marR="9525" marT="9525" marB="0" anchor="ctr"/>
+                </a:tc>
+                <a:tc>
+                  <a:txBody>
+                    <a:bodyPr/>
+                    <a:lstStyle/>
+                    <a:p>
+                      <a:pPr algn="ctr" fontAlgn="ctr"/>
+                      <a:r>
+                        <a:rPr lang="ja-JP" altLang="en-US" sz="2000" u="none" strike="noStrike">
+                          <a:effectLst/>
+                        </a:rPr>
+                        <a:t>☓</a:t>
+                      </a:r>
+                      <a:endParaRPr lang="ja-JP" altLang="en-US" sz="2000" b="0" i="0" u="none" strike="noStrike">
+                        <a:solidFill>
+                          <a:srgbClr val="000000"/>
+                        </a:solidFill>
+                        <a:effectLst/>
+                        <a:latin typeface="游ゴシック" panose="020B0400000000000000" pitchFamily="50" charset="-128"/>
+                        <a:ea typeface="游ゴシック" panose="020B0400000000000000" pitchFamily="50" charset="-128"/>
+                      </a:endParaRPr>
+                    </a:p>
+                  </a:txBody>
+                  <a:tcPr marL="9525" marR="9525" marT="9525" marB="0" anchor="ctr"/>
+                </a:tc>
+                <a:tc>
+                  <a:txBody>
+                    <a:bodyPr/>
+                    <a:lstStyle/>
+                    <a:p>
+                      <a:pPr algn="ctr" fontAlgn="ctr"/>
+                      <a:r>
+                        <a:rPr lang="ja-JP" altLang="en-US" sz="2000" u="none" strike="noStrike">
+                          <a:effectLst/>
+                        </a:rPr>
+                        <a:t>〇</a:t>
+                      </a:r>
+                      <a:endParaRPr lang="ja-JP" altLang="en-US" sz="2000" b="0" i="0" u="none" strike="noStrike">
+                        <a:solidFill>
+                          <a:srgbClr val="000000"/>
+                        </a:solidFill>
+                        <a:effectLst/>
+                        <a:latin typeface="游ゴシック" panose="020B0400000000000000" pitchFamily="50" charset="-128"/>
+                        <a:ea typeface="游ゴシック" panose="020B0400000000000000" pitchFamily="50" charset="-128"/>
+                      </a:endParaRPr>
+                    </a:p>
+                  </a:txBody>
+                  <a:tcPr marL="9525" marR="9525" marT="9525" marB="0" anchor="ctr"/>
+                </a:tc>
+                <a:tc>
+                  <a:txBody>
+                    <a:bodyPr/>
+                    <a:lstStyle/>
+                    <a:p>
+                      <a:pPr algn="ctr" fontAlgn="ctr"/>
+                      <a:r>
+                        <a:rPr lang="ja-JP" altLang="en-US" sz="2000" u="none" strike="noStrike">
+                          <a:effectLst/>
+                        </a:rPr>
+                        <a:t>〇</a:t>
+                      </a:r>
+                      <a:endParaRPr lang="ja-JP" altLang="en-US" sz="2000" b="0" i="0" u="none" strike="noStrike">
+                        <a:solidFill>
+                          <a:srgbClr val="000000"/>
+                        </a:solidFill>
+                        <a:effectLst/>
+                        <a:latin typeface="游ゴシック" panose="020B0400000000000000" pitchFamily="50" charset="-128"/>
+                        <a:ea typeface="游ゴシック" panose="020B0400000000000000" pitchFamily="50" charset="-128"/>
+                      </a:endParaRPr>
+                    </a:p>
+                  </a:txBody>
+                  <a:tcPr marL="9525" marR="9525" marT="9525" marB="0" anchor="ctr"/>
+                </a:tc>
+                <a:tc>
+                  <a:txBody>
+                    <a:bodyPr/>
+                    <a:lstStyle/>
+                    <a:p>
+                      <a:pPr algn="ctr" fontAlgn="ctr"/>
+                      <a:r>
+                        <a:rPr lang="ja-JP" altLang="en-US" sz="2000" u="none" strike="noStrike">
+                          <a:effectLst/>
+                        </a:rPr>
+                        <a:t>〇</a:t>
+                      </a:r>
+                      <a:endParaRPr lang="ja-JP" altLang="en-US" sz="2000" b="0" i="0" u="none" strike="noStrike">
+                        <a:solidFill>
+                          <a:srgbClr val="000000"/>
+                        </a:solidFill>
+                        <a:effectLst/>
+                        <a:latin typeface="游ゴシック" panose="020B0400000000000000" pitchFamily="50" charset="-128"/>
+                        <a:ea typeface="游ゴシック" panose="020B0400000000000000" pitchFamily="50" charset="-128"/>
+                      </a:endParaRPr>
+                    </a:p>
+                  </a:txBody>
+                  <a:tcPr marL="9525" marR="9525" marT="9525" marB="0" anchor="ctr"/>
+                </a:tc>
+                <a:tc>
+                  <a:txBody>
+                    <a:bodyPr/>
+                    <a:lstStyle/>
+                    <a:p>
+                      <a:pPr algn="ctr" fontAlgn="ctr"/>
+                      <a:r>
+                        <a:rPr lang="ja-JP" altLang="en-US" sz="2000" u="none" strike="noStrike" dirty="0">
+                          <a:effectLst/>
+                        </a:rPr>
+                        <a:t>〇</a:t>
+                      </a:r>
+                      <a:endParaRPr lang="ja-JP" altLang="en-US" sz="2000" b="0" i="0" u="none" strike="noStrike" dirty="0">
+                        <a:solidFill>
+                          <a:srgbClr val="000000"/>
+                        </a:solidFill>
+                        <a:effectLst/>
+                        <a:latin typeface="游ゴシック" panose="020B0400000000000000" pitchFamily="50" charset="-128"/>
+                        <a:ea typeface="游ゴシック" panose="020B0400000000000000" pitchFamily="50" charset="-128"/>
+                      </a:endParaRPr>
+                    </a:p>
+                  </a:txBody>
+                  <a:tcPr marL="9525" marR="9525" marT="9525" marB="0" anchor="ctr"/>
+                </a:tc>
+                <a:tc>
+                  <a:txBody>
+                    <a:bodyPr/>
+                    <a:lstStyle/>
+                    <a:p>
+                      <a:pPr algn="ctr" fontAlgn="ctr"/>
+                      <a:r>
+                        <a:rPr lang="ja-JP" altLang="en-US" sz="2000" u="none" strike="noStrike">
+                          <a:effectLst/>
+                        </a:rPr>
+                        <a:t>〇</a:t>
+                      </a:r>
+                      <a:endParaRPr lang="ja-JP" altLang="en-US" sz="2000" b="0" i="0" u="none" strike="noStrike">
+                        <a:solidFill>
+                          <a:srgbClr val="000000"/>
+                        </a:solidFill>
+                        <a:effectLst/>
+                        <a:latin typeface="游ゴシック" panose="020B0400000000000000" pitchFamily="50" charset="-128"/>
+                        <a:ea typeface="游ゴシック" panose="020B0400000000000000" pitchFamily="50" charset="-128"/>
+                      </a:endParaRPr>
+                    </a:p>
+                  </a:txBody>
+                  <a:tcPr marL="9525" marR="9525" marT="9525" marB="0" anchor="ctr"/>
+                </a:tc>
+                <a:tc>
+                  <a:txBody>
+                    <a:bodyPr/>
+                    <a:lstStyle/>
+                    <a:p>
+                      <a:pPr algn="ctr" fontAlgn="ctr"/>
+                      <a:r>
+                        <a:rPr lang="ja-JP" altLang="en-US" sz="2000" u="none" strike="noStrike">
+                          <a:effectLst/>
+                        </a:rPr>
+                        <a:t>〇</a:t>
+                      </a:r>
+                      <a:endParaRPr lang="ja-JP" altLang="en-US" sz="2000" b="0" i="0" u="none" strike="noStrike">
+                        <a:solidFill>
+                          <a:srgbClr val="000000"/>
+                        </a:solidFill>
+                        <a:effectLst/>
+                        <a:latin typeface="游ゴシック" panose="020B0400000000000000" pitchFamily="50" charset="-128"/>
+                        <a:ea typeface="游ゴシック" panose="020B0400000000000000" pitchFamily="50" charset="-128"/>
+                      </a:endParaRPr>
+                    </a:p>
+                  </a:txBody>
+                  <a:tcPr marL="9525" marR="9525" marT="9525" marB="0" anchor="ctr"/>
+                </a:tc>
+                <a:extLst>
+                  <a:ext uri="{0D108BD9-81ED-4DB2-BD59-A6C34878D82A}">
+                    <a16:rowId xmlns:a16="http://schemas.microsoft.com/office/drawing/2014/main" val="2938283987"/>
+                  </a:ext>
+                </a:extLst>
+              </a:tr>
+              <a:tr h="365250">
+                <a:tc>
+                  <a:txBody>
+                    <a:bodyPr/>
+                    <a:lstStyle/>
+                    <a:p>
+                      <a:pPr algn="ctr" fontAlgn="ctr"/>
+                      <a:r>
+                        <a:rPr lang="ja-JP" altLang="en-US" sz="2000" u="none" strike="noStrike">
+                          <a:effectLst/>
+                        </a:rPr>
+                        <a:t>多摩市愛宕</a:t>
+                      </a:r>
+                      <a:endParaRPr lang="ja-JP" altLang="en-US" sz="2000" b="0" i="0" u="none" strike="noStrike">
+                        <a:solidFill>
+                          <a:srgbClr val="000000"/>
+                        </a:solidFill>
+                        <a:effectLst/>
+                        <a:latin typeface="游ゴシック" panose="020B0400000000000000" pitchFamily="50" charset="-128"/>
+                        <a:ea typeface="游ゴシック" panose="020B0400000000000000" pitchFamily="50" charset="-128"/>
+                      </a:endParaRPr>
+                    </a:p>
+                  </a:txBody>
+                  <a:tcPr marL="9525" marR="9525" marT="9525" marB="0" anchor="ctr"/>
+                </a:tc>
+                <a:tc>
+                  <a:txBody>
+                    <a:bodyPr/>
+                    <a:lstStyle/>
+                    <a:p>
+                      <a:pPr algn="ctr" fontAlgn="ctr"/>
+                      <a:r>
+                        <a:rPr lang="ja-JP" altLang="en-US" sz="2000" u="none" strike="noStrike">
+                          <a:effectLst/>
+                        </a:rPr>
+                        <a:t>〇</a:t>
+                      </a:r>
+                      <a:endParaRPr lang="ja-JP" altLang="en-US" sz="2000" b="0" i="0" u="none" strike="noStrike">
+                        <a:solidFill>
+                          <a:srgbClr val="000000"/>
+                        </a:solidFill>
+                        <a:effectLst/>
+                        <a:latin typeface="游ゴシック" panose="020B0400000000000000" pitchFamily="50" charset="-128"/>
+                        <a:ea typeface="游ゴシック" panose="020B0400000000000000" pitchFamily="50" charset="-128"/>
+                      </a:endParaRPr>
+                    </a:p>
+                  </a:txBody>
+                  <a:tcPr marL="9525" marR="9525" marT="9525" marB="0" anchor="ctr"/>
+                </a:tc>
+                <a:tc>
+                  <a:txBody>
+                    <a:bodyPr/>
+                    <a:lstStyle/>
+                    <a:p>
+                      <a:pPr algn="ctr" fontAlgn="ctr"/>
+                      <a:r>
+                        <a:rPr lang="ja-JP" altLang="en-US" sz="2000" u="none" strike="noStrike">
+                          <a:effectLst/>
+                        </a:rPr>
+                        <a:t>〇</a:t>
+                      </a:r>
+                      <a:endParaRPr lang="ja-JP" altLang="en-US" sz="2000" b="0" i="0" u="none" strike="noStrike">
+                        <a:solidFill>
+                          <a:srgbClr val="000000"/>
+                        </a:solidFill>
+                        <a:effectLst/>
+                        <a:latin typeface="游ゴシック" panose="020B0400000000000000" pitchFamily="50" charset="-128"/>
+                        <a:ea typeface="游ゴシック" panose="020B0400000000000000" pitchFamily="50" charset="-128"/>
+                      </a:endParaRPr>
+                    </a:p>
+                  </a:txBody>
+                  <a:tcPr marL="9525" marR="9525" marT="9525" marB="0" anchor="ctr"/>
+                </a:tc>
+                <a:tc>
+                  <a:txBody>
+                    <a:bodyPr/>
+                    <a:lstStyle/>
+                    <a:p>
+                      <a:pPr algn="ctr" fontAlgn="ctr"/>
+                      <a:r>
+                        <a:rPr lang="ja-JP" altLang="en-US" sz="2000" u="none" strike="noStrike">
+                          <a:effectLst/>
+                        </a:rPr>
+                        <a:t>〇</a:t>
+                      </a:r>
+                      <a:endParaRPr lang="ja-JP" altLang="en-US" sz="2000" b="0" i="0" u="none" strike="noStrike">
+                        <a:solidFill>
+                          <a:srgbClr val="000000"/>
+                        </a:solidFill>
+                        <a:effectLst/>
+                        <a:latin typeface="游ゴシック" panose="020B0400000000000000" pitchFamily="50" charset="-128"/>
+                        <a:ea typeface="游ゴシック" panose="020B0400000000000000" pitchFamily="50" charset="-128"/>
+                      </a:endParaRPr>
+                    </a:p>
+                  </a:txBody>
+                  <a:tcPr marL="9525" marR="9525" marT="9525" marB="0" anchor="ctr"/>
+                </a:tc>
+                <a:tc>
+                  <a:txBody>
+                    <a:bodyPr/>
+                    <a:lstStyle/>
+                    <a:p>
+                      <a:pPr algn="ctr" fontAlgn="ctr"/>
+                      <a:r>
+                        <a:rPr lang="ja-JP" altLang="en-US" sz="2000" u="none" strike="noStrike">
+                          <a:effectLst/>
+                        </a:rPr>
+                        <a:t>〇</a:t>
+                      </a:r>
+                      <a:endParaRPr lang="ja-JP" altLang="en-US" sz="2000" b="0" i="0" u="none" strike="noStrike">
+                        <a:solidFill>
+                          <a:srgbClr val="000000"/>
+                        </a:solidFill>
+                        <a:effectLst/>
+                        <a:latin typeface="游ゴシック" panose="020B0400000000000000" pitchFamily="50" charset="-128"/>
+                        <a:ea typeface="游ゴシック" panose="020B0400000000000000" pitchFamily="50" charset="-128"/>
+                      </a:endParaRPr>
+                    </a:p>
+                  </a:txBody>
+                  <a:tcPr marL="9525" marR="9525" marT="9525" marB="0" anchor="ctr"/>
+                </a:tc>
+                <a:tc>
+                  <a:txBody>
+                    <a:bodyPr/>
+                    <a:lstStyle/>
+                    <a:p>
+                      <a:pPr algn="ctr" fontAlgn="ctr"/>
+                      <a:r>
+                        <a:rPr lang="ja-JP" altLang="en-US" sz="2000" u="none" strike="noStrike">
+                          <a:effectLst/>
+                        </a:rPr>
+                        <a:t>〇</a:t>
+                      </a:r>
+                      <a:endParaRPr lang="ja-JP" altLang="en-US" sz="2000" b="0" i="0" u="none" strike="noStrike">
+                        <a:solidFill>
+                          <a:srgbClr val="000000"/>
+                        </a:solidFill>
+                        <a:effectLst/>
+                        <a:latin typeface="游ゴシック" panose="020B0400000000000000" pitchFamily="50" charset="-128"/>
+                        <a:ea typeface="游ゴシック" panose="020B0400000000000000" pitchFamily="50" charset="-128"/>
+                      </a:endParaRPr>
+                    </a:p>
+                  </a:txBody>
+                  <a:tcPr marL="9525" marR="9525" marT="9525" marB="0" anchor="ctr"/>
+                </a:tc>
+                <a:tc>
+                  <a:txBody>
+                    <a:bodyPr/>
+                    <a:lstStyle/>
+                    <a:p>
+                      <a:pPr algn="ctr" fontAlgn="ctr"/>
+                      <a:r>
+                        <a:rPr lang="ja-JP" altLang="en-US" sz="2000" u="none" strike="noStrike">
+                          <a:effectLst/>
+                        </a:rPr>
+                        <a:t>〇</a:t>
+                      </a:r>
+                      <a:endParaRPr lang="ja-JP" altLang="en-US" sz="2000" b="0" i="0" u="none" strike="noStrike">
+                        <a:solidFill>
+                          <a:srgbClr val="000000"/>
+                        </a:solidFill>
+                        <a:effectLst/>
+                        <a:latin typeface="游ゴシック" panose="020B0400000000000000" pitchFamily="50" charset="-128"/>
+                        <a:ea typeface="游ゴシック" panose="020B0400000000000000" pitchFamily="50" charset="-128"/>
+                      </a:endParaRPr>
+                    </a:p>
+                  </a:txBody>
+                  <a:tcPr marL="9525" marR="9525" marT="9525" marB="0" anchor="ctr"/>
+                </a:tc>
+                <a:tc>
+                  <a:txBody>
+                    <a:bodyPr/>
+                    <a:lstStyle/>
+                    <a:p>
+                      <a:pPr algn="ctr" fontAlgn="ctr"/>
+                      <a:r>
+                        <a:rPr lang="ja-JP" altLang="en-US" sz="2000" u="none" strike="noStrike">
+                          <a:effectLst/>
+                        </a:rPr>
+                        <a:t>〇</a:t>
+                      </a:r>
+                      <a:endParaRPr lang="ja-JP" altLang="en-US" sz="2000" b="0" i="0" u="none" strike="noStrike">
+                        <a:solidFill>
+                          <a:srgbClr val="000000"/>
+                        </a:solidFill>
+                        <a:effectLst/>
+                        <a:latin typeface="游ゴシック" panose="020B0400000000000000" pitchFamily="50" charset="-128"/>
+                        <a:ea typeface="游ゴシック" panose="020B0400000000000000" pitchFamily="50" charset="-128"/>
+                      </a:endParaRPr>
+                    </a:p>
+                  </a:txBody>
+                  <a:tcPr marL="9525" marR="9525" marT="9525" marB="0" anchor="ctr"/>
+                </a:tc>
+                <a:tc>
+                  <a:txBody>
+                    <a:bodyPr/>
+                    <a:lstStyle/>
+                    <a:p>
+                      <a:pPr algn="ctr" fontAlgn="ctr"/>
+                      <a:r>
+                        <a:rPr lang="ja-JP" altLang="en-US" sz="2000" u="none" strike="noStrike">
+                          <a:effectLst/>
+                        </a:rPr>
+                        <a:t>〇</a:t>
+                      </a:r>
+                      <a:endParaRPr lang="ja-JP" altLang="en-US" sz="2000" b="0" i="0" u="none" strike="noStrike">
+                        <a:solidFill>
+                          <a:srgbClr val="000000"/>
+                        </a:solidFill>
+                        <a:effectLst/>
+                        <a:latin typeface="游ゴシック" panose="020B0400000000000000" pitchFamily="50" charset="-128"/>
+                        <a:ea typeface="游ゴシック" panose="020B0400000000000000" pitchFamily="50" charset="-128"/>
+                      </a:endParaRPr>
+                    </a:p>
+                  </a:txBody>
+                  <a:tcPr marL="9525" marR="9525" marT="9525" marB="0" anchor="ctr"/>
+                </a:tc>
+                <a:tc>
+                  <a:txBody>
+                    <a:bodyPr/>
+                    <a:lstStyle/>
+                    <a:p>
+                      <a:pPr algn="ctr" fontAlgn="ctr"/>
+                      <a:r>
+                        <a:rPr lang="ja-JP" altLang="en-US" sz="2000" u="none" strike="noStrike">
+                          <a:effectLst/>
+                        </a:rPr>
+                        <a:t>〇</a:t>
+                      </a:r>
+                      <a:endParaRPr lang="ja-JP" altLang="en-US" sz="2000" b="0" i="0" u="none" strike="noStrike">
+                        <a:solidFill>
+                          <a:srgbClr val="000000"/>
+                        </a:solidFill>
+                        <a:effectLst/>
+                        <a:latin typeface="游ゴシック" panose="020B0400000000000000" pitchFamily="50" charset="-128"/>
+                        <a:ea typeface="游ゴシック" panose="020B0400000000000000" pitchFamily="50" charset="-128"/>
+                      </a:endParaRPr>
+                    </a:p>
+                  </a:txBody>
+                  <a:tcPr marL="9525" marR="9525" marT="9525" marB="0" anchor="ctr"/>
+                </a:tc>
+                <a:tc>
+                  <a:txBody>
+                    <a:bodyPr/>
+                    <a:lstStyle/>
+                    <a:p>
+                      <a:pPr algn="ctr" fontAlgn="ctr"/>
+                      <a:r>
+                        <a:rPr lang="ja-JP" altLang="en-US" sz="2000" u="none" strike="noStrike">
+                          <a:effectLst/>
+                        </a:rPr>
+                        <a:t>〇</a:t>
+                      </a:r>
+                      <a:endParaRPr lang="ja-JP" altLang="en-US" sz="2000" b="0" i="0" u="none" strike="noStrike">
+                        <a:solidFill>
+                          <a:srgbClr val="000000"/>
+                        </a:solidFill>
+                        <a:effectLst/>
+                        <a:latin typeface="游ゴシック" panose="020B0400000000000000" pitchFamily="50" charset="-128"/>
+                        <a:ea typeface="游ゴシック" panose="020B0400000000000000" pitchFamily="50" charset="-128"/>
+                      </a:endParaRPr>
+                    </a:p>
+                  </a:txBody>
+                  <a:tcPr marL="9525" marR="9525" marT="9525" marB="0" anchor="ctr"/>
+                </a:tc>
+                <a:tc>
+                  <a:txBody>
+                    <a:bodyPr/>
+                    <a:lstStyle/>
+                    <a:p>
+                      <a:pPr algn="ctr" fontAlgn="ctr"/>
+                      <a:r>
+                        <a:rPr lang="ja-JP" altLang="en-US" sz="2000" u="none" strike="noStrike">
+                          <a:effectLst/>
+                        </a:rPr>
+                        <a:t>〇</a:t>
+                      </a:r>
+                      <a:endParaRPr lang="ja-JP" altLang="en-US" sz="2000" b="0" i="0" u="none" strike="noStrike">
+                        <a:solidFill>
+                          <a:srgbClr val="000000"/>
+                        </a:solidFill>
+                        <a:effectLst/>
+                        <a:latin typeface="游ゴシック" panose="020B0400000000000000" pitchFamily="50" charset="-128"/>
+                        <a:ea typeface="游ゴシック" panose="020B0400000000000000" pitchFamily="50" charset="-128"/>
+                      </a:endParaRPr>
+                    </a:p>
+                  </a:txBody>
+                  <a:tcPr marL="9525" marR="9525" marT="9525" marB="0" anchor="ctr"/>
+                </a:tc>
+                <a:tc>
+                  <a:txBody>
+                    <a:bodyPr/>
+                    <a:lstStyle/>
+                    <a:p>
+                      <a:pPr algn="ctr" fontAlgn="ctr"/>
+                      <a:r>
+                        <a:rPr lang="ja-JP" altLang="en-US" sz="2000" u="none" strike="noStrike">
+                          <a:effectLst/>
+                        </a:rPr>
+                        <a:t>〇</a:t>
+                      </a:r>
+                      <a:endParaRPr lang="ja-JP" altLang="en-US" sz="2000" b="0" i="0" u="none" strike="noStrike">
+                        <a:solidFill>
+                          <a:srgbClr val="000000"/>
+                        </a:solidFill>
+                        <a:effectLst/>
+                        <a:latin typeface="游ゴシック" panose="020B0400000000000000" pitchFamily="50" charset="-128"/>
+                        <a:ea typeface="游ゴシック" panose="020B0400000000000000" pitchFamily="50" charset="-128"/>
+                      </a:endParaRPr>
+                    </a:p>
+                  </a:txBody>
+                  <a:tcPr marL="9525" marR="9525" marT="9525" marB="0" anchor="ctr"/>
+                </a:tc>
+                <a:tc>
+                  <a:txBody>
+                    <a:bodyPr/>
+                    <a:lstStyle/>
+                    <a:p>
+                      <a:pPr algn="ctr" fontAlgn="ctr"/>
+                      <a:r>
+                        <a:rPr lang="ja-JP" altLang="en-US" sz="2000" u="none" strike="noStrike" dirty="0">
+                          <a:effectLst/>
+                        </a:rPr>
+                        <a:t>〇</a:t>
+                      </a:r>
+                      <a:endParaRPr lang="ja-JP" altLang="en-US" sz="2000" b="0" i="0" u="none" strike="noStrike" dirty="0">
+                        <a:solidFill>
+                          <a:srgbClr val="000000"/>
+                        </a:solidFill>
+                        <a:effectLst/>
+                        <a:latin typeface="游ゴシック" panose="020B0400000000000000" pitchFamily="50" charset="-128"/>
+                        <a:ea typeface="游ゴシック" panose="020B0400000000000000" pitchFamily="50" charset="-128"/>
+                      </a:endParaRPr>
+                    </a:p>
+                  </a:txBody>
+                  <a:tcPr marL="9525" marR="9525" marT="9525" marB="0" anchor="ctr"/>
+                </a:tc>
+                <a:tc>
+                  <a:txBody>
+                    <a:bodyPr/>
+                    <a:lstStyle/>
+                    <a:p>
+                      <a:pPr algn="ctr" fontAlgn="ctr"/>
+                      <a:r>
+                        <a:rPr lang="ja-JP" altLang="en-US" sz="2000" u="none" strike="noStrike">
+                          <a:effectLst/>
+                        </a:rPr>
+                        <a:t>〇</a:t>
+                      </a:r>
+                      <a:endParaRPr lang="ja-JP" altLang="en-US" sz="2000" b="0" i="0" u="none" strike="noStrike">
+                        <a:solidFill>
+                          <a:srgbClr val="000000"/>
+                        </a:solidFill>
+                        <a:effectLst/>
+                        <a:latin typeface="游ゴシック" panose="020B0400000000000000" pitchFamily="50" charset="-128"/>
+                        <a:ea typeface="游ゴシック" panose="020B0400000000000000" pitchFamily="50" charset="-128"/>
+                      </a:endParaRPr>
+                    </a:p>
+                  </a:txBody>
+                  <a:tcPr marL="9525" marR="9525" marT="9525" marB="0" anchor="ctr"/>
+                </a:tc>
+                <a:extLst>
+                  <a:ext uri="{0D108BD9-81ED-4DB2-BD59-A6C34878D82A}">
+                    <a16:rowId xmlns:a16="http://schemas.microsoft.com/office/drawing/2014/main" val="2952161220"/>
+                  </a:ext>
+                </a:extLst>
+              </a:tr>
+              <a:tr h="365250">
+                <a:tc>
+                  <a:txBody>
+                    <a:bodyPr/>
+                    <a:lstStyle/>
+                    <a:p>
+                      <a:pPr algn="ctr" fontAlgn="ctr"/>
+                      <a:r>
+                        <a:rPr lang="ja-JP" altLang="en-US" sz="2000" u="none" strike="noStrike">
+                          <a:effectLst/>
+                        </a:rPr>
+                        <a:t>世田谷</a:t>
+                      </a:r>
+                      <a:endParaRPr lang="ja-JP" altLang="en-US" sz="2000" b="0" i="0" u="none" strike="noStrike">
+                        <a:solidFill>
+                          <a:srgbClr val="000000"/>
+                        </a:solidFill>
+                        <a:effectLst/>
+                        <a:latin typeface="游ゴシック" panose="020B0400000000000000" pitchFamily="50" charset="-128"/>
+                        <a:ea typeface="游ゴシック" panose="020B0400000000000000" pitchFamily="50" charset="-128"/>
+                      </a:endParaRPr>
+                    </a:p>
+                  </a:txBody>
+                  <a:tcPr marL="9525" marR="9525" marT="9525" marB="0" anchor="ctr"/>
+                </a:tc>
+                <a:tc>
+                  <a:txBody>
+                    <a:bodyPr/>
+                    <a:lstStyle/>
+                    <a:p>
+                      <a:pPr algn="ctr" fontAlgn="ctr"/>
+                      <a:r>
+                        <a:rPr lang="ja-JP" altLang="en-US" sz="2000" u="none" strike="noStrike">
+                          <a:effectLst/>
+                        </a:rPr>
+                        <a:t>〇</a:t>
+                      </a:r>
+                      <a:endParaRPr lang="ja-JP" altLang="en-US" sz="2000" b="0" i="0" u="none" strike="noStrike">
+                        <a:solidFill>
+                          <a:srgbClr val="000000"/>
+                        </a:solidFill>
+                        <a:effectLst/>
+                        <a:latin typeface="游ゴシック" panose="020B0400000000000000" pitchFamily="50" charset="-128"/>
+                        <a:ea typeface="游ゴシック" panose="020B0400000000000000" pitchFamily="50" charset="-128"/>
+                      </a:endParaRPr>
+                    </a:p>
+                  </a:txBody>
+                  <a:tcPr marL="9525" marR="9525" marT="9525" marB="0" anchor="ctr"/>
+                </a:tc>
+                <a:tc>
+                  <a:txBody>
+                    <a:bodyPr/>
+                    <a:lstStyle/>
+                    <a:p>
+                      <a:pPr algn="ctr" fontAlgn="ctr"/>
+                      <a:r>
+                        <a:rPr lang="ja-JP" altLang="en-US" sz="2000" u="none" strike="noStrike">
+                          <a:effectLst/>
+                        </a:rPr>
+                        <a:t>〇</a:t>
+                      </a:r>
+                      <a:endParaRPr lang="ja-JP" altLang="en-US" sz="2000" b="0" i="0" u="none" strike="noStrike">
+                        <a:solidFill>
+                          <a:srgbClr val="000000"/>
+                        </a:solidFill>
+                        <a:effectLst/>
+                        <a:latin typeface="游ゴシック" panose="020B0400000000000000" pitchFamily="50" charset="-128"/>
+                        <a:ea typeface="游ゴシック" panose="020B0400000000000000" pitchFamily="50" charset="-128"/>
+                      </a:endParaRPr>
+                    </a:p>
+                  </a:txBody>
+                  <a:tcPr marL="9525" marR="9525" marT="9525" marB="0" anchor="ctr"/>
+                </a:tc>
+                <a:tc>
+                  <a:txBody>
+                    <a:bodyPr/>
+                    <a:lstStyle/>
+                    <a:p>
+                      <a:pPr algn="ctr" fontAlgn="ctr"/>
+                      <a:r>
+                        <a:rPr lang="ja-JP" altLang="en-US" sz="2000" u="none" strike="noStrike">
+                          <a:effectLst/>
+                        </a:rPr>
+                        <a:t>〇</a:t>
+                      </a:r>
+                      <a:endParaRPr lang="ja-JP" altLang="en-US" sz="2000" b="0" i="0" u="none" strike="noStrike">
+                        <a:solidFill>
+                          <a:srgbClr val="000000"/>
+                        </a:solidFill>
+                        <a:effectLst/>
+                        <a:latin typeface="游ゴシック" panose="020B0400000000000000" pitchFamily="50" charset="-128"/>
+                        <a:ea typeface="游ゴシック" panose="020B0400000000000000" pitchFamily="50" charset="-128"/>
+                      </a:endParaRPr>
+                    </a:p>
+                  </a:txBody>
+                  <a:tcPr marL="9525" marR="9525" marT="9525" marB="0" anchor="ctr"/>
+                </a:tc>
+                <a:tc>
+                  <a:txBody>
+                    <a:bodyPr/>
+                    <a:lstStyle/>
+                    <a:p>
+                      <a:pPr algn="ctr" fontAlgn="ctr"/>
+                      <a:r>
+                        <a:rPr lang="ja-JP" altLang="en-US" sz="2000" u="none" strike="noStrike">
+                          <a:effectLst/>
+                        </a:rPr>
+                        <a:t>〇</a:t>
+                      </a:r>
+                      <a:endParaRPr lang="ja-JP" altLang="en-US" sz="2000" b="0" i="0" u="none" strike="noStrike">
+                        <a:solidFill>
+                          <a:srgbClr val="000000"/>
+                        </a:solidFill>
+                        <a:effectLst/>
+                        <a:latin typeface="游ゴシック" panose="020B0400000000000000" pitchFamily="50" charset="-128"/>
+                        <a:ea typeface="游ゴシック" panose="020B0400000000000000" pitchFamily="50" charset="-128"/>
+                      </a:endParaRPr>
+                    </a:p>
+                  </a:txBody>
+                  <a:tcPr marL="9525" marR="9525" marT="9525" marB="0" anchor="ctr"/>
+                </a:tc>
+                <a:tc>
+                  <a:txBody>
+                    <a:bodyPr/>
+                    <a:lstStyle/>
+                    <a:p>
+                      <a:pPr algn="ctr" fontAlgn="ctr"/>
+                      <a:r>
+                        <a:rPr lang="ja-JP" altLang="en-US" sz="2000" u="none" strike="noStrike">
+                          <a:effectLst/>
+                        </a:rPr>
+                        <a:t>〇</a:t>
+                      </a:r>
+                      <a:endParaRPr lang="ja-JP" altLang="en-US" sz="2000" b="0" i="0" u="none" strike="noStrike">
+                        <a:solidFill>
+                          <a:srgbClr val="000000"/>
+                        </a:solidFill>
+                        <a:effectLst/>
+                        <a:latin typeface="游ゴシック" panose="020B0400000000000000" pitchFamily="50" charset="-128"/>
+                        <a:ea typeface="游ゴシック" panose="020B0400000000000000" pitchFamily="50" charset="-128"/>
+                      </a:endParaRPr>
+                    </a:p>
+                  </a:txBody>
+                  <a:tcPr marL="9525" marR="9525" marT="9525" marB="0" anchor="ctr"/>
+                </a:tc>
+                <a:tc>
+                  <a:txBody>
+                    <a:bodyPr/>
+                    <a:lstStyle/>
+                    <a:p>
+                      <a:pPr algn="ctr" fontAlgn="ctr"/>
+                      <a:r>
+                        <a:rPr lang="ja-JP" altLang="en-US" sz="2000" u="none" strike="noStrike">
+                          <a:effectLst/>
+                        </a:rPr>
+                        <a:t>〇</a:t>
+                      </a:r>
+                      <a:endParaRPr lang="ja-JP" altLang="en-US" sz="2000" b="0" i="0" u="none" strike="noStrike">
+                        <a:solidFill>
+                          <a:srgbClr val="000000"/>
+                        </a:solidFill>
+                        <a:effectLst/>
+                        <a:latin typeface="游ゴシック" panose="020B0400000000000000" pitchFamily="50" charset="-128"/>
+                        <a:ea typeface="游ゴシック" panose="020B0400000000000000" pitchFamily="50" charset="-128"/>
+                      </a:endParaRPr>
+                    </a:p>
+                  </a:txBody>
+                  <a:tcPr marL="9525" marR="9525" marT="9525" marB="0" anchor="ctr"/>
+                </a:tc>
+                <a:tc>
+                  <a:txBody>
+                    <a:bodyPr/>
+                    <a:lstStyle/>
+                    <a:p>
+                      <a:pPr algn="ctr" fontAlgn="ctr"/>
+                      <a:r>
+                        <a:rPr lang="ja-JP" altLang="en-US" sz="2000" u="none" strike="noStrike">
+                          <a:effectLst/>
+                        </a:rPr>
+                        <a:t>〇</a:t>
+                      </a:r>
+                      <a:endParaRPr lang="ja-JP" altLang="en-US" sz="2000" b="0" i="0" u="none" strike="noStrike">
+                        <a:solidFill>
+                          <a:srgbClr val="000000"/>
+                        </a:solidFill>
+                        <a:effectLst/>
+                        <a:latin typeface="游ゴシック" panose="020B0400000000000000" pitchFamily="50" charset="-128"/>
+                        <a:ea typeface="游ゴシック" panose="020B0400000000000000" pitchFamily="50" charset="-128"/>
+                      </a:endParaRPr>
+                    </a:p>
+                  </a:txBody>
+                  <a:tcPr marL="9525" marR="9525" marT="9525" marB="0" anchor="ctr"/>
+                </a:tc>
+                <a:tc>
+                  <a:txBody>
+                    <a:bodyPr/>
+                    <a:lstStyle/>
+                    <a:p>
+                      <a:pPr algn="ctr" fontAlgn="ctr"/>
+                      <a:r>
+                        <a:rPr lang="ja-JP" altLang="en-US" sz="2000" u="none" strike="noStrike">
+                          <a:effectLst/>
+                        </a:rPr>
+                        <a:t>〇</a:t>
+                      </a:r>
+                      <a:endParaRPr lang="ja-JP" altLang="en-US" sz="2000" b="0" i="0" u="none" strike="noStrike">
+                        <a:solidFill>
+                          <a:srgbClr val="000000"/>
+                        </a:solidFill>
+                        <a:effectLst/>
+                        <a:latin typeface="游ゴシック" panose="020B0400000000000000" pitchFamily="50" charset="-128"/>
+                        <a:ea typeface="游ゴシック" panose="020B0400000000000000" pitchFamily="50" charset="-128"/>
+                      </a:endParaRPr>
+                    </a:p>
+                  </a:txBody>
+                  <a:tcPr marL="9525" marR="9525" marT="9525" marB="0" anchor="ctr"/>
+                </a:tc>
+                <a:tc>
+                  <a:txBody>
+                    <a:bodyPr/>
+                    <a:lstStyle/>
+                    <a:p>
+                      <a:pPr algn="ctr" fontAlgn="ctr"/>
+                      <a:r>
+                        <a:rPr lang="ja-JP" altLang="en-US" sz="2000" u="none" strike="noStrike">
+                          <a:effectLst/>
+                        </a:rPr>
+                        <a:t>〇</a:t>
+                      </a:r>
+                      <a:endParaRPr lang="ja-JP" altLang="en-US" sz="2000" b="0" i="0" u="none" strike="noStrike">
+                        <a:solidFill>
+                          <a:srgbClr val="000000"/>
+                        </a:solidFill>
+                        <a:effectLst/>
+                        <a:latin typeface="游ゴシック" panose="020B0400000000000000" pitchFamily="50" charset="-128"/>
+                        <a:ea typeface="游ゴシック" panose="020B0400000000000000" pitchFamily="50" charset="-128"/>
+                      </a:endParaRPr>
+                    </a:p>
+                  </a:txBody>
+                  <a:tcPr marL="9525" marR="9525" marT="9525" marB="0" anchor="ctr"/>
+                </a:tc>
+                <a:tc>
+                  <a:txBody>
+                    <a:bodyPr/>
+                    <a:lstStyle/>
+                    <a:p>
+                      <a:pPr algn="ctr" fontAlgn="ctr"/>
+                      <a:r>
+                        <a:rPr lang="ja-JP" altLang="en-US" sz="2000" u="none" strike="noStrike">
+                          <a:effectLst/>
+                        </a:rPr>
+                        <a:t>〇</a:t>
+                      </a:r>
+                      <a:endParaRPr lang="ja-JP" altLang="en-US" sz="2000" b="0" i="0" u="none" strike="noStrike">
+                        <a:solidFill>
+                          <a:srgbClr val="000000"/>
+                        </a:solidFill>
+                        <a:effectLst/>
+                        <a:latin typeface="游ゴシック" panose="020B0400000000000000" pitchFamily="50" charset="-128"/>
+                        <a:ea typeface="游ゴシック" panose="020B0400000000000000" pitchFamily="50" charset="-128"/>
+                      </a:endParaRPr>
+                    </a:p>
+                  </a:txBody>
+                  <a:tcPr marL="9525" marR="9525" marT="9525" marB="0" anchor="ctr"/>
+                </a:tc>
+                <a:tc>
+                  <a:txBody>
+                    <a:bodyPr/>
+                    <a:lstStyle/>
+                    <a:p>
+                      <a:pPr algn="ctr" fontAlgn="ctr"/>
+                      <a:r>
+                        <a:rPr lang="ja-JP" altLang="en-US" sz="2000" u="none" strike="noStrike">
+                          <a:effectLst/>
+                        </a:rPr>
+                        <a:t>〇</a:t>
+                      </a:r>
+                      <a:endParaRPr lang="ja-JP" altLang="en-US" sz="2000" b="0" i="0" u="none" strike="noStrike">
+                        <a:solidFill>
+                          <a:srgbClr val="000000"/>
+                        </a:solidFill>
+                        <a:effectLst/>
+                        <a:latin typeface="游ゴシック" panose="020B0400000000000000" pitchFamily="50" charset="-128"/>
+                        <a:ea typeface="游ゴシック" panose="020B0400000000000000" pitchFamily="50" charset="-128"/>
+                      </a:endParaRPr>
+                    </a:p>
+                  </a:txBody>
+                  <a:tcPr marL="9525" marR="9525" marT="9525" marB="0" anchor="ctr"/>
+                </a:tc>
+                <a:tc>
+                  <a:txBody>
+                    <a:bodyPr/>
+                    <a:lstStyle/>
+                    <a:p>
+                      <a:pPr algn="ctr" fontAlgn="ctr"/>
+                      <a:r>
+                        <a:rPr lang="ja-JP" altLang="en-US" sz="2000" u="none" strike="noStrike">
+                          <a:effectLst/>
+                        </a:rPr>
+                        <a:t>〇</a:t>
+                      </a:r>
+                      <a:endParaRPr lang="ja-JP" altLang="en-US" sz="2000" b="0" i="0" u="none" strike="noStrike">
+                        <a:solidFill>
+                          <a:srgbClr val="000000"/>
+                        </a:solidFill>
+                        <a:effectLst/>
+                        <a:latin typeface="游ゴシック" panose="020B0400000000000000" pitchFamily="50" charset="-128"/>
+                        <a:ea typeface="游ゴシック" panose="020B0400000000000000" pitchFamily="50" charset="-128"/>
+                      </a:endParaRPr>
+                    </a:p>
+                  </a:txBody>
+                  <a:tcPr marL="9525" marR="9525" marT="9525" marB="0" anchor="ctr"/>
+                </a:tc>
+                <a:tc>
+                  <a:txBody>
+                    <a:bodyPr/>
+                    <a:lstStyle/>
+                    <a:p>
+                      <a:pPr algn="ctr" fontAlgn="ctr"/>
+                      <a:r>
+                        <a:rPr lang="ja-JP" altLang="en-US" sz="2000" u="none" strike="noStrike">
+                          <a:effectLst/>
+                        </a:rPr>
+                        <a:t>〇</a:t>
+                      </a:r>
+                      <a:endParaRPr lang="ja-JP" altLang="en-US" sz="2000" b="0" i="0" u="none" strike="noStrike">
+                        <a:solidFill>
+                          <a:srgbClr val="000000"/>
+                        </a:solidFill>
+                        <a:effectLst/>
+                        <a:latin typeface="游ゴシック" panose="020B0400000000000000" pitchFamily="50" charset="-128"/>
+                        <a:ea typeface="游ゴシック" panose="020B0400000000000000" pitchFamily="50" charset="-128"/>
+                      </a:endParaRPr>
+                    </a:p>
+                  </a:txBody>
+                  <a:tcPr marL="9525" marR="9525" marT="9525" marB="0" anchor="ctr"/>
+                </a:tc>
+                <a:tc>
+                  <a:txBody>
+                    <a:bodyPr/>
+                    <a:lstStyle/>
+                    <a:p>
+                      <a:pPr algn="ctr" fontAlgn="ctr"/>
+                      <a:r>
+                        <a:rPr lang="ja-JP" altLang="en-US" sz="2000" u="none" strike="noStrike" dirty="0">
+                          <a:effectLst/>
+                        </a:rPr>
+                        <a:t>〇</a:t>
+                      </a:r>
+                      <a:endParaRPr lang="ja-JP" altLang="en-US" sz="2000" b="0" i="0" u="none" strike="noStrike" dirty="0">
+                        <a:solidFill>
+                          <a:srgbClr val="000000"/>
+                        </a:solidFill>
+                        <a:effectLst/>
+                        <a:latin typeface="游ゴシック" panose="020B0400000000000000" pitchFamily="50" charset="-128"/>
+                        <a:ea typeface="游ゴシック" panose="020B0400000000000000" pitchFamily="50" charset="-128"/>
+                      </a:endParaRPr>
+                    </a:p>
+                  </a:txBody>
+                  <a:tcPr marL="9525" marR="9525" marT="9525" marB="0" anchor="ctr"/>
+                </a:tc>
+                <a:extLst>
+                  <a:ext uri="{0D108BD9-81ED-4DB2-BD59-A6C34878D82A}">
+                    <a16:rowId xmlns:a16="http://schemas.microsoft.com/office/drawing/2014/main" val="1591160860"/>
+                  </a:ext>
+                </a:extLst>
+              </a:tr>
+              <a:tr h="365250">
+                <a:tc>
+                  <a:txBody>
+                    <a:bodyPr/>
+                    <a:lstStyle/>
+                    <a:p>
+                      <a:pPr algn="ctr" fontAlgn="ctr"/>
+                      <a:r>
+                        <a:rPr lang="ja-JP" altLang="en-US" sz="2000" u="none" strike="noStrike" dirty="0">
+                          <a:effectLst/>
+                        </a:rPr>
+                        <a:t>南葛西</a:t>
+                      </a:r>
+                      <a:endParaRPr lang="ja-JP" altLang="en-US" sz="2000" b="0" i="0" u="none" strike="noStrike" dirty="0">
+                        <a:solidFill>
+                          <a:srgbClr val="000000"/>
+                        </a:solidFill>
+                        <a:effectLst/>
+                        <a:latin typeface="游ゴシック" panose="020B0400000000000000" pitchFamily="50" charset="-128"/>
+                        <a:ea typeface="游ゴシック" panose="020B0400000000000000" pitchFamily="50" charset="-128"/>
+                      </a:endParaRPr>
+                    </a:p>
+                  </a:txBody>
+                  <a:tcPr marL="9525" marR="9525" marT="9525" marB="0" anchor="ctr"/>
+                </a:tc>
+                <a:tc>
+                  <a:txBody>
+                    <a:bodyPr/>
+                    <a:lstStyle/>
+                    <a:p>
+                      <a:pPr algn="ctr" fontAlgn="ctr"/>
+                      <a:r>
+                        <a:rPr lang="ja-JP" altLang="en-US" sz="2000" u="none" strike="noStrike">
+                          <a:effectLst/>
+                        </a:rPr>
+                        <a:t>〇</a:t>
+                      </a:r>
+                      <a:endParaRPr lang="ja-JP" altLang="en-US" sz="2000" b="0" i="0" u="none" strike="noStrike">
+                        <a:solidFill>
+                          <a:srgbClr val="000000"/>
+                        </a:solidFill>
+                        <a:effectLst/>
+                        <a:latin typeface="游ゴシック" panose="020B0400000000000000" pitchFamily="50" charset="-128"/>
+                        <a:ea typeface="游ゴシック" panose="020B0400000000000000" pitchFamily="50" charset="-128"/>
+                      </a:endParaRPr>
+                    </a:p>
+                  </a:txBody>
+                  <a:tcPr marL="9525" marR="9525" marT="9525" marB="0" anchor="ctr"/>
+                </a:tc>
+                <a:tc>
+                  <a:txBody>
+                    <a:bodyPr/>
+                    <a:lstStyle/>
+                    <a:p>
+                      <a:pPr algn="ctr" fontAlgn="ctr"/>
+                      <a:r>
+                        <a:rPr lang="ja-JP" altLang="en-US" sz="2000" u="none" strike="noStrike">
+                          <a:effectLst/>
+                        </a:rPr>
+                        <a:t>☓</a:t>
+                      </a:r>
+                      <a:endParaRPr lang="ja-JP" altLang="en-US" sz="2000" b="0" i="0" u="none" strike="noStrike">
+                        <a:solidFill>
+                          <a:srgbClr val="000000"/>
+                        </a:solidFill>
+                        <a:effectLst/>
+                        <a:latin typeface="游ゴシック" panose="020B0400000000000000" pitchFamily="50" charset="-128"/>
+                        <a:ea typeface="游ゴシック" panose="020B0400000000000000" pitchFamily="50" charset="-128"/>
+                      </a:endParaRPr>
+                    </a:p>
+                  </a:txBody>
+                  <a:tcPr marL="9525" marR="9525" marT="9525" marB="0" anchor="ctr"/>
+                </a:tc>
+                <a:tc>
+                  <a:txBody>
+                    <a:bodyPr/>
+                    <a:lstStyle/>
+                    <a:p>
+                      <a:pPr algn="ctr" fontAlgn="ctr"/>
+                      <a:r>
+                        <a:rPr lang="ja-JP" altLang="en-US" sz="2000" u="none" strike="noStrike">
+                          <a:effectLst/>
+                        </a:rPr>
+                        <a:t>〇</a:t>
+                      </a:r>
+                      <a:endParaRPr lang="ja-JP" altLang="en-US" sz="2000" b="0" i="0" u="none" strike="noStrike">
+                        <a:solidFill>
+                          <a:srgbClr val="000000"/>
+                        </a:solidFill>
+                        <a:effectLst/>
+                        <a:latin typeface="游ゴシック" panose="020B0400000000000000" pitchFamily="50" charset="-128"/>
+                        <a:ea typeface="游ゴシック" panose="020B0400000000000000" pitchFamily="50" charset="-128"/>
+                      </a:endParaRPr>
+                    </a:p>
+                  </a:txBody>
+                  <a:tcPr marL="9525" marR="9525" marT="9525" marB="0" anchor="ctr"/>
+                </a:tc>
+                <a:tc>
+                  <a:txBody>
+                    <a:bodyPr/>
+                    <a:lstStyle/>
+                    <a:p>
+                      <a:pPr algn="ctr" fontAlgn="ctr"/>
+                      <a:r>
+                        <a:rPr lang="ja-JP" altLang="en-US" sz="2000" u="none" strike="noStrike">
+                          <a:effectLst/>
+                        </a:rPr>
+                        <a:t>〇</a:t>
+                      </a:r>
+                      <a:endParaRPr lang="ja-JP" altLang="en-US" sz="2000" b="0" i="0" u="none" strike="noStrike">
+                        <a:solidFill>
+                          <a:srgbClr val="000000"/>
+                        </a:solidFill>
+                        <a:effectLst/>
+                        <a:latin typeface="游ゴシック" panose="020B0400000000000000" pitchFamily="50" charset="-128"/>
+                        <a:ea typeface="游ゴシック" panose="020B0400000000000000" pitchFamily="50" charset="-128"/>
+                      </a:endParaRPr>
+                    </a:p>
+                  </a:txBody>
+                  <a:tcPr marL="9525" marR="9525" marT="9525" marB="0" anchor="ctr"/>
+                </a:tc>
+                <a:tc>
+                  <a:txBody>
+                    <a:bodyPr/>
+                    <a:lstStyle/>
+                    <a:p>
+                      <a:pPr algn="ctr" fontAlgn="ctr"/>
+                      <a:r>
+                        <a:rPr lang="ja-JP" altLang="en-US" sz="2000" u="none" strike="noStrike">
+                          <a:effectLst/>
+                        </a:rPr>
+                        <a:t>〇</a:t>
+                      </a:r>
+                      <a:endParaRPr lang="ja-JP" altLang="en-US" sz="2000" b="0" i="0" u="none" strike="noStrike">
+                        <a:solidFill>
+                          <a:srgbClr val="000000"/>
+                        </a:solidFill>
+                        <a:effectLst/>
+                        <a:latin typeface="游ゴシック" panose="020B0400000000000000" pitchFamily="50" charset="-128"/>
+                        <a:ea typeface="游ゴシック" panose="020B0400000000000000" pitchFamily="50" charset="-128"/>
+                      </a:endParaRPr>
+                    </a:p>
+                  </a:txBody>
+                  <a:tcPr marL="9525" marR="9525" marT="9525" marB="0" anchor="ctr"/>
+                </a:tc>
+                <a:tc>
+                  <a:txBody>
+                    <a:bodyPr/>
+                    <a:lstStyle/>
+                    <a:p>
+                      <a:pPr algn="ctr" fontAlgn="ctr"/>
+                      <a:r>
+                        <a:rPr lang="ja-JP" altLang="en-US" sz="2000" u="none" strike="noStrike">
+                          <a:effectLst/>
+                        </a:rPr>
+                        <a:t>〇</a:t>
+                      </a:r>
+                      <a:endParaRPr lang="ja-JP" altLang="en-US" sz="2000" b="0" i="0" u="none" strike="noStrike">
+                        <a:solidFill>
+                          <a:srgbClr val="000000"/>
+                        </a:solidFill>
+                        <a:effectLst/>
+                        <a:latin typeface="游ゴシック" panose="020B0400000000000000" pitchFamily="50" charset="-128"/>
+                        <a:ea typeface="游ゴシック" panose="020B0400000000000000" pitchFamily="50" charset="-128"/>
+                      </a:endParaRPr>
+                    </a:p>
+                  </a:txBody>
+                  <a:tcPr marL="9525" marR="9525" marT="9525" marB="0" anchor="ctr"/>
+                </a:tc>
+                <a:tc>
+                  <a:txBody>
+                    <a:bodyPr/>
+                    <a:lstStyle/>
+                    <a:p>
+                      <a:pPr algn="ctr" fontAlgn="ctr"/>
+                      <a:r>
+                        <a:rPr lang="ja-JP" altLang="en-US" sz="2000" u="none" strike="noStrike">
+                          <a:effectLst/>
+                        </a:rPr>
+                        <a:t>〇</a:t>
+                      </a:r>
+                      <a:endParaRPr lang="ja-JP" altLang="en-US" sz="2000" b="0" i="0" u="none" strike="noStrike">
+                        <a:solidFill>
+                          <a:srgbClr val="000000"/>
+                        </a:solidFill>
+                        <a:effectLst/>
+                        <a:latin typeface="游ゴシック" panose="020B0400000000000000" pitchFamily="50" charset="-128"/>
+                        <a:ea typeface="游ゴシック" panose="020B0400000000000000" pitchFamily="50" charset="-128"/>
+                      </a:endParaRPr>
+                    </a:p>
+                  </a:txBody>
+                  <a:tcPr marL="9525" marR="9525" marT="9525" marB="0" anchor="ctr"/>
+                </a:tc>
+                <a:tc>
+                  <a:txBody>
+                    <a:bodyPr/>
+                    <a:lstStyle/>
+                    <a:p>
+                      <a:pPr algn="ctr" fontAlgn="ctr"/>
+                      <a:r>
+                        <a:rPr lang="ja-JP" altLang="en-US" sz="2000" u="none" strike="noStrike">
+                          <a:effectLst/>
+                        </a:rPr>
+                        <a:t>〇</a:t>
+                      </a:r>
+                      <a:endParaRPr lang="ja-JP" altLang="en-US" sz="2000" b="0" i="0" u="none" strike="noStrike">
+                        <a:solidFill>
+                          <a:srgbClr val="000000"/>
+                        </a:solidFill>
+                        <a:effectLst/>
+                        <a:latin typeface="游ゴシック" panose="020B0400000000000000" pitchFamily="50" charset="-128"/>
+                        <a:ea typeface="游ゴシック" panose="020B0400000000000000" pitchFamily="50" charset="-128"/>
+                      </a:endParaRPr>
+                    </a:p>
+                  </a:txBody>
+                  <a:tcPr marL="9525" marR="9525" marT="9525" marB="0" anchor="ctr"/>
+                </a:tc>
+                <a:tc>
+                  <a:txBody>
+                    <a:bodyPr/>
+                    <a:lstStyle/>
+                    <a:p>
+                      <a:pPr algn="ctr" fontAlgn="ctr"/>
+                      <a:r>
+                        <a:rPr lang="ja-JP" altLang="en-US" sz="2000" u="none" strike="noStrike">
+                          <a:effectLst/>
+                        </a:rPr>
+                        <a:t>☓</a:t>
+                      </a:r>
+                      <a:endParaRPr lang="ja-JP" altLang="en-US" sz="2000" b="0" i="0" u="none" strike="noStrike">
+                        <a:solidFill>
+                          <a:srgbClr val="000000"/>
+                        </a:solidFill>
+                        <a:effectLst/>
+                        <a:latin typeface="游ゴシック" panose="020B0400000000000000" pitchFamily="50" charset="-128"/>
+                        <a:ea typeface="游ゴシック" panose="020B0400000000000000" pitchFamily="50" charset="-128"/>
+                      </a:endParaRPr>
+                    </a:p>
+                  </a:txBody>
+                  <a:tcPr marL="9525" marR="9525" marT="9525" marB="0" anchor="ctr"/>
+                </a:tc>
+                <a:tc>
+                  <a:txBody>
+                    <a:bodyPr/>
+                    <a:lstStyle/>
+                    <a:p>
+                      <a:pPr algn="ctr" fontAlgn="ctr"/>
+                      <a:r>
+                        <a:rPr lang="ja-JP" altLang="en-US" sz="2000" u="none" strike="noStrike">
+                          <a:effectLst/>
+                        </a:rPr>
+                        <a:t>〇</a:t>
+                      </a:r>
+                      <a:endParaRPr lang="ja-JP" altLang="en-US" sz="2000" b="0" i="0" u="none" strike="noStrike">
+                        <a:solidFill>
+                          <a:srgbClr val="000000"/>
+                        </a:solidFill>
+                        <a:effectLst/>
+                        <a:latin typeface="游ゴシック" panose="020B0400000000000000" pitchFamily="50" charset="-128"/>
+                        <a:ea typeface="游ゴシック" panose="020B0400000000000000" pitchFamily="50" charset="-128"/>
+                      </a:endParaRPr>
+                    </a:p>
+                  </a:txBody>
+                  <a:tcPr marL="9525" marR="9525" marT="9525" marB="0" anchor="ctr"/>
+                </a:tc>
+                <a:tc>
+                  <a:txBody>
+                    <a:bodyPr/>
+                    <a:lstStyle/>
+                    <a:p>
+                      <a:pPr algn="ctr" fontAlgn="ctr"/>
+                      <a:r>
+                        <a:rPr lang="ja-JP" altLang="en-US" sz="2000" u="none" strike="noStrike">
+                          <a:effectLst/>
+                        </a:rPr>
+                        <a:t>〇</a:t>
+                      </a:r>
+                      <a:endParaRPr lang="ja-JP" altLang="en-US" sz="2000" b="0" i="0" u="none" strike="noStrike">
+                        <a:solidFill>
+                          <a:srgbClr val="000000"/>
+                        </a:solidFill>
+                        <a:effectLst/>
+                        <a:latin typeface="游ゴシック" panose="020B0400000000000000" pitchFamily="50" charset="-128"/>
+                        <a:ea typeface="游ゴシック" panose="020B0400000000000000" pitchFamily="50" charset="-128"/>
+                      </a:endParaRPr>
+                    </a:p>
+                  </a:txBody>
+                  <a:tcPr marL="9525" marR="9525" marT="9525" marB="0" anchor="ctr"/>
+                </a:tc>
+                <a:tc>
+                  <a:txBody>
+                    <a:bodyPr/>
+                    <a:lstStyle/>
+                    <a:p>
+                      <a:pPr algn="ctr" fontAlgn="ctr"/>
+                      <a:r>
+                        <a:rPr lang="ja-JP" altLang="en-US" sz="2000" u="none" strike="noStrike">
+                          <a:effectLst/>
+                        </a:rPr>
+                        <a:t>〇</a:t>
+                      </a:r>
+                      <a:endParaRPr lang="ja-JP" altLang="en-US" sz="2000" b="0" i="0" u="none" strike="noStrike">
+                        <a:solidFill>
+                          <a:srgbClr val="000000"/>
+                        </a:solidFill>
+                        <a:effectLst/>
+                        <a:latin typeface="游ゴシック" panose="020B0400000000000000" pitchFamily="50" charset="-128"/>
+                        <a:ea typeface="游ゴシック" panose="020B0400000000000000" pitchFamily="50" charset="-128"/>
+                      </a:endParaRPr>
+                    </a:p>
+                  </a:txBody>
+                  <a:tcPr marL="9525" marR="9525" marT="9525" marB="0" anchor="ctr"/>
+                </a:tc>
+                <a:tc>
+                  <a:txBody>
+                    <a:bodyPr/>
+                    <a:lstStyle/>
+                    <a:p>
+                      <a:pPr algn="ctr" fontAlgn="ctr"/>
+                      <a:r>
+                        <a:rPr lang="ja-JP" altLang="en-US" sz="2000" u="none" strike="noStrike">
+                          <a:effectLst/>
+                        </a:rPr>
+                        <a:t>〇</a:t>
+                      </a:r>
+                      <a:endParaRPr lang="ja-JP" altLang="en-US" sz="2000" b="0" i="0" u="none" strike="noStrike">
+                        <a:solidFill>
+                          <a:srgbClr val="000000"/>
+                        </a:solidFill>
+                        <a:effectLst/>
+                        <a:latin typeface="游ゴシック" panose="020B0400000000000000" pitchFamily="50" charset="-128"/>
+                        <a:ea typeface="游ゴシック" panose="020B0400000000000000" pitchFamily="50" charset="-128"/>
+                      </a:endParaRPr>
+                    </a:p>
+                  </a:txBody>
+                  <a:tcPr marL="9525" marR="9525" marT="9525" marB="0" anchor="ctr"/>
+                </a:tc>
+                <a:tc>
+                  <a:txBody>
+                    <a:bodyPr/>
+                    <a:lstStyle/>
+                    <a:p>
+                      <a:pPr algn="ctr" fontAlgn="ctr"/>
+                      <a:r>
+                        <a:rPr lang="ja-JP" altLang="en-US" sz="2000" u="none" strike="noStrike" dirty="0">
+                          <a:effectLst/>
+                        </a:rPr>
+                        <a:t>〇</a:t>
+                      </a:r>
+                      <a:endParaRPr lang="ja-JP" altLang="en-US" sz="2000" b="0" i="0" u="none" strike="noStrike" dirty="0">
+                        <a:solidFill>
+                          <a:srgbClr val="000000"/>
+                        </a:solidFill>
+                        <a:effectLst/>
+                        <a:latin typeface="游ゴシック" panose="020B0400000000000000" pitchFamily="50" charset="-128"/>
+                        <a:ea typeface="游ゴシック" panose="020B0400000000000000" pitchFamily="50" charset="-128"/>
+                      </a:endParaRPr>
+                    </a:p>
+                  </a:txBody>
+                  <a:tcPr marL="9525" marR="9525" marT="9525" marB="0" anchor="ctr"/>
+                </a:tc>
+                <a:extLst>
+                  <a:ext uri="{0D108BD9-81ED-4DB2-BD59-A6C34878D82A}">
+                    <a16:rowId xmlns:a16="http://schemas.microsoft.com/office/drawing/2014/main" val="1358102725"/>
+                  </a:ext>
+                </a:extLst>
+              </a:tr>
+            </a:tbl>
+          </a:graphicData>
+        </a:graphic>
+      </p:graphicFrame>
     </p:spTree>
     <p:extLst>
       <p:ext uri="{BB962C8B-B14F-4D97-AF65-F5344CB8AC3E}">
@@ -34602,7 +39758,7 @@
           <a:p>
             <a:pPr algn="ctr"/>
             <a:r>
-              <a:rPr lang="ja-JP" altLang="en-US" sz="2400" dirty="0" smtClean="0">
+              <a:rPr lang="ja-JP" altLang="en-US" sz="2400" dirty="0">
                 <a:solidFill>
                   <a:schemeClr val="tx1"/>
                 </a:solidFill>
@@ -34611,13 +39767,6 @@
               </a:rPr>
               <a:t>全データ学習</a:t>
             </a:r>
-            <a:endParaRPr lang="ja-JP" altLang="en-US" sz="2400" dirty="0">
-              <a:solidFill>
-                <a:schemeClr val="tx1"/>
-              </a:solidFill>
-              <a:latin typeface="メイリオ" panose="020B0604030504040204" pitchFamily="50" charset="-128"/>
-              <a:ea typeface="メイリオ" panose="020B0604030504040204" pitchFamily="50" charset="-128"/>
-            </a:endParaRPr>
           </a:p>
         </p:txBody>
       </p:sp>
@@ -34673,7 +39822,7 @@
           <a:p>
             <a:pPr algn="ctr"/>
             <a:r>
-              <a:rPr lang="ja-JP" altLang="en-US" sz="2400" dirty="0" smtClean="0">
+              <a:rPr lang="ja-JP" altLang="en-US" sz="2400" dirty="0">
                 <a:solidFill>
                   <a:schemeClr val="tx1"/>
                 </a:solidFill>
@@ -34682,18 +39831,8 @@
               </a:rPr>
               <a:t>特徴量</a:t>
             </a:r>
-            <a:r>
-              <a:rPr lang="en-US" altLang="ja-JP" sz="2400" dirty="0" smtClean="0">
-                <a:solidFill>
-                  <a:schemeClr val="tx1"/>
-                </a:solidFill>
-                <a:latin typeface="メイリオ" panose="020B0604030504040204" pitchFamily="50" charset="-128"/>
-                <a:ea typeface="メイリオ" panose="020B0604030504040204" pitchFamily="50" charset="-128"/>
-              </a:rPr>
-              <a:t/>
-            </a:r>
             <a:br>
-              <a:rPr lang="en-US" altLang="ja-JP" sz="2400" dirty="0" smtClean="0">
+              <a:rPr lang="en-US" altLang="ja-JP" sz="2400" dirty="0">
                 <a:solidFill>
                   <a:schemeClr val="tx1"/>
                 </a:solidFill>
@@ -34702,7 +39841,7 @@
               </a:rPr>
             </a:br>
             <a:r>
-              <a:rPr lang="ja-JP" altLang="en-US" sz="2400" dirty="0" smtClean="0">
+              <a:rPr lang="ja-JP" altLang="en-US" sz="2400" dirty="0">
                 <a:solidFill>
                   <a:schemeClr val="tx1"/>
                 </a:solidFill>
@@ -34711,13 +39850,6 @@
               </a:rPr>
               <a:t>需要度算出</a:t>
             </a:r>
-            <a:endParaRPr lang="ja-JP" altLang="en-US" sz="2400" dirty="0">
-              <a:solidFill>
-                <a:schemeClr val="tx1"/>
-              </a:solidFill>
-              <a:latin typeface="メイリオ" panose="020B0604030504040204" pitchFamily="50" charset="-128"/>
-              <a:ea typeface="メイリオ" panose="020B0604030504040204" pitchFamily="50" charset="-128"/>
-            </a:endParaRPr>
           </a:p>
         </p:txBody>
       </p:sp>
@@ -34773,7 +39905,7 @@
           <a:p>
             <a:pPr algn="ctr"/>
             <a:r>
-              <a:rPr lang="ja-JP" altLang="en-US" sz="2400" dirty="0" smtClean="0">
+              <a:rPr lang="ja-JP" altLang="en-US" sz="2400" dirty="0">
                 <a:solidFill>
                   <a:schemeClr val="tx1"/>
                 </a:solidFill>
@@ -34782,13 +39914,6 @@
               </a:rPr>
               <a:t>特徴量の選定</a:t>
             </a:r>
-            <a:endParaRPr lang="ja-JP" altLang="en-US" sz="2400" dirty="0">
-              <a:solidFill>
-                <a:schemeClr val="tx1"/>
-              </a:solidFill>
-              <a:latin typeface="メイリオ" panose="020B0604030504040204" pitchFamily="50" charset="-128"/>
-              <a:ea typeface="メイリオ" panose="020B0604030504040204" pitchFamily="50" charset="-128"/>
-            </a:endParaRPr>
           </a:p>
         </p:txBody>
       </p:sp>
@@ -34856,13 +39981,13 @@
               </a:lnSpc>
             </a:pPr>
             <a:r>
-              <a:rPr lang="ja-JP" altLang="en-US" sz="2400" dirty="0" smtClean="0">
+              <a:rPr lang="ja-JP" altLang="en-US" sz="2400" dirty="0">
                 <a:latin typeface="メイリオ" panose="020B0604030504040204" pitchFamily="50" charset="-128"/>
                 <a:ea typeface="メイリオ" panose="020B0604030504040204" pitchFamily="50" charset="-128"/>
               </a:rPr>
               <a:t>特徴量選定</a:t>
             </a:r>
-            <a:endParaRPr lang="en-US" altLang="ja-JP" sz="2400" dirty="0" smtClean="0">
+            <a:endParaRPr lang="en-US" altLang="ja-JP" sz="2400" dirty="0">
               <a:latin typeface="メイリオ" panose="020B0604030504040204" pitchFamily="50" charset="-128"/>
               <a:ea typeface="メイリオ" panose="020B0604030504040204" pitchFamily="50" charset="-128"/>
             </a:endParaRPr>
@@ -35023,7 +40148,7 @@
               </a:lnSpc>
             </a:pPr>
             <a:r>
-              <a:rPr lang="ja-JP" altLang="en-US" sz="2400" dirty="0" smtClean="0">
+              <a:rPr lang="ja-JP" altLang="en-US" sz="2400" dirty="0">
                 <a:latin typeface="メイリオ" panose="020B0604030504040204" pitchFamily="50" charset="-128"/>
                 <a:ea typeface="メイリオ" panose="020B0604030504040204" pitchFamily="50" charset="-128"/>
               </a:rPr>
@@ -35051,7 +40176,7 @@
         <p:spPr>
           <a:xfrm>
             <a:off x="1131683" y="3226608"/>
-            <a:ext cx="10830162" cy="646331"/>
+            <a:ext cx="10830162" cy="600164"/>
           </a:xfrm>
           <a:prstGeom prst="rect">
             <a:avLst/>
@@ -35070,39 +40195,39 @@
               </a:lnSpc>
             </a:pPr>
             <a:r>
-              <a:rPr lang="ja-JP" altLang="en-US" sz="2400" dirty="0" smtClean="0">
+              <a:rPr lang="ja-JP" altLang="en-US" sz="2400" dirty="0">
                 <a:latin typeface="メイリオ" panose="020B0604030504040204" pitchFamily="50" charset="-128"/>
                 <a:ea typeface="メイリオ" panose="020B0604030504040204" pitchFamily="50" charset="-128"/>
               </a:rPr>
               <a:t>→　特徴量国立環境研究所で測定している物質　</a:t>
             </a:r>
             <a:r>
-              <a:rPr lang="en-US" altLang="ja-JP" sz="2400" dirty="0" smtClean="0">
+              <a:rPr lang="en-US" altLang="ja-JP" sz="2400" dirty="0">
                 <a:latin typeface="メイリオ" panose="020B0604030504040204" pitchFamily="50" charset="-128"/>
                 <a:ea typeface="メイリオ" panose="020B0604030504040204" pitchFamily="50" charset="-128"/>
               </a:rPr>
               <a:t>×</a:t>
             </a:r>
             <a:r>
-              <a:rPr lang="ja-JP" altLang="en-US" sz="2400" dirty="0" smtClean="0">
+              <a:rPr lang="ja-JP" altLang="en-US" sz="2400" dirty="0">
                 <a:latin typeface="メイリオ" panose="020B0604030504040204" pitchFamily="50" charset="-128"/>
                 <a:ea typeface="メイリオ" panose="020B0604030504040204" pitchFamily="50" charset="-128"/>
               </a:rPr>
               <a:t>　</a:t>
             </a:r>
             <a:r>
-              <a:rPr lang="en-US" altLang="ja-JP" sz="2400" dirty="0" smtClean="0">
+              <a:rPr lang="en-US" altLang="ja-JP" sz="2400" dirty="0">
                 <a:latin typeface="メイリオ" panose="020B0604030504040204" pitchFamily="50" charset="-128"/>
                 <a:ea typeface="メイリオ" panose="020B0604030504040204" pitchFamily="50" charset="-128"/>
               </a:rPr>
               <a:t>24</a:t>
             </a:r>
             <a:r>
-              <a:rPr lang="ja-JP" altLang="en-US" sz="2400" dirty="0" smtClean="0">
+              <a:rPr lang="ja-JP" altLang="en-US" sz="2400" dirty="0">
                 <a:latin typeface="メイリオ" panose="020B0604030504040204" pitchFamily="50" charset="-128"/>
                 <a:ea typeface="メイリオ" panose="020B0604030504040204" pitchFamily="50" charset="-128"/>
               </a:rPr>
-              <a:t>時間後</a:t>
+              <a:t>時間分</a:t>
             </a:r>
             <a:endParaRPr lang="en-US" altLang="ja-JP" sz="2400" dirty="0">
               <a:latin typeface="メイリオ" panose="020B0604030504040204" pitchFamily="50" charset="-128"/>
@@ -35381,24 +40506,18 @@
                     <a:p>
                       <a:pPr algn="ctr" fontAlgn="ctr"/>
                       <a:r>
-                        <a:rPr lang="ja-JP" altLang="en-US" sz="2400" u="none" strike="noStrike" dirty="0" smtClean="0">
+                        <a:rPr lang="ja-JP" altLang="en-US" sz="2400" u="none" strike="noStrike" dirty="0">
                           <a:effectLst/>
                         </a:rPr>
                         <a:t>物質名</a:t>
                       </a:r>
-                      <a:r>
-                        <a:rPr lang="en-US" altLang="ja-JP" sz="2400" u="none" strike="noStrike" dirty="0" smtClean="0">
-                          <a:effectLst/>
-                        </a:rPr>
-                        <a:t/>
-                      </a:r>
                       <a:br>
-                        <a:rPr lang="en-US" altLang="ja-JP" sz="2400" u="none" strike="noStrike" dirty="0" smtClean="0">
+                        <a:rPr lang="en-US" altLang="ja-JP" sz="2400" u="none" strike="noStrike" dirty="0">
                           <a:effectLst/>
                         </a:rPr>
                       </a:br>
                       <a:r>
-                        <a:rPr lang="en-US" sz="2400" u="none" strike="noStrike" dirty="0" smtClean="0">
+                        <a:rPr lang="en-US" sz="2400" u="none" strike="noStrike" dirty="0">
                           <a:effectLst/>
                         </a:rPr>
                         <a:t>lag_1</a:t>
@@ -35450,24 +40569,18 @@
                     <a:p>
                       <a:pPr algn="ctr" fontAlgn="ctr"/>
                       <a:r>
-                        <a:rPr lang="ja-JP" altLang="en-US" sz="2400" u="none" strike="noStrike" dirty="0" smtClean="0">
+                        <a:rPr lang="ja-JP" altLang="en-US" sz="2400" u="none" strike="noStrike" dirty="0">
                           <a:effectLst/>
                         </a:rPr>
                         <a:t>物質名</a:t>
                       </a:r>
-                      <a:r>
-                        <a:rPr lang="en-US" altLang="ja-JP" sz="2400" u="none" strike="noStrike" dirty="0" smtClean="0">
-                          <a:effectLst/>
-                        </a:rPr>
-                        <a:t/>
-                      </a:r>
                       <a:br>
-                        <a:rPr lang="en-US" altLang="ja-JP" sz="2400" u="none" strike="noStrike" dirty="0" smtClean="0">
+                        <a:rPr lang="en-US" altLang="ja-JP" sz="2400" u="none" strike="noStrike" dirty="0">
                           <a:effectLst/>
                         </a:rPr>
                       </a:br>
                       <a:r>
-                        <a:rPr lang="en-US" sz="2400" u="none" strike="noStrike" dirty="0" smtClean="0">
+                        <a:rPr lang="en-US" sz="2400" u="none" strike="noStrike" dirty="0">
                           <a:effectLst/>
                         </a:rPr>
                         <a:t>lag_2</a:t>
@@ -35553,24 +40666,18 @@
                     <a:p>
                       <a:pPr algn="ctr" fontAlgn="ctr"/>
                       <a:r>
-                        <a:rPr lang="ja-JP" altLang="en-US" sz="2400" u="none" strike="noStrike" dirty="0" smtClean="0">
+                        <a:rPr lang="ja-JP" altLang="en-US" sz="2400" u="none" strike="noStrike" dirty="0">
                           <a:effectLst/>
                         </a:rPr>
                         <a:t>物質名</a:t>
                       </a:r>
-                      <a:r>
-                        <a:rPr lang="en-US" altLang="ja-JP" sz="2400" u="none" strike="noStrike" dirty="0" smtClean="0">
-                          <a:effectLst/>
-                        </a:rPr>
-                        <a:t/>
-                      </a:r>
                       <a:br>
-                        <a:rPr lang="en-US" altLang="ja-JP" sz="2400" u="none" strike="noStrike" dirty="0" smtClean="0">
+                        <a:rPr lang="en-US" altLang="ja-JP" sz="2400" u="none" strike="noStrike" dirty="0">
                           <a:effectLst/>
                         </a:rPr>
                       </a:br>
                       <a:r>
-                        <a:rPr lang="en-US" sz="2400" u="none" strike="noStrike" dirty="0" smtClean="0">
+                        <a:rPr lang="en-US" sz="2400" u="none" strike="noStrike" dirty="0">
                           <a:effectLst/>
                         </a:rPr>
                         <a:t>lag_23</a:t>
@@ -35613,24 +40720,18 @@
                     <a:p>
                       <a:pPr algn="ctr" fontAlgn="ctr"/>
                       <a:r>
-                        <a:rPr lang="ja-JP" altLang="en-US" sz="2400" u="none" strike="noStrike" dirty="0" smtClean="0">
+                        <a:rPr lang="ja-JP" altLang="en-US" sz="2400" u="none" strike="noStrike" dirty="0">
                           <a:effectLst/>
                         </a:rPr>
                         <a:t>物質名</a:t>
                       </a:r>
-                      <a:r>
-                        <a:rPr lang="en-US" altLang="ja-JP" sz="2400" u="none" strike="noStrike" dirty="0" smtClean="0">
-                          <a:effectLst/>
-                        </a:rPr>
-                        <a:t/>
-                      </a:r>
                       <a:br>
-                        <a:rPr lang="en-US" altLang="ja-JP" sz="2400" u="none" strike="noStrike" dirty="0" smtClean="0">
+                        <a:rPr lang="en-US" altLang="ja-JP" sz="2400" u="none" strike="noStrike" dirty="0">
                           <a:effectLst/>
                         </a:rPr>
                       </a:br>
                       <a:r>
-                        <a:rPr lang="en-US" sz="2400" u="none" strike="noStrike" dirty="0" smtClean="0">
+                        <a:rPr lang="en-US" sz="2400" u="none" strike="noStrike" dirty="0">
                           <a:effectLst/>
                         </a:rPr>
                         <a:t>lag_24</a:t>
@@ -35824,49 +40925,49 @@
               </a:lnSpc>
             </a:pPr>
             <a:r>
-              <a:rPr lang="ja-JP" altLang="en-US" sz="2400" dirty="0" smtClean="0">
+              <a:rPr lang="ja-JP" altLang="en-US" sz="2400" dirty="0">
                 <a:latin typeface="メイリオ" panose="020B0604030504040204" pitchFamily="50" charset="-128"/>
                 <a:ea typeface="メイリオ" panose="020B0604030504040204" pitchFamily="50" charset="-128"/>
               </a:rPr>
               <a:t>＊「</a:t>
             </a:r>
             <a:r>
-              <a:rPr lang="en-US" altLang="ja-JP" sz="2400" dirty="0" err="1" smtClean="0">
+              <a:rPr lang="en-US" altLang="ja-JP" sz="2400" dirty="0" err="1">
                 <a:latin typeface="メイリオ" panose="020B0604030504040204" pitchFamily="50" charset="-128"/>
                 <a:ea typeface="メイリオ" panose="020B0604030504040204" pitchFamily="50" charset="-128"/>
               </a:rPr>
               <a:t>lag_n</a:t>
             </a:r>
             <a:r>
-              <a:rPr lang="ja-JP" altLang="en-US" sz="2400" dirty="0" smtClean="0">
+              <a:rPr lang="ja-JP" altLang="en-US" sz="2400" dirty="0">
                 <a:latin typeface="メイリオ" panose="020B0604030504040204" pitchFamily="50" charset="-128"/>
                 <a:ea typeface="メイリオ" panose="020B0604030504040204" pitchFamily="50" charset="-128"/>
               </a:rPr>
               <a:t>」の</a:t>
             </a:r>
             <a:r>
-              <a:rPr lang="en-US" altLang="ja-JP" sz="2400" dirty="0" smtClean="0">
+              <a:rPr lang="en-US" altLang="ja-JP" sz="2400" dirty="0">
                 <a:latin typeface="メイリオ" panose="020B0604030504040204" pitchFamily="50" charset="-128"/>
                 <a:ea typeface="メイリオ" panose="020B0604030504040204" pitchFamily="50" charset="-128"/>
               </a:rPr>
               <a:t>n</a:t>
             </a:r>
             <a:r>
-              <a:rPr lang="ja-JP" altLang="en-US" sz="2400" dirty="0" smtClean="0">
+              <a:rPr lang="ja-JP" altLang="en-US" sz="2400" dirty="0">
                 <a:latin typeface="メイリオ" panose="020B0604030504040204" pitchFamily="50" charset="-128"/>
                 <a:ea typeface="メイリオ" panose="020B0604030504040204" pitchFamily="50" charset="-128"/>
               </a:rPr>
               <a:t>は、</a:t>
             </a:r>
             <a:r>
-              <a:rPr lang="en-US" altLang="ja-JP" sz="2400" dirty="0" smtClean="0">
+              <a:rPr lang="en-US" altLang="ja-JP" sz="2400" dirty="0">
                 <a:latin typeface="メイリオ" panose="020B0604030504040204" pitchFamily="50" charset="-128"/>
                 <a:ea typeface="メイリオ" panose="020B0604030504040204" pitchFamily="50" charset="-128"/>
               </a:rPr>
               <a:t>n</a:t>
             </a:r>
             <a:r>
-              <a:rPr lang="ja-JP" altLang="en-US" sz="2400" dirty="0" smtClean="0">
+              <a:rPr lang="ja-JP" altLang="en-US" sz="2400" dirty="0">
                 <a:latin typeface="メイリオ" panose="020B0604030504040204" pitchFamily="50" charset="-128"/>
                 <a:ea typeface="メイリオ" panose="020B0604030504040204" pitchFamily="50" charset="-128"/>
               </a:rPr>
@@ -35971,7 +41072,7 @@
           <a:p>
             <a:pPr algn="ctr"/>
             <a:r>
-              <a:rPr lang="ja-JP" altLang="en-US" sz="2400" dirty="0" smtClean="0">
+              <a:rPr lang="ja-JP" altLang="en-US" sz="2400" dirty="0">
                 <a:solidFill>
                   <a:schemeClr val="tx1"/>
                 </a:solidFill>
@@ -35980,13 +41081,6 @@
               </a:rPr>
               <a:t>学習</a:t>
             </a:r>
-            <a:endParaRPr lang="ja-JP" altLang="en-US" sz="2400" dirty="0">
-              <a:solidFill>
-                <a:schemeClr val="tx1"/>
-              </a:solidFill>
-              <a:latin typeface="メイリオ" panose="020B0604030504040204" pitchFamily="50" charset="-128"/>
-              <a:ea typeface="メイリオ" panose="020B0604030504040204" pitchFamily="50" charset="-128"/>
-            </a:endParaRPr>
           </a:p>
         </p:txBody>
       </p:sp>
@@ -36082,7 +41176,7 @@
           <a:p>
             <a:pPr algn="ctr"/>
             <a:r>
-              <a:rPr lang="ja-JP" altLang="en-US" sz="2400" dirty="0" smtClean="0">
+              <a:rPr lang="ja-JP" altLang="en-US" sz="2400" dirty="0">
                 <a:solidFill>
                   <a:schemeClr val="tx1"/>
                 </a:solidFill>
@@ -36091,13 +41185,6 @@
               </a:rPr>
               <a:t>評価</a:t>
             </a:r>
-            <a:endParaRPr lang="ja-JP" altLang="en-US" sz="2400" dirty="0">
-              <a:solidFill>
-                <a:schemeClr val="tx1"/>
-              </a:solidFill>
-              <a:latin typeface="メイリオ" panose="020B0604030504040204" pitchFamily="50" charset="-128"/>
-              <a:ea typeface="メイリオ" panose="020B0604030504040204" pitchFamily="50" charset="-128"/>
-            </a:endParaRPr>
           </a:p>
         </p:txBody>
       </p:sp>
@@ -36516,7 +41603,7 @@
           <a:p>
             <a:pPr algn="ctr"/>
             <a:r>
-              <a:rPr lang="ja-JP" altLang="en-US" sz="2400" dirty="0" smtClean="0">
+              <a:rPr lang="ja-JP" altLang="en-US" sz="2400" dirty="0">
                 <a:solidFill>
                   <a:schemeClr val="tx1"/>
                 </a:solidFill>
@@ -36525,13 +41612,6 @@
               </a:rPr>
               <a:t>全データ学習</a:t>
             </a:r>
-            <a:endParaRPr lang="ja-JP" altLang="en-US" sz="2400" dirty="0">
-              <a:solidFill>
-                <a:schemeClr val="tx1"/>
-              </a:solidFill>
-              <a:latin typeface="メイリオ" panose="020B0604030504040204" pitchFamily="50" charset="-128"/>
-              <a:ea typeface="メイリオ" panose="020B0604030504040204" pitchFamily="50" charset="-128"/>
-            </a:endParaRPr>
           </a:p>
         </p:txBody>
       </p:sp>
@@ -36587,7 +41667,7 @@
           <a:p>
             <a:pPr algn="ctr"/>
             <a:r>
-              <a:rPr lang="ja-JP" altLang="en-US" sz="2400" dirty="0" smtClean="0">
+              <a:rPr lang="ja-JP" altLang="en-US" sz="2400" dirty="0">
                 <a:solidFill>
                   <a:schemeClr val="tx1"/>
                 </a:solidFill>
@@ -36596,18 +41676,8 @@
               </a:rPr>
               <a:t>特徴量</a:t>
             </a:r>
-            <a:r>
-              <a:rPr lang="en-US" altLang="ja-JP" sz="2400" dirty="0" smtClean="0">
-                <a:solidFill>
-                  <a:schemeClr val="tx1"/>
-                </a:solidFill>
-                <a:latin typeface="メイリオ" panose="020B0604030504040204" pitchFamily="50" charset="-128"/>
-                <a:ea typeface="メイリオ" panose="020B0604030504040204" pitchFamily="50" charset="-128"/>
-              </a:rPr>
-              <a:t/>
-            </a:r>
             <a:br>
-              <a:rPr lang="en-US" altLang="ja-JP" sz="2400" dirty="0" smtClean="0">
+              <a:rPr lang="en-US" altLang="ja-JP" sz="2400" dirty="0">
                 <a:solidFill>
                   <a:schemeClr val="tx1"/>
                 </a:solidFill>
@@ -36616,7 +41686,7 @@
               </a:rPr>
             </a:br>
             <a:r>
-              <a:rPr lang="ja-JP" altLang="en-US" sz="2400" dirty="0" smtClean="0">
+              <a:rPr lang="ja-JP" altLang="en-US" sz="2400" dirty="0">
                 <a:solidFill>
                   <a:schemeClr val="tx1"/>
                 </a:solidFill>
@@ -36625,13 +41695,6 @@
               </a:rPr>
               <a:t>需要度算出</a:t>
             </a:r>
-            <a:endParaRPr lang="ja-JP" altLang="en-US" sz="2400" dirty="0">
-              <a:solidFill>
-                <a:schemeClr val="tx1"/>
-              </a:solidFill>
-              <a:latin typeface="メイリオ" panose="020B0604030504040204" pitchFamily="50" charset="-128"/>
-              <a:ea typeface="メイリオ" panose="020B0604030504040204" pitchFamily="50" charset="-128"/>
-            </a:endParaRPr>
           </a:p>
         </p:txBody>
       </p:sp>
@@ -36687,7 +41750,7 @@
           <a:p>
             <a:pPr algn="ctr"/>
             <a:r>
-              <a:rPr lang="ja-JP" altLang="en-US" sz="2400" dirty="0" smtClean="0">
+              <a:rPr lang="ja-JP" altLang="en-US" sz="2400" dirty="0">
                 <a:solidFill>
                   <a:schemeClr val="tx1"/>
                 </a:solidFill>
@@ -36696,13 +41759,6 @@
               </a:rPr>
               <a:t>特徴量の選定</a:t>
             </a:r>
-            <a:endParaRPr lang="ja-JP" altLang="en-US" sz="2400" dirty="0">
-              <a:solidFill>
-                <a:schemeClr val="tx1"/>
-              </a:solidFill>
-              <a:latin typeface="メイリオ" panose="020B0604030504040204" pitchFamily="50" charset="-128"/>
-              <a:ea typeface="メイリオ" panose="020B0604030504040204" pitchFamily="50" charset="-128"/>
-            </a:endParaRPr>
           </a:p>
         </p:txBody>
       </p:sp>
@@ -36770,13 +41826,13 @@
               </a:lnSpc>
             </a:pPr>
             <a:r>
-              <a:rPr lang="ja-JP" altLang="en-US" sz="2400" dirty="0" smtClean="0">
+              <a:rPr lang="ja-JP" altLang="en-US" sz="2400" dirty="0">
                 <a:latin typeface="メイリオ" panose="020B0604030504040204" pitchFamily="50" charset="-128"/>
                 <a:ea typeface="メイリオ" panose="020B0604030504040204" pitchFamily="50" charset="-128"/>
               </a:rPr>
               <a:t>特徴量選定</a:t>
             </a:r>
-            <a:endParaRPr lang="en-US" altLang="ja-JP" sz="2400" dirty="0" smtClean="0">
+            <a:endParaRPr lang="en-US" altLang="ja-JP" sz="2400" dirty="0">
               <a:latin typeface="メイリオ" panose="020B0604030504040204" pitchFamily="50" charset="-128"/>
               <a:ea typeface="メイリオ" panose="020B0604030504040204" pitchFamily="50" charset="-128"/>
             </a:endParaRPr>
@@ -36995,7 +42051,7 @@
           <a:p>
             <a:pPr algn="ctr"/>
             <a:r>
-              <a:rPr lang="ja-JP" altLang="en-US" sz="2400" dirty="0" smtClean="0">
+              <a:rPr lang="ja-JP" altLang="en-US" sz="2400" dirty="0">
                 <a:solidFill>
                   <a:schemeClr val="tx1"/>
                 </a:solidFill>
@@ -37004,13 +42060,6 @@
               </a:rPr>
               <a:t>学習</a:t>
             </a:r>
-            <a:endParaRPr lang="ja-JP" altLang="en-US" sz="2400" dirty="0">
-              <a:solidFill>
-                <a:schemeClr val="tx1"/>
-              </a:solidFill>
-              <a:latin typeface="メイリオ" panose="020B0604030504040204" pitchFamily="50" charset="-128"/>
-              <a:ea typeface="メイリオ" panose="020B0604030504040204" pitchFamily="50" charset="-128"/>
-            </a:endParaRPr>
           </a:p>
         </p:txBody>
       </p:sp>
@@ -37106,7 +42155,7 @@
           <a:p>
             <a:pPr algn="ctr"/>
             <a:r>
-              <a:rPr lang="ja-JP" altLang="en-US" sz="2400" dirty="0" smtClean="0">
+              <a:rPr lang="ja-JP" altLang="en-US" sz="2400" dirty="0">
                 <a:solidFill>
                   <a:schemeClr val="tx1"/>
                 </a:solidFill>
@@ -37115,13 +42164,6 @@
               </a:rPr>
               <a:t>評価</a:t>
             </a:r>
-            <a:endParaRPr lang="ja-JP" altLang="en-US" sz="2400" dirty="0">
-              <a:solidFill>
-                <a:schemeClr val="tx1"/>
-              </a:solidFill>
-              <a:latin typeface="メイリオ" panose="020B0604030504040204" pitchFamily="50" charset="-128"/>
-              <a:ea typeface="メイリオ" panose="020B0604030504040204" pitchFamily="50" charset="-128"/>
-            </a:endParaRPr>
           </a:p>
         </p:txBody>
       </p:sp>
@@ -37235,27 +42277,20 @@
               <a:t>)</a:t>
             </a:r>
             <a:r>
-              <a:rPr lang="ja-JP" altLang="en-US" sz="2400" dirty="0" err="1" smtClean="0">
+              <a:rPr lang="ja-JP" altLang="en-US" sz="2400" dirty="0" err="1">
                 <a:latin typeface="メイリオ" panose="020B0604030504040204" pitchFamily="50" charset="-128"/>
                 <a:ea typeface="メイリオ" panose="020B0604030504040204" pitchFamily="50" charset="-128"/>
               </a:rPr>
               <a:t>での</a:t>
             </a:r>
-            <a:r>
-              <a:rPr lang="en-US" altLang="ja-JP" sz="2400" dirty="0" smtClean="0">
-                <a:latin typeface="メイリオ" panose="020B0604030504040204" pitchFamily="50" charset="-128"/>
-                <a:ea typeface="メイリオ" panose="020B0604030504040204" pitchFamily="50" charset="-128"/>
-              </a:rPr>
-              <a:t/>
-            </a:r>
             <a:br>
-              <a:rPr lang="en-US" altLang="ja-JP" sz="2400" dirty="0" smtClean="0">
+              <a:rPr lang="en-US" altLang="ja-JP" sz="2400" dirty="0">
                 <a:latin typeface="メイリオ" panose="020B0604030504040204" pitchFamily="50" charset="-128"/>
                 <a:ea typeface="メイリオ" panose="020B0604030504040204" pitchFamily="50" charset="-128"/>
               </a:rPr>
             </a:br>
             <a:r>
-              <a:rPr lang="ja-JP" altLang="en-US" sz="2400" dirty="0" smtClean="0">
+              <a:rPr lang="ja-JP" altLang="en-US" sz="2400" dirty="0">
                 <a:latin typeface="メイリオ" panose="020B0604030504040204" pitchFamily="50" charset="-128"/>
                 <a:ea typeface="メイリオ" panose="020B0604030504040204" pitchFamily="50" charset="-128"/>
               </a:rPr>
@@ -37316,45 +42351,31 @@
               <a:t>未満</a:t>
             </a:r>
             <a:r>
-              <a:rPr lang="en-US" altLang="ja-JP" sz="2400" dirty="0" smtClean="0">
+              <a:rPr lang="en-US" altLang="ja-JP" sz="2400" dirty="0">
                 <a:latin typeface="メイリオ" panose="020B0604030504040204" pitchFamily="50" charset="-128"/>
                 <a:ea typeface="メイリオ" panose="020B0604030504040204" pitchFamily="50" charset="-128"/>
               </a:rPr>
               <a:t>)</a:t>
             </a:r>
             <a:r>
-              <a:rPr lang="ja-JP" altLang="en-US" sz="2400" dirty="0" err="1" smtClean="0">
+              <a:rPr lang="ja-JP" altLang="en-US" sz="2400" dirty="0" err="1">
                 <a:latin typeface="メイリオ" panose="020B0604030504040204" pitchFamily="50" charset="-128"/>
                 <a:ea typeface="メイリオ" panose="020B0604030504040204" pitchFamily="50" charset="-128"/>
               </a:rPr>
               <a:t>での</a:t>
             </a:r>
-            <a:r>
-              <a:rPr lang="en-US" altLang="ja-JP" sz="2400" dirty="0" smtClean="0">
-                <a:latin typeface="メイリオ" panose="020B0604030504040204" pitchFamily="50" charset="-128"/>
-                <a:ea typeface="メイリオ" panose="020B0604030504040204" pitchFamily="50" charset="-128"/>
-              </a:rPr>
-              <a:t/>
-            </a:r>
             <a:br>
-              <a:rPr lang="en-US" altLang="ja-JP" sz="2400" dirty="0" smtClean="0">
+              <a:rPr lang="en-US" altLang="ja-JP" sz="2400" dirty="0">
                 <a:latin typeface="メイリオ" panose="020B0604030504040204" pitchFamily="50" charset="-128"/>
                 <a:ea typeface="メイリオ" panose="020B0604030504040204" pitchFamily="50" charset="-128"/>
               </a:rPr>
             </a:br>
             <a:r>
-              <a:rPr lang="ja-JP" altLang="en-US" sz="2400" dirty="0" smtClean="0">
-                <a:latin typeface="メイリオ" panose="020B0604030504040204" pitchFamily="50" charset="-128"/>
-                <a:ea typeface="メイリオ" panose="020B0604030504040204" pitchFamily="50" charset="-128"/>
-              </a:rPr>
-              <a:t>特徴量</a:t>
-            </a:r>
-            <a:r>
               <a:rPr lang="ja-JP" altLang="en-US" sz="2400" dirty="0">
                 <a:latin typeface="メイリオ" panose="020B0604030504040204" pitchFamily="50" charset="-128"/>
                 <a:ea typeface="メイリオ" panose="020B0604030504040204" pitchFamily="50" charset="-128"/>
               </a:rPr>
-              <a:t>需要度</a:t>
+              <a:t>特徴量需要度</a:t>
             </a:r>
             <a:endParaRPr lang="en-US" altLang="ja-JP" sz="2400" dirty="0">
               <a:latin typeface="メイリオ" panose="020B0604030504040204" pitchFamily="50" charset="-128"/>
@@ -37397,7 +42418,7 @@
               </a:lnSpc>
             </a:pPr>
             <a:r>
-              <a:rPr lang="ja-JP" altLang="en-US" sz="2400" dirty="0" smtClean="0">
+              <a:rPr lang="ja-JP" altLang="en-US" sz="2400" dirty="0">
                 <a:latin typeface="メイリオ" panose="020B0604030504040204" pitchFamily="50" charset="-128"/>
                 <a:ea typeface="メイリオ" panose="020B0604030504040204" pitchFamily="50" charset="-128"/>
               </a:rPr>
@@ -37922,7 +42943,7 @@
           <a:p>
             <a:pPr algn="ctr"/>
             <a:r>
-              <a:rPr lang="ja-JP" altLang="en-US" sz="2400" dirty="0" smtClean="0">
+              <a:rPr lang="ja-JP" altLang="en-US" sz="2400" dirty="0">
                 <a:solidFill>
                   <a:schemeClr val="tx1"/>
                 </a:solidFill>
@@ -37931,13 +42952,6 @@
               </a:rPr>
               <a:t>全データ学習</a:t>
             </a:r>
-            <a:endParaRPr lang="ja-JP" altLang="en-US" sz="2400" dirty="0">
-              <a:solidFill>
-                <a:schemeClr val="tx1"/>
-              </a:solidFill>
-              <a:latin typeface="メイリオ" panose="020B0604030504040204" pitchFamily="50" charset="-128"/>
-              <a:ea typeface="メイリオ" panose="020B0604030504040204" pitchFamily="50" charset="-128"/>
-            </a:endParaRPr>
           </a:p>
         </p:txBody>
       </p:sp>
@@ -37993,7 +43007,7 @@
           <a:p>
             <a:pPr algn="ctr"/>
             <a:r>
-              <a:rPr lang="ja-JP" altLang="en-US" sz="2400" dirty="0" smtClean="0">
+              <a:rPr lang="ja-JP" altLang="en-US" sz="2400" dirty="0">
                 <a:solidFill>
                   <a:schemeClr val="tx1"/>
                 </a:solidFill>
@@ -38002,18 +43016,8 @@
               </a:rPr>
               <a:t>特徴量</a:t>
             </a:r>
-            <a:r>
-              <a:rPr lang="en-US" altLang="ja-JP" sz="2400" dirty="0" smtClean="0">
-                <a:solidFill>
-                  <a:schemeClr val="tx1"/>
-                </a:solidFill>
-                <a:latin typeface="メイリオ" panose="020B0604030504040204" pitchFamily="50" charset="-128"/>
-                <a:ea typeface="メイリオ" panose="020B0604030504040204" pitchFamily="50" charset="-128"/>
-              </a:rPr>
-              <a:t/>
-            </a:r>
             <a:br>
-              <a:rPr lang="en-US" altLang="ja-JP" sz="2400" dirty="0" smtClean="0">
+              <a:rPr lang="en-US" altLang="ja-JP" sz="2400" dirty="0">
                 <a:solidFill>
                   <a:schemeClr val="tx1"/>
                 </a:solidFill>
@@ -38022,7 +43026,7 @@
               </a:rPr>
             </a:br>
             <a:r>
-              <a:rPr lang="ja-JP" altLang="en-US" sz="2400" dirty="0" smtClean="0">
+              <a:rPr lang="ja-JP" altLang="en-US" sz="2400" dirty="0">
                 <a:solidFill>
                   <a:schemeClr val="tx1"/>
                 </a:solidFill>
@@ -38031,13 +43035,6 @@
               </a:rPr>
               <a:t>需要度算出</a:t>
             </a:r>
-            <a:endParaRPr lang="ja-JP" altLang="en-US" sz="2400" dirty="0">
-              <a:solidFill>
-                <a:schemeClr val="tx1"/>
-              </a:solidFill>
-              <a:latin typeface="メイリオ" panose="020B0604030504040204" pitchFamily="50" charset="-128"/>
-              <a:ea typeface="メイリオ" panose="020B0604030504040204" pitchFamily="50" charset="-128"/>
-            </a:endParaRPr>
           </a:p>
         </p:txBody>
       </p:sp>
@@ -38093,7 +43090,7 @@
           <a:p>
             <a:pPr algn="ctr"/>
             <a:r>
-              <a:rPr lang="ja-JP" altLang="en-US" sz="2400" dirty="0" smtClean="0">
+              <a:rPr lang="ja-JP" altLang="en-US" sz="2400" dirty="0">
                 <a:solidFill>
                   <a:schemeClr val="tx1"/>
                 </a:solidFill>
@@ -38102,13 +43099,6 @@
               </a:rPr>
               <a:t>特徴量の選定</a:t>
             </a:r>
-            <a:endParaRPr lang="ja-JP" altLang="en-US" sz="2400" dirty="0">
-              <a:solidFill>
-                <a:schemeClr val="tx1"/>
-              </a:solidFill>
-              <a:latin typeface="メイリオ" panose="020B0604030504040204" pitchFamily="50" charset="-128"/>
-              <a:ea typeface="メイリオ" panose="020B0604030504040204" pitchFamily="50" charset="-128"/>
-            </a:endParaRPr>
           </a:p>
         </p:txBody>
       </p:sp>
@@ -38176,13 +43166,13 @@
               </a:lnSpc>
             </a:pPr>
             <a:r>
-              <a:rPr lang="ja-JP" altLang="en-US" sz="2400" dirty="0" smtClean="0">
+              <a:rPr lang="ja-JP" altLang="en-US" sz="2400" dirty="0">
                 <a:latin typeface="メイリオ" panose="020B0604030504040204" pitchFamily="50" charset="-128"/>
                 <a:ea typeface="メイリオ" panose="020B0604030504040204" pitchFamily="50" charset="-128"/>
               </a:rPr>
               <a:t>特徴量選定</a:t>
             </a:r>
-            <a:endParaRPr lang="en-US" altLang="ja-JP" sz="2400" dirty="0" smtClean="0">
+            <a:endParaRPr lang="en-US" altLang="ja-JP" sz="2400" dirty="0">
               <a:latin typeface="メイリオ" panose="020B0604030504040204" pitchFamily="50" charset="-128"/>
               <a:ea typeface="メイリオ" panose="020B0604030504040204" pitchFamily="50" charset="-128"/>
             </a:endParaRPr>
@@ -38401,7 +43391,7 @@
           <a:p>
             <a:pPr algn="ctr"/>
             <a:r>
-              <a:rPr lang="ja-JP" altLang="en-US" sz="2400" dirty="0" smtClean="0">
+              <a:rPr lang="ja-JP" altLang="en-US" sz="2400" dirty="0">
                 <a:solidFill>
                   <a:schemeClr val="tx1"/>
                 </a:solidFill>
@@ -38410,13 +43400,6 @@
               </a:rPr>
               <a:t>学習</a:t>
             </a:r>
-            <a:endParaRPr lang="ja-JP" altLang="en-US" sz="2400" dirty="0">
-              <a:solidFill>
-                <a:schemeClr val="tx1"/>
-              </a:solidFill>
-              <a:latin typeface="メイリオ" panose="020B0604030504040204" pitchFamily="50" charset="-128"/>
-              <a:ea typeface="メイリオ" panose="020B0604030504040204" pitchFamily="50" charset="-128"/>
-            </a:endParaRPr>
           </a:p>
         </p:txBody>
       </p:sp>
@@ -38512,7 +43495,7 @@
           <a:p>
             <a:pPr algn="ctr"/>
             <a:r>
-              <a:rPr lang="ja-JP" altLang="en-US" sz="2400" dirty="0" smtClean="0">
+              <a:rPr lang="ja-JP" altLang="en-US" sz="2400" dirty="0">
                 <a:solidFill>
                   <a:schemeClr val="tx1"/>
                 </a:solidFill>
@@ -38521,13 +43504,6 @@
               </a:rPr>
               <a:t>評価</a:t>
             </a:r>
-            <a:endParaRPr lang="ja-JP" altLang="en-US" sz="2400" dirty="0">
-              <a:solidFill>
-                <a:schemeClr val="tx1"/>
-              </a:solidFill>
-              <a:latin typeface="メイリオ" panose="020B0604030504040204" pitchFamily="50" charset="-128"/>
-              <a:ea typeface="メイリオ" panose="020B0604030504040204" pitchFamily="50" charset="-128"/>
-            </a:endParaRPr>
           </a:p>
         </p:txBody>
       </p:sp>
@@ -38589,7 +43565,7 @@
               </a:lnSpc>
             </a:pPr>
             <a:r>
-              <a:rPr lang="ja-JP" altLang="en-US" sz="2400" dirty="0" smtClean="0">
+              <a:rPr lang="ja-JP" altLang="en-US" sz="2400" dirty="0">
                 <a:latin typeface="メイリオ" panose="020B0604030504040204" pitchFamily="50" charset="-128"/>
                 <a:ea typeface="メイリオ" panose="020B0604030504040204" pitchFamily="50" charset="-128"/>
               </a:rPr>
@@ -38629,7 +43605,7 @@
               </a:lnSpc>
             </a:pPr>
             <a:r>
-              <a:rPr lang="ja-JP" altLang="en-US" sz="2400" dirty="0" smtClean="0">
+              <a:rPr lang="ja-JP" altLang="en-US" sz="2400" dirty="0">
                 <a:latin typeface="メイリオ" panose="020B0604030504040204" pitchFamily="50" charset="-128"/>
                 <a:ea typeface="メイリオ" panose="020B0604030504040204" pitchFamily="50" charset="-128"/>
               </a:rPr>
@@ -38722,7 +43698,7 @@
               </a:lnSpc>
             </a:pPr>
             <a:r>
-              <a:rPr lang="ja-JP" altLang="en-US" sz="2400" dirty="0" smtClean="0">
+              <a:rPr lang="ja-JP" altLang="en-US" sz="2400" dirty="0">
                 <a:latin typeface="メイリオ" panose="020B0604030504040204" pitchFamily="50" charset="-128"/>
                 <a:ea typeface="メイリオ" panose="020B0604030504040204" pitchFamily="50" charset="-128"/>
               </a:rPr>
@@ -38769,7 +43745,7 @@
               </a:lnSpc>
             </a:pPr>
             <a:r>
-              <a:rPr lang="ja-JP" altLang="en-US" sz="2400" dirty="0" smtClean="0">
+              <a:rPr lang="ja-JP" altLang="en-US" sz="2400" dirty="0">
                 <a:latin typeface="メイリオ" panose="020B0604030504040204" pitchFamily="50" charset="-128"/>
                 <a:ea typeface="メイリオ" panose="020B0604030504040204" pitchFamily="50" charset="-128"/>
               </a:rPr>
@@ -38917,18 +43893,18 @@
           <a:p>
             <a:pPr algn="ctr"/>
             <a:r>
-              <a:rPr kumimoji="1" lang="ja-JP" altLang="en-US" sz="2400" b="1" dirty="0" smtClean="0"/>
+              <a:rPr kumimoji="1" lang="ja-JP" altLang="en-US" sz="2400" b="1" dirty="0"/>
               <a:t>上位</a:t>
             </a:r>
             <a:r>
-              <a:rPr lang="en-US" altLang="ja-JP" sz="2400" b="1" dirty="0" smtClean="0"/>
+              <a:rPr lang="en-US" altLang="ja-JP" sz="2400" b="1" dirty="0"/>
               <a:t>10</a:t>
             </a:r>
             <a:r>
-              <a:rPr lang="ja-JP" altLang="en-US" sz="2400" b="1" dirty="0" smtClean="0"/>
+              <a:rPr lang="ja-JP" altLang="en-US" sz="2400" b="1" dirty="0"/>
               <a:t>個</a:t>
             </a:r>
-            <a:endParaRPr kumimoji="1" lang="en-US" altLang="ja-JP" sz="2400" b="1" dirty="0" smtClean="0"/>
+            <a:endParaRPr kumimoji="1" lang="en-US" altLang="ja-JP" sz="2400" b="1" dirty="0"/>
           </a:p>
         </p:txBody>
       </p:sp>
@@ -38975,22 +43951,18 @@
           <a:p>
             <a:pPr algn="ctr"/>
             <a:r>
-              <a:rPr kumimoji="1" lang="ja-JP" altLang="en-US" sz="2400" b="1" dirty="0" smtClean="0"/>
+              <a:rPr kumimoji="1" lang="ja-JP" altLang="en-US" sz="2400" b="1" dirty="0"/>
               <a:t>上位</a:t>
             </a:r>
             <a:r>
               <a:rPr lang="en-US" altLang="ja-JP" sz="2400" b="1" dirty="0"/>
-              <a:t>2</a:t>
+              <a:t>20</a:t>
             </a:r>
             <a:r>
-              <a:rPr lang="en-US" altLang="ja-JP" sz="2400" b="1" dirty="0" smtClean="0"/>
-              <a:t>0</a:t>
-            </a:r>
-            <a:r>
-              <a:rPr lang="ja-JP" altLang="en-US" sz="2400" b="1" dirty="0" smtClean="0"/>
+              <a:rPr lang="ja-JP" altLang="en-US" sz="2400" b="1" dirty="0"/>
               <a:t>個</a:t>
             </a:r>
-            <a:endParaRPr kumimoji="1" lang="en-US" altLang="ja-JP" sz="2400" b="1" dirty="0" smtClean="0"/>
+            <a:endParaRPr kumimoji="1" lang="en-US" altLang="ja-JP" sz="2400" b="1" dirty="0"/>
           </a:p>
         </p:txBody>
       </p:sp>
@@ -39037,18 +44009,18 @@
           <a:p>
             <a:pPr algn="ctr"/>
             <a:r>
-              <a:rPr kumimoji="1" lang="ja-JP" altLang="en-US" sz="2400" b="1" dirty="0" smtClean="0"/>
+              <a:rPr kumimoji="1" lang="ja-JP" altLang="en-US" sz="2400" b="1" dirty="0"/>
               <a:t>上位</a:t>
             </a:r>
             <a:r>
-              <a:rPr lang="en-US" altLang="ja-JP" sz="2400" b="1" dirty="0" smtClean="0"/>
+              <a:rPr lang="en-US" altLang="ja-JP" sz="2400" b="1" dirty="0"/>
               <a:t>30</a:t>
             </a:r>
             <a:r>
-              <a:rPr lang="ja-JP" altLang="en-US" sz="2400" b="1" dirty="0" smtClean="0"/>
+              <a:rPr lang="ja-JP" altLang="en-US" sz="2400" b="1" dirty="0"/>
               <a:t>個</a:t>
             </a:r>
-            <a:endParaRPr kumimoji="1" lang="en-US" altLang="ja-JP" sz="2400" b="1" dirty="0" smtClean="0"/>
+            <a:endParaRPr kumimoji="1" lang="en-US" altLang="ja-JP" sz="2400" b="1" dirty="0"/>
           </a:p>
         </p:txBody>
       </p:sp>
@@ -39099,22 +44071,18 @@
               <a:t>高低</a:t>
             </a:r>
             <a:r>
-              <a:rPr kumimoji="1" lang="ja-JP" altLang="en-US" sz="2400" b="1" dirty="0" smtClean="0"/>
+              <a:rPr kumimoji="1" lang="ja-JP" altLang="en-US" sz="2400" b="1" dirty="0"/>
               <a:t>上位</a:t>
             </a:r>
             <a:r>
               <a:rPr lang="en-US" altLang="ja-JP" sz="2400" b="1" dirty="0"/>
-              <a:t>2</a:t>
+              <a:t>20</a:t>
             </a:r>
             <a:r>
-              <a:rPr lang="en-US" altLang="ja-JP" sz="2400" b="1" dirty="0" smtClean="0"/>
-              <a:t>0</a:t>
-            </a:r>
-            <a:r>
-              <a:rPr lang="ja-JP" altLang="en-US" sz="2400" b="1" dirty="0" smtClean="0"/>
+              <a:rPr lang="ja-JP" altLang="en-US" sz="2400" b="1" dirty="0"/>
               <a:t>個</a:t>
             </a:r>
-            <a:endParaRPr kumimoji="1" lang="en-US" altLang="ja-JP" sz="2400" b="1" dirty="0" smtClean="0"/>
+            <a:endParaRPr kumimoji="1" lang="en-US" altLang="ja-JP" sz="2400" b="1" dirty="0"/>
           </a:p>
         </p:txBody>
       </p:sp>
@@ -39165,22 +44133,18 @@
               <a:t>高低</a:t>
             </a:r>
             <a:r>
-              <a:rPr kumimoji="1" lang="ja-JP" altLang="en-US" sz="2400" b="1" dirty="0" smtClean="0"/>
+              <a:rPr kumimoji="1" lang="ja-JP" altLang="en-US" sz="2400" b="1" dirty="0"/>
               <a:t>上位</a:t>
             </a:r>
             <a:r>
               <a:rPr lang="en-US" altLang="ja-JP" sz="2400" b="1" dirty="0"/>
-              <a:t>2</a:t>
+              <a:t>20</a:t>
             </a:r>
             <a:r>
-              <a:rPr lang="en-US" altLang="ja-JP" sz="2400" b="1" dirty="0" smtClean="0"/>
-              <a:t>0</a:t>
-            </a:r>
-            <a:r>
-              <a:rPr lang="ja-JP" altLang="en-US" sz="2400" b="1" dirty="0" smtClean="0"/>
+              <a:rPr lang="ja-JP" altLang="en-US" sz="2400" b="1" dirty="0"/>
               <a:t>個</a:t>
             </a:r>
-            <a:endParaRPr kumimoji="1" lang="en-US" altLang="ja-JP" sz="2400" b="1" dirty="0" smtClean="0"/>
+            <a:endParaRPr kumimoji="1" lang="en-US" altLang="ja-JP" sz="2400" b="1" dirty="0"/>
           </a:p>
         </p:txBody>
       </p:sp>

--- a/out_data/21T7-008.pptx
+++ b/out_data/21T7-008.pptx
@@ -1716,48 +1716,48 @@
               </a:lnSpc>
             </a:pPr>
             <a:r>
-              <a:rPr kumimoji="1" lang="en-US" altLang="ja-JP" sz="2000" dirty="0" smtClean="0">
+              <a:rPr kumimoji="1" lang="en-US" altLang="ja-JP" sz="2000" dirty="0">
                 <a:latin typeface="メイリオ" panose="020B0604030504040204" pitchFamily="50" charset="-128"/>
                 <a:ea typeface="メイリオ" panose="020B0604030504040204" pitchFamily="50" charset="-128"/>
               </a:rPr>
               <a:t>1</a:t>
             </a:r>
             <a:r>
-              <a:rPr kumimoji="1" lang="ja-JP" altLang="en-US" sz="2000" dirty="0" smtClean="0">
+              <a:rPr kumimoji="1" lang="ja-JP" altLang="en-US" sz="2000" dirty="0">
                 <a:latin typeface="メイリオ" panose="020B0604030504040204" pitchFamily="50" charset="-128"/>
                 <a:ea typeface="メイリオ" panose="020B0604030504040204" pitchFamily="50" charset="-128"/>
               </a:rPr>
               <a:t>時間値で</a:t>
             </a:r>
             <a:r>
-              <a:rPr kumimoji="1" lang="en-US" altLang="ja-JP" sz="2000" dirty="0" smtClean="0">
+              <a:rPr kumimoji="1" lang="en-US" altLang="ja-JP" sz="2000" dirty="0">
                 <a:latin typeface="メイリオ" panose="020B0604030504040204" pitchFamily="50" charset="-128"/>
                 <a:ea typeface="メイリオ" panose="020B0604030504040204" pitchFamily="50" charset="-128"/>
               </a:rPr>
               <a:t>120ppb</a:t>
             </a:r>
             <a:r>
-              <a:rPr kumimoji="1" lang="ja-JP" altLang="en-US" sz="2000" dirty="0" smtClean="0">
+              <a:rPr kumimoji="1" lang="ja-JP" altLang="en-US" sz="2000" dirty="0">
                 <a:latin typeface="メイリオ" panose="020B0604030504040204" pitchFamily="50" charset="-128"/>
                 <a:ea typeface="メイリオ" panose="020B0604030504040204" pitchFamily="50" charset="-128"/>
               </a:rPr>
               <a:t>以上</a:t>
             </a:r>
             <a:r>
-              <a:rPr lang="ja-JP" altLang="en-US" sz="2000" dirty="0" smtClean="0">
+              <a:rPr lang="ja-JP" altLang="en-US" sz="2000" dirty="0">
                 <a:latin typeface="メイリオ" panose="020B0604030504040204" pitchFamily="50" charset="-128"/>
                 <a:ea typeface="メイリオ" panose="020B0604030504040204" pitchFamily="50" charset="-128"/>
               </a:rPr>
               <a:t>が</a:t>
             </a:r>
             <a:r>
-              <a:rPr kumimoji="1" lang="ja-JP" altLang="en-US" sz="2000" dirty="0" smtClean="0">
+              <a:rPr kumimoji="1" lang="ja-JP" altLang="en-US" sz="2000" dirty="0">
                 <a:latin typeface="メイリオ" panose="020B0604030504040204" pitchFamily="50" charset="-128"/>
                 <a:ea typeface="メイリオ" panose="020B0604030504040204" pitchFamily="50" charset="-128"/>
               </a:rPr>
               <a:t>観測され、それが続く可能性がある場合、各自治体が光化学オキシダント注意報等を発令します。</a:t>
             </a:r>
-            <a:endParaRPr kumimoji="1" lang="en-US" altLang="ja-JP" sz="2000" dirty="0" smtClean="0">
+            <a:endParaRPr kumimoji="1" lang="en-US" altLang="ja-JP" sz="2000" dirty="0">
               <a:latin typeface="メイリオ" panose="020B0604030504040204" pitchFamily="50" charset="-128"/>
               <a:ea typeface="メイリオ" panose="020B0604030504040204" pitchFamily="50" charset="-128"/>
             </a:endParaRPr>
@@ -1768,7 +1768,7 @@
                 <a:spcPct val="150000"/>
               </a:lnSpc>
             </a:pPr>
-            <a:endParaRPr kumimoji="1" lang="en-US" altLang="ja-JP" sz="2000" baseline="0" dirty="0" smtClean="0">
+            <a:endParaRPr kumimoji="1" lang="en-US" altLang="ja-JP" sz="2000" baseline="0" dirty="0">
               <a:latin typeface="メイリオ" panose="020B0604030504040204" pitchFamily="50" charset="-128"/>
               <a:ea typeface="メイリオ" panose="020B0604030504040204" pitchFamily="50" charset="-128"/>
             </a:endParaRPr>
@@ -1780,33 +1780,32 @@
               </a:lnSpc>
             </a:pPr>
             <a:r>
-              <a:rPr kumimoji="1" lang="ja-JP" altLang="en-US" sz="2000" baseline="0" dirty="0" smtClean="0">
+              <a:rPr kumimoji="1" lang="ja-JP" altLang="en-US" sz="2000" baseline="0" dirty="0">
                 <a:latin typeface="メイリオ" panose="020B0604030504040204" pitchFamily="50" charset="-128"/>
                 <a:ea typeface="メイリオ" panose="020B0604030504040204" pitchFamily="50" charset="-128"/>
               </a:rPr>
               <a:t>発令は実測値を基に行うのですが判断は難しい。</a:t>
             </a:r>
-            <a:endParaRPr kumimoji="1" lang="en-US" altLang="ja-JP" sz="2000" baseline="0" dirty="0" smtClean="0">
+            <a:endParaRPr kumimoji="1" lang="en-US" altLang="ja-JP" sz="2000" baseline="0" dirty="0">
               <a:latin typeface="メイリオ" panose="020B0604030504040204" pitchFamily="50" charset="-128"/>
               <a:ea typeface="メイリオ" panose="020B0604030504040204" pitchFamily="50" charset="-128"/>
             </a:endParaRPr>
           </a:p>
           <a:p>
-            <a:endParaRPr kumimoji="1" lang="en-US" altLang="ja-JP" dirty="0" smtClean="0"/>
+            <a:endParaRPr kumimoji="1" lang="en-US" altLang="ja-JP" dirty="0"/>
           </a:p>
           <a:p>
             <a:r>
-              <a:rPr kumimoji="1" lang="ja-JP" altLang="en-US" dirty="0" smtClean="0"/>
+              <a:rPr kumimoji="1" lang="ja-JP" altLang="en-US" dirty="0"/>
               <a:t>そこで、</a:t>
             </a:r>
-            <a:endParaRPr kumimoji="1" lang="en-US" altLang="ja-JP" dirty="0" smtClean="0"/>
+            <a:endParaRPr kumimoji="1" lang="en-US" altLang="ja-JP" dirty="0"/>
           </a:p>
           <a:p>
             <a:r>
-              <a:rPr kumimoji="1" lang="ja-JP" altLang="en-US" dirty="0" smtClean="0"/>
+              <a:rPr kumimoji="1" lang="ja-JP" altLang="en-US" dirty="0"/>
               <a:t>ＡＩによる短期予測を行い注意報の発令を行おうといった研究がなされています。</a:t>
             </a:r>
-            <a:endParaRPr kumimoji="1" lang="ja-JP" altLang="en-US" dirty="0"/>
           </a:p>
         </p:txBody>
       </p:sp>
@@ -1891,86 +1890,82 @@
           <a:lstStyle/>
           <a:p>
             <a:r>
-              <a:rPr kumimoji="1" lang="en-US" altLang="ja-JP" dirty="0" smtClean="0"/>
+              <a:rPr kumimoji="1" lang="en-US" altLang="ja-JP" dirty="0"/>
               <a:t>AI</a:t>
             </a:r>
             <a:r>
-              <a:rPr kumimoji="1" lang="ja-JP" altLang="en-US" dirty="0" smtClean="0"/>
+              <a:rPr kumimoji="1" lang="ja-JP" altLang="en-US" dirty="0"/>
               <a:t>の流れは図のようになっています。</a:t>
             </a:r>
-            <a:endParaRPr kumimoji="1" lang="en-US" altLang="ja-JP" dirty="0" smtClean="0"/>
+            <a:endParaRPr kumimoji="1" lang="en-US" altLang="ja-JP" dirty="0"/>
           </a:p>
           <a:p>
-            <a:endParaRPr kumimoji="1" lang="en-US" altLang="ja-JP" dirty="0" smtClean="0"/>
+            <a:endParaRPr kumimoji="1" lang="en-US" altLang="ja-JP" dirty="0"/>
           </a:p>
           <a:p>
             <a:r>
-              <a:rPr kumimoji="1" lang="ja-JP" altLang="en-US" dirty="0" smtClean="0"/>
+              <a:rPr kumimoji="1" lang="ja-JP" altLang="en-US" dirty="0"/>
               <a:t>現状、</a:t>
             </a:r>
             <a:r>
-              <a:rPr kumimoji="1" lang="en-US" altLang="ja-JP" dirty="0" smtClean="0"/>
+              <a:rPr kumimoji="1" lang="en-US" altLang="ja-JP" dirty="0"/>
               <a:t>Ox</a:t>
             </a:r>
             <a:r>
-              <a:rPr kumimoji="1" lang="ja-JP" altLang="en-US" dirty="0" smtClean="0"/>
+              <a:rPr kumimoji="1" lang="ja-JP" altLang="en-US" dirty="0"/>
               <a:t>を予測する最適な特徴量に関する研究は限られている</a:t>
             </a:r>
-            <a:endParaRPr kumimoji="1" lang="en-US" altLang="ja-JP" dirty="0" smtClean="0"/>
+            <a:endParaRPr kumimoji="1" lang="en-US" altLang="ja-JP" dirty="0"/>
           </a:p>
           <a:p>
-            <a:endParaRPr kumimoji="1" lang="en-US" altLang="ja-JP" dirty="0" smtClean="0"/>
+            <a:endParaRPr kumimoji="1" lang="en-US" altLang="ja-JP" dirty="0"/>
           </a:p>
           <a:p>
             <a:r>
-              <a:rPr kumimoji="1" lang="ja-JP" altLang="en-US" dirty="0" smtClean="0"/>
+              <a:rPr kumimoji="1" lang="ja-JP" altLang="en-US" dirty="0"/>
               <a:t>そこで本研究では、特徴量をベンチマーク試験により評価することでより高精度なモデルを作成できる特徴量を探索することを目的としています。</a:t>
             </a:r>
-            <a:endParaRPr kumimoji="1" lang="en-US" altLang="ja-JP" dirty="0" smtClean="0"/>
+            <a:endParaRPr kumimoji="1" lang="en-US" altLang="ja-JP" dirty="0"/>
           </a:p>
           <a:p>
-            <a:endParaRPr kumimoji="1" lang="en-US" altLang="ja-JP" dirty="0" smtClean="0"/>
+            <a:endParaRPr kumimoji="1" lang="en-US" altLang="ja-JP" dirty="0"/>
           </a:p>
           <a:p>
             <a:r>
-              <a:rPr kumimoji="1" lang="ja-JP" altLang="en-US" dirty="0" smtClean="0"/>
+              <a:rPr kumimoji="1" lang="ja-JP" altLang="en-US" dirty="0"/>
               <a:t>本研究において目指すべきモデルは現場で使える、高濃度を高精度委に予測できることが求められます。</a:t>
             </a:r>
-            <a:endParaRPr kumimoji="1" lang="en-US" altLang="ja-JP" dirty="0" smtClean="0"/>
+            <a:endParaRPr kumimoji="1" lang="en-US" altLang="ja-JP" dirty="0"/>
           </a:p>
           <a:p>
             <a:r>
-              <a:rPr kumimoji="1" lang="ja-JP" altLang="en-US" dirty="0" smtClean="0"/>
+              <a:rPr kumimoji="1" lang="ja-JP" altLang="en-US" dirty="0"/>
               <a:t>高濃度は今回</a:t>
             </a:r>
             <a:r>
-              <a:rPr kumimoji="1" lang="en-US" altLang="ja-JP" dirty="0" smtClean="0"/>
-              <a:t>80</a:t>
-            </a:r>
-            <a:r>
-              <a:rPr kumimoji="1" lang="en-US" altLang="ja-JP" dirty="0" smtClean="0"/>
-              <a:t>ppb</a:t>
-            </a:r>
-            <a:r>
-              <a:rPr kumimoji="1" lang="ja-JP" altLang="en-US" dirty="0" smtClean="0"/>
+              <a:rPr kumimoji="1" lang="en-US" altLang="ja-JP" dirty="0"/>
+              <a:t>80ppb</a:t>
+            </a:r>
+            <a:r>
+              <a:rPr kumimoji="1" lang="ja-JP" altLang="en-US" dirty="0"/>
               <a:t>以上と定めています。</a:t>
             </a:r>
-            <a:endParaRPr kumimoji="1" lang="en-US" altLang="ja-JP" dirty="0" smtClean="0"/>
+            <a:endParaRPr kumimoji="1" lang="en-US" altLang="ja-JP" dirty="0"/>
           </a:p>
           <a:p>
-            <a:endParaRPr kumimoji="1" lang="en-US" altLang="ja-JP" dirty="0" smtClean="0"/>
+            <a:endParaRPr kumimoji="1" lang="en-US" altLang="ja-JP" dirty="0"/>
           </a:p>
           <a:p>
             <a:r>
-              <a:rPr kumimoji="1" lang="ja-JP" altLang="en-US" dirty="0" smtClean="0"/>
+              <a:rPr kumimoji="1" lang="ja-JP" altLang="en-US" dirty="0"/>
               <a:t>また、ベンチマークとして</a:t>
             </a:r>
             <a:r>
-              <a:rPr kumimoji="1" lang="en-US" altLang="ja-JP" dirty="0" smtClean="0"/>
+              <a:rPr kumimoji="1" lang="en-US" altLang="ja-JP" dirty="0"/>
               <a:t>Ox</a:t>
             </a:r>
             <a:r>
-              <a:rPr kumimoji="1" lang="ja-JP" altLang="en-US" dirty="0" smtClean="0"/>
+              <a:rPr kumimoji="1" lang="ja-JP" altLang="en-US" dirty="0"/>
               <a:t>の反応に関わるものを選定しました。</a:t>
             </a:r>
           </a:p>
@@ -2060,50 +2055,49 @@
           <a:lstStyle/>
           <a:p>
             <a:r>
-              <a:rPr kumimoji="1" lang="ja-JP" altLang="en-US" dirty="0" smtClean="0"/>
+              <a:rPr kumimoji="1" lang="ja-JP" altLang="en-US" dirty="0"/>
               <a:t>使用データは国立環境研究所の時間値データ</a:t>
             </a:r>
-            <a:endParaRPr kumimoji="1" lang="en-US" altLang="ja-JP" dirty="0" smtClean="0"/>
+            <a:endParaRPr kumimoji="1" lang="en-US" altLang="ja-JP" dirty="0"/>
           </a:p>
           <a:p>
-            <a:endParaRPr kumimoji="1" lang="en-US" altLang="ja-JP" dirty="0" smtClean="0"/>
+            <a:endParaRPr kumimoji="1" lang="en-US" altLang="ja-JP" dirty="0"/>
           </a:p>
           <a:p>
             <a:r>
-              <a:rPr kumimoji="1" lang="en-US" altLang="ja-JP" dirty="0" smtClean="0"/>
+              <a:rPr kumimoji="1" lang="en-US" altLang="ja-JP" dirty="0"/>
               <a:t>2018</a:t>
             </a:r>
             <a:r>
-              <a:rPr kumimoji="1" lang="ja-JP" altLang="en-US" dirty="0" smtClean="0"/>
+              <a:rPr kumimoji="1" lang="ja-JP" altLang="en-US" dirty="0"/>
               <a:t>年度を学習させ</a:t>
             </a:r>
             <a:r>
-              <a:rPr kumimoji="1" lang="en-US" altLang="ja-JP" dirty="0" smtClean="0"/>
+              <a:rPr kumimoji="1" lang="en-US" altLang="ja-JP" dirty="0"/>
               <a:t>2019</a:t>
             </a:r>
             <a:r>
-              <a:rPr kumimoji="1" lang="ja-JP" altLang="en-US" dirty="0" smtClean="0"/>
+              <a:rPr kumimoji="1" lang="ja-JP" altLang="en-US" dirty="0"/>
               <a:t>年度を予測させます。</a:t>
             </a:r>
-            <a:endParaRPr kumimoji="1" lang="en-US" altLang="ja-JP" dirty="0" smtClean="0"/>
+            <a:endParaRPr kumimoji="1" lang="en-US" altLang="ja-JP" dirty="0"/>
           </a:p>
           <a:p>
-            <a:endParaRPr kumimoji="1" lang="en-US" altLang="ja-JP" dirty="0" smtClean="0"/>
+            <a:endParaRPr kumimoji="1" lang="en-US" altLang="ja-JP" dirty="0"/>
           </a:p>
           <a:p>
             <a:r>
-              <a:rPr kumimoji="1" lang="ja-JP" altLang="en-US" dirty="0" smtClean="0"/>
+              <a:rPr kumimoji="1" lang="ja-JP" altLang="en-US" dirty="0"/>
               <a:t>対象地点は記載の</a:t>
             </a:r>
             <a:r>
-              <a:rPr kumimoji="1" lang="en-US" altLang="ja-JP" dirty="0" smtClean="0"/>
+              <a:rPr kumimoji="1" lang="en-US" altLang="ja-JP" dirty="0"/>
               <a:t>9</a:t>
             </a:r>
             <a:r>
-              <a:rPr kumimoji="1" lang="ja-JP" altLang="en-US" dirty="0" smtClean="0"/>
+              <a:rPr kumimoji="1" lang="ja-JP" altLang="en-US" dirty="0"/>
               <a:t>地点になります。</a:t>
             </a:r>
-            <a:endParaRPr kumimoji="1" lang="ja-JP" altLang="en-US" dirty="0"/>
           </a:p>
         </p:txBody>
       </p:sp>
@@ -2206,15 +2200,15 @@
           <a:lstStyle/>
           <a:p>
             <a:r>
-              <a:rPr kumimoji="1" lang="ja-JP" altLang="en-US" dirty="0" smtClean="0"/>
+              <a:rPr kumimoji="1" lang="ja-JP" altLang="en-US" dirty="0"/>
               <a:t>今回、高濃度域の予測で特徴量需要度が高いもののみを採用することで最適な特徴量になる</a:t>
             </a:r>
           </a:p>
           <a:p>
-            <a:endParaRPr kumimoji="1" lang="en-US" altLang="ja-JP" dirty="0" smtClean="0"/>
+            <a:endParaRPr kumimoji="1" lang="en-US" altLang="ja-JP" dirty="0"/>
           </a:p>
           <a:p>
-            <a:endParaRPr kumimoji="1" lang="en-US" altLang="ja-JP" dirty="0" smtClean="0"/>
+            <a:endParaRPr kumimoji="1" lang="en-US" altLang="ja-JP" dirty="0"/>
           </a:p>
           <a:p>
             <a:endParaRPr kumimoji="1" lang="ja-JP" altLang="en-US" dirty="0"/>
@@ -6328,18 +6322,6 @@
               </a:rPr>
               <a:t>を用いた</a:t>
             </a:r>
-            <a:r>
-              <a:rPr kumimoji="1" lang="en-US" altLang="ja-JP" sz="3600" dirty="0">
-                <a:solidFill>
-                  <a:schemeClr val="bg1">
-                    <a:lumMod val="85000"/>
-                  </a:schemeClr>
-                </a:solidFill>
-                <a:latin typeface="メイリオ" panose="020B0604030504040204" pitchFamily="50" charset="-128"/>
-                <a:ea typeface="メイリオ" panose="020B0604030504040204" pitchFamily="50" charset="-128"/>
-              </a:rPr>
-              <a:t/>
-            </a:r>
             <a:br>
               <a:rPr kumimoji="1" lang="en-US" altLang="ja-JP" sz="3600" dirty="0">
                 <a:solidFill>
@@ -6828,16 +6810,6 @@
                 <a:ea typeface="メイリオ" panose="020B0604030504040204" pitchFamily="50" charset="-128"/>
               </a:rPr>
               <a:t>特徴量</a:t>
-            </a:r>
-            <a:r>
-              <a:rPr lang="en-US" altLang="ja-JP" sz="2400" dirty="0">
-                <a:solidFill>
-                  <a:schemeClr val="tx1"/>
-                </a:solidFill>
-                <a:latin typeface="メイリオ" panose="020B0604030504040204" pitchFamily="50" charset="-128"/>
-                <a:ea typeface="メイリオ" panose="020B0604030504040204" pitchFamily="50" charset="-128"/>
-              </a:rPr>
-              <a:t/>
             </a:r>
             <a:br>
               <a:rPr lang="en-US" altLang="ja-JP" sz="2400" dirty="0">
@@ -7738,12 +7710,6 @@
                         </a:rPr>
                         <a:t>・</a:t>
                       </a:r>
-                      <a:r>
-                        <a:rPr lang="en-US" altLang="ja-JP" sz="2400" u="none" strike="noStrike" dirty="0">
-                          <a:effectLst/>
-                        </a:rPr>
-                        <a:t/>
-                      </a:r>
                       <a:br>
                         <a:rPr lang="en-US" altLang="ja-JP" sz="2400" u="none" strike="noStrike" dirty="0">
                           <a:effectLst/>
@@ -8325,7 +8291,7 @@
         </p:nvSpPr>
         <p:spPr>
           <a:xfrm>
-            <a:off x="3610962" y="3373493"/>
+            <a:off x="3489937" y="3360904"/>
             <a:ext cx="5212126" cy="461665"/>
           </a:xfrm>
           <a:prstGeom prst="rect">
@@ -8556,8 +8522,8 @@
           </p:nvSpPr>
           <p:spPr>
             <a:xfrm>
-              <a:off x="313920" y="4633602"/>
-              <a:ext cx="3242544" cy="977191"/>
+              <a:off x="521618" y="4612464"/>
+              <a:ext cx="3242544" cy="1270748"/>
             </a:xfrm>
             <a:prstGeom prst="rect">
               <a:avLst/>
@@ -8590,22 +8556,14 @@
                   <a:latin typeface="メイリオ" panose="020B0604030504040204" pitchFamily="50" charset="-128"/>
                   <a:ea typeface="メイリオ" panose="020B0604030504040204" pitchFamily="50" charset="-128"/>
                 </a:rPr>
-                <a:t>が</a:t>
+                <a:t>が高濃度の時に</a:t>
               </a:r>
-              <a:r>
+              <a:br>
                 <a:rPr lang="en-US" altLang="ja-JP" sz="2000" dirty="0">
                   <a:latin typeface="メイリオ" panose="020B0604030504040204" pitchFamily="50" charset="-128"/>
                   <a:ea typeface="メイリオ" panose="020B0604030504040204" pitchFamily="50" charset="-128"/>
                 </a:rPr>
-                <a:t>80ppb</a:t>
-              </a:r>
-              <a:r>
-                <a:rPr lang="ja-JP" altLang="en-US" sz="2000" dirty="0">
-                  <a:latin typeface="メイリオ" panose="020B0604030504040204" pitchFamily="50" charset="-128"/>
-                  <a:ea typeface="メイリオ" panose="020B0604030504040204" pitchFamily="50" charset="-128"/>
-                </a:rPr>
-                <a:t>以上の時に</a:t>
-              </a:r>
+              </a:br>
               <a:r>
                 <a:rPr lang="ja-JP" altLang="en-US" sz="2000" dirty="0">
                   <a:solidFill>
@@ -8621,21 +8579,7 @@
                   <a:latin typeface="メイリオ" panose="020B0604030504040204" pitchFamily="50" charset="-128"/>
                   <a:ea typeface="メイリオ" panose="020B0604030504040204" pitchFamily="50" charset="-128"/>
                 </a:rPr>
-                <a:t>が</a:t>
-              </a:r>
-              <a:r>
-                <a:rPr lang="en-US" altLang="ja-JP" sz="2000" dirty="0">
-                  <a:latin typeface="メイリオ" panose="020B0604030504040204" pitchFamily="50" charset="-128"/>
-                  <a:ea typeface="メイリオ" panose="020B0604030504040204" pitchFamily="50" charset="-128"/>
-                </a:rPr>
-                <a:t>80ppb</a:t>
-              </a:r>
-              <a:r>
-                <a:rPr lang="ja-JP" altLang="en-US" sz="2000" dirty="0">
-                  <a:latin typeface="メイリオ" panose="020B0604030504040204" pitchFamily="50" charset="-128"/>
-                  <a:ea typeface="メイリオ" panose="020B0604030504040204" pitchFamily="50" charset="-128"/>
-                </a:rPr>
-                <a:t>以上の割合</a:t>
+                <a:t>が高濃度の割合</a:t>
               </a:r>
               <a:endParaRPr kumimoji="1" lang="en-US" altLang="ja-JP" sz="2000" dirty="0">
                 <a:latin typeface="メイリオ" panose="020B0604030504040204" pitchFamily="50" charset="-128"/>
@@ -8778,8 +8722,8 @@
           </p:nvSpPr>
           <p:spPr>
             <a:xfrm>
-              <a:off x="4323056" y="4633602"/>
-              <a:ext cx="3590877" cy="977191"/>
+              <a:off x="4381648" y="4560560"/>
+              <a:ext cx="3590877" cy="1235924"/>
             </a:xfrm>
             <a:prstGeom prst="rect">
               <a:avLst/>
@@ -8812,21 +8756,7 @@
                   <a:latin typeface="メイリオ" panose="020B0604030504040204" pitchFamily="50" charset="-128"/>
                   <a:ea typeface="メイリオ" panose="020B0604030504040204" pitchFamily="50" charset="-128"/>
                 </a:rPr>
-                <a:t>が</a:t>
-              </a:r>
-              <a:r>
-                <a:rPr lang="en-US" altLang="ja-JP" sz="2000" dirty="0">
-                  <a:latin typeface="メイリオ" panose="020B0604030504040204" pitchFamily="50" charset="-128"/>
-                  <a:ea typeface="メイリオ" panose="020B0604030504040204" pitchFamily="50" charset="-128"/>
-                </a:rPr>
-                <a:t>80ppb</a:t>
-              </a:r>
-              <a:r>
-                <a:rPr lang="ja-JP" altLang="en-US" sz="2000" dirty="0">
-                  <a:latin typeface="メイリオ" panose="020B0604030504040204" pitchFamily="50" charset="-128"/>
-                  <a:ea typeface="メイリオ" panose="020B0604030504040204" pitchFamily="50" charset="-128"/>
-                </a:rPr>
-                <a:t>以上の時に</a:t>
+                <a:t>が高濃度の時に</a:t>
               </a:r>
               <a:endParaRPr lang="en-US" altLang="ja-JP" sz="2000" dirty="0">
                 <a:latin typeface="メイリオ" panose="020B0604030504040204" pitchFamily="50" charset="-128"/>
@@ -8854,21 +8784,7 @@
                   <a:latin typeface="メイリオ" panose="020B0604030504040204" pitchFamily="50" charset="-128"/>
                   <a:ea typeface="メイリオ" panose="020B0604030504040204" pitchFamily="50" charset="-128"/>
                 </a:rPr>
-                <a:t>が</a:t>
-              </a:r>
-              <a:r>
-                <a:rPr lang="en-US" altLang="ja-JP" sz="2000" dirty="0">
-                  <a:latin typeface="メイリオ" panose="020B0604030504040204" pitchFamily="50" charset="-128"/>
-                  <a:ea typeface="メイリオ" panose="020B0604030504040204" pitchFamily="50" charset="-128"/>
-                </a:rPr>
-                <a:t>80ppb</a:t>
-              </a:r>
-              <a:r>
-                <a:rPr lang="ja-JP" altLang="en-US" sz="2000" dirty="0">
-                  <a:latin typeface="メイリオ" panose="020B0604030504040204" pitchFamily="50" charset="-128"/>
-                  <a:ea typeface="メイリオ" panose="020B0604030504040204" pitchFamily="50" charset="-128"/>
-                </a:rPr>
-                <a:t>以上の割合</a:t>
+                <a:t>が高濃度の割合</a:t>
               </a:r>
               <a:endParaRPr kumimoji="1" lang="en-US" altLang="ja-JP" sz="2000" dirty="0">
                 <a:latin typeface="メイリオ" panose="020B0604030504040204" pitchFamily="50" charset="-128"/>
@@ -9258,21 +9174,7 @@
                   <a:latin typeface="メイリオ" panose="020B0604030504040204" pitchFamily="50" charset="-128"/>
                   <a:ea typeface="メイリオ" panose="020B0604030504040204" pitchFamily="50" charset="-128"/>
                 </a:rPr>
-                <a:t>が</a:t>
-              </a:r>
-              <a:r>
-                <a:rPr lang="en-US" altLang="ja-JP" sz="2000" dirty="0">
-                  <a:latin typeface="メイリオ" panose="020B0604030504040204" pitchFamily="50" charset="-128"/>
-                  <a:ea typeface="メイリオ" panose="020B0604030504040204" pitchFamily="50" charset="-128"/>
-                </a:rPr>
-                <a:t>80ppb</a:t>
-              </a:r>
-              <a:r>
-                <a:rPr lang="ja-JP" altLang="en-US" sz="2000" dirty="0">
-                  <a:latin typeface="メイリオ" panose="020B0604030504040204" pitchFamily="50" charset="-128"/>
-                  <a:ea typeface="メイリオ" panose="020B0604030504040204" pitchFamily="50" charset="-128"/>
-                </a:rPr>
-                <a:t>以上のみの</a:t>
+                <a:t>が高濃度のみの</a:t>
               </a:r>
               <a:r>
                 <a:rPr lang="en-US" altLang="ja-JP" sz="2000" dirty="0">
@@ -12048,13 +11950,6 @@
               </a:rPr>
               <a:t>・全てにおいて</a:t>
             </a:r>
-            <a:r>
-              <a:rPr lang="en-US" altLang="ja-JP" sz="2400" dirty="0">
-                <a:latin typeface="メイリオ" panose="020B0604030504040204" pitchFamily="50" charset="-128"/>
-                <a:ea typeface="メイリオ" panose="020B0604030504040204" pitchFamily="50" charset="-128"/>
-              </a:rPr>
-              <a:t/>
-            </a:r>
             <a:br>
               <a:rPr lang="en-US" altLang="ja-JP" sz="2400" dirty="0">
                 <a:latin typeface="メイリオ" panose="020B0604030504040204" pitchFamily="50" charset="-128"/>
@@ -12099,8 +11994,8 @@
         </p:nvSpPr>
         <p:spPr>
           <a:xfrm>
-            <a:off x="7228331" y="4732536"/>
-            <a:ext cx="4649723" cy="1754326"/>
+            <a:off x="7228331" y="4722891"/>
+            <a:ext cx="4837823" cy="1754326"/>
           </a:xfrm>
           <a:prstGeom prst="rect">
             <a:avLst/>
@@ -12125,13 +12020,6 @@
               </a:rPr>
               <a:t>→　現実の反応を考慮した</a:t>
             </a:r>
-            <a:r>
-              <a:rPr lang="en-US" altLang="ja-JP" sz="2400" dirty="0">
-                <a:latin typeface="メイリオ" panose="020B0604030504040204" pitchFamily="50" charset="-128"/>
-                <a:ea typeface="メイリオ" panose="020B0604030504040204" pitchFamily="50" charset="-128"/>
-              </a:rPr>
-              <a:t/>
-            </a:r>
             <a:br>
               <a:rPr lang="en-US" altLang="ja-JP" sz="2400" dirty="0">
                 <a:latin typeface="メイリオ" panose="020B0604030504040204" pitchFamily="50" charset="-128"/>
@@ -12154,16 +12042,6 @@
                 <a:ea typeface="メイリオ" panose="020B0604030504040204" pitchFamily="50" charset="-128"/>
               </a:rPr>
               <a:t>最適足りえない</a:t>
-            </a:r>
-            <a:r>
-              <a:rPr lang="en-US" altLang="ja-JP" sz="2400" dirty="0">
-                <a:solidFill>
-                  <a:srgbClr val="FF0000"/>
-                </a:solidFill>
-                <a:latin typeface="メイリオ" panose="020B0604030504040204" pitchFamily="50" charset="-128"/>
-                <a:ea typeface="メイリオ" panose="020B0604030504040204" pitchFamily="50" charset="-128"/>
-              </a:rPr>
-              <a:t/>
             </a:r>
             <a:br>
               <a:rPr lang="en-US" altLang="ja-JP" sz="2400" dirty="0">
@@ -12203,7 +12081,7 @@
         <p:spPr>
           <a:xfrm>
             <a:off x="7228331" y="2775285"/>
-            <a:ext cx="5102354" cy="1754326"/>
+            <a:ext cx="4837823" cy="1754326"/>
           </a:xfrm>
           <a:prstGeom prst="rect">
             <a:avLst/>
@@ -12252,13 +12130,6 @@
                 <a:ea typeface="メイリオ" panose="020B0604030504040204" pitchFamily="50" charset="-128"/>
               </a:rPr>
               <a:t>ベンチマークより</a:t>
-            </a:r>
-            <a:r>
-              <a:rPr lang="en-US" altLang="ja-JP" sz="2400" dirty="0">
-                <a:latin typeface="メイリオ" panose="020B0604030504040204" pitchFamily="50" charset="-128"/>
-                <a:ea typeface="メイリオ" panose="020B0604030504040204" pitchFamily="50" charset="-128"/>
-              </a:rPr>
-              <a:t/>
             </a:r>
             <a:br>
               <a:rPr lang="en-US" altLang="ja-JP" sz="2400" dirty="0">
@@ -12455,14 +12326,14 @@
           <p:nvPr>
             <p:extLst>
               <p:ext uri="{D42A27DB-BD31-4B8C-83A1-F6EECF244321}">
-                <p14:modId xmlns:p14="http://schemas.microsoft.com/office/powerpoint/2010/main" val="808102993"/>
+                <p14:modId xmlns:p14="http://schemas.microsoft.com/office/powerpoint/2010/main" val="3088138694"/>
               </p:ext>
             </p:extLst>
           </p:nvPr>
         </p:nvGraphicFramePr>
         <p:xfrm>
           <a:off x="125846" y="898575"/>
-          <a:ext cx="7024762" cy="5763327"/>
+          <a:ext cx="7024762" cy="5872295"/>
         </p:xfrm>
         <a:graphic>
           <a:graphicData uri="http://schemas.openxmlformats.org/drawingml/2006/table">
@@ -12998,7 +12869,7 @@
                   </a:ext>
                 </a:extLst>
               </a:tr>
-              <a:tr h="501808">
+              <a:tr h="614619">
                 <a:tc>
                   <a:txBody>
                     <a:bodyPr/>
@@ -13910,7 +13781,7 @@
                   </a:ext>
                 </a:extLst>
               </a:tr>
-              <a:tr h="704855">
+              <a:tr h="701012">
                 <a:tc>
                   <a:txBody>
                     <a:bodyPr/>
@@ -14437,13 +14308,6 @@
                 <a:ea typeface="メイリオ" panose="020B0604030504040204" pitchFamily="50" charset="-128"/>
               </a:rPr>
               <a:t>→　時間ごとに</a:t>
-            </a:r>
-            <a:r>
-              <a:rPr lang="en-US" altLang="ja-JP" sz="2400" dirty="0">
-                <a:latin typeface="メイリオ" panose="020B0604030504040204" pitchFamily="50" charset="-128"/>
-                <a:ea typeface="メイリオ" panose="020B0604030504040204" pitchFamily="50" charset="-128"/>
-              </a:rPr>
-              <a:t/>
             </a:r>
             <a:br>
               <a:rPr lang="en-US" altLang="ja-JP" sz="2400" dirty="0">
@@ -14582,7 +14446,7 @@
         <p:spPr>
           <a:xfrm>
             <a:off x="7512442" y="4992809"/>
-            <a:ext cx="4553712" cy="1477328"/>
+            <a:ext cx="4553712" cy="1154162"/>
           </a:xfrm>
           <a:prstGeom prst="rect">
             <a:avLst/>
@@ -14597,7 +14461,7 @@
           <a:p>
             <a:pPr marL="631825" indent="-631825">
               <a:lnSpc>
-                <a:spcPct val="200000"/>
+                <a:spcPct val="150000"/>
               </a:lnSpc>
             </a:pPr>
             <a:r>
@@ -14605,28 +14469,7 @@
                 <a:latin typeface="メイリオ" panose="020B0604030504040204" pitchFamily="50" charset="-128"/>
                 <a:ea typeface="メイリオ" panose="020B0604030504040204" pitchFamily="50" charset="-128"/>
               </a:rPr>
-              <a:t>→　</a:t>
-            </a:r>
-            <a:r>
-              <a:rPr lang="ja-JP" altLang="en-US" sz="2400" dirty="0">
-                <a:latin typeface="メイリオ" panose="020B0604030504040204" pitchFamily="50" charset="-128"/>
-                <a:ea typeface="メイリオ" panose="020B0604030504040204" pitchFamily="50" charset="-128"/>
-              </a:rPr>
-              <a:t>単一地点において</a:t>
-            </a:r>
-            <a:r>
-              <a:rPr lang="ja-JP" altLang="en-US" sz="2400" dirty="0" smtClean="0">
-                <a:latin typeface="メイリオ" panose="020B0604030504040204" pitchFamily="50" charset="-128"/>
-                <a:ea typeface="メイリオ" panose="020B0604030504040204" pitchFamily="50" charset="-128"/>
-              </a:rPr>
-              <a:t>特徴量に規則性</a:t>
-            </a:r>
-            <a:r>
-              <a:rPr lang="ja-JP" altLang="en-US" sz="2400" dirty="0">
-                <a:latin typeface="メイリオ" panose="020B0604030504040204" pitchFamily="50" charset="-128"/>
-                <a:ea typeface="メイリオ" panose="020B0604030504040204" pitchFamily="50" charset="-128"/>
-              </a:rPr>
-              <a:t>はないのではないか</a:t>
+              <a:t>→　単一地点において特徴量に規則性はないのではないか</a:t>
             </a:r>
             <a:endParaRPr lang="en-US" altLang="ja-JP" sz="2400" dirty="0">
               <a:latin typeface="メイリオ" panose="020B0604030504040204" pitchFamily="50" charset="-128"/>
@@ -14978,7 +14821,7 @@
               </a:lnSpc>
             </a:pPr>
             <a:r>
-              <a:rPr lang="ja-JP" altLang="en-US" sz="2400" dirty="0" smtClean="0">
+              <a:rPr lang="ja-JP" altLang="en-US" sz="2400" dirty="0">
                 <a:solidFill>
                   <a:srgbClr val="FF0000"/>
                 </a:solidFill>
@@ -14987,7 +14830,7 @@
               </a:rPr>
               <a:t>仮説</a:t>
             </a:r>
-            <a:endParaRPr lang="en-US" altLang="ja-JP" sz="2400" dirty="0" smtClean="0">
+            <a:endParaRPr lang="en-US" altLang="ja-JP" sz="2400" dirty="0">
               <a:solidFill>
                 <a:srgbClr val="FF0000"/>
               </a:solidFill>
@@ -15002,41 +14845,13 @@
               </a:lnSpc>
             </a:pPr>
             <a:r>
-              <a:rPr lang="ja-JP" altLang="en-US" sz="2400" dirty="0" smtClean="0">
-                <a:latin typeface="メイリオ" panose="020B0604030504040204" pitchFamily="50" charset="-128"/>
-                <a:ea typeface="メイリオ" panose="020B0604030504040204" pitchFamily="50" charset="-128"/>
-              </a:rPr>
-              <a:t>高濃度域</a:t>
-            </a:r>
-            <a:r>
               <a:rPr lang="ja-JP" altLang="en-US" sz="2400" dirty="0">
                 <a:latin typeface="メイリオ" panose="020B0604030504040204" pitchFamily="50" charset="-128"/>
                 <a:ea typeface="メイリオ" panose="020B0604030504040204" pitchFamily="50" charset="-128"/>
               </a:rPr>
-              <a:t>の予測</a:t>
-            </a:r>
-            <a:r>
-              <a:rPr lang="ja-JP" altLang="en-US" sz="2400" dirty="0" smtClean="0">
-                <a:latin typeface="メイリオ" panose="020B0604030504040204" pitchFamily="50" charset="-128"/>
-                <a:ea typeface="メイリオ" panose="020B0604030504040204" pitchFamily="50" charset="-128"/>
-              </a:rPr>
-              <a:t>で特徴量</a:t>
-            </a:r>
-            <a:r>
-              <a:rPr lang="ja-JP" altLang="en-US" sz="2400" dirty="0">
-                <a:latin typeface="メイリオ" panose="020B0604030504040204" pitchFamily="50" charset="-128"/>
-                <a:ea typeface="メイリオ" panose="020B0604030504040204" pitchFamily="50" charset="-128"/>
-              </a:rPr>
-              <a:t>需要度</a:t>
-            </a:r>
-            <a:r>
-              <a:rPr lang="ja-JP" altLang="en-US" sz="2400" dirty="0" smtClean="0">
-                <a:latin typeface="メイリオ" panose="020B0604030504040204" pitchFamily="50" charset="-128"/>
-                <a:ea typeface="メイリオ" panose="020B0604030504040204" pitchFamily="50" charset="-128"/>
-              </a:rPr>
-              <a:t>が</a:t>
-            </a:r>
-            <a:endParaRPr lang="en-US" altLang="ja-JP" sz="2400" dirty="0" smtClean="0">
+              <a:t>高濃度域の予測で特徴量需要度が</a:t>
+            </a:r>
+            <a:endParaRPr lang="en-US" altLang="ja-JP" sz="2400" dirty="0">
               <a:latin typeface="メイリオ" panose="020B0604030504040204" pitchFamily="50" charset="-128"/>
               <a:ea typeface="メイリオ" panose="020B0604030504040204" pitchFamily="50" charset="-128"/>
             </a:endParaRPr>
@@ -15048,16 +14863,6 @@
               </a:lnSpc>
             </a:pPr>
             <a:r>
-              <a:rPr lang="ja-JP" altLang="en-US" sz="2400" dirty="0" smtClean="0">
-                <a:solidFill>
-                  <a:srgbClr val="FF0000"/>
-                </a:solidFill>
-                <a:latin typeface="メイリオ" panose="020B0604030504040204" pitchFamily="50" charset="-128"/>
-                <a:ea typeface="メイリオ" panose="020B0604030504040204" pitchFamily="50" charset="-128"/>
-              </a:rPr>
-              <a:t>高い</a:t>
-            </a:r>
-            <a:r>
               <a:rPr lang="ja-JP" altLang="en-US" sz="2400" dirty="0">
                 <a:solidFill>
                   <a:srgbClr val="FF0000"/>
@@ -15065,23 +14870,16 @@
                 <a:latin typeface="メイリオ" panose="020B0604030504040204" pitchFamily="50" charset="-128"/>
                 <a:ea typeface="メイリオ" panose="020B0604030504040204" pitchFamily="50" charset="-128"/>
               </a:rPr>
-              <a:t>もののみ</a:t>
+              <a:t>高いもののみ</a:t>
             </a:r>
             <a:r>
               <a:rPr lang="ja-JP" altLang="en-US" sz="2400" dirty="0">
                 <a:latin typeface="メイリオ" panose="020B0604030504040204" pitchFamily="50" charset="-128"/>
                 <a:ea typeface="メイリオ" panose="020B0604030504040204" pitchFamily="50" charset="-128"/>
               </a:rPr>
-              <a:t>を採用すること</a:t>
-            </a:r>
-            <a:r>
-              <a:rPr lang="ja-JP" altLang="en-US" sz="2400" dirty="0" smtClean="0">
-                <a:latin typeface="メイリオ" panose="020B0604030504040204" pitchFamily="50" charset="-128"/>
-                <a:ea typeface="メイリオ" panose="020B0604030504040204" pitchFamily="50" charset="-128"/>
-              </a:rPr>
-              <a:t>で</a:t>
-            </a:r>
-            <a:endParaRPr lang="en-US" altLang="ja-JP" sz="2400" dirty="0" smtClean="0">
+              <a:t>を採用することで</a:t>
+            </a:r>
+            <a:endParaRPr lang="en-US" altLang="ja-JP" sz="2400" dirty="0">
               <a:latin typeface="メイリオ" panose="020B0604030504040204" pitchFamily="50" charset="-128"/>
               <a:ea typeface="メイリオ" panose="020B0604030504040204" pitchFamily="50" charset="-128"/>
             </a:endParaRPr>
@@ -15093,18 +14891,11 @@
               </a:lnSpc>
             </a:pPr>
             <a:r>
-              <a:rPr lang="ja-JP" altLang="en-US" sz="2400" dirty="0" smtClean="0">
-                <a:latin typeface="メイリオ" panose="020B0604030504040204" pitchFamily="50" charset="-128"/>
-                <a:ea typeface="メイリオ" panose="020B0604030504040204" pitchFamily="50" charset="-128"/>
-              </a:rPr>
-              <a:t>最適</a:t>
-            </a:r>
-            <a:r>
               <a:rPr lang="ja-JP" altLang="en-US" sz="2400" dirty="0">
                 <a:latin typeface="メイリオ" panose="020B0604030504040204" pitchFamily="50" charset="-128"/>
                 <a:ea typeface="メイリオ" panose="020B0604030504040204" pitchFamily="50" charset="-128"/>
               </a:rPr>
-              <a:t>な特徴量になる</a:t>
+              <a:t>最適な特徴量になる</a:t>
             </a:r>
             <a:endParaRPr lang="en-US" altLang="ja-JP" sz="2400" dirty="0">
               <a:latin typeface="メイリオ" panose="020B0604030504040204" pitchFamily="50" charset="-128"/>
@@ -15194,203 +14985,20 @@
                 <a:latin typeface="メイリオ" panose="020B0604030504040204" pitchFamily="50" charset="-128"/>
                 <a:ea typeface="メイリオ" panose="020B0604030504040204" pitchFamily="50" charset="-128"/>
               </a:rPr>
-              <a:t>・　現実の反応を考慮した特徴量で</a:t>
-            </a:r>
-            <a:r>
-              <a:rPr lang="ja-JP" altLang="en-US" sz="2400" dirty="0" smtClean="0">
-                <a:latin typeface="メイリオ" panose="020B0604030504040204" pitchFamily="50" charset="-128"/>
-                <a:ea typeface="メイリオ" panose="020B0604030504040204" pitchFamily="50" charset="-128"/>
-              </a:rPr>
-              <a:t>は</a:t>
-            </a:r>
-            <a:r>
-              <a:rPr lang="en-US" altLang="ja-JP" sz="2400" dirty="0" smtClean="0">
-                <a:latin typeface="メイリオ" panose="020B0604030504040204" pitchFamily="50" charset="-128"/>
-                <a:ea typeface="メイリオ" panose="020B0604030504040204" pitchFamily="50" charset="-128"/>
-              </a:rPr>
-              <a:t/>
+              <a:t>・　現実の反応を考慮した特徴量では</a:t>
             </a:r>
             <a:br>
-              <a:rPr lang="en-US" altLang="ja-JP" sz="2400" dirty="0" smtClean="0">
+              <a:rPr lang="en-US" altLang="ja-JP" sz="2400" dirty="0">
                 <a:latin typeface="メイリオ" panose="020B0604030504040204" pitchFamily="50" charset="-128"/>
                 <a:ea typeface="メイリオ" panose="020B0604030504040204" pitchFamily="50" charset="-128"/>
               </a:rPr>
             </a:br>
             <a:r>
-              <a:rPr lang="ja-JP" altLang="en-US" sz="2400" dirty="0" smtClean="0">
-                <a:latin typeface="メイリオ" panose="020B0604030504040204" pitchFamily="50" charset="-128"/>
-                <a:ea typeface="メイリオ" panose="020B0604030504040204" pitchFamily="50" charset="-128"/>
-              </a:rPr>
-              <a:t>最適</a:t>
-            </a:r>
-            <a:r>
               <a:rPr lang="ja-JP" altLang="en-US" sz="2400" dirty="0">
                 <a:latin typeface="メイリオ" panose="020B0604030504040204" pitchFamily="50" charset="-128"/>
                 <a:ea typeface="メイリオ" panose="020B0604030504040204" pitchFamily="50" charset="-128"/>
               </a:rPr>
-              <a:t>足りえないことが分かった</a:t>
-            </a:r>
-            <a:endParaRPr lang="en-US" altLang="ja-JP" sz="2400" dirty="0">
-              <a:latin typeface="メイリオ" panose="020B0604030504040204" pitchFamily="50" charset="-128"/>
-              <a:ea typeface="メイリオ" panose="020B0604030504040204" pitchFamily="50" charset="-128"/>
-            </a:endParaRPr>
-          </a:p>
-        </p:txBody>
-      </p:sp>
-      <p:sp>
-        <p:nvSpPr>
-          <p:cNvPr id="14" name="テキスト ボックス 13">
-            <a:extLst>
-              <a:ext uri="{FF2B5EF4-FFF2-40B4-BE49-F238E27FC236}">
-                <a16:creationId xmlns:a16="http://schemas.microsoft.com/office/drawing/2014/main" id="{092488D0-9440-EDE2-AAEC-7C417A900670}"/>
-              </a:ext>
-            </a:extLst>
-          </p:cNvPr>
-          <p:cNvSpPr txBox="1"/>
-          <p:nvPr/>
-        </p:nvSpPr>
-        <p:spPr>
-          <a:xfrm>
-            <a:off x="292103" y="4199549"/>
-            <a:ext cx="5882919" cy="1200329"/>
-          </a:xfrm>
-          <a:prstGeom prst="rect">
-            <a:avLst/>
-          </a:prstGeom>
-          <a:noFill/>
-        </p:spPr>
-        <p:txBody>
-          <a:bodyPr wrap="square" rtlCol="0" anchor="ctr">
-            <a:spAutoFit/>
-          </a:bodyPr>
-          <a:lstStyle/>
-          <a:p>
-            <a:pPr marL="630238" indent="-630238">
-              <a:lnSpc>
-                <a:spcPct val="150000"/>
-              </a:lnSpc>
-            </a:pPr>
-            <a:r>
-              <a:rPr lang="ja-JP" altLang="en-US" sz="2400" dirty="0">
-                <a:latin typeface="メイリオ" panose="020B0604030504040204" pitchFamily="50" charset="-128"/>
-                <a:ea typeface="メイリオ" panose="020B0604030504040204" pitchFamily="50" charset="-128"/>
-              </a:rPr>
-              <a:t>・　時間ごとに特徴量の選定を</a:t>
-            </a:r>
-            <a:r>
-              <a:rPr lang="ja-JP" altLang="en-US" sz="2400" dirty="0" smtClean="0">
-                <a:latin typeface="メイリオ" panose="020B0604030504040204" pitchFamily="50" charset="-128"/>
-                <a:ea typeface="メイリオ" panose="020B0604030504040204" pitchFamily="50" charset="-128"/>
-              </a:rPr>
-              <a:t>行う</a:t>
-            </a:r>
-            <a:r>
-              <a:rPr lang="en-US" altLang="ja-JP" sz="2400" dirty="0" smtClean="0">
-                <a:latin typeface="メイリオ" panose="020B0604030504040204" pitchFamily="50" charset="-128"/>
-                <a:ea typeface="メイリオ" panose="020B0604030504040204" pitchFamily="50" charset="-128"/>
-              </a:rPr>
-              <a:t/>
-            </a:r>
-            <a:br>
-              <a:rPr lang="en-US" altLang="ja-JP" sz="2400" dirty="0" smtClean="0">
-                <a:latin typeface="メイリオ" panose="020B0604030504040204" pitchFamily="50" charset="-128"/>
-                <a:ea typeface="メイリオ" panose="020B0604030504040204" pitchFamily="50" charset="-128"/>
-              </a:rPr>
-            </a:br>
-            <a:r>
-              <a:rPr lang="ja-JP" altLang="en-US" sz="2400" dirty="0" smtClean="0">
-                <a:latin typeface="メイリオ" panose="020B0604030504040204" pitchFamily="50" charset="-128"/>
-                <a:ea typeface="メイリオ" panose="020B0604030504040204" pitchFamily="50" charset="-128"/>
-              </a:rPr>
-              <a:t>必要性</a:t>
-            </a:r>
-            <a:r>
-              <a:rPr lang="ja-JP" altLang="en-US" sz="2400" dirty="0">
-                <a:latin typeface="メイリオ" panose="020B0604030504040204" pitchFamily="50" charset="-128"/>
-                <a:ea typeface="メイリオ" panose="020B0604030504040204" pitchFamily="50" charset="-128"/>
-              </a:rPr>
-              <a:t>が出てくる</a:t>
-            </a:r>
-            <a:endParaRPr lang="en-US" altLang="ja-JP" sz="2400" dirty="0">
-              <a:latin typeface="メイリオ" panose="020B0604030504040204" pitchFamily="50" charset="-128"/>
-              <a:ea typeface="メイリオ" panose="020B0604030504040204" pitchFamily="50" charset="-128"/>
-            </a:endParaRPr>
-          </a:p>
-        </p:txBody>
-      </p:sp>
-      <p:sp>
-        <p:nvSpPr>
-          <p:cNvPr id="15" name="テキスト ボックス 14">
-            <a:extLst>
-              <a:ext uri="{FF2B5EF4-FFF2-40B4-BE49-F238E27FC236}">
-                <a16:creationId xmlns:a16="http://schemas.microsoft.com/office/drawing/2014/main" id="{092488D0-9440-EDE2-AAEC-7C417A900670}"/>
-              </a:ext>
-            </a:extLst>
-          </p:cNvPr>
-          <p:cNvSpPr txBox="1"/>
-          <p:nvPr/>
-        </p:nvSpPr>
-        <p:spPr>
-          <a:xfrm>
-            <a:off x="292103" y="5449589"/>
-            <a:ext cx="5882919" cy="1154162"/>
-          </a:xfrm>
-          <a:prstGeom prst="rect">
-            <a:avLst/>
-          </a:prstGeom>
-          <a:noFill/>
-        </p:spPr>
-        <p:txBody>
-          <a:bodyPr wrap="square" rtlCol="0" anchor="ctr">
-            <a:spAutoFit/>
-          </a:bodyPr>
-          <a:lstStyle/>
-          <a:p>
-            <a:pPr marL="631825" indent="-631825">
-              <a:lnSpc>
-                <a:spcPct val="150000"/>
-              </a:lnSpc>
-            </a:pPr>
-            <a:r>
-              <a:rPr lang="ja-JP" altLang="en-US" sz="2400" dirty="0">
-                <a:latin typeface="メイリオ" panose="020B0604030504040204" pitchFamily="50" charset="-128"/>
-                <a:ea typeface="メイリオ" panose="020B0604030504040204" pitchFamily="50" charset="-128"/>
-              </a:rPr>
-              <a:t>・　単一地点において特徴量</a:t>
-            </a:r>
-            <a:r>
-              <a:rPr lang="ja-JP" altLang="en-US" sz="2400" dirty="0" smtClean="0">
-                <a:latin typeface="メイリオ" panose="020B0604030504040204" pitchFamily="50" charset="-128"/>
-                <a:ea typeface="メイリオ" panose="020B0604030504040204" pitchFamily="50" charset="-128"/>
-              </a:rPr>
-              <a:t>に</a:t>
-            </a:r>
-            <a:r>
-              <a:rPr lang="en-US" altLang="ja-JP" sz="2400" dirty="0" smtClean="0">
-                <a:latin typeface="メイリオ" panose="020B0604030504040204" pitchFamily="50" charset="-128"/>
-                <a:ea typeface="メイリオ" panose="020B0604030504040204" pitchFamily="50" charset="-128"/>
-              </a:rPr>
-              <a:t/>
-            </a:r>
-            <a:br>
-              <a:rPr lang="en-US" altLang="ja-JP" sz="2400" dirty="0" smtClean="0">
-                <a:latin typeface="メイリオ" panose="020B0604030504040204" pitchFamily="50" charset="-128"/>
-                <a:ea typeface="メイリオ" panose="020B0604030504040204" pitchFamily="50" charset="-128"/>
-              </a:rPr>
-            </a:br>
-            <a:r>
-              <a:rPr lang="ja-JP" altLang="en-US" sz="2400" dirty="0" smtClean="0">
-                <a:latin typeface="メイリオ" panose="020B0604030504040204" pitchFamily="50" charset="-128"/>
-                <a:ea typeface="メイリオ" panose="020B0604030504040204" pitchFamily="50" charset="-128"/>
-              </a:rPr>
-              <a:t>規則性</a:t>
-            </a:r>
-            <a:r>
-              <a:rPr lang="ja-JP" altLang="en-US" sz="2400" dirty="0">
-                <a:latin typeface="メイリオ" panose="020B0604030504040204" pitchFamily="50" charset="-128"/>
-                <a:ea typeface="メイリオ" panose="020B0604030504040204" pitchFamily="50" charset="-128"/>
-              </a:rPr>
-              <a:t>はないのではないか</a:t>
+              <a:t>最適足りえないことが分かった</a:t>
             </a:r>
             <a:endParaRPr lang="en-US" altLang="ja-JP" sz="2400" dirty="0">
               <a:latin typeface="メイリオ" panose="020B0604030504040204" pitchFamily="50" charset="-128"/>
@@ -15437,14 +15045,7 @@
                 <a:latin typeface="メイリオ" panose="020B0604030504040204" pitchFamily="50" charset="-128"/>
                 <a:ea typeface="メイリオ" panose="020B0604030504040204" pitchFamily="50" charset="-128"/>
               </a:rPr>
-              <a:t>特徴量の</a:t>
-            </a:r>
-            <a:r>
-              <a:rPr lang="ja-JP" altLang="en-US" sz="2400" dirty="0" smtClean="0">
-                <a:latin typeface="メイリオ" panose="020B0604030504040204" pitchFamily="50" charset="-128"/>
-                <a:ea typeface="メイリオ" panose="020B0604030504040204" pitchFamily="50" charset="-128"/>
-              </a:rPr>
-              <a:t>選定・学習</a:t>
+              <a:t>特徴量の選定・学習</a:t>
             </a:r>
             <a:endParaRPr lang="en-US" altLang="ja-JP" sz="2400" dirty="0">
               <a:latin typeface="メイリオ" panose="020B0604030504040204" pitchFamily="50" charset="-128"/>
@@ -15487,7 +15088,7 @@
               </a:lnSpc>
             </a:pPr>
             <a:r>
-              <a:rPr lang="ja-JP" altLang="en-US" sz="2400" dirty="0" smtClean="0">
+              <a:rPr lang="ja-JP" altLang="en-US" sz="2400" dirty="0">
                 <a:latin typeface="メイリオ" panose="020B0604030504040204" pitchFamily="50" charset="-128"/>
                 <a:ea typeface="メイリオ" panose="020B0604030504040204" pitchFamily="50" charset="-128"/>
               </a:rPr>
@@ -15557,7 +15158,7 @@
         </p:nvSpPr>
         <p:spPr>
           <a:xfrm>
-            <a:off x="289210" y="2949509"/>
+            <a:off x="289210" y="3623008"/>
             <a:ext cx="5803897" cy="1200329"/>
           </a:xfrm>
           <a:prstGeom prst="rect">
@@ -15581,35 +15182,7 @@
                 <a:latin typeface="メイリオ" panose="020B0604030504040204" pitchFamily="50" charset="-128"/>
                 <a:ea typeface="メイリオ" panose="020B0604030504040204" pitchFamily="50" charset="-128"/>
               </a:rPr>
-              <a:t>・</a:t>
-            </a:r>
-            <a:r>
-              <a:rPr lang="ja-JP" altLang="en-US" sz="2400" dirty="0">
-                <a:latin typeface="メイリオ" panose="020B0604030504040204" pitchFamily="50" charset="-128"/>
-                <a:ea typeface="メイリオ" panose="020B0604030504040204" pitchFamily="50" charset="-128"/>
-              </a:rPr>
-              <a:t>　この手法で</a:t>
-            </a:r>
-            <a:r>
-              <a:rPr lang="ja-JP" altLang="en-US" sz="2400" dirty="0" smtClean="0">
-                <a:latin typeface="メイリオ" panose="020B0604030504040204" pitchFamily="50" charset="-128"/>
-                <a:ea typeface="メイリオ" panose="020B0604030504040204" pitchFamily="50" charset="-128"/>
-              </a:rPr>
-              <a:t>あればベンチマーク</a:t>
-            </a:r>
-            <a:r>
-              <a:rPr lang="ja-JP" altLang="en-US" sz="2400" dirty="0">
-                <a:latin typeface="メイリオ" panose="020B0604030504040204" pitchFamily="50" charset="-128"/>
-                <a:ea typeface="メイリオ" panose="020B0604030504040204" pitchFamily="50" charset="-128"/>
-              </a:rPr>
-              <a:t>より</a:t>
-            </a:r>
-            <a:r>
-              <a:rPr lang="en-US" altLang="ja-JP" sz="2400" dirty="0">
-                <a:latin typeface="メイリオ" panose="020B0604030504040204" pitchFamily="50" charset="-128"/>
-                <a:ea typeface="メイリオ" panose="020B0604030504040204" pitchFamily="50" charset="-128"/>
-              </a:rPr>
-              <a:t/>
+              <a:t>・　この手法であればベンチマークより</a:t>
             </a:r>
             <a:br>
               <a:rPr lang="en-US" altLang="ja-JP" sz="2400" dirty="0">
@@ -15623,6 +15196,53 @@
                 <a:ea typeface="メイリオ" panose="020B0604030504040204" pitchFamily="50" charset="-128"/>
               </a:rPr>
               <a:t>高精度なモデルを作成できる</a:t>
+            </a:r>
+            <a:endParaRPr lang="en-US" altLang="ja-JP" sz="2400" dirty="0">
+              <a:latin typeface="メイリオ" panose="020B0604030504040204" pitchFamily="50" charset="-128"/>
+              <a:ea typeface="メイリオ" panose="020B0604030504040204" pitchFamily="50" charset="-128"/>
+            </a:endParaRPr>
+          </a:p>
+        </p:txBody>
+      </p:sp>
+      <p:sp>
+        <p:nvSpPr>
+          <p:cNvPr id="4" name="テキスト ボックス 3">
+            <a:extLst>
+              <a:ext uri="{FF2B5EF4-FFF2-40B4-BE49-F238E27FC236}">
+                <a16:creationId xmlns:a16="http://schemas.microsoft.com/office/drawing/2014/main" id="{2CA4D9AA-FD75-6531-F49D-05C8BEE98BF5}"/>
+              </a:ext>
+            </a:extLst>
+          </p:cNvPr>
+          <p:cNvSpPr txBox="1"/>
+          <p:nvPr/>
+        </p:nvSpPr>
+        <p:spPr>
+          <a:xfrm>
+            <a:off x="289209" y="5298498"/>
+            <a:ext cx="6388037" cy="600164"/>
+          </a:xfrm>
+          <a:prstGeom prst="rect">
+            <a:avLst/>
+          </a:prstGeom>
+          <a:noFill/>
+        </p:spPr>
+        <p:txBody>
+          <a:bodyPr wrap="square" rtlCol="0">
+            <a:spAutoFit/>
+          </a:bodyPr>
+          <a:lstStyle/>
+          <a:p>
+            <a:pPr marL="631825" indent="-631825">
+              <a:lnSpc>
+                <a:spcPct val="150000"/>
+              </a:lnSpc>
+            </a:pPr>
+            <a:r>
+              <a:rPr lang="ja-JP" altLang="en-US" sz="2400" dirty="0">
+                <a:latin typeface="メイリオ" panose="020B0604030504040204" pitchFamily="50" charset="-128"/>
+                <a:ea typeface="メイリオ" panose="020B0604030504040204" pitchFamily="50" charset="-128"/>
+              </a:rPr>
+              <a:t>・　特徴量に規則性は見受けられなかった</a:t>
             </a:r>
             <a:endParaRPr lang="en-US" altLang="ja-JP" sz="2400" dirty="0">
               <a:latin typeface="メイリオ" panose="020B0604030504040204" pitchFamily="50" charset="-128"/>
@@ -15702,7 +15322,7 @@
                                           </p:stCondLst>
                                         </p:cTn>
                                         <p:tgtEl>
-                                          <p:spTgt spid="14"/>
+                                          <p:spTgt spid="20"/>
                                         </p:tgtEl>
                                         <p:attrNameLst>
                                           <p:attrName>style.visibility</p:attrName>
@@ -15715,35 +15335,26 @@
                                   </p:childTnLst>
                                 </p:cTn>
                               </p:par>
+                            </p:childTnLst>
+                          </p:cTn>
+                        </p:par>
+                      </p:childTnLst>
+                    </p:cTn>
+                  </p:par>
+                  <p:par>
+                    <p:cTn id="9" fill="hold">
+                      <p:stCondLst>
+                        <p:cond delay="indefinite"/>
+                      </p:stCondLst>
+                      <p:childTnLst>
+                        <p:par>
+                          <p:cTn id="10" fill="hold">
+                            <p:stCondLst>
+                              <p:cond delay="0"/>
+                            </p:stCondLst>
+                            <p:childTnLst>
                               <p:par>
-                                <p:cTn id="9" presetID="1" presetClass="entr" presetSubtype="0" fill="hold" grpId="0" nodeType="withEffect">
-                                  <p:stCondLst>
-                                    <p:cond delay="0"/>
-                                  </p:stCondLst>
-                                  <p:childTnLst>
-                                    <p:set>
-                                      <p:cBhvr>
-                                        <p:cTn id="10" dur="1" fill="hold">
-                                          <p:stCondLst>
-                                            <p:cond delay="0"/>
-                                          </p:stCondLst>
-                                        </p:cTn>
-                                        <p:tgtEl>
-                                          <p:spTgt spid="15"/>
-                                        </p:tgtEl>
-                                        <p:attrNameLst>
-                                          <p:attrName>style.visibility</p:attrName>
-                                        </p:attrNameLst>
-                                      </p:cBhvr>
-                                      <p:to>
-                                        <p:strVal val="visible"/>
-                                      </p:to>
-                                    </p:set>
-                                  </p:childTnLst>
-                                </p:cTn>
-                              </p:par>
-                              <p:par>
-                                <p:cTn id="11" presetID="1" presetClass="entr" presetSubtype="0" fill="hold" grpId="0" nodeType="withEffect">
+                                <p:cTn id="11" presetID="1" presetClass="entr" presetSubtype="0" fill="hold" grpId="0" nodeType="clickEffect">
                                   <p:stCondLst>
                                     <p:cond delay="0"/>
                                   </p:stCondLst>
@@ -15756,7 +15367,7 @@
                                           </p:stCondLst>
                                         </p:cTn>
                                         <p:tgtEl>
-                                          <p:spTgt spid="20"/>
+                                          <p:spTgt spid="4"/>
                                         </p:tgtEl>
                                         <p:attrNameLst>
                                           <p:attrName>style.visibility</p:attrName>
@@ -15798,9 +15409,8 @@
     </p:tnLst>
     <p:bldLst>
       <p:bldP spid="12" grpId="0"/>
-      <p:bldP spid="14" grpId="0"/>
-      <p:bldP spid="15" grpId="0"/>
       <p:bldP spid="20" grpId="0"/>
+      <p:bldP spid="4" grpId="0"/>
     </p:bldLst>
   </p:timing>
 </p:sld>
@@ -15980,87 +15590,6 @@
       </p:sp>
       <p:sp>
         <p:nvSpPr>
-          <p:cNvPr id="12" name="テキスト ボックス 11">
-            <a:extLst>
-              <a:ext uri="{FF2B5EF4-FFF2-40B4-BE49-F238E27FC236}">
-                <a16:creationId xmlns:a16="http://schemas.microsoft.com/office/drawing/2014/main" id="{092488D0-9440-EDE2-AAEC-7C417A900670}"/>
-              </a:ext>
-            </a:extLst>
-          </p:cNvPr>
-          <p:cNvSpPr txBox="1"/>
-          <p:nvPr/>
-        </p:nvSpPr>
-        <p:spPr>
-          <a:xfrm>
-            <a:off x="292104" y="1781364"/>
-            <a:ext cx="5882919" cy="1200329"/>
-          </a:xfrm>
-          <a:prstGeom prst="rect">
-            <a:avLst/>
-          </a:prstGeom>
-          <a:noFill/>
-        </p:spPr>
-        <p:txBody>
-          <a:bodyPr wrap="square" rtlCol="0" anchor="ctr">
-            <a:spAutoFit/>
-          </a:bodyPr>
-          <a:lstStyle/>
-          <a:p>
-            <a:pPr marL="630238" indent="-630238">
-              <a:lnSpc>
-                <a:spcPct val="150000"/>
-              </a:lnSpc>
-            </a:pPr>
-            <a:r>
-              <a:rPr lang="ja-JP" altLang="en-US" sz="2400" dirty="0">
-                <a:latin typeface="メイリオ" panose="020B0604030504040204" pitchFamily="50" charset="-128"/>
-                <a:ea typeface="メイリオ" panose="020B0604030504040204" pitchFamily="50" charset="-128"/>
-              </a:rPr>
-              <a:t>・　現実の反応を考慮した特徴量で</a:t>
-            </a:r>
-            <a:r>
-              <a:rPr lang="ja-JP" altLang="en-US" sz="2400" dirty="0" smtClean="0">
-                <a:latin typeface="メイリオ" panose="020B0604030504040204" pitchFamily="50" charset="-128"/>
-                <a:ea typeface="メイリオ" panose="020B0604030504040204" pitchFamily="50" charset="-128"/>
-              </a:rPr>
-              <a:t>は</a:t>
-            </a:r>
-            <a:r>
-              <a:rPr lang="en-US" altLang="ja-JP" sz="2400" dirty="0" smtClean="0">
-                <a:latin typeface="メイリオ" panose="020B0604030504040204" pitchFamily="50" charset="-128"/>
-                <a:ea typeface="メイリオ" panose="020B0604030504040204" pitchFamily="50" charset="-128"/>
-              </a:rPr>
-              <a:t/>
-            </a:r>
-            <a:br>
-              <a:rPr lang="en-US" altLang="ja-JP" sz="2400" dirty="0" smtClean="0">
-                <a:latin typeface="メイリオ" panose="020B0604030504040204" pitchFamily="50" charset="-128"/>
-                <a:ea typeface="メイリオ" panose="020B0604030504040204" pitchFamily="50" charset="-128"/>
-              </a:rPr>
-            </a:br>
-            <a:r>
-              <a:rPr lang="ja-JP" altLang="en-US" sz="2400" dirty="0" smtClean="0">
-                <a:latin typeface="メイリオ" panose="020B0604030504040204" pitchFamily="50" charset="-128"/>
-                <a:ea typeface="メイリオ" panose="020B0604030504040204" pitchFamily="50" charset="-128"/>
-              </a:rPr>
-              <a:t>最適</a:t>
-            </a:r>
-            <a:r>
-              <a:rPr lang="ja-JP" altLang="en-US" sz="2400" dirty="0">
-                <a:latin typeface="メイリオ" panose="020B0604030504040204" pitchFamily="50" charset="-128"/>
-                <a:ea typeface="メイリオ" panose="020B0604030504040204" pitchFamily="50" charset="-128"/>
-              </a:rPr>
-              <a:t>足りえないことが分かった</a:t>
-            </a:r>
-            <a:endParaRPr lang="en-US" altLang="ja-JP" sz="2400" dirty="0">
-              <a:latin typeface="メイリオ" panose="020B0604030504040204" pitchFamily="50" charset="-128"/>
-              <a:ea typeface="メイリオ" panose="020B0604030504040204" pitchFamily="50" charset="-128"/>
-            </a:endParaRPr>
-          </a:p>
-        </p:txBody>
-      </p:sp>
-      <p:sp>
-        <p:nvSpPr>
           <p:cNvPr id="22" name="テキスト ボックス 21">
             <a:extLst>
               <a:ext uri="{FF2B5EF4-FFF2-40B4-BE49-F238E27FC236}">
@@ -16093,7 +15622,7 @@
               </a:lnSpc>
             </a:pPr>
             <a:r>
-              <a:rPr lang="ja-JP" altLang="en-US" sz="2400" dirty="0" smtClean="0">
+              <a:rPr lang="ja-JP" altLang="en-US" sz="2400" dirty="0">
                 <a:solidFill>
                   <a:srgbClr val="FF0000"/>
                 </a:solidFill>
@@ -16102,7 +15631,7 @@
               </a:rPr>
               <a:t>仮説</a:t>
             </a:r>
-            <a:endParaRPr lang="en-US" altLang="ja-JP" sz="2400" dirty="0" smtClean="0">
+            <a:endParaRPr lang="en-US" altLang="ja-JP" sz="2400" dirty="0">
               <a:solidFill>
                 <a:srgbClr val="FF0000"/>
               </a:solidFill>
@@ -16117,41 +15646,13 @@
               </a:lnSpc>
             </a:pPr>
             <a:r>
-              <a:rPr lang="ja-JP" altLang="en-US" sz="2400" dirty="0" smtClean="0">
-                <a:latin typeface="メイリオ" panose="020B0604030504040204" pitchFamily="50" charset="-128"/>
-                <a:ea typeface="メイリオ" panose="020B0604030504040204" pitchFamily="50" charset="-128"/>
-              </a:rPr>
-              <a:t>高濃度域</a:t>
-            </a:r>
-            <a:r>
               <a:rPr lang="ja-JP" altLang="en-US" sz="2400" dirty="0">
                 <a:latin typeface="メイリオ" panose="020B0604030504040204" pitchFamily="50" charset="-128"/>
                 <a:ea typeface="メイリオ" panose="020B0604030504040204" pitchFamily="50" charset="-128"/>
               </a:rPr>
-              <a:t>の予測</a:t>
-            </a:r>
-            <a:r>
-              <a:rPr lang="ja-JP" altLang="en-US" sz="2400" dirty="0" smtClean="0">
-                <a:latin typeface="メイリオ" panose="020B0604030504040204" pitchFamily="50" charset="-128"/>
-                <a:ea typeface="メイリオ" panose="020B0604030504040204" pitchFamily="50" charset="-128"/>
-              </a:rPr>
-              <a:t>で特徴量</a:t>
-            </a:r>
-            <a:r>
-              <a:rPr lang="ja-JP" altLang="en-US" sz="2400" dirty="0">
-                <a:latin typeface="メイリオ" panose="020B0604030504040204" pitchFamily="50" charset="-128"/>
-                <a:ea typeface="メイリオ" panose="020B0604030504040204" pitchFamily="50" charset="-128"/>
-              </a:rPr>
-              <a:t>需要度</a:t>
-            </a:r>
-            <a:r>
-              <a:rPr lang="ja-JP" altLang="en-US" sz="2400" dirty="0" smtClean="0">
-                <a:latin typeface="メイリオ" panose="020B0604030504040204" pitchFamily="50" charset="-128"/>
-                <a:ea typeface="メイリオ" panose="020B0604030504040204" pitchFamily="50" charset="-128"/>
-              </a:rPr>
-              <a:t>が</a:t>
-            </a:r>
-            <a:endParaRPr lang="en-US" altLang="ja-JP" sz="2400" dirty="0" smtClean="0">
+              <a:t>高濃度域の予測で特徴量需要度が</a:t>
+            </a:r>
+            <a:endParaRPr lang="en-US" altLang="ja-JP" sz="2400" dirty="0">
               <a:latin typeface="メイリオ" panose="020B0604030504040204" pitchFamily="50" charset="-128"/>
               <a:ea typeface="メイリオ" panose="020B0604030504040204" pitchFamily="50" charset="-128"/>
             </a:endParaRPr>
@@ -16163,16 +15664,6 @@
               </a:lnSpc>
             </a:pPr>
             <a:r>
-              <a:rPr lang="ja-JP" altLang="en-US" sz="2400" dirty="0" smtClean="0">
-                <a:solidFill>
-                  <a:srgbClr val="FF0000"/>
-                </a:solidFill>
-                <a:latin typeface="メイリオ" panose="020B0604030504040204" pitchFamily="50" charset="-128"/>
-                <a:ea typeface="メイリオ" panose="020B0604030504040204" pitchFamily="50" charset="-128"/>
-              </a:rPr>
-              <a:t>高い</a:t>
-            </a:r>
-            <a:r>
               <a:rPr lang="ja-JP" altLang="en-US" sz="2400" dirty="0">
                 <a:solidFill>
                   <a:srgbClr val="FF0000"/>
@@ -16180,23 +15671,16 @@
                 <a:latin typeface="メイリオ" panose="020B0604030504040204" pitchFamily="50" charset="-128"/>
                 <a:ea typeface="メイリオ" panose="020B0604030504040204" pitchFamily="50" charset="-128"/>
               </a:rPr>
-              <a:t>もののみ</a:t>
+              <a:t>高いもののみ</a:t>
             </a:r>
             <a:r>
               <a:rPr lang="ja-JP" altLang="en-US" sz="2400" dirty="0">
                 <a:latin typeface="メイリオ" panose="020B0604030504040204" pitchFamily="50" charset="-128"/>
                 <a:ea typeface="メイリオ" panose="020B0604030504040204" pitchFamily="50" charset="-128"/>
               </a:rPr>
-              <a:t>を採用すること</a:t>
-            </a:r>
-            <a:r>
-              <a:rPr lang="ja-JP" altLang="en-US" sz="2400" dirty="0" smtClean="0">
-                <a:latin typeface="メイリオ" panose="020B0604030504040204" pitchFamily="50" charset="-128"/>
-                <a:ea typeface="メイリオ" panose="020B0604030504040204" pitchFamily="50" charset="-128"/>
-              </a:rPr>
-              <a:t>で</a:t>
-            </a:r>
-            <a:endParaRPr lang="en-US" altLang="ja-JP" sz="2400" dirty="0" smtClean="0">
+              <a:t>を採用することで</a:t>
+            </a:r>
+            <a:endParaRPr lang="en-US" altLang="ja-JP" sz="2400" dirty="0">
               <a:latin typeface="メイリオ" panose="020B0604030504040204" pitchFamily="50" charset="-128"/>
               <a:ea typeface="メイリオ" panose="020B0604030504040204" pitchFamily="50" charset="-128"/>
             </a:endParaRPr>
@@ -16208,18 +15692,11 @@
               </a:lnSpc>
             </a:pPr>
             <a:r>
-              <a:rPr lang="ja-JP" altLang="en-US" sz="2400" dirty="0" smtClean="0">
-                <a:latin typeface="メイリオ" panose="020B0604030504040204" pitchFamily="50" charset="-128"/>
-                <a:ea typeface="メイリオ" panose="020B0604030504040204" pitchFamily="50" charset="-128"/>
-              </a:rPr>
-              <a:t>最適</a:t>
-            </a:r>
-            <a:r>
               <a:rPr lang="ja-JP" altLang="en-US" sz="2400" dirty="0">
                 <a:latin typeface="メイリオ" panose="020B0604030504040204" pitchFamily="50" charset="-128"/>
                 <a:ea typeface="メイリオ" panose="020B0604030504040204" pitchFamily="50" charset="-128"/>
               </a:rPr>
-              <a:t>な特徴量になる</a:t>
+              <a:t>最適な特徴量になる</a:t>
             </a:r>
             <a:endParaRPr lang="en-US" altLang="ja-JP" sz="2400" dirty="0">
               <a:latin typeface="メイリオ" panose="020B0604030504040204" pitchFamily="50" charset="-128"/>
@@ -16309,14 +15786,7 @@
                 <a:latin typeface="メイリオ" panose="020B0604030504040204" pitchFamily="50" charset="-128"/>
                 <a:ea typeface="メイリオ" panose="020B0604030504040204" pitchFamily="50" charset="-128"/>
               </a:rPr>
-              <a:t>特徴量の</a:t>
-            </a:r>
-            <a:r>
-              <a:rPr lang="ja-JP" altLang="en-US" sz="2400" dirty="0" smtClean="0">
-                <a:latin typeface="メイリオ" panose="020B0604030504040204" pitchFamily="50" charset="-128"/>
-                <a:ea typeface="メイリオ" panose="020B0604030504040204" pitchFamily="50" charset="-128"/>
-              </a:rPr>
-              <a:t>選定・学習</a:t>
+              <a:t>特徴量の選定・学習</a:t>
             </a:r>
             <a:endParaRPr lang="en-US" altLang="ja-JP" sz="2400" dirty="0">
               <a:latin typeface="メイリオ" panose="020B0604030504040204" pitchFamily="50" charset="-128"/>
@@ -16359,7 +15829,7 @@
               </a:lnSpc>
             </a:pPr>
             <a:r>
-              <a:rPr lang="ja-JP" altLang="en-US" sz="2400" dirty="0" smtClean="0">
+              <a:rPr lang="ja-JP" altLang="en-US" sz="2400" dirty="0">
                 <a:latin typeface="メイリオ" panose="020B0604030504040204" pitchFamily="50" charset="-128"/>
                 <a:ea typeface="メイリオ" panose="020B0604030504040204" pitchFamily="50" charset="-128"/>
               </a:rPr>
@@ -16417,256 +15887,6 @@
       </p:sp>
       <p:sp>
         <p:nvSpPr>
-          <p:cNvPr id="27" name="テキスト ボックス 26">
-            <a:extLst>
-              <a:ext uri="{FF2B5EF4-FFF2-40B4-BE49-F238E27FC236}">
-                <a16:creationId xmlns:a16="http://schemas.microsoft.com/office/drawing/2014/main" id="{092488D0-9440-EDE2-AAEC-7C417A900670}"/>
-              </a:ext>
-            </a:extLst>
-          </p:cNvPr>
-          <p:cNvSpPr txBox="1"/>
-          <p:nvPr/>
-        </p:nvSpPr>
-        <p:spPr>
-          <a:xfrm>
-            <a:off x="292103" y="4199549"/>
-            <a:ext cx="5882919" cy="1200329"/>
-          </a:xfrm>
-          <a:prstGeom prst="rect">
-            <a:avLst/>
-          </a:prstGeom>
-          <a:noFill/>
-        </p:spPr>
-        <p:txBody>
-          <a:bodyPr wrap="square" rtlCol="0" anchor="ctr">
-            <a:spAutoFit/>
-          </a:bodyPr>
-          <a:lstStyle/>
-          <a:p>
-            <a:pPr marL="630238" indent="-630238">
-              <a:lnSpc>
-                <a:spcPct val="150000"/>
-              </a:lnSpc>
-            </a:pPr>
-            <a:r>
-              <a:rPr lang="ja-JP" altLang="en-US" sz="2400" dirty="0">
-                <a:latin typeface="メイリオ" panose="020B0604030504040204" pitchFamily="50" charset="-128"/>
-                <a:ea typeface="メイリオ" panose="020B0604030504040204" pitchFamily="50" charset="-128"/>
-              </a:rPr>
-              <a:t>・　時間ごとに特徴量の選定を</a:t>
-            </a:r>
-            <a:r>
-              <a:rPr lang="ja-JP" altLang="en-US" sz="2400" dirty="0" smtClean="0">
-                <a:latin typeface="メイリオ" panose="020B0604030504040204" pitchFamily="50" charset="-128"/>
-                <a:ea typeface="メイリオ" panose="020B0604030504040204" pitchFamily="50" charset="-128"/>
-              </a:rPr>
-              <a:t>行う</a:t>
-            </a:r>
-            <a:r>
-              <a:rPr lang="en-US" altLang="ja-JP" sz="2400" dirty="0" smtClean="0">
-                <a:latin typeface="メイリオ" panose="020B0604030504040204" pitchFamily="50" charset="-128"/>
-                <a:ea typeface="メイリオ" panose="020B0604030504040204" pitchFamily="50" charset="-128"/>
-              </a:rPr>
-              <a:t/>
-            </a:r>
-            <a:br>
-              <a:rPr lang="en-US" altLang="ja-JP" sz="2400" dirty="0" smtClean="0">
-                <a:latin typeface="メイリオ" panose="020B0604030504040204" pitchFamily="50" charset="-128"/>
-                <a:ea typeface="メイリオ" panose="020B0604030504040204" pitchFamily="50" charset="-128"/>
-              </a:rPr>
-            </a:br>
-            <a:r>
-              <a:rPr lang="ja-JP" altLang="en-US" sz="2400" dirty="0" smtClean="0">
-                <a:latin typeface="メイリオ" panose="020B0604030504040204" pitchFamily="50" charset="-128"/>
-                <a:ea typeface="メイリオ" panose="020B0604030504040204" pitchFamily="50" charset="-128"/>
-              </a:rPr>
-              <a:t>必要性</a:t>
-            </a:r>
-            <a:r>
-              <a:rPr lang="ja-JP" altLang="en-US" sz="2400" dirty="0">
-                <a:latin typeface="メイリオ" panose="020B0604030504040204" pitchFamily="50" charset="-128"/>
-                <a:ea typeface="メイリオ" panose="020B0604030504040204" pitchFamily="50" charset="-128"/>
-              </a:rPr>
-              <a:t>が出てくる</a:t>
-            </a:r>
-            <a:endParaRPr lang="en-US" altLang="ja-JP" sz="2400" dirty="0">
-              <a:latin typeface="メイリオ" panose="020B0604030504040204" pitchFamily="50" charset="-128"/>
-              <a:ea typeface="メイリオ" panose="020B0604030504040204" pitchFamily="50" charset="-128"/>
-            </a:endParaRPr>
-          </a:p>
-        </p:txBody>
-      </p:sp>
-      <p:sp>
-        <p:nvSpPr>
-          <p:cNvPr id="28" name="テキスト ボックス 27">
-            <a:extLst>
-              <a:ext uri="{FF2B5EF4-FFF2-40B4-BE49-F238E27FC236}">
-                <a16:creationId xmlns:a16="http://schemas.microsoft.com/office/drawing/2014/main" id="{092488D0-9440-EDE2-AAEC-7C417A900670}"/>
-              </a:ext>
-            </a:extLst>
-          </p:cNvPr>
-          <p:cNvSpPr txBox="1"/>
-          <p:nvPr/>
-        </p:nvSpPr>
-        <p:spPr>
-          <a:xfrm>
-            <a:off x="292103" y="5449589"/>
-            <a:ext cx="5882919" cy="1154162"/>
-          </a:xfrm>
-          <a:prstGeom prst="rect">
-            <a:avLst/>
-          </a:prstGeom>
-          <a:noFill/>
-        </p:spPr>
-        <p:txBody>
-          <a:bodyPr wrap="square" rtlCol="0" anchor="ctr">
-            <a:spAutoFit/>
-          </a:bodyPr>
-          <a:lstStyle/>
-          <a:p>
-            <a:pPr marL="631825" indent="-631825">
-              <a:lnSpc>
-                <a:spcPct val="150000"/>
-              </a:lnSpc>
-            </a:pPr>
-            <a:r>
-              <a:rPr lang="ja-JP" altLang="en-US" sz="2400" dirty="0">
-                <a:latin typeface="メイリオ" panose="020B0604030504040204" pitchFamily="50" charset="-128"/>
-                <a:ea typeface="メイリオ" panose="020B0604030504040204" pitchFamily="50" charset="-128"/>
-              </a:rPr>
-              <a:t>・　単一地点において特徴量</a:t>
-            </a:r>
-            <a:r>
-              <a:rPr lang="ja-JP" altLang="en-US" sz="2400" dirty="0" smtClean="0">
-                <a:latin typeface="メイリオ" panose="020B0604030504040204" pitchFamily="50" charset="-128"/>
-                <a:ea typeface="メイリオ" panose="020B0604030504040204" pitchFamily="50" charset="-128"/>
-              </a:rPr>
-              <a:t>に</a:t>
-            </a:r>
-            <a:r>
-              <a:rPr lang="en-US" altLang="ja-JP" sz="2400" dirty="0" smtClean="0">
-                <a:latin typeface="メイリオ" panose="020B0604030504040204" pitchFamily="50" charset="-128"/>
-                <a:ea typeface="メイリオ" panose="020B0604030504040204" pitchFamily="50" charset="-128"/>
-              </a:rPr>
-              <a:t/>
-            </a:r>
-            <a:br>
-              <a:rPr lang="en-US" altLang="ja-JP" sz="2400" dirty="0" smtClean="0">
-                <a:latin typeface="メイリオ" panose="020B0604030504040204" pitchFamily="50" charset="-128"/>
-                <a:ea typeface="メイリオ" panose="020B0604030504040204" pitchFamily="50" charset="-128"/>
-              </a:rPr>
-            </a:br>
-            <a:r>
-              <a:rPr lang="ja-JP" altLang="en-US" sz="2400" dirty="0" smtClean="0">
-                <a:latin typeface="メイリオ" panose="020B0604030504040204" pitchFamily="50" charset="-128"/>
-                <a:ea typeface="メイリオ" panose="020B0604030504040204" pitchFamily="50" charset="-128"/>
-              </a:rPr>
-              <a:t>規則性</a:t>
-            </a:r>
-            <a:r>
-              <a:rPr lang="ja-JP" altLang="en-US" sz="2400" dirty="0">
-                <a:latin typeface="メイリオ" panose="020B0604030504040204" pitchFamily="50" charset="-128"/>
-                <a:ea typeface="メイリオ" panose="020B0604030504040204" pitchFamily="50" charset="-128"/>
-              </a:rPr>
-              <a:t>はないのではないか</a:t>
-            </a:r>
-            <a:endParaRPr lang="en-US" altLang="ja-JP" sz="2400" dirty="0">
-              <a:latin typeface="メイリオ" panose="020B0604030504040204" pitchFamily="50" charset="-128"/>
-              <a:ea typeface="メイリオ" panose="020B0604030504040204" pitchFamily="50" charset="-128"/>
-            </a:endParaRPr>
-          </a:p>
-        </p:txBody>
-      </p:sp>
-      <p:sp>
-        <p:nvSpPr>
-          <p:cNvPr id="29" name="テキスト ボックス 28">
-            <a:extLst>
-              <a:ext uri="{FF2B5EF4-FFF2-40B4-BE49-F238E27FC236}">
-                <a16:creationId xmlns:a16="http://schemas.microsoft.com/office/drawing/2014/main" id="{13A77D74-A280-2730-DFF9-D98612E43D49}"/>
-              </a:ext>
-            </a:extLst>
-          </p:cNvPr>
-          <p:cNvSpPr txBox="1"/>
-          <p:nvPr/>
-        </p:nvSpPr>
-        <p:spPr>
-          <a:xfrm>
-            <a:off x="289210" y="2949509"/>
-            <a:ext cx="5803897" cy="1200329"/>
-          </a:xfrm>
-          <a:prstGeom prst="rect">
-            <a:avLst/>
-          </a:prstGeom>
-          <a:noFill/>
-        </p:spPr>
-        <p:txBody>
-          <a:bodyPr wrap="square" rtlCol="0">
-            <a:spAutoFit/>
-          </a:bodyPr>
-          <a:lstStyle/>
-          <a:p>
-            <a:pPr marL="630238" indent="-630238">
-              <a:lnSpc>
-                <a:spcPct val="150000"/>
-              </a:lnSpc>
-            </a:pPr>
-            <a:r>
-              <a:rPr lang="ja-JP" altLang="en-US" sz="2400" dirty="0">
-                <a:latin typeface="メイリオ" panose="020B0604030504040204" pitchFamily="50" charset="-128"/>
-                <a:ea typeface="メイリオ" panose="020B0604030504040204" pitchFamily="50" charset="-128"/>
-              </a:rPr>
-              <a:t>・</a:t>
-            </a:r>
-            <a:r>
-              <a:rPr lang="ja-JP" altLang="en-US" sz="2400" dirty="0">
-                <a:latin typeface="メイリオ" panose="020B0604030504040204" pitchFamily="50" charset="-128"/>
-                <a:ea typeface="メイリオ" panose="020B0604030504040204" pitchFamily="50" charset="-128"/>
-              </a:rPr>
-              <a:t>　この手法で</a:t>
-            </a:r>
-            <a:r>
-              <a:rPr lang="ja-JP" altLang="en-US" sz="2400" dirty="0" smtClean="0">
-                <a:latin typeface="メイリオ" panose="020B0604030504040204" pitchFamily="50" charset="-128"/>
-                <a:ea typeface="メイリオ" panose="020B0604030504040204" pitchFamily="50" charset="-128"/>
-              </a:rPr>
-              <a:t>あればベンチマーク</a:t>
-            </a:r>
-            <a:r>
-              <a:rPr lang="ja-JP" altLang="en-US" sz="2400" dirty="0">
-                <a:latin typeface="メイリオ" panose="020B0604030504040204" pitchFamily="50" charset="-128"/>
-                <a:ea typeface="メイリオ" panose="020B0604030504040204" pitchFamily="50" charset="-128"/>
-              </a:rPr>
-              <a:t>より</a:t>
-            </a:r>
-            <a:r>
-              <a:rPr lang="en-US" altLang="ja-JP" sz="2400" dirty="0">
-                <a:latin typeface="メイリオ" panose="020B0604030504040204" pitchFamily="50" charset="-128"/>
-                <a:ea typeface="メイリオ" panose="020B0604030504040204" pitchFamily="50" charset="-128"/>
-              </a:rPr>
-              <a:t/>
-            </a:r>
-            <a:br>
-              <a:rPr lang="en-US" altLang="ja-JP" sz="2400" dirty="0">
-                <a:latin typeface="メイリオ" panose="020B0604030504040204" pitchFamily="50" charset="-128"/>
-                <a:ea typeface="メイリオ" panose="020B0604030504040204" pitchFamily="50" charset="-128"/>
-              </a:rPr>
-            </a:br>
-            <a:r>
-              <a:rPr lang="ja-JP" altLang="en-US" sz="2400" dirty="0">
-                <a:latin typeface="メイリオ" panose="020B0604030504040204" pitchFamily="50" charset="-128"/>
-                <a:ea typeface="メイリオ" panose="020B0604030504040204" pitchFamily="50" charset="-128"/>
-              </a:rPr>
-              <a:t>高精度なモデルを作成できる</a:t>
-            </a:r>
-            <a:endParaRPr lang="en-US" altLang="ja-JP" sz="2400" dirty="0">
-              <a:latin typeface="メイリオ" panose="020B0604030504040204" pitchFamily="50" charset="-128"/>
-              <a:ea typeface="メイリオ" panose="020B0604030504040204" pitchFamily="50" charset="-128"/>
-            </a:endParaRPr>
-          </a:p>
-        </p:txBody>
-      </p:sp>
-      <p:sp>
-        <p:nvSpPr>
           <p:cNvPr id="5" name="角丸四角形 4"/>
           <p:cNvSpPr/>
           <p:nvPr/>
@@ -16708,10 +15928,6 @@
               <a:rPr lang="ja-JP" altLang="en-US" sz="2400" b="1" dirty="0"/>
               <a:t>一定の有用性は</a:t>
             </a:r>
-            <a:r>
-              <a:rPr lang="en-US" altLang="ja-JP" sz="2400" b="1" dirty="0"/>
-              <a:t/>
-            </a:r>
             <a:br>
               <a:rPr lang="en-US" altLang="ja-JP" sz="2400" b="1" dirty="0"/>
             </a:br>
@@ -16719,7 +15935,6 @@
               <a:rPr lang="ja-JP" altLang="en-US" sz="2400" b="1" dirty="0"/>
               <a:t>あるのではないか</a:t>
             </a:r>
-            <a:endParaRPr lang="ja-JP" altLang="en-US" sz="2400" b="1" dirty="0"/>
           </a:p>
         </p:txBody>
       </p:sp>
@@ -16731,8 +15946,8 @@
         </p:nvSpPr>
         <p:spPr>
           <a:xfrm>
-            <a:off x="135467" y="1596699"/>
-            <a:ext cx="6298519" cy="2602850"/>
+            <a:off x="135467" y="1680851"/>
+            <a:ext cx="6298519" cy="3496297"/>
           </a:xfrm>
           <a:prstGeom prst="rect">
             <a:avLst/>
@@ -16769,6 +15984,173 @@
           </a:p>
         </p:txBody>
       </p:sp>
+      <p:sp>
+        <p:nvSpPr>
+          <p:cNvPr id="15" name="テキスト ボックス 14">
+            <a:extLst>
+              <a:ext uri="{FF2B5EF4-FFF2-40B4-BE49-F238E27FC236}">
+                <a16:creationId xmlns:a16="http://schemas.microsoft.com/office/drawing/2014/main" id="{05C84874-293E-DBB4-F78C-42402911906E}"/>
+              </a:ext>
+            </a:extLst>
+          </p:cNvPr>
+          <p:cNvSpPr txBox="1"/>
+          <p:nvPr/>
+        </p:nvSpPr>
+        <p:spPr>
+          <a:xfrm>
+            <a:off x="292104" y="1781364"/>
+            <a:ext cx="5882919" cy="1200329"/>
+          </a:xfrm>
+          <a:prstGeom prst="rect">
+            <a:avLst/>
+          </a:prstGeom>
+          <a:noFill/>
+        </p:spPr>
+        <p:txBody>
+          <a:bodyPr wrap="square" rtlCol="0" anchor="ctr">
+            <a:spAutoFit/>
+          </a:bodyPr>
+          <a:lstStyle/>
+          <a:p>
+            <a:pPr marL="630238" indent="-630238">
+              <a:lnSpc>
+                <a:spcPct val="150000"/>
+              </a:lnSpc>
+            </a:pPr>
+            <a:r>
+              <a:rPr lang="ja-JP" altLang="en-US" sz="2400" dirty="0">
+                <a:latin typeface="メイリオ" panose="020B0604030504040204" pitchFamily="50" charset="-128"/>
+                <a:ea typeface="メイリオ" panose="020B0604030504040204" pitchFamily="50" charset="-128"/>
+              </a:rPr>
+              <a:t>・　現実の反応を考慮した特徴量では</a:t>
+            </a:r>
+            <a:br>
+              <a:rPr lang="en-US" altLang="ja-JP" sz="2400" dirty="0">
+                <a:latin typeface="メイリオ" panose="020B0604030504040204" pitchFamily="50" charset="-128"/>
+                <a:ea typeface="メイリオ" panose="020B0604030504040204" pitchFamily="50" charset="-128"/>
+              </a:rPr>
+            </a:br>
+            <a:r>
+              <a:rPr lang="ja-JP" altLang="en-US" sz="2400" dirty="0">
+                <a:latin typeface="メイリオ" panose="020B0604030504040204" pitchFamily="50" charset="-128"/>
+                <a:ea typeface="メイリオ" panose="020B0604030504040204" pitchFamily="50" charset="-128"/>
+              </a:rPr>
+              <a:t>最適足りえないことが分かった</a:t>
+            </a:r>
+            <a:endParaRPr lang="en-US" altLang="ja-JP" sz="2400" dirty="0">
+              <a:latin typeface="メイリオ" panose="020B0604030504040204" pitchFamily="50" charset="-128"/>
+              <a:ea typeface="メイリオ" panose="020B0604030504040204" pitchFamily="50" charset="-128"/>
+            </a:endParaRPr>
+          </a:p>
+        </p:txBody>
+      </p:sp>
+      <p:sp>
+        <p:nvSpPr>
+          <p:cNvPr id="16" name="テキスト ボックス 15">
+            <a:extLst>
+              <a:ext uri="{FF2B5EF4-FFF2-40B4-BE49-F238E27FC236}">
+                <a16:creationId xmlns:a16="http://schemas.microsoft.com/office/drawing/2014/main" id="{DD75A712-49DE-60A7-573F-52FC171CB8DB}"/>
+              </a:ext>
+            </a:extLst>
+          </p:cNvPr>
+          <p:cNvSpPr txBox="1"/>
+          <p:nvPr/>
+        </p:nvSpPr>
+        <p:spPr>
+          <a:xfrm>
+            <a:off x="289210" y="3623008"/>
+            <a:ext cx="5803897" cy="1200329"/>
+          </a:xfrm>
+          <a:prstGeom prst="rect">
+            <a:avLst/>
+          </a:prstGeom>
+          <a:noFill/>
+        </p:spPr>
+        <p:txBody>
+          <a:bodyPr wrap="square" rtlCol="0">
+            <a:spAutoFit/>
+          </a:bodyPr>
+          <a:lstStyle/>
+          <a:p>
+            <a:pPr marL="630238" indent="-630238">
+              <a:lnSpc>
+                <a:spcPct val="150000"/>
+              </a:lnSpc>
+            </a:pPr>
+            <a:r>
+              <a:rPr lang="ja-JP" altLang="en-US" sz="2400" dirty="0">
+                <a:latin typeface="メイリオ" panose="020B0604030504040204" pitchFamily="50" charset="-128"/>
+                <a:ea typeface="メイリオ" panose="020B0604030504040204" pitchFamily="50" charset="-128"/>
+              </a:rPr>
+              <a:t>・　この手法であればベンチマークより</a:t>
+            </a:r>
+            <a:br>
+              <a:rPr lang="en-US" altLang="ja-JP" sz="2400" dirty="0">
+                <a:latin typeface="メイリオ" panose="020B0604030504040204" pitchFamily="50" charset="-128"/>
+                <a:ea typeface="メイリオ" panose="020B0604030504040204" pitchFamily="50" charset="-128"/>
+              </a:rPr>
+            </a:br>
+            <a:r>
+              <a:rPr lang="ja-JP" altLang="en-US" sz="2400" dirty="0">
+                <a:latin typeface="メイリオ" panose="020B0604030504040204" pitchFamily="50" charset="-128"/>
+                <a:ea typeface="メイリオ" panose="020B0604030504040204" pitchFamily="50" charset="-128"/>
+              </a:rPr>
+              <a:t>高精度なモデルを作成できる</a:t>
+            </a:r>
+            <a:endParaRPr lang="en-US" altLang="ja-JP" sz="2400" dirty="0">
+              <a:latin typeface="メイリオ" panose="020B0604030504040204" pitchFamily="50" charset="-128"/>
+              <a:ea typeface="メイリオ" panose="020B0604030504040204" pitchFamily="50" charset="-128"/>
+            </a:endParaRPr>
+          </a:p>
+        </p:txBody>
+      </p:sp>
+      <p:sp>
+        <p:nvSpPr>
+          <p:cNvPr id="17" name="テキスト ボックス 16">
+            <a:extLst>
+              <a:ext uri="{FF2B5EF4-FFF2-40B4-BE49-F238E27FC236}">
+                <a16:creationId xmlns:a16="http://schemas.microsoft.com/office/drawing/2014/main" id="{F01075A9-4DB2-E681-3101-6E9AB027ED05}"/>
+              </a:ext>
+            </a:extLst>
+          </p:cNvPr>
+          <p:cNvSpPr txBox="1"/>
+          <p:nvPr/>
+        </p:nvSpPr>
+        <p:spPr>
+          <a:xfrm>
+            <a:off x="289209" y="5298498"/>
+            <a:ext cx="6388037" cy="600164"/>
+          </a:xfrm>
+          <a:prstGeom prst="rect">
+            <a:avLst/>
+          </a:prstGeom>
+          <a:noFill/>
+        </p:spPr>
+        <p:txBody>
+          <a:bodyPr wrap="square" rtlCol="0">
+            <a:spAutoFit/>
+          </a:bodyPr>
+          <a:lstStyle/>
+          <a:p>
+            <a:pPr marL="631825" indent="-631825">
+              <a:lnSpc>
+                <a:spcPct val="150000"/>
+              </a:lnSpc>
+            </a:pPr>
+            <a:r>
+              <a:rPr lang="ja-JP" altLang="en-US" sz="2400" dirty="0">
+                <a:latin typeface="メイリオ" panose="020B0604030504040204" pitchFamily="50" charset="-128"/>
+                <a:ea typeface="メイリオ" panose="020B0604030504040204" pitchFamily="50" charset="-128"/>
+              </a:rPr>
+              <a:t>・　特徴量に規則性は見受けられなかった</a:t>
+            </a:r>
+            <a:endParaRPr lang="en-US" altLang="ja-JP" sz="2400" dirty="0">
+              <a:latin typeface="メイリオ" panose="020B0604030504040204" pitchFamily="50" charset="-128"/>
+              <a:ea typeface="メイリオ" panose="020B0604030504040204" pitchFamily="50" charset="-128"/>
+            </a:endParaRPr>
+          </a:p>
+        </p:txBody>
+      </p:sp>
     </p:spTree>
     <p:extLst>
       <p:ext uri="{BB962C8B-B14F-4D97-AF65-F5344CB8AC3E}">
@@ -16782,9 +16164,154 @@
   <p:timing>
     <p:tnLst>
       <p:par>
-        <p:cTn id="1" dur="indefinite" restart="never" nodeType="tmRoot"/>
+        <p:cTn id="1" dur="indefinite" restart="never" nodeType="tmRoot">
+          <p:childTnLst>
+            <p:seq concurrent="1" nextAc="seek">
+              <p:cTn id="2" dur="indefinite" nodeType="mainSeq">
+                <p:childTnLst>
+                  <p:par>
+                    <p:cTn id="3" fill="hold">
+                      <p:stCondLst>
+                        <p:cond delay="indefinite"/>
+                      </p:stCondLst>
+                      <p:childTnLst>
+                        <p:par>
+                          <p:cTn id="4" fill="hold">
+                            <p:stCondLst>
+                              <p:cond delay="0"/>
+                            </p:stCondLst>
+                            <p:childTnLst>
+                              <p:par>
+                                <p:cTn id="5" presetID="1" presetClass="entr" presetSubtype="0" fill="hold" grpId="0" nodeType="clickEffect">
+                                  <p:stCondLst>
+                                    <p:cond delay="0"/>
+                                  </p:stCondLst>
+                                  <p:childTnLst>
+                                    <p:set>
+                                      <p:cBhvr>
+                                        <p:cTn id="6" dur="1" fill="hold">
+                                          <p:stCondLst>
+                                            <p:cond delay="0"/>
+                                          </p:stCondLst>
+                                        </p:cTn>
+                                        <p:tgtEl>
+                                          <p:spTgt spid="15"/>
+                                        </p:tgtEl>
+                                        <p:attrNameLst>
+                                          <p:attrName>style.visibility</p:attrName>
+                                        </p:attrNameLst>
+                                      </p:cBhvr>
+                                      <p:to>
+                                        <p:strVal val="visible"/>
+                                      </p:to>
+                                    </p:set>
+                                  </p:childTnLst>
+                                </p:cTn>
+                              </p:par>
+                              <p:par>
+                                <p:cTn id="7" presetID="1" presetClass="entr" presetSubtype="0" fill="hold" grpId="0" nodeType="withEffect">
+                                  <p:stCondLst>
+                                    <p:cond delay="0"/>
+                                  </p:stCondLst>
+                                  <p:childTnLst>
+                                    <p:set>
+                                      <p:cBhvr>
+                                        <p:cTn id="8" dur="1" fill="hold">
+                                          <p:stCondLst>
+                                            <p:cond delay="0"/>
+                                          </p:stCondLst>
+                                        </p:cTn>
+                                        <p:tgtEl>
+                                          <p:spTgt spid="16"/>
+                                        </p:tgtEl>
+                                        <p:attrNameLst>
+                                          <p:attrName>style.visibility</p:attrName>
+                                        </p:attrNameLst>
+                                      </p:cBhvr>
+                                      <p:to>
+                                        <p:strVal val="visible"/>
+                                      </p:to>
+                                    </p:set>
+                                  </p:childTnLst>
+                                </p:cTn>
+                              </p:par>
+                            </p:childTnLst>
+                          </p:cTn>
+                        </p:par>
+                      </p:childTnLst>
+                    </p:cTn>
+                  </p:par>
+                  <p:par>
+                    <p:cTn id="9" fill="hold">
+                      <p:stCondLst>
+                        <p:cond delay="indefinite"/>
+                      </p:stCondLst>
+                      <p:childTnLst>
+                        <p:par>
+                          <p:cTn id="10" fill="hold">
+                            <p:stCondLst>
+                              <p:cond delay="0"/>
+                            </p:stCondLst>
+                            <p:childTnLst>
+                              <p:par>
+                                <p:cTn id="11" presetID="1" presetClass="entr" presetSubtype="0" fill="hold" grpId="0" nodeType="clickEffect">
+                                  <p:stCondLst>
+                                    <p:cond delay="0"/>
+                                  </p:stCondLst>
+                                  <p:childTnLst>
+                                    <p:set>
+                                      <p:cBhvr>
+                                        <p:cTn id="12" dur="1" fill="hold">
+                                          <p:stCondLst>
+                                            <p:cond delay="0"/>
+                                          </p:stCondLst>
+                                        </p:cTn>
+                                        <p:tgtEl>
+                                          <p:spTgt spid="17"/>
+                                        </p:tgtEl>
+                                        <p:attrNameLst>
+                                          <p:attrName>style.visibility</p:attrName>
+                                        </p:attrNameLst>
+                                      </p:cBhvr>
+                                      <p:to>
+                                        <p:strVal val="visible"/>
+                                      </p:to>
+                                    </p:set>
+                                  </p:childTnLst>
+                                </p:cTn>
+                              </p:par>
+                            </p:childTnLst>
+                          </p:cTn>
+                        </p:par>
+                      </p:childTnLst>
+                    </p:cTn>
+                  </p:par>
+                </p:childTnLst>
+              </p:cTn>
+              <p:prevCondLst>
+                <p:cond evt="onPrev" delay="0">
+                  <p:tgtEl>
+                    <p:sldTgt/>
+                  </p:tgtEl>
+                </p:cond>
+              </p:prevCondLst>
+              <p:nextCondLst>
+                <p:cond evt="onNext" delay="0">
+                  <p:tgtEl>
+                    <p:sldTgt/>
+                  </p:tgtEl>
+                </p:cond>
+              </p:nextCondLst>
+            </p:seq>
+          </p:childTnLst>
+        </p:cTn>
       </p:par>
     </p:tnLst>
+    <p:bldLst>
+      <p:bldP spid="15" grpId="0"/>
+      <p:bldP spid="16" grpId="0"/>
+      <p:bldP spid="17" grpId="0"/>
+    </p:bldLst>
   </p:timing>
 </p:sld>
 </file>
@@ -17209,13 +16736,6 @@
   <p:clrMapOvr>
     <a:masterClrMapping/>
   </p:clrMapOvr>
-  <p:timing>
-    <p:tnLst>
-      <p:par>
-        <p:cTn id="1" dur="indefinite" restart="never" nodeType="tmRoot"/>
-      </p:par>
-    </p:tnLst>
-  </p:timing>
 </p:sld>
 </file>
 
@@ -17960,12 +17480,6 @@
                         </a:rPr>
                         <a:t>・</a:t>
                       </a:r>
-                      <a:r>
-                        <a:rPr lang="en-US" altLang="ja-JP" sz="2400" u="none" strike="noStrike" dirty="0">
-                          <a:effectLst/>
-                        </a:rPr>
-                        <a:t/>
-                      </a:r>
                       <a:br>
                         <a:rPr lang="en-US" altLang="ja-JP" sz="2400" u="none" strike="noStrike" dirty="0">
                           <a:effectLst/>
@@ -19113,13 +18627,6 @@
   <p:clrMapOvr>
     <a:masterClrMapping/>
   </p:clrMapOvr>
-  <p:timing>
-    <p:tnLst>
-      <p:par>
-        <p:cTn id="1" dur="indefinite" restart="never" nodeType="tmRoot"/>
-      </p:par>
-    </p:tnLst>
-  </p:timing>
 </p:sld>
 </file>
 
@@ -19155,7 +18662,7 @@
           <p:nvPr>
             <p:extLst>
               <p:ext uri="{D42A27DB-BD31-4B8C-83A1-F6EECF244321}">
-                <p14:modId xmlns:p14="http://schemas.microsoft.com/office/powerpoint/2010/main" val="1755542462"/>
+                <p14:modId xmlns:p14="http://schemas.microsoft.com/office/powerpoint/2010/main" val="513908452"/>
               </p:ext>
             </p:extLst>
           </p:nvPr>
@@ -19171,21 +18678,21 @@
                 <a:tableStyleId>{93296810-A885-4BE3-A3E7-6D5BEEA58F35}</a:tableStyleId>
               </a:tblPr>
               <a:tblGrid>
-                <a:gridCol w="2758150">
+                <a:gridCol w="2240342">
                   <a:extLst>
                     <a:ext uri="{9D8B030D-6E8A-4147-A177-3AD203B41FA5}">
                       <a16:colId xmlns:a16="http://schemas.microsoft.com/office/drawing/2014/main" val="1244594613"/>
                     </a:ext>
                   </a:extLst>
                 </a:gridCol>
-                <a:gridCol w="1274775">
+                <a:gridCol w="1275907">
                   <a:extLst>
                     <a:ext uri="{9D8B030D-6E8A-4147-A177-3AD203B41FA5}">
                       <a16:colId xmlns:a16="http://schemas.microsoft.com/office/drawing/2014/main" val="3026153302"/>
                     </a:ext>
                   </a:extLst>
                 </a:gridCol>
-                <a:gridCol w="1274775">
+                <a:gridCol w="1791451">
                   <a:extLst>
                     <a:ext uri="{9D8B030D-6E8A-4147-A177-3AD203B41FA5}">
                       <a16:colId xmlns:a16="http://schemas.microsoft.com/office/drawing/2014/main" val="1394707164"/>
@@ -19277,6 +18784,11 @@
                         </a:rPr>
                         <a:t>適合率</a:t>
                       </a:r>
+                      <a:br>
+                        <a:rPr lang="en-US" altLang="ja-JP" sz="2400" kern="0" dirty="0">
+                          <a:effectLst/>
+                        </a:rPr>
+                      </a:br>
                       <a:r>
                         <a:rPr lang="en-US" sz="2400" kern="0" dirty="0">
                           <a:effectLst/>
@@ -19444,7 +18956,7 @@
                     <a:p>
                       <a:pPr algn="ctr" rtl="0" fontAlgn="ctr"/>
                       <a:r>
-                        <a:rPr lang="en-US" altLang="ja-JP" sz="2400" b="0" i="0" u="none" strike="noStrike">
+                        <a:rPr lang="en-US" altLang="ja-JP" sz="2400" b="0" i="0" u="none" strike="noStrike" dirty="0">
                           <a:solidFill>
                             <a:srgbClr val="000000"/>
                           </a:solidFill>
@@ -19454,27 +18966,25 @@
                         </a:rPr>
                         <a:t>83.18</a:t>
                       </a:r>
-                    </a:p>
-                  </a:txBody>
-                  <a:tcPr marL="9525" marR="9525" marT="9525" marB="0" anchor="ctr"/>
-                </a:tc>
-                <a:tc>
-                  <a:txBody>
-                    <a:bodyPr/>
-                    <a:lstStyle/>
-                    <a:p>
-                      <a:pPr algn="ctr" rtl="0" fontAlgn="ctr"/>
-                      <a:r>
-                        <a:rPr lang="en-US" altLang="ja-JP" sz="2400" b="0" i="0" u="none" strike="noStrike">
+                      <a:r>
+                        <a:rPr lang="en-US" altLang="ja-JP" sz="2400" b="0" i="0" u="none" strike="noStrike" dirty="0">
                           <a:solidFill>
                             <a:srgbClr val="000000"/>
                           </a:solidFill>
                           <a:effectLst/>
                           <a:latin typeface="游ゴシック" panose="020B0400000000000000" pitchFamily="50" charset="-128"/>
-                          <a:ea typeface="游ゴシック" panose="020B0400000000000000" pitchFamily="50" charset="-128"/>
-                        </a:rPr>
-                        <a:t>76.40</a:t>
-                      </a:r>
+                          <a:ea typeface="+mn-ea"/>
+                        </a:rPr>
+                        <a:t>(107)</a:t>
+                      </a:r>
+                      <a:endParaRPr lang="en-US" altLang="ja-JP" sz="2400" b="0" i="0" u="none" strike="noStrike" dirty="0">
+                        <a:solidFill>
+                          <a:srgbClr val="000000"/>
+                        </a:solidFill>
+                        <a:effectLst/>
+                        <a:latin typeface="游ゴシック" panose="020B0400000000000000" pitchFamily="50" charset="-128"/>
+                        <a:ea typeface="游ゴシック" panose="020B0400000000000000" pitchFamily="50" charset="-128"/>
+                      </a:endParaRPr>
                     </a:p>
                   </a:txBody>
                   <a:tcPr marL="9525" marR="9525" marT="9525" marB="0" anchor="ctr"/>
@@ -19486,7 +18996,7 @@
                     <a:p>
                       <a:pPr algn="ctr" rtl="0" fontAlgn="ctr"/>
                       <a:r>
-                        <a:rPr lang="en-US" altLang="ja-JP" sz="2400" b="0" i="0" u="none" strike="noStrike">
+                        <a:rPr lang="en-US" altLang="ja-JP" sz="2400" b="0" i="0" u="none" strike="noStrike" dirty="0">
                           <a:solidFill>
                             <a:srgbClr val="000000"/>
                           </a:solidFill>
@@ -19494,6 +19004,27 @@
                           <a:latin typeface="游ゴシック" panose="020B0400000000000000" pitchFamily="50" charset="-128"/>
                           <a:ea typeface="游ゴシック" panose="020B0400000000000000" pitchFamily="50" charset="-128"/>
                         </a:rPr>
+                        <a:t>76.40</a:t>
+                      </a:r>
+                    </a:p>
+                  </a:txBody>
+                  <a:tcPr marL="9525" marR="9525" marT="9525" marB="0" anchor="ctr"/>
+                </a:tc>
+                <a:tc>
+                  <a:txBody>
+                    <a:bodyPr/>
+                    <a:lstStyle/>
+                    <a:p>
+                      <a:pPr algn="ctr" rtl="0" fontAlgn="ctr"/>
+                      <a:r>
+                        <a:rPr lang="en-US" altLang="ja-JP" sz="2400" b="0" i="0" u="none" strike="noStrike" dirty="0">
+                          <a:solidFill>
+                            <a:srgbClr val="000000"/>
+                          </a:solidFill>
+                          <a:effectLst/>
+                          <a:latin typeface="游ゴシック" panose="020B0400000000000000" pitchFamily="50" charset="-128"/>
+                          <a:ea typeface="游ゴシック" panose="020B0400000000000000" pitchFamily="50" charset="-128"/>
+                        </a:rPr>
                         <a:t>4.13</a:t>
                       </a:r>
                     </a:p>
@@ -19507,7 +19038,7 @@
                     <a:p>
                       <a:pPr algn="ctr" rtl="0" fontAlgn="ctr"/>
                       <a:r>
-                        <a:rPr lang="en-US" altLang="ja-JP" sz="2400" b="0" i="0" u="none" strike="noStrike">
+                        <a:rPr lang="en-US" altLang="ja-JP" sz="2400" b="0" i="0" u="none" strike="noStrike" dirty="0">
                           <a:solidFill>
                             <a:srgbClr val="000000"/>
                           </a:solidFill>
@@ -19592,6 +19123,25 @@
                         </a:rPr>
                         <a:t>88.10</a:t>
                       </a:r>
+                      <a:r>
+                        <a:rPr lang="en-US" altLang="ja-JP" sz="2400" b="0" i="0" u="none" strike="noStrike" dirty="0">
+                          <a:solidFill>
+                            <a:srgbClr val="000000"/>
+                          </a:solidFill>
+                          <a:effectLst/>
+                          <a:latin typeface="游ゴシック" panose="020B0400000000000000" pitchFamily="50" charset="-128"/>
+                          <a:ea typeface="+mn-ea"/>
+                        </a:rPr>
+                        <a:t>(84)</a:t>
+                      </a:r>
+                      <a:endParaRPr lang="en-US" altLang="ja-JP" sz="2400" b="0" i="0" u="none" strike="noStrike" dirty="0">
+                        <a:solidFill>
+                          <a:srgbClr val="000000"/>
+                        </a:solidFill>
+                        <a:effectLst/>
+                        <a:latin typeface="游ゴシック" panose="020B0400000000000000" pitchFamily="50" charset="-128"/>
+                        <a:ea typeface="游ゴシック" panose="020B0400000000000000" pitchFamily="50" charset="-128"/>
+                      </a:endParaRPr>
                     </a:p>
                   </a:txBody>
                   <a:tcPr marL="9525" marR="9525" marT="9525" marB="0" anchor="ctr"/>
@@ -19742,6 +19292,25 @@
                         </a:rPr>
                         <a:t>90.00</a:t>
                       </a:r>
+                      <a:r>
+                        <a:rPr lang="en-US" altLang="ja-JP" sz="2400" b="0" i="0" u="none" strike="noStrike" dirty="0">
+                          <a:solidFill>
+                            <a:srgbClr val="000000"/>
+                          </a:solidFill>
+                          <a:effectLst/>
+                          <a:latin typeface="游ゴシック" panose="020B0400000000000000" pitchFamily="50" charset="-128"/>
+                          <a:ea typeface="+mn-ea"/>
+                        </a:rPr>
+                        <a:t>(107)</a:t>
+                      </a:r>
+                      <a:endParaRPr lang="en-US" altLang="ja-JP" sz="2400" b="0" i="0" u="none" strike="noStrike" dirty="0">
+                        <a:solidFill>
+                          <a:srgbClr val="000000"/>
+                        </a:solidFill>
+                        <a:effectLst/>
+                        <a:latin typeface="游ゴシック" panose="020B0400000000000000" pitchFamily="50" charset="-128"/>
+                        <a:ea typeface="游ゴシック" panose="020B0400000000000000" pitchFamily="50" charset="-128"/>
+                      </a:endParaRPr>
                     </a:p>
                   </a:txBody>
                   <a:tcPr marL="9525" marR="9525" marT="9525" marB="0" anchor="ctr"/>
@@ -19882,7 +19451,7 @@
                     <a:p>
                       <a:pPr algn="ctr" rtl="0" fontAlgn="ctr"/>
                       <a:r>
-                        <a:rPr lang="en-US" altLang="ja-JP" sz="2400" b="0" i="0" u="none" strike="noStrike">
+                        <a:rPr lang="en-US" altLang="ja-JP" sz="2400" b="0" i="0" u="none" strike="noStrike" dirty="0">
                           <a:solidFill>
                             <a:srgbClr val="000000"/>
                           </a:solidFill>
@@ -19892,6 +19461,25 @@
                         </a:rPr>
                         <a:t>74.32</a:t>
                       </a:r>
+                      <a:r>
+                        <a:rPr lang="en-US" altLang="ja-JP" sz="2400" b="0" i="0" u="none" strike="noStrike" dirty="0">
+                          <a:solidFill>
+                            <a:srgbClr val="000000"/>
+                          </a:solidFill>
+                          <a:effectLst/>
+                          <a:latin typeface="游ゴシック" panose="020B0400000000000000" pitchFamily="50" charset="-128"/>
+                          <a:ea typeface="+mn-ea"/>
+                        </a:rPr>
+                        <a:t>(148)</a:t>
+                      </a:r>
+                      <a:endParaRPr lang="en-US" altLang="ja-JP" sz="2400" b="0" i="0" u="none" strike="noStrike" dirty="0">
+                        <a:solidFill>
+                          <a:srgbClr val="000000"/>
+                        </a:solidFill>
+                        <a:effectLst/>
+                        <a:latin typeface="游ゴシック" panose="020B0400000000000000" pitchFamily="50" charset="-128"/>
+                        <a:ea typeface="游ゴシック" panose="020B0400000000000000" pitchFamily="50" charset="-128"/>
+                      </a:endParaRPr>
                     </a:p>
                   </a:txBody>
                   <a:tcPr marL="9525" marR="9525" marT="9525" marB="0" anchor="ctr"/>
@@ -20032,7 +19620,7 @@
                     <a:p>
                       <a:pPr algn="ctr" rtl="0" fontAlgn="ctr"/>
                       <a:r>
-                        <a:rPr lang="en-US" altLang="ja-JP" sz="2400" b="0" i="0" u="none" strike="noStrike">
+                        <a:rPr lang="en-US" altLang="ja-JP" sz="2400" b="0" i="0" u="none" strike="noStrike" dirty="0">
                           <a:solidFill>
                             <a:srgbClr val="000000"/>
                           </a:solidFill>
@@ -20042,6 +19630,25 @@
                         </a:rPr>
                         <a:t>80.83</a:t>
                       </a:r>
+                      <a:r>
+                        <a:rPr lang="en-US" altLang="ja-JP" sz="2400" b="0" i="0" u="none" strike="noStrike" dirty="0">
+                          <a:solidFill>
+                            <a:srgbClr val="000000"/>
+                          </a:solidFill>
+                          <a:effectLst/>
+                          <a:latin typeface="游ゴシック" panose="020B0400000000000000" pitchFamily="50" charset="-128"/>
+                          <a:ea typeface="+mn-ea"/>
+                        </a:rPr>
+                        <a:t>(120)</a:t>
+                      </a:r>
+                      <a:endParaRPr lang="en-US" altLang="ja-JP" sz="2400" b="0" i="0" u="none" strike="noStrike" dirty="0">
+                        <a:solidFill>
+                          <a:srgbClr val="000000"/>
+                        </a:solidFill>
+                        <a:effectLst/>
+                        <a:latin typeface="游ゴシック" panose="020B0400000000000000" pitchFamily="50" charset="-128"/>
+                        <a:ea typeface="游ゴシック" panose="020B0400000000000000" pitchFamily="50" charset="-128"/>
+                      </a:endParaRPr>
                     </a:p>
                   </a:txBody>
                   <a:tcPr marL="9525" marR="9525" marT="9525" marB="0" anchor="ctr"/>
@@ -20182,7 +19789,7 @@
                     <a:p>
                       <a:pPr algn="ctr" rtl="0" fontAlgn="ctr"/>
                       <a:r>
-                        <a:rPr lang="en-US" altLang="ja-JP" sz="2400" b="0" i="0" u="none" strike="noStrike">
+                        <a:rPr lang="en-US" altLang="ja-JP" sz="2400" b="0" i="0" u="none" strike="noStrike" dirty="0">
                           <a:solidFill>
                             <a:srgbClr val="000000"/>
                           </a:solidFill>
@@ -20192,6 +19799,25 @@
                         </a:rPr>
                         <a:t>89.69</a:t>
                       </a:r>
+                      <a:r>
+                        <a:rPr lang="en-US" altLang="ja-JP" sz="2400" b="0" i="0" u="none" strike="noStrike" dirty="0">
+                          <a:solidFill>
+                            <a:srgbClr val="000000"/>
+                          </a:solidFill>
+                          <a:effectLst/>
+                          <a:latin typeface="游ゴシック" panose="020B0400000000000000" pitchFamily="50" charset="-128"/>
+                          <a:ea typeface="+mn-ea"/>
+                        </a:rPr>
+                        <a:t>(97)</a:t>
+                      </a:r>
+                      <a:endParaRPr lang="en-US" altLang="ja-JP" sz="2400" b="0" i="0" u="none" strike="noStrike" dirty="0">
+                        <a:solidFill>
+                          <a:srgbClr val="000000"/>
+                        </a:solidFill>
+                        <a:effectLst/>
+                        <a:latin typeface="游ゴシック" panose="020B0400000000000000" pitchFamily="50" charset="-128"/>
+                        <a:ea typeface="游ゴシック" panose="020B0400000000000000" pitchFamily="50" charset="-128"/>
+                      </a:endParaRPr>
                     </a:p>
                   </a:txBody>
                   <a:tcPr marL="9525" marR="9525" marT="9525" marB="0" anchor="ctr"/>
@@ -20441,13 +20067,13 @@
           <p:nvPr>
             <p:extLst>
               <p:ext uri="{D42A27DB-BD31-4B8C-83A1-F6EECF244321}">
-                <p14:modId xmlns:p14="http://schemas.microsoft.com/office/powerpoint/2010/main" val="1356310494"/>
+                <p14:modId xmlns:p14="http://schemas.microsoft.com/office/powerpoint/2010/main" val="471410011"/>
               </p:ext>
             </p:extLst>
           </p:nvPr>
         </p:nvGraphicFramePr>
         <p:xfrm>
-          <a:off x="2256963" y="4091731"/>
+          <a:off x="2368296" y="4063477"/>
           <a:ext cx="9903006" cy="2617470"/>
         </p:xfrm>
         <a:graphic>
@@ -20486,7 +20112,7 @@
                   </a:extLst>
                 </a:gridCol>
               </a:tblGrid>
-              <a:tr h="238125">
+              <a:tr h="25761">
                 <a:tc>
                   <a:txBody>
                     <a:bodyPr/>
@@ -20512,23 +20138,17 @@
                         </a:spcAft>
                       </a:pPr>
                       <a:r>
-                        <a:rPr lang="ja-JP" sz="2400" kern="0">
+                        <a:rPr lang="ja-JP" sz="2400" kern="0" dirty="0">
                           <a:effectLst/>
                         </a:rPr>
                         <a:t>再現率</a:t>
                       </a:r>
                       <a:r>
-                        <a:rPr lang="en-US" sz="2400" kern="0">
+                        <a:rPr lang="en-US" sz="2400" kern="0" dirty="0">
                           <a:effectLst/>
                         </a:rPr>
                         <a:t>(%)</a:t>
                       </a:r>
-                      <a:endParaRPr lang="ja-JP" sz="2400" kern="100">
-                        <a:effectLst/>
-                        <a:latin typeface="游明朝" panose="02020400000000000000" pitchFamily="18" charset="-128"/>
-                        <a:ea typeface="游明朝" panose="02020400000000000000" pitchFamily="18" charset="-128"/>
-                        <a:cs typeface="Times New Roman" panose="02020603050405020304" pitchFamily="18" charset="0"/>
-                      </a:endParaRPr>
                     </a:p>
                   </a:txBody>
                   <a:tcPr marL="62865" marR="62865" marT="0" marB="0" anchor="ctr"/>
@@ -20635,7 +20255,23 @@
                     <a:bodyPr/>
                     <a:lstStyle/>
                     <a:p>
-                      <a:pPr algn="ctr" rtl="0" fontAlgn="ctr"/>
+                      <a:pPr marL="0" marR="0" lvl="0" indent="0" algn="ctr" defTabSz="914400" rtl="0" eaLnBrk="1" fontAlgn="ctr" latinLnBrk="0" hangingPunct="1">
+                        <a:lnSpc>
+                          <a:spcPct val="100000"/>
+                        </a:lnSpc>
+                        <a:spcBef>
+                          <a:spcPts val="0"/>
+                        </a:spcBef>
+                        <a:spcAft>
+                          <a:spcPts val="0"/>
+                        </a:spcAft>
+                        <a:buClrTx/>
+                        <a:buSzTx/>
+                        <a:buFontTx/>
+                        <a:buNone/>
+                        <a:tabLst/>
+                        <a:defRPr/>
+                      </a:pPr>
                       <a:r>
                         <a:rPr lang="en-US" altLang="ja-JP" sz="2400" b="0" i="0" u="none" strike="noStrike" dirty="0">
                           <a:solidFill>
@@ -20658,7 +20294,7 @@
                     <a:p>
                       <a:pPr algn="ctr" rtl="0" fontAlgn="ctr"/>
                       <a:r>
-                        <a:rPr lang="en-US" altLang="ja-JP" sz="2400" b="0" i="0" u="none" strike="noStrike">
+                        <a:rPr lang="en-US" altLang="ja-JP" sz="2400" b="0" i="0" u="none" strike="noStrike" dirty="0">
                           <a:solidFill>
                             <a:srgbClr val="000000"/>
                           </a:solidFill>
@@ -20666,7 +20302,7 @@
                           <a:latin typeface="游ゴシック" panose="020B0400000000000000" pitchFamily="50" charset="-128"/>
                           <a:ea typeface="游ゴシック" panose="020B0400000000000000" pitchFamily="50" charset="-128"/>
                         </a:rPr>
-                        <a:t>83.33</a:t>
+                        <a:t>83.33(30)</a:t>
                       </a:r>
                     </a:p>
                   </a:txBody>
@@ -20762,7 +20398,7 @@
                           <a:latin typeface="游ゴシック" panose="020B0400000000000000" pitchFamily="50" charset="-128"/>
                           <a:ea typeface="游ゴシック" panose="020B0400000000000000" pitchFamily="50" charset="-128"/>
                         </a:rPr>
-                        <a:t>88.00</a:t>
+                        <a:t>88.00(25)</a:t>
                       </a:r>
                     </a:p>
                   </a:txBody>
@@ -20870,7 +20506,7 @@
                           <a:latin typeface="游ゴシック" panose="020B0400000000000000" pitchFamily="50" charset="-128"/>
                           <a:ea typeface="游ゴシック" panose="020B0400000000000000" pitchFamily="50" charset="-128"/>
                         </a:rPr>
-                        <a:t>86.36</a:t>
+                        <a:t>86.36(22)</a:t>
                       </a:r>
                     </a:p>
                   </a:txBody>
@@ -20978,7 +20614,7 @@
                           <a:latin typeface="游ゴシック" panose="020B0400000000000000" pitchFamily="50" charset="-128"/>
                           <a:ea typeface="游ゴシック" panose="020B0400000000000000" pitchFamily="50" charset="-128"/>
                         </a:rPr>
-                        <a:t>81.08</a:t>
+                        <a:t>81.08(37)</a:t>
                       </a:r>
                     </a:p>
                   </a:txBody>
@@ -21086,7 +20722,7 @@
                           <a:latin typeface="游ゴシック" panose="020B0400000000000000" pitchFamily="50" charset="-128"/>
                           <a:ea typeface="游ゴシック" panose="020B0400000000000000" pitchFamily="50" charset="-128"/>
                         </a:rPr>
-                        <a:t>83.87</a:t>
+                        <a:t>83.87(31)</a:t>
                       </a:r>
                     </a:p>
                   </a:txBody>
@@ -21186,7 +20822,7 @@
                     <a:p>
                       <a:pPr algn="ctr" rtl="0" fontAlgn="ctr"/>
                       <a:r>
-                        <a:rPr lang="en-US" altLang="ja-JP" sz="2400" b="0" i="0" u="none" strike="noStrike">
+                        <a:rPr lang="en-US" altLang="ja-JP" sz="2400" b="0" i="0" u="none" strike="noStrike" dirty="0">
                           <a:solidFill>
                             <a:srgbClr val="000000"/>
                           </a:solidFill>
@@ -21194,7 +20830,7 @@
                           <a:latin typeface="游ゴシック" panose="020B0400000000000000" pitchFamily="50" charset="-128"/>
                           <a:ea typeface="游ゴシック" panose="020B0400000000000000" pitchFamily="50" charset="-128"/>
                         </a:rPr>
-                        <a:t>92.00</a:t>
+                        <a:t>92.00(25)</a:t>
                       </a:r>
                     </a:p>
                   </a:txBody>
@@ -21325,6 +20961,84 @@
           </a:p>
         </p:txBody>
       </p:sp>
+      <p:sp>
+        <p:nvSpPr>
+          <p:cNvPr id="6" name="テキスト ボックス 5">
+            <a:extLst>
+              <a:ext uri="{FF2B5EF4-FFF2-40B4-BE49-F238E27FC236}">
+                <a16:creationId xmlns:a16="http://schemas.microsoft.com/office/drawing/2014/main" id="{97EADD90-356F-DC6D-2D1D-E898C064A935}"/>
+              </a:ext>
+            </a:extLst>
+          </p:cNvPr>
+          <p:cNvSpPr txBox="1"/>
+          <p:nvPr/>
+        </p:nvSpPr>
+        <p:spPr>
+          <a:xfrm>
+            <a:off x="3617728" y="1319247"/>
+            <a:ext cx="943639" cy="369332"/>
+          </a:xfrm>
+          <a:prstGeom prst="rect">
+            <a:avLst/>
+          </a:prstGeom>
+          <a:noFill/>
+        </p:spPr>
+        <p:txBody>
+          <a:bodyPr wrap="square">
+            <a:spAutoFit/>
+          </a:bodyPr>
+          <a:lstStyle/>
+          <a:p>
+            <a:r>
+              <a:rPr lang="en-US" altLang="ja-JP" sz="1800" dirty="0">
+                <a:latin typeface="メイリオ" panose="020B0604030504040204" pitchFamily="50" charset="-128"/>
+                <a:ea typeface="メイリオ" panose="020B0604030504040204" pitchFamily="50" charset="-128"/>
+              </a:rPr>
+              <a:t>n=120</a:t>
+            </a:r>
+            <a:endParaRPr lang="ja-JP" altLang="en-US" dirty="0"/>
+          </a:p>
+        </p:txBody>
+      </p:sp>
+      <p:sp>
+        <p:nvSpPr>
+          <p:cNvPr id="10" name="テキスト ボックス 9">
+            <a:extLst>
+              <a:ext uri="{FF2B5EF4-FFF2-40B4-BE49-F238E27FC236}">
+                <a16:creationId xmlns:a16="http://schemas.microsoft.com/office/drawing/2014/main" id="{C14FC199-7993-BE7D-931D-C768B01F4FFE}"/>
+              </a:ext>
+            </a:extLst>
+          </p:cNvPr>
+          <p:cNvSpPr txBox="1"/>
+          <p:nvPr/>
+        </p:nvSpPr>
+        <p:spPr>
+          <a:xfrm>
+            <a:off x="5056667" y="4063477"/>
+            <a:ext cx="943639" cy="369332"/>
+          </a:xfrm>
+          <a:prstGeom prst="rect">
+            <a:avLst/>
+          </a:prstGeom>
+          <a:noFill/>
+        </p:spPr>
+        <p:txBody>
+          <a:bodyPr wrap="square">
+            <a:spAutoFit/>
+          </a:bodyPr>
+          <a:lstStyle/>
+          <a:p>
+            <a:r>
+              <a:rPr lang="en-US" altLang="ja-JP" sz="1800" dirty="0">
+                <a:latin typeface="メイリオ" panose="020B0604030504040204" pitchFamily="50" charset="-128"/>
+                <a:ea typeface="メイリオ" panose="020B0604030504040204" pitchFamily="50" charset="-128"/>
+              </a:rPr>
+              <a:t>n=33</a:t>
+            </a:r>
+            <a:endParaRPr lang="ja-JP" altLang="en-US" dirty="0"/>
+          </a:p>
+        </p:txBody>
+      </p:sp>
     </p:spTree>
     <p:extLst>
       <p:ext uri="{BB962C8B-B14F-4D97-AF65-F5344CB8AC3E}">
@@ -21335,13 +21049,6 @@
   <p:clrMapOvr>
     <a:masterClrMapping/>
   </p:clrMapOvr>
-  <p:timing>
-    <p:tnLst>
-      <p:par>
-        <p:cTn id="1" dur="indefinite" restart="never" nodeType="tmRoot"/>
-      </p:par>
-    </p:tnLst>
-  </p:timing>
 </p:sld>
 </file>
 
@@ -21377,13 +21084,13 @@
           <p:nvPr>
             <p:extLst>
               <p:ext uri="{D42A27DB-BD31-4B8C-83A1-F6EECF244321}">
-                <p14:modId xmlns:p14="http://schemas.microsoft.com/office/powerpoint/2010/main" val="2413122494"/>
+                <p14:modId xmlns:p14="http://schemas.microsoft.com/office/powerpoint/2010/main" val="3342889282"/>
               </p:ext>
             </p:extLst>
           </p:nvPr>
         </p:nvGraphicFramePr>
         <p:xfrm>
-          <a:off x="2321025" y="994349"/>
+          <a:off x="2368296" y="1029988"/>
           <a:ext cx="9838944" cy="2983230"/>
         </p:xfrm>
         <a:graphic>
@@ -21393,21 +21100,21 @@
                 <a:tableStyleId>{93296810-A885-4BE3-A3E7-6D5BEEA58F35}</a:tableStyleId>
               </a:tblPr>
               <a:tblGrid>
-                <a:gridCol w="2758150">
+                <a:gridCol w="2416355">
                   <a:extLst>
                     <a:ext uri="{9D8B030D-6E8A-4147-A177-3AD203B41FA5}">
                       <a16:colId xmlns:a16="http://schemas.microsoft.com/office/drawing/2014/main" val="1244594613"/>
                     </a:ext>
                   </a:extLst>
                 </a:gridCol>
-                <a:gridCol w="1274775">
+                <a:gridCol w="1212112">
                   <a:extLst>
                     <a:ext uri="{9D8B030D-6E8A-4147-A177-3AD203B41FA5}">
                       <a16:colId xmlns:a16="http://schemas.microsoft.com/office/drawing/2014/main" val="3026153302"/>
                     </a:ext>
                   </a:extLst>
                 </a:gridCol>
-                <a:gridCol w="1274775">
+                <a:gridCol w="1679233">
                   <a:extLst>
                     <a:ext uri="{9D8B030D-6E8A-4147-A177-3AD203B41FA5}">
                       <a16:colId xmlns:a16="http://schemas.microsoft.com/office/drawing/2014/main" val="1394707164"/>
@@ -21473,12 +21180,6 @@
                         </a:rPr>
                         <a:t>(%)</a:t>
                       </a:r>
-                      <a:endParaRPr lang="ja-JP" sz="2400" kern="100" dirty="0">
-                        <a:effectLst/>
-                        <a:latin typeface="游明朝" panose="02020400000000000000" pitchFamily="18" charset="-128"/>
-                        <a:ea typeface="游明朝" panose="02020400000000000000" pitchFamily="18" charset="-128"/>
-                        <a:cs typeface="Times New Roman" panose="02020603050405020304" pitchFamily="18" charset="0"/>
-                      </a:endParaRPr>
                     </a:p>
                   </a:txBody>
                   <a:tcPr marL="59190" marR="59190" marT="0" marB="0" anchor="ctr"/>
@@ -21494,18 +21195,18 @@
                         </a:spcAft>
                       </a:pPr>
                       <a:r>
-                        <a:rPr lang="ja-JP" sz="2400" kern="0">
+                        <a:rPr lang="ja-JP" sz="2400" kern="0" dirty="0">
                           <a:effectLst/>
                         </a:rPr>
                         <a:t>適合率</a:t>
                       </a:r>
                       <a:r>
-                        <a:rPr lang="en-US" sz="2400" kern="0">
+                        <a:rPr lang="en-US" sz="2400" kern="0" dirty="0">
                           <a:effectLst/>
                         </a:rPr>
                         <a:t>(%)</a:t>
                       </a:r>
-                      <a:endParaRPr lang="ja-JP" sz="2400" kern="100">
+                      <a:endParaRPr lang="ja-JP" sz="2400" kern="100" dirty="0">
                         <a:effectLst/>
                         <a:latin typeface="游明朝" panose="02020400000000000000" pitchFamily="18" charset="-128"/>
                         <a:ea typeface="游明朝" panose="02020400000000000000" pitchFamily="18" charset="-128"/>
@@ -21666,6 +21367,46 @@
                     <a:p>
                       <a:pPr algn="ctr" rtl="0" fontAlgn="ctr"/>
                       <a:r>
+                        <a:rPr lang="en-US" altLang="ja-JP" sz="2400" b="0" i="0" u="none" strike="noStrike" dirty="0">
+                          <a:solidFill>
+                            <a:srgbClr val="000000"/>
+                          </a:solidFill>
+                          <a:effectLst/>
+                          <a:latin typeface="游ゴシック" panose="020B0400000000000000" pitchFamily="50" charset="-128"/>
+                          <a:ea typeface="游ゴシック" panose="020B0400000000000000" pitchFamily="50" charset="-128"/>
+                        </a:rPr>
+                        <a:t>83.18</a:t>
+                      </a:r>
+                      <a:r>
+                        <a:rPr lang="en-US" altLang="ja-JP" sz="2400" b="0" i="0" u="none" strike="noStrike" dirty="0">
+                          <a:solidFill>
+                            <a:srgbClr val="000000"/>
+                          </a:solidFill>
+                          <a:effectLst/>
+                          <a:latin typeface="游ゴシック" panose="020B0400000000000000" pitchFamily="50" charset="-128"/>
+                          <a:ea typeface="+mn-ea"/>
+                        </a:rPr>
+                        <a:t>(107)</a:t>
+                      </a:r>
+                      <a:endParaRPr lang="en-US" altLang="ja-JP" sz="2400" b="0" i="0" u="none" strike="noStrike" dirty="0">
+                        <a:solidFill>
+                          <a:srgbClr val="000000"/>
+                        </a:solidFill>
+                        <a:effectLst/>
+                        <a:latin typeface="游ゴシック" panose="020B0400000000000000" pitchFamily="50" charset="-128"/>
+                        <a:ea typeface="游ゴシック" panose="020B0400000000000000" pitchFamily="50" charset="-128"/>
+                      </a:endParaRPr>
+                    </a:p>
+                  </a:txBody>
+                  <a:tcPr marL="9525" marR="9525" marT="9525" marB="0" anchor="ctr"/>
+                </a:tc>
+                <a:tc>
+                  <a:txBody>
+                    <a:bodyPr/>
+                    <a:lstStyle/>
+                    <a:p>
+                      <a:pPr algn="ctr" rtl="0" fontAlgn="ctr"/>
+                      <a:r>
                         <a:rPr lang="en-US" altLang="ja-JP" sz="2400" b="0" i="0" u="none" strike="noStrike">
                           <a:solidFill>
                             <a:srgbClr val="000000"/>
@@ -21674,7 +21415,7 @@
                           <a:latin typeface="游ゴシック" panose="020B0400000000000000" pitchFamily="50" charset="-128"/>
                           <a:ea typeface="游ゴシック" panose="020B0400000000000000" pitchFamily="50" charset="-128"/>
                         </a:rPr>
-                        <a:t>83.18</a:t>
+                        <a:t>76.40</a:t>
                       </a:r>
                     </a:p>
                   </a:txBody>
@@ -21687,7 +21428,7 @@
                     <a:p>
                       <a:pPr algn="ctr" rtl="0" fontAlgn="ctr"/>
                       <a:r>
-                        <a:rPr lang="en-US" altLang="ja-JP" sz="2400" b="0" i="0" u="none" strike="noStrike">
+                        <a:rPr lang="en-US" altLang="ja-JP" sz="2400" b="0" i="0" u="none" strike="noStrike" dirty="0">
                           <a:solidFill>
                             <a:srgbClr val="000000"/>
                           </a:solidFill>
@@ -21695,7 +21436,7 @@
                           <a:latin typeface="游ゴシック" panose="020B0400000000000000" pitchFamily="50" charset="-128"/>
                           <a:ea typeface="游ゴシック" panose="020B0400000000000000" pitchFamily="50" charset="-128"/>
                         </a:rPr>
-                        <a:t>76.40</a:t>
+                        <a:t>4.13</a:t>
                       </a:r>
                     </a:p>
                   </a:txBody>
@@ -21708,28 +21449,7 @@
                     <a:p>
                       <a:pPr algn="ctr" rtl="0" fontAlgn="ctr"/>
                       <a:r>
-                        <a:rPr lang="en-US" altLang="ja-JP" sz="2400" b="0" i="0" u="none" strike="noStrike">
-                          <a:solidFill>
-                            <a:srgbClr val="000000"/>
-                          </a:solidFill>
-                          <a:effectLst/>
-                          <a:latin typeface="游ゴシック" panose="020B0400000000000000" pitchFamily="50" charset="-128"/>
-                          <a:ea typeface="游ゴシック" panose="020B0400000000000000" pitchFamily="50" charset="-128"/>
-                        </a:rPr>
-                        <a:t>4.13</a:t>
-                      </a:r>
-                    </a:p>
-                  </a:txBody>
-                  <a:tcPr marL="9525" marR="9525" marT="9525" marB="0" anchor="ctr"/>
-                </a:tc>
-                <a:tc>
-                  <a:txBody>
-                    <a:bodyPr/>
-                    <a:lstStyle/>
-                    <a:p>
-                      <a:pPr algn="ctr" rtl="0" fontAlgn="ctr"/>
-                      <a:r>
-                        <a:rPr lang="en-US" altLang="ja-JP" sz="2400" b="0" i="0" u="none" strike="noStrike">
+                        <a:rPr lang="en-US" altLang="ja-JP" sz="2400" b="0" i="0" u="none" strike="noStrike" dirty="0">
                           <a:solidFill>
                             <a:srgbClr val="000000"/>
                           </a:solidFill>
@@ -21814,6 +21534,25 @@
                         </a:rPr>
                         <a:t>88.10</a:t>
                       </a:r>
+                      <a:r>
+                        <a:rPr lang="en-US" altLang="ja-JP" sz="2400" b="0" i="0" u="none" strike="noStrike" dirty="0">
+                          <a:solidFill>
+                            <a:srgbClr val="000000"/>
+                          </a:solidFill>
+                          <a:effectLst/>
+                          <a:latin typeface="游ゴシック" panose="020B0400000000000000" pitchFamily="50" charset="-128"/>
+                          <a:ea typeface="+mn-ea"/>
+                        </a:rPr>
+                        <a:t>(84)</a:t>
+                      </a:r>
+                      <a:endParaRPr lang="en-US" altLang="ja-JP" sz="2400" b="0" i="0" u="none" strike="noStrike" dirty="0">
+                        <a:solidFill>
+                          <a:srgbClr val="000000"/>
+                        </a:solidFill>
+                        <a:effectLst/>
+                        <a:latin typeface="游ゴシック" panose="020B0400000000000000" pitchFamily="50" charset="-128"/>
+                        <a:ea typeface="游ゴシック" panose="020B0400000000000000" pitchFamily="50" charset="-128"/>
+                      </a:endParaRPr>
                     </a:p>
                   </a:txBody>
                   <a:tcPr marL="9525" marR="9525" marT="9525" marB="0" anchor="ctr"/>
@@ -21943,7 +21682,7 @@
                     <a:p>
                       <a:pPr algn="ctr" rtl="0" fontAlgn="ctr"/>
                       <a:r>
-                        <a:rPr lang="en-US" altLang="ja-JP" sz="2400" b="0" i="0" u="none" strike="noStrike">
+                        <a:rPr lang="en-US" altLang="ja-JP" sz="2400" b="0" i="0" u="none" strike="noStrike" dirty="0">
                           <a:solidFill>
                             <a:srgbClr val="000000"/>
                           </a:solidFill>
@@ -21984,6 +21723,25 @@
                         </a:rPr>
                         <a:t>90.00</a:t>
                       </a:r>
+                      <a:r>
+                        <a:rPr lang="en-US" altLang="ja-JP" sz="2400" b="0" i="0" u="none" strike="noStrike" dirty="0">
+                          <a:solidFill>
+                            <a:srgbClr val="000000"/>
+                          </a:solidFill>
+                          <a:effectLst/>
+                          <a:latin typeface="游ゴシック" panose="020B0400000000000000" pitchFamily="50" charset="-128"/>
+                          <a:ea typeface="+mn-ea"/>
+                        </a:rPr>
+                        <a:t>(107)</a:t>
+                      </a:r>
+                      <a:endParaRPr lang="en-US" altLang="ja-JP" sz="2400" b="0" i="0" u="none" strike="noStrike" dirty="0">
+                        <a:solidFill>
+                          <a:srgbClr val="000000"/>
+                        </a:solidFill>
+                        <a:effectLst/>
+                        <a:latin typeface="游ゴシック" panose="020B0400000000000000" pitchFamily="50" charset="-128"/>
+                        <a:ea typeface="游ゴシック" panose="020B0400000000000000" pitchFamily="50" charset="-128"/>
+                      </a:endParaRPr>
                     </a:p>
                   </a:txBody>
                   <a:tcPr marL="9525" marR="9525" marT="9525" marB="0" anchor="ctr">
@@ -22171,7 +21929,7 @@
                     <a:p>
                       <a:pPr algn="ctr" rtl="0" fontAlgn="ctr"/>
                       <a:r>
-                        <a:rPr lang="en-US" altLang="ja-JP" sz="2400" b="0" i="0" u="none" strike="noStrike">
+                        <a:rPr lang="en-US" altLang="ja-JP" sz="2400" b="0" i="0" u="none" strike="noStrike" dirty="0">
                           <a:solidFill>
                             <a:srgbClr val="000000"/>
                           </a:solidFill>
@@ -22211,7 +21969,7 @@
                     <a:p>
                       <a:pPr algn="ctr" rtl="0" fontAlgn="ctr"/>
                       <a:r>
-                        <a:rPr lang="en-US" altLang="ja-JP" sz="2400" b="0" i="0" u="none" strike="noStrike">
+                        <a:rPr lang="en-US" altLang="ja-JP" sz="2400" b="0" i="0" u="none" strike="noStrike" dirty="0">
                           <a:solidFill>
                             <a:srgbClr val="000000"/>
                           </a:solidFill>
@@ -22221,6 +21979,25 @@
                         </a:rPr>
                         <a:t>74.32</a:t>
                       </a:r>
+                      <a:r>
+                        <a:rPr lang="en-US" altLang="ja-JP" sz="2400" b="0" i="0" u="none" strike="noStrike" dirty="0">
+                          <a:solidFill>
+                            <a:srgbClr val="000000"/>
+                          </a:solidFill>
+                          <a:effectLst/>
+                          <a:latin typeface="游ゴシック" panose="020B0400000000000000" pitchFamily="50" charset="-128"/>
+                          <a:ea typeface="+mn-ea"/>
+                        </a:rPr>
+                        <a:t>(148)</a:t>
+                      </a:r>
+                      <a:endParaRPr lang="en-US" altLang="ja-JP" sz="2400" b="0" i="0" u="none" strike="noStrike" dirty="0">
+                        <a:solidFill>
+                          <a:srgbClr val="000000"/>
+                        </a:solidFill>
+                        <a:effectLst/>
+                        <a:latin typeface="游ゴシック" panose="020B0400000000000000" pitchFamily="50" charset="-128"/>
+                        <a:ea typeface="游ゴシック" panose="020B0400000000000000" pitchFamily="50" charset="-128"/>
+                      </a:endParaRPr>
                     </a:p>
                   </a:txBody>
                   <a:tcPr marL="9525" marR="9525" marT="9525" marB="0" anchor="ctr">
@@ -22435,7 +22212,7 @@
                     <a:p>
                       <a:pPr algn="ctr" rtl="0" fontAlgn="ctr"/>
                       <a:r>
-                        <a:rPr lang="en-US" altLang="ja-JP" sz="2400" b="0" i="0" u="none" strike="noStrike">
+                        <a:rPr lang="en-US" altLang="ja-JP" sz="2400" b="0" i="0" u="none" strike="noStrike" dirty="0">
                           <a:solidFill>
                             <a:srgbClr val="000000"/>
                           </a:solidFill>
@@ -22466,7 +22243,7 @@
                     <a:p>
                       <a:pPr algn="ctr" rtl="0" fontAlgn="ctr"/>
                       <a:r>
-                        <a:rPr lang="en-US" altLang="ja-JP" sz="2400" b="0" i="0" u="none" strike="noStrike">
+                        <a:rPr lang="en-US" altLang="ja-JP" sz="2400" b="0" i="0" u="none" strike="noStrike" dirty="0">
                           <a:solidFill>
                             <a:srgbClr val="000000"/>
                           </a:solidFill>
@@ -22476,6 +22253,25 @@
                         </a:rPr>
                         <a:t>80.83</a:t>
                       </a:r>
+                      <a:r>
+                        <a:rPr lang="en-US" altLang="ja-JP" sz="2400" b="0" i="0" u="none" strike="noStrike" dirty="0">
+                          <a:solidFill>
+                            <a:srgbClr val="000000"/>
+                          </a:solidFill>
+                          <a:effectLst/>
+                          <a:latin typeface="游ゴシック" panose="020B0400000000000000" pitchFamily="50" charset="-128"/>
+                          <a:ea typeface="+mn-ea"/>
+                        </a:rPr>
+                        <a:t>(120)</a:t>
+                      </a:r>
+                      <a:endParaRPr lang="en-US" altLang="ja-JP" sz="2400" b="0" i="0" u="none" strike="noStrike" dirty="0">
+                        <a:solidFill>
+                          <a:srgbClr val="000000"/>
+                        </a:solidFill>
+                        <a:effectLst/>
+                        <a:latin typeface="游ゴシック" panose="020B0400000000000000" pitchFamily="50" charset="-128"/>
+                        <a:ea typeface="游ゴシック" panose="020B0400000000000000" pitchFamily="50" charset="-128"/>
+                      </a:endParaRPr>
                     </a:p>
                   </a:txBody>
                   <a:tcPr marL="9525" marR="9525" marT="9525" marB="0" anchor="ctr">
@@ -22635,7 +22431,7 @@
                     <a:p>
                       <a:pPr algn="ctr" rtl="0" fontAlgn="ctr"/>
                       <a:r>
-                        <a:rPr lang="en-US" altLang="ja-JP" sz="2400" b="0" i="0" u="none" strike="noStrike">
+                        <a:rPr lang="en-US" altLang="ja-JP" sz="2400" b="0" i="0" u="none" strike="noStrike" dirty="0">
                           <a:solidFill>
                             <a:srgbClr val="000000"/>
                           </a:solidFill>
@@ -22656,7 +22452,7 @@
                     <a:p>
                       <a:pPr algn="ctr" rtl="0" fontAlgn="ctr"/>
                       <a:r>
-                        <a:rPr lang="en-US" altLang="ja-JP" sz="2400" b="0" i="0" u="none" strike="noStrike">
+                        <a:rPr lang="en-US" altLang="ja-JP" sz="2400" b="0" i="0" u="none" strike="noStrike" dirty="0">
                           <a:solidFill>
                             <a:srgbClr val="000000"/>
                           </a:solidFill>
@@ -22666,6 +22462,25 @@
                         </a:rPr>
                         <a:t>89.69</a:t>
                       </a:r>
+                      <a:r>
+                        <a:rPr lang="en-US" altLang="ja-JP" sz="2400" b="0" i="0" u="none" strike="noStrike" dirty="0">
+                          <a:solidFill>
+                            <a:srgbClr val="000000"/>
+                          </a:solidFill>
+                          <a:effectLst/>
+                          <a:latin typeface="游ゴシック" panose="020B0400000000000000" pitchFamily="50" charset="-128"/>
+                          <a:ea typeface="+mn-ea"/>
+                        </a:rPr>
+                        <a:t>(97)</a:t>
+                      </a:r>
+                      <a:endParaRPr lang="en-US" altLang="ja-JP" sz="2400" b="0" i="0" u="none" strike="noStrike" dirty="0">
+                        <a:solidFill>
+                          <a:srgbClr val="000000"/>
+                        </a:solidFill>
+                        <a:effectLst/>
+                        <a:latin typeface="游ゴシック" panose="020B0400000000000000" pitchFamily="50" charset="-128"/>
+                        <a:ea typeface="游ゴシック" panose="020B0400000000000000" pitchFamily="50" charset="-128"/>
+                      </a:endParaRPr>
                     </a:p>
                   </a:txBody>
                   <a:tcPr marL="9525" marR="9525" marT="9525" marB="0" anchor="ctr"/>
@@ -22860,7 +22675,7 @@
         <p:spPr>
           <a:xfrm>
             <a:off x="2705939" y="115894"/>
-            <a:ext cx="7004996" cy="600164"/>
+            <a:ext cx="9245056" cy="600164"/>
           </a:xfrm>
           <a:prstGeom prst="rect">
             <a:avLst/>
@@ -22897,7 +22712,21 @@
                 <a:latin typeface="メイリオ" panose="020B0604030504040204" pitchFamily="50" charset="-128"/>
                 <a:ea typeface="メイリオ" panose="020B0604030504040204" pitchFamily="50" charset="-128"/>
               </a:rPr>
-              <a:t>時間後）</a:t>
+              <a:t>時間後、</a:t>
+            </a:r>
+            <a:r>
+              <a:rPr lang="en-US" altLang="ja-JP" sz="2400" dirty="0">
+                <a:latin typeface="メイリオ" panose="020B0604030504040204" pitchFamily="50" charset="-128"/>
+                <a:ea typeface="メイリオ" panose="020B0604030504040204" pitchFamily="50" charset="-128"/>
+              </a:rPr>
+              <a:t>n=120</a:t>
+            </a:r>
+            <a:r>
+              <a:rPr lang="ja-JP" altLang="en-US" sz="2400" dirty="0">
+                <a:latin typeface="メイリオ" panose="020B0604030504040204" pitchFamily="50" charset="-128"/>
+                <a:ea typeface="メイリオ" panose="020B0604030504040204" pitchFamily="50" charset="-128"/>
+              </a:rPr>
+              <a:t>　）</a:t>
             </a:r>
             <a:endParaRPr lang="en-US" altLang="ja-JP" sz="2400" dirty="0">
               <a:latin typeface="メイリオ" panose="020B0604030504040204" pitchFamily="50" charset="-128"/>
@@ -22915,7 +22744,7 @@
           <p:nvPr>
             <p:extLst>
               <p:ext uri="{D42A27DB-BD31-4B8C-83A1-F6EECF244321}">
-                <p14:modId xmlns:p14="http://schemas.microsoft.com/office/powerpoint/2010/main" val="1552105276"/>
+                <p14:modId xmlns:p14="http://schemas.microsoft.com/office/powerpoint/2010/main" val="1705844188"/>
               </p:ext>
             </p:extLst>
           </p:nvPr>
@@ -23132,7 +22961,7 @@
                     <a:p>
                       <a:pPr algn="ctr" rtl="0" fontAlgn="ctr"/>
                       <a:r>
-                        <a:rPr lang="en-US" altLang="ja-JP" sz="2400" b="0" i="0" u="none" strike="noStrike">
+                        <a:rPr lang="en-US" altLang="ja-JP" sz="2400" b="0" i="0" u="none" strike="noStrike" dirty="0">
                           <a:solidFill>
                             <a:srgbClr val="000000"/>
                           </a:solidFill>
@@ -23140,7 +22969,7 @@
                           <a:latin typeface="游ゴシック" panose="020B0400000000000000" pitchFamily="50" charset="-128"/>
                           <a:ea typeface="游ゴシック" panose="020B0400000000000000" pitchFamily="50" charset="-128"/>
                         </a:rPr>
-                        <a:t>83.33</a:t>
+                        <a:t>83.33(30)</a:t>
                       </a:r>
                     </a:p>
                   </a:txBody>
@@ -23236,7 +23065,7 @@
                           <a:latin typeface="游ゴシック" panose="020B0400000000000000" pitchFamily="50" charset="-128"/>
                           <a:ea typeface="游ゴシック" panose="020B0400000000000000" pitchFamily="50" charset="-128"/>
                         </a:rPr>
-                        <a:t>88.00</a:t>
+                        <a:t>88.00(25)</a:t>
                       </a:r>
                     </a:p>
                   </a:txBody>
@@ -23364,7 +23193,7 @@
                           <a:latin typeface="游ゴシック" panose="020B0400000000000000" pitchFamily="50" charset="-128"/>
                           <a:ea typeface="游ゴシック" panose="020B0400000000000000" pitchFamily="50" charset="-128"/>
                         </a:rPr>
-                        <a:t>86.36</a:t>
+                        <a:t>86.36(22)</a:t>
                       </a:r>
                     </a:p>
                   </a:txBody>
@@ -23539,7 +23368,7 @@
                           <a:latin typeface="游ゴシック" panose="020B0400000000000000" pitchFamily="50" charset="-128"/>
                           <a:ea typeface="游ゴシック" panose="020B0400000000000000" pitchFamily="50" charset="-128"/>
                         </a:rPr>
-                        <a:t>81.08</a:t>
+                        <a:t>81.08(37)</a:t>
                       </a:r>
                     </a:p>
                   </a:txBody>
@@ -23714,7 +23543,7 @@
                           <a:latin typeface="游ゴシック" panose="020B0400000000000000" pitchFamily="50" charset="-128"/>
                           <a:ea typeface="游ゴシック" panose="020B0400000000000000" pitchFamily="50" charset="-128"/>
                         </a:rPr>
-                        <a:t>83.87</a:t>
+                        <a:t>83.87(31)</a:t>
                       </a:r>
                     </a:p>
                   </a:txBody>
@@ -23834,7 +23663,7 @@
                     <a:p>
                       <a:pPr algn="ctr" rtl="0" fontAlgn="ctr"/>
                       <a:r>
-                        <a:rPr lang="en-US" altLang="ja-JP" sz="2400" b="0" i="0" u="none" strike="noStrike">
+                        <a:rPr lang="en-US" altLang="ja-JP" sz="2400" b="0" i="0" u="none" strike="noStrike" dirty="0">
                           <a:solidFill>
                             <a:srgbClr val="000000"/>
                           </a:solidFill>
@@ -23842,7 +23671,7 @@
                           <a:latin typeface="游ゴシック" panose="020B0400000000000000" pitchFamily="50" charset="-128"/>
                           <a:ea typeface="游ゴシック" panose="020B0400000000000000" pitchFamily="50" charset="-128"/>
                         </a:rPr>
-                        <a:t>92.00</a:t>
+                        <a:t>92.00(25)</a:t>
                       </a:r>
                     </a:p>
                   </a:txBody>
@@ -23940,8 +23769,8 @@
         </p:nvSpPr>
         <p:spPr>
           <a:xfrm>
-            <a:off x="0" y="996082"/>
-            <a:ext cx="2368296" cy="646331"/>
+            <a:off x="-16108" y="1029988"/>
+            <a:ext cx="2384404" cy="600164"/>
           </a:xfrm>
           <a:prstGeom prst="rect">
             <a:avLst/>
@@ -23973,6 +23802,45 @@
           </a:p>
         </p:txBody>
       </p:sp>
+      <p:sp>
+        <p:nvSpPr>
+          <p:cNvPr id="9" name="テキスト ボックス 8">
+            <a:extLst>
+              <a:ext uri="{FF2B5EF4-FFF2-40B4-BE49-F238E27FC236}">
+                <a16:creationId xmlns:a16="http://schemas.microsoft.com/office/drawing/2014/main" id="{CABEE2FA-8ACD-8457-2365-9EFEC232469F}"/>
+              </a:ext>
+            </a:extLst>
+          </p:cNvPr>
+          <p:cNvSpPr txBox="1"/>
+          <p:nvPr/>
+        </p:nvSpPr>
+        <p:spPr>
+          <a:xfrm>
+            <a:off x="5031858" y="660656"/>
+            <a:ext cx="943639" cy="369332"/>
+          </a:xfrm>
+          <a:prstGeom prst="rect">
+            <a:avLst/>
+          </a:prstGeom>
+          <a:noFill/>
+        </p:spPr>
+        <p:txBody>
+          <a:bodyPr wrap="square">
+            <a:spAutoFit/>
+          </a:bodyPr>
+          <a:lstStyle/>
+          <a:p>
+            <a:r>
+              <a:rPr lang="en-US" altLang="ja-JP" sz="1800" dirty="0">
+                <a:latin typeface="メイリオ" panose="020B0604030504040204" pitchFamily="50" charset="-128"/>
+                <a:ea typeface="メイリオ" panose="020B0604030504040204" pitchFamily="50" charset="-128"/>
+              </a:rPr>
+              <a:t>n=120</a:t>
+            </a:r>
+            <a:endParaRPr lang="ja-JP" altLang="en-US" dirty="0"/>
+          </a:p>
+        </p:txBody>
+      </p:sp>
     </p:spTree>
     <p:extLst>
       <p:ext uri="{BB962C8B-B14F-4D97-AF65-F5344CB8AC3E}">
@@ -23983,13 +23851,6 @@
   <p:clrMapOvr>
     <a:masterClrMapping/>
   </p:clrMapOvr>
-  <p:timing>
-    <p:tnLst>
-      <p:par>
-        <p:cTn id="1" dur="indefinite" restart="never" nodeType="tmRoot"/>
-      </p:par>
-    </p:tnLst>
-  </p:timing>
 </p:sld>
 </file>
 
@@ -24134,7 +23995,7 @@
         </p:blipFill>
         <p:spPr>
           <a:xfrm>
-            <a:off x="1147938" y="2244180"/>
+            <a:off x="1147938" y="2265446"/>
             <a:ext cx="9898014" cy="3662065"/>
           </a:xfrm>
           <a:prstGeom prst="rect">
@@ -24298,7 +24159,7 @@
         </p:nvSpPr>
         <p:spPr>
           <a:xfrm>
-            <a:off x="1077643" y="6278152"/>
+            <a:off x="1092035" y="6027470"/>
             <a:ext cx="4867893" cy="600164"/>
           </a:xfrm>
           <a:prstGeom prst="rect">
@@ -24916,7 +24777,7 @@
           <p:nvPr>
             <p:extLst>
               <p:ext uri="{D42A27DB-BD31-4B8C-83A1-F6EECF244321}">
-                <p14:modId xmlns:p14="http://schemas.microsoft.com/office/powerpoint/2010/main" val="2247977126"/>
+                <p14:modId xmlns:p14="http://schemas.microsoft.com/office/powerpoint/2010/main" val="3231659707"/>
               </p:ext>
             </p:extLst>
           </p:nvPr>
@@ -24932,21 +24793,21 @@
                 <a:tableStyleId>{93296810-A885-4BE3-A3E7-6D5BEEA58F35}</a:tableStyleId>
               </a:tblPr>
               <a:tblGrid>
-                <a:gridCol w="2758150">
+                <a:gridCol w="2027691">
                   <a:extLst>
                     <a:ext uri="{9D8B030D-6E8A-4147-A177-3AD203B41FA5}">
                       <a16:colId xmlns:a16="http://schemas.microsoft.com/office/drawing/2014/main" val="1244594613"/>
                     </a:ext>
                   </a:extLst>
                 </a:gridCol>
-                <a:gridCol w="1274775">
+                <a:gridCol w="1456661">
                   <a:extLst>
                     <a:ext uri="{9D8B030D-6E8A-4147-A177-3AD203B41FA5}">
                       <a16:colId xmlns:a16="http://schemas.microsoft.com/office/drawing/2014/main" val="3026153302"/>
                     </a:ext>
                   </a:extLst>
                 </a:gridCol>
-                <a:gridCol w="1274775">
+                <a:gridCol w="1823348">
                   <a:extLst>
                     <a:ext uri="{9D8B030D-6E8A-4147-A177-3AD203B41FA5}">
                       <a16:colId xmlns:a16="http://schemas.microsoft.com/office/drawing/2014/main" val="1394707164"/>
@@ -25310,9 +25171,9 @@
                     <a:bodyPr/>
                     <a:lstStyle/>
                     <a:p>
-                      <a:pPr algn="ctr" rtl="0" fontAlgn="ctr"/>
-                      <a:r>
-                        <a:rPr lang="en-US" altLang="ja-JP" sz="2400" b="0" i="0" u="none" strike="noStrike">
+                      <a:pPr marL="0" algn="ctr" rtl="0" eaLnBrk="1" fontAlgn="ctr" latinLnBrk="0" hangingPunct="1"/>
+                      <a:r>
+                        <a:rPr kumimoji="1" lang="en-US" sz="2400" b="0" i="0" u="none" strike="noStrike" kern="1200">
                           <a:solidFill>
                             <a:srgbClr val="000000"/>
                           </a:solidFill>
@@ -25320,8 +25181,12 @@
                           <a:latin typeface="游ゴシック" panose="020B0400000000000000" pitchFamily="50" charset="-128"/>
                           <a:ea typeface="游ゴシック" panose="020B0400000000000000" pitchFamily="50" charset="-128"/>
                         </a:rPr>
-                        <a:t>83.18</a:t>
-                      </a:r>
+                        <a:t>83.18(107)</a:t>
+                      </a:r>
+                      <a:endParaRPr lang="en-US" altLang="ja-JP" sz="1800" b="0" i="0" u="none" strike="noStrike">
+                        <a:effectLst/>
+                        <a:latin typeface="Arial" panose="020B0604020202020204" pitchFamily="34" charset="0"/>
+                      </a:endParaRPr>
                     </a:p>
                   </a:txBody>
                   <a:tcPr marL="9525" marR="9525" marT="9525" marB="0" anchor="ctr">
@@ -25553,9 +25418,9 @@
                     <a:bodyPr/>
                     <a:lstStyle/>
                     <a:p>
-                      <a:pPr algn="ctr" rtl="0" fontAlgn="ctr"/>
-                      <a:r>
-                        <a:rPr lang="en-US" altLang="ja-JP" sz="2400" b="0" i="0" u="none" strike="noStrike" dirty="0">
+                      <a:pPr marL="0" algn="ctr" rtl="0" eaLnBrk="1" fontAlgn="ctr" latinLnBrk="0" hangingPunct="1"/>
+                      <a:r>
+                        <a:rPr kumimoji="1" lang="en-US" sz="2400" b="0" i="0" u="none" strike="noStrike" kern="1200">
                           <a:solidFill>
                             <a:srgbClr val="000000"/>
                           </a:solidFill>
@@ -25563,8 +25428,12 @@
                           <a:latin typeface="游ゴシック" panose="020B0400000000000000" pitchFamily="50" charset="-128"/>
                           <a:ea typeface="游ゴシック" panose="020B0400000000000000" pitchFamily="50" charset="-128"/>
                         </a:rPr>
-                        <a:t>88.10</a:t>
-                      </a:r>
+                        <a:t>88.10(84)</a:t>
+                      </a:r>
+                      <a:endParaRPr lang="en-US" altLang="ja-JP" sz="1800" b="0" i="0" u="none" strike="noStrike">
+                        <a:effectLst/>
+                        <a:latin typeface="Arial" panose="020B0604020202020204" pitchFamily="34" charset="0"/>
+                      </a:endParaRPr>
                     </a:p>
                   </a:txBody>
                   <a:tcPr marL="9525" marR="9525" marT="9525" marB="0" anchor="ctr">
@@ -25763,9 +25632,9 @@
                     <a:bodyPr/>
                     <a:lstStyle/>
                     <a:p>
-                      <a:pPr algn="ctr" rtl="0" fontAlgn="ctr"/>
-                      <a:r>
-                        <a:rPr lang="en-US" altLang="ja-JP" sz="2400" b="0" i="0" u="none" strike="noStrike" dirty="0">
+                      <a:pPr marL="0" algn="ctr" rtl="0" eaLnBrk="1" fontAlgn="ctr" latinLnBrk="0" hangingPunct="1"/>
+                      <a:r>
+                        <a:rPr kumimoji="1" lang="en-US" sz="2400" b="0" i="0" u="none" strike="noStrike" kern="1200">
                           <a:solidFill>
                             <a:srgbClr val="000000"/>
                           </a:solidFill>
@@ -25773,8 +25642,12 @@
                           <a:latin typeface="游ゴシック" panose="020B0400000000000000" pitchFamily="50" charset="-128"/>
                           <a:ea typeface="游ゴシック" panose="020B0400000000000000" pitchFamily="50" charset="-128"/>
                         </a:rPr>
-                        <a:t>90.00</a:t>
-                      </a:r>
+                        <a:t>90.00(107)</a:t>
+                      </a:r>
+                      <a:endParaRPr lang="en-US" altLang="ja-JP" sz="1800" b="0" i="0" u="none" strike="noStrike">
+                        <a:effectLst/>
+                        <a:latin typeface="Arial" panose="020B0604020202020204" pitchFamily="34" charset="0"/>
+                      </a:endParaRPr>
                     </a:p>
                   </a:txBody>
                   <a:tcPr marL="9525" marR="9525" marT="9525" marB="0" anchor="ctr">
@@ -26000,9 +25873,9 @@
                     <a:bodyPr/>
                     <a:lstStyle/>
                     <a:p>
-                      <a:pPr algn="ctr" rtl="0" fontAlgn="ctr"/>
-                      <a:r>
-                        <a:rPr lang="en-US" altLang="ja-JP" sz="2400" b="0" i="0" u="none" strike="noStrike">
+                      <a:pPr marL="0" algn="ctr" rtl="0" eaLnBrk="1" fontAlgn="ctr" latinLnBrk="0" hangingPunct="1"/>
+                      <a:r>
+                        <a:rPr kumimoji="1" lang="en-US" sz="2400" b="0" i="0" u="none" strike="noStrike" kern="1200">
                           <a:solidFill>
                             <a:srgbClr val="000000"/>
                           </a:solidFill>
@@ -26010,8 +25883,12 @@
                           <a:latin typeface="游ゴシック" panose="020B0400000000000000" pitchFamily="50" charset="-128"/>
                           <a:ea typeface="游ゴシック" panose="020B0400000000000000" pitchFamily="50" charset="-128"/>
                         </a:rPr>
-                        <a:t>74.32</a:t>
-                      </a:r>
+                        <a:t>74.32(148)</a:t>
+                      </a:r>
+                      <a:endParaRPr lang="en-US" altLang="ja-JP" sz="1800" b="0" i="0" u="none" strike="noStrike">
+                        <a:effectLst/>
+                        <a:latin typeface="Arial" panose="020B0604020202020204" pitchFamily="34" charset="0"/>
+                      </a:endParaRPr>
                     </a:p>
                   </a:txBody>
                   <a:tcPr marL="9525" marR="9525" marT="9525" marB="0" anchor="ctr">
@@ -26255,9 +26132,9 @@
                     <a:bodyPr/>
                     <a:lstStyle/>
                     <a:p>
-                      <a:pPr algn="ctr" rtl="0" fontAlgn="ctr"/>
-                      <a:r>
-                        <a:rPr lang="en-US" altLang="ja-JP" sz="2400" b="0" i="0" u="none" strike="noStrike">
+                      <a:pPr marL="0" algn="ctr" rtl="0" eaLnBrk="1" fontAlgn="ctr" latinLnBrk="0" hangingPunct="1"/>
+                      <a:r>
+                        <a:rPr kumimoji="1" lang="en-US" sz="2400" b="0" i="0" u="none" strike="noStrike" kern="1200">
                           <a:solidFill>
                             <a:srgbClr val="000000"/>
                           </a:solidFill>
@@ -26265,8 +26142,12 @@
                           <a:latin typeface="游ゴシック" panose="020B0400000000000000" pitchFamily="50" charset="-128"/>
                           <a:ea typeface="游ゴシック" panose="020B0400000000000000" pitchFamily="50" charset="-128"/>
                         </a:rPr>
-                        <a:t>80.83</a:t>
-                      </a:r>
+                        <a:t>80.83(120)</a:t>
+                      </a:r>
+                      <a:endParaRPr lang="en-US" altLang="ja-JP" sz="1800" b="0" i="0" u="none" strike="noStrike">
+                        <a:effectLst/>
+                        <a:latin typeface="Arial" panose="020B0604020202020204" pitchFamily="34" charset="0"/>
+                      </a:endParaRPr>
                     </a:p>
                   </a:txBody>
                   <a:tcPr marL="9525" marR="9525" marT="9525" marB="0" anchor="ctr">
@@ -26445,9 +26326,9 @@
                     <a:bodyPr/>
                     <a:lstStyle/>
                     <a:p>
-                      <a:pPr algn="ctr" rtl="0" fontAlgn="ctr"/>
-                      <a:r>
-                        <a:rPr lang="en-US" altLang="ja-JP" sz="2400" b="0" i="0" u="none" strike="noStrike">
+                      <a:pPr marL="0" algn="ctr" rtl="0" eaLnBrk="1" fontAlgn="ctr" latinLnBrk="0" hangingPunct="1"/>
+                      <a:r>
+                        <a:rPr kumimoji="1" lang="en-US" sz="2400" b="0" i="0" u="none" strike="noStrike" kern="1200" dirty="0">
                           <a:solidFill>
                             <a:srgbClr val="000000"/>
                           </a:solidFill>
@@ -26455,8 +26336,12 @@
                           <a:latin typeface="游ゴシック" panose="020B0400000000000000" pitchFamily="50" charset="-128"/>
                           <a:ea typeface="游ゴシック" panose="020B0400000000000000" pitchFamily="50" charset="-128"/>
                         </a:rPr>
-                        <a:t>89.69</a:t>
-                      </a:r>
+                        <a:t>89.69(97)</a:t>
+                      </a:r>
+                      <a:endParaRPr lang="en-US" altLang="ja-JP" sz="1800" b="0" i="0" u="none" strike="noStrike" dirty="0">
+                        <a:effectLst/>
+                        <a:latin typeface="Arial" panose="020B0604020202020204" pitchFamily="34" charset="0"/>
+                      </a:endParaRPr>
                     </a:p>
                   </a:txBody>
                   <a:tcPr marL="9525" marR="9525" marT="9525" marB="0" anchor="ctr"/>
@@ -26706,7 +26591,7 @@
           <p:nvPr>
             <p:extLst>
               <p:ext uri="{D42A27DB-BD31-4B8C-83A1-F6EECF244321}">
-                <p14:modId xmlns:p14="http://schemas.microsoft.com/office/powerpoint/2010/main" val="1623568980"/>
+                <p14:modId xmlns:p14="http://schemas.microsoft.com/office/powerpoint/2010/main" val="124594500"/>
               </p:ext>
             </p:extLst>
           </p:nvPr>
@@ -27010,7 +26895,7 @@
                     <a:p>
                       <a:pPr algn="ctr" rtl="0" fontAlgn="ctr"/>
                       <a:r>
-                        <a:rPr lang="en-US" altLang="ja-JP" sz="2400" b="0" i="0" u="none" strike="noStrike">
+                        <a:rPr lang="en-US" altLang="ja-JP" sz="2400" b="0" i="0" u="none" strike="noStrike" dirty="0">
                           <a:solidFill>
                             <a:srgbClr val="000000"/>
                           </a:solidFill>
@@ -27018,7 +26903,7 @@
                           <a:latin typeface="游ゴシック" panose="020B0400000000000000" pitchFamily="50" charset="-128"/>
                           <a:ea typeface="游ゴシック" panose="020B0400000000000000" pitchFamily="50" charset="-128"/>
                         </a:rPr>
-                        <a:t>83.33</a:t>
+                        <a:t>83.33(30)</a:t>
                       </a:r>
                     </a:p>
                   </a:txBody>
@@ -27181,7 +27066,7 @@
                           <a:latin typeface="游ゴシック" panose="020B0400000000000000" pitchFamily="50" charset="-128"/>
                           <a:ea typeface="游ゴシック" panose="020B0400000000000000" pitchFamily="50" charset="-128"/>
                         </a:rPr>
-                        <a:t>88.00</a:t>
+                        <a:t>88.00(25)</a:t>
                       </a:r>
                     </a:p>
                   </a:txBody>
@@ -27329,7 +27214,7 @@
                           <a:latin typeface="游ゴシック" panose="020B0400000000000000" pitchFamily="50" charset="-128"/>
                           <a:ea typeface="游ゴシック" panose="020B0400000000000000" pitchFamily="50" charset="-128"/>
                         </a:rPr>
-                        <a:t>86.36</a:t>
+                        <a:t>86.36(22)</a:t>
                       </a:r>
                     </a:p>
                   </a:txBody>
@@ -27504,7 +27389,7 @@
                           <a:latin typeface="游ゴシック" panose="020B0400000000000000" pitchFamily="50" charset="-128"/>
                           <a:ea typeface="游ゴシック" panose="020B0400000000000000" pitchFamily="50" charset="-128"/>
                         </a:rPr>
-                        <a:t>81.08</a:t>
+                        <a:t>81.08(37)</a:t>
                       </a:r>
                     </a:p>
                   </a:txBody>
@@ -27679,7 +27564,7 @@
                           <a:latin typeface="游ゴシック" panose="020B0400000000000000" pitchFamily="50" charset="-128"/>
                           <a:ea typeface="游ゴシック" panose="020B0400000000000000" pitchFamily="50" charset="-128"/>
                         </a:rPr>
-                        <a:t>83.87</a:t>
+                        <a:t>83.87(31)</a:t>
                       </a:r>
                     </a:p>
                   </a:txBody>
@@ -27799,7 +27684,7 @@
                     <a:p>
                       <a:pPr algn="ctr" rtl="0" fontAlgn="ctr"/>
                       <a:r>
-                        <a:rPr lang="en-US" altLang="ja-JP" sz="2400" b="0" i="0" u="none" strike="noStrike">
+                        <a:rPr lang="en-US" altLang="ja-JP" sz="2400" b="0" i="0" u="none" strike="noStrike" dirty="0">
                           <a:solidFill>
                             <a:srgbClr val="000000"/>
                           </a:solidFill>
@@ -27807,7 +27692,7 @@
                           <a:latin typeface="游ゴシック" panose="020B0400000000000000" pitchFamily="50" charset="-128"/>
                           <a:ea typeface="游ゴシック" panose="020B0400000000000000" pitchFamily="50" charset="-128"/>
                         </a:rPr>
-                        <a:t>92.00</a:t>
+                        <a:t>92.00(25)</a:t>
                       </a:r>
                     </a:p>
                   </a:txBody>
@@ -27948,13 +27833,6 @@
   <p:clrMapOvr>
     <a:masterClrMapping/>
   </p:clrMapOvr>
-  <p:timing>
-    <p:tnLst>
-      <p:par>
-        <p:cTn id="1" dur="indefinite" restart="never" nodeType="tmRoot"/>
-      </p:par>
-    </p:tnLst>
-  </p:timing>
 </p:sld>
 </file>
 
@@ -28569,8 +28447,8 @@
         </p:nvSpPr>
         <p:spPr>
           <a:xfrm>
-            <a:off x="1578851" y="4315172"/>
-            <a:ext cx="9473911" cy="1200329"/>
+            <a:off x="2425344" y="4277111"/>
+            <a:ext cx="7970660" cy="1154162"/>
           </a:xfrm>
           <a:prstGeom prst="rect">
             <a:avLst/>
@@ -28634,8 +28512,8 @@
         </p:nvSpPr>
         <p:spPr>
           <a:xfrm>
-            <a:off x="2996862" y="2981368"/>
-            <a:ext cx="6198276" cy="1154162"/>
+            <a:off x="3398866" y="2988685"/>
+            <a:ext cx="6023616" cy="1154162"/>
           </a:xfrm>
           <a:prstGeom prst="rect">
             <a:avLst/>
@@ -28654,20 +28532,20 @@
               </a:lnSpc>
             </a:pPr>
             <a:r>
-              <a:rPr lang="en-US" altLang="ja-JP" sz="2400" dirty="0" smtClean="0">
+              <a:rPr lang="en-US" altLang="ja-JP" sz="2400" dirty="0">
                 <a:latin typeface="メイリオ" panose="020B0604030504040204" pitchFamily="50" charset="-128"/>
                 <a:ea typeface="メイリオ" panose="020B0604030504040204" pitchFamily="50" charset="-128"/>
               </a:rPr>
               <a:t>Ox</a:t>
             </a:r>
             <a:r>
-              <a:rPr lang="ja-JP" altLang="en-US" sz="2400" dirty="0" smtClean="0">
+              <a:rPr lang="ja-JP" altLang="en-US" sz="2400" dirty="0">
                 <a:latin typeface="メイリオ" panose="020B0604030504040204" pitchFamily="50" charset="-128"/>
                 <a:ea typeface="メイリオ" panose="020B0604030504040204" pitchFamily="50" charset="-128"/>
               </a:rPr>
               <a:t>を予測する</a:t>
             </a:r>
-            <a:endParaRPr lang="en-US" altLang="ja-JP" sz="2400" dirty="0" smtClean="0">
+            <a:endParaRPr lang="en-US" altLang="ja-JP" sz="2400" dirty="0">
               <a:latin typeface="メイリオ" panose="020B0604030504040204" pitchFamily="50" charset="-128"/>
               <a:ea typeface="メイリオ" panose="020B0604030504040204" pitchFamily="50" charset="-128"/>
             </a:endParaRPr>
@@ -28679,18 +28557,11 @@
               </a:lnSpc>
             </a:pPr>
             <a:r>
-              <a:rPr lang="ja-JP" altLang="en-US" sz="2400" dirty="0" smtClean="0">
-                <a:latin typeface="メイリオ" panose="020B0604030504040204" pitchFamily="50" charset="-128"/>
-                <a:ea typeface="メイリオ" panose="020B0604030504040204" pitchFamily="50" charset="-128"/>
-              </a:rPr>
-              <a:t>最適</a:t>
-            </a:r>
-            <a:r>
               <a:rPr lang="ja-JP" altLang="en-US" sz="2400" dirty="0">
                 <a:latin typeface="メイリオ" panose="020B0604030504040204" pitchFamily="50" charset="-128"/>
                 <a:ea typeface="メイリオ" panose="020B0604030504040204" pitchFamily="50" charset="-128"/>
               </a:rPr>
-              <a:t>な特徴量に関する研究は限られている</a:t>
+              <a:t>最適な特徴量に関する研究は限られている</a:t>
             </a:r>
             <a:endParaRPr lang="en-US" altLang="ja-JP" sz="2400" dirty="0">
               <a:latin typeface="メイリオ" panose="020B0604030504040204" pitchFamily="50" charset="-128"/>
@@ -29193,13 +29064,15 @@
       <p:cxnSp>
         <p:nvCxnSpPr>
           <p:cNvPr id="30" name="直線コネクタ 29"/>
-          <p:cNvCxnSpPr/>
+          <p:cNvCxnSpPr>
+            <a:cxnSpLocks/>
+          </p:cNvCxnSpPr>
           <p:nvPr/>
         </p:nvCxnSpPr>
         <p:spPr>
-          <a:xfrm flipV="1">
-            <a:off x="4223348" y="4845244"/>
-            <a:ext cx="1705708" cy="8792"/>
+          <a:xfrm>
+            <a:off x="4178595" y="4854037"/>
+            <a:ext cx="2637086" cy="0"/>
           </a:xfrm>
           <a:prstGeom prst="line">
             <a:avLst/>
@@ -29284,7 +29157,7 @@
                 </a:lnSpc>
               </a:pPr>
               <a:r>
-                <a:rPr lang="ja-JP" altLang="en-US" sz="2400" dirty="0" smtClean="0">
+                <a:rPr lang="ja-JP" altLang="en-US" sz="2400" dirty="0">
                   <a:latin typeface="メイリオ" panose="020B0604030504040204" pitchFamily="50" charset="-128"/>
                   <a:ea typeface="メイリオ" panose="020B0604030504040204" pitchFamily="50" charset="-128"/>
                 </a:rPr>
@@ -29994,7 +29867,7 @@
               </a:rPr>
               <a:t>使用データ</a:t>
             </a:r>
-            <a:endParaRPr lang="en-US" altLang="ja-JP" sz="3000" b="1" dirty="0" smtClean="0">
+            <a:endParaRPr lang="en-US" altLang="ja-JP" sz="3000" b="1" dirty="0">
               <a:latin typeface="メイリオ" panose="020B0604030504040204" pitchFamily="50" charset="-128"/>
               <a:ea typeface="メイリオ" panose="020B0604030504040204" pitchFamily="50" charset="-128"/>
             </a:endParaRPr>
@@ -31478,13 +31351,6 @@
   <p:clrMapOvr>
     <a:masterClrMapping/>
   </p:clrMapOvr>
-  <p:timing>
-    <p:tnLst>
-      <p:par>
-        <p:cTn id="1" dur="indefinite" restart="never" nodeType="tmRoot"/>
-      </p:par>
-    </p:tnLst>
-  </p:timing>
 </p:sld>
 </file>
 
@@ -31688,13 +31554,6 @@
               </a:rPr>
               <a:t>を採用することで</a:t>
             </a:r>
-            <a:r>
-              <a:rPr lang="en-US" altLang="ja-JP" sz="2800" dirty="0">
-                <a:latin typeface="メイリオ" panose="020B0604030504040204" pitchFamily="50" charset="-128"/>
-                <a:ea typeface="メイリオ" panose="020B0604030504040204" pitchFamily="50" charset="-128"/>
-              </a:rPr>
-              <a:t/>
-            </a:r>
             <a:br>
               <a:rPr lang="en-US" altLang="ja-JP" sz="2800" dirty="0">
                 <a:latin typeface="メイリオ" panose="020B0604030504040204" pitchFamily="50" charset="-128"/>
@@ -31931,7 +31790,7 @@
         </p:nvSpPr>
         <p:spPr>
           <a:xfrm>
-            <a:off x="366450" y="4727032"/>
+            <a:off x="439303" y="4753183"/>
             <a:ext cx="1179576" cy="807471"/>
           </a:xfrm>
           <a:prstGeom prst="ellipse">
@@ -33587,13 +33446,6 @@
               </a:rPr>
               <a:t>を採用することで</a:t>
             </a:r>
-            <a:r>
-              <a:rPr lang="en-US" altLang="ja-JP" sz="2800" dirty="0">
-                <a:latin typeface="メイリオ" panose="020B0604030504040204" pitchFamily="50" charset="-128"/>
-                <a:ea typeface="メイリオ" panose="020B0604030504040204" pitchFamily="50" charset="-128"/>
-              </a:rPr>
-              <a:t/>
-            </a:r>
             <a:br>
               <a:rPr lang="en-US" altLang="ja-JP" sz="2800" dirty="0">
                 <a:latin typeface="メイリオ" panose="020B0604030504040204" pitchFamily="50" charset="-128"/>
@@ -33654,13 +33506,6 @@
               </a:rPr>
               <a:t>特徴量需要度</a:t>
             </a:r>
-            <a:r>
-              <a:rPr lang="en-US" altLang="ja-JP" sz="2800" dirty="0">
-                <a:latin typeface="メイリオ" panose="020B0604030504040204" pitchFamily="50" charset="-128"/>
-                <a:ea typeface="メイリオ" panose="020B0604030504040204" pitchFamily="50" charset="-128"/>
-              </a:rPr>
-              <a:t/>
-            </a:r>
             <a:br>
               <a:rPr lang="en-US" altLang="ja-JP" sz="2800" dirty="0">
                 <a:latin typeface="メイリオ" panose="020B0604030504040204" pitchFamily="50" charset="-128"/>
@@ -33687,13 +33532,6 @@
                 <a:ea typeface="メイリオ" panose="020B0604030504040204" pitchFamily="50" charset="-128"/>
               </a:rPr>
               <a:t>）</a:t>
-            </a:r>
-            <a:r>
-              <a:rPr lang="en-US" altLang="ja-JP" sz="2800" dirty="0">
-                <a:latin typeface="メイリオ" panose="020B0604030504040204" pitchFamily="50" charset="-128"/>
-                <a:ea typeface="メイリオ" panose="020B0604030504040204" pitchFamily="50" charset="-128"/>
-              </a:rPr>
-              <a:t/>
             </a:r>
             <a:br>
               <a:rPr lang="en-US" altLang="ja-JP" sz="2800" dirty="0">
@@ -33737,8 +33575,8 @@
         </p:nvSpPr>
         <p:spPr>
           <a:xfrm>
-            <a:off x="7598664" y="5413248"/>
-            <a:ext cx="4593336" cy="1177443"/>
+            <a:off x="6852862" y="5632637"/>
+            <a:ext cx="5201977" cy="958054"/>
           </a:xfrm>
           <a:prstGeom prst="rect">
             <a:avLst/>
@@ -33789,8 +33627,8 @@
         </p:nvSpPr>
         <p:spPr>
           <a:xfrm>
-            <a:off x="10363201" y="5632637"/>
-            <a:ext cx="1828799" cy="738664"/>
+            <a:off x="10363202" y="5632637"/>
+            <a:ext cx="1616466" cy="684803"/>
           </a:xfrm>
           <a:prstGeom prst="rect">
             <a:avLst/>
@@ -33836,7 +33674,7 @@
         </p:nvSpPr>
         <p:spPr>
           <a:xfrm>
-            <a:off x="7733524" y="3420326"/>
+            <a:off x="6377644" y="3451462"/>
             <a:ext cx="4323615" cy="2031325"/>
           </a:xfrm>
           <a:prstGeom prst="rect">
@@ -33862,13 +33700,6 @@
               </a:rPr>
               <a:t>ノイズに</a:t>
             </a:r>
-            <a:r>
-              <a:rPr lang="en-US" altLang="ja-JP" sz="2800" dirty="0">
-                <a:latin typeface="メイリオ" panose="020B0604030504040204" pitchFamily="50" charset="-128"/>
-                <a:ea typeface="メイリオ" panose="020B0604030504040204" pitchFamily="50" charset="-128"/>
-              </a:rPr>
-              <a:t/>
-            </a:r>
             <a:br>
               <a:rPr lang="en-US" altLang="ja-JP" sz="2800" dirty="0">
                 <a:latin typeface="メイリオ" panose="020B0604030504040204" pitchFamily="50" charset="-128"/>
@@ -33917,13 +33748,6 @@
   <p:clrMapOvr>
     <a:masterClrMapping/>
   </p:clrMapOvr>
-  <p:timing>
-    <p:tnLst>
-      <p:par>
-        <p:cTn id="1" dur="indefinite" restart="never" nodeType="tmRoot"/>
-      </p:par>
-    </p:tnLst>
-  </p:timing>
 </p:sld>
 </file>
 
@@ -34176,16 +34000,6 @@
                 <a:ea typeface="メイリオ" panose="020B0604030504040204" pitchFamily="50" charset="-128"/>
               </a:rPr>
               <a:t>特徴量</a:t>
-            </a:r>
-            <a:r>
-              <a:rPr lang="en-US" altLang="ja-JP" sz="2400" dirty="0">
-                <a:solidFill>
-                  <a:schemeClr val="tx1"/>
-                </a:solidFill>
-                <a:latin typeface="メイリオ" panose="020B0604030504040204" pitchFamily="50" charset="-128"/>
-                <a:ea typeface="メイリオ" panose="020B0604030504040204" pitchFamily="50" charset="-128"/>
-              </a:rPr>
-              <a:t/>
             </a:r>
             <a:br>
               <a:rPr lang="en-US" altLang="ja-JP" sz="2400" dirty="0">
@@ -38850,16 +38664,6 @@
                 <a:ea typeface="メイリオ" panose="020B0604030504040204" pitchFamily="50" charset="-128"/>
               </a:rPr>
               <a:t>特徴量</a:t>
-            </a:r>
-            <a:r>
-              <a:rPr lang="en-US" altLang="ja-JP" sz="2400" dirty="0">
-                <a:solidFill>
-                  <a:schemeClr val="tx1"/>
-                </a:solidFill>
-                <a:latin typeface="メイリオ" panose="020B0604030504040204" pitchFamily="50" charset="-128"/>
-                <a:ea typeface="メイリオ" panose="020B0604030504040204" pitchFamily="50" charset="-128"/>
-              </a:rPr>
-              <a:t/>
             </a:r>
             <a:br>
               <a:rPr lang="en-US" altLang="ja-JP" sz="2400" dirty="0">
@@ -39421,13 +39225,6 @@
               </a:rPr>
               <a:t>での</a:t>
             </a:r>
-            <a:r>
-              <a:rPr lang="en-US" altLang="ja-JP" sz="2400" dirty="0">
-                <a:latin typeface="メイリオ" panose="020B0604030504040204" pitchFamily="50" charset="-128"/>
-                <a:ea typeface="メイリオ" panose="020B0604030504040204" pitchFamily="50" charset="-128"/>
-              </a:rPr>
-              <a:t/>
-            </a:r>
             <a:br>
               <a:rPr lang="en-US" altLang="ja-JP" sz="2400" dirty="0">
                 <a:latin typeface="メイリオ" panose="020B0604030504040204" pitchFamily="50" charset="-128"/>
@@ -39508,13 +39305,6 @@
                 <a:ea typeface="メイリオ" panose="020B0604030504040204" pitchFamily="50" charset="-128"/>
               </a:rPr>
               <a:t>での</a:t>
-            </a:r>
-            <a:r>
-              <a:rPr lang="en-US" altLang="ja-JP" sz="2400" dirty="0">
-                <a:latin typeface="メイリオ" panose="020B0604030504040204" pitchFamily="50" charset="-128"/>
-                <a:ea typeface="メイリオ" panose="020B0604030504040204" pitchFamily="50" charset="-128"/>
-              </a:rPr>
-              <a:t/>
             </a:r>
             <a:br>
               <a:rPr lang="en-US" altLang="ja-JP" sz="2400" dirty="0">
@@ -39829,8 +39619,8 @@
         </p:nvSpPr>
         <p:spPr>
           <a:xfrm>
-            <a:off x="275747" y="3080170"/>
-            <a:ext cx="2646485" cy="3285744"/>
+            <a:off x="352768" y="3080170"/>
+            <a:ext cx="2569464" cy="3285744"/>
           </a:xfrm>
           <a:prstGeom prst="rect">
             <a:avLst/>
@@ -40093,16 +39883,6 @@
                 <a:ea typeface="メイリオ" panose="020B0604030504040204" pitchFamily="50" charset="-128"/>
               </a:rPr>
               <a:t>特徴量</a:t>
-            </a:r>
-            <a:r>
-              <a:rPr lang="en-US" altLang="ja-JP" sz="2400" dirty="0">
-                <a:solidFill>
-                  <a:schemeClr val="tx1"/>
-                </a:solidFill>
-                <a:latin typeface="メイリオ" panose="020B0604030504040204" pitchFamily="50" charset="-128"/>
-                <a:ea typeface="メイリオ" panose="020B0604030504040204" pitchFamily="50" charset="-128"/>
-              </a:rPr>
-              <a:t/>
             </a:r>
             <a:br>
               <a:rPr lang="en-US" altLang="ja-JP" sz="2400" dirty="0">
@@ -41008,12 +40788,6 @@
                           <a:effectLst/>
                         </a:rPr>
                         <a:t>・</a:t>
-                      </a:r>
-                      <a:r>
-                        <a:rPr lang="en-US" altLang="ja-JP" sz="2400" u="none" strike="noStrike" dirty="0">
-                          <a:effectLst/>
-                        </a:rPr>
-                        <a:t/>
                       </a:r>
                       <a:br>
                         <a:rPr lang="en-US" altLang="ja-JP" sz="2400" u="none" strike="noStrike" dirty="0">
